--- a/session4/C-SQL_Joins.pptx
+++ b/session4/C-SQL_Joins.pptx
@@ -5,10 +5,10 @@
     <p:sldMasterId id="2147483660" r:id="rId1"/>
   </p:sldMasterIdLst>
   <p:notesMasterIdLst>
-    <p:notesMasterId r:id="rId14"/>
+    <p:notesMasterId r:id="rId17"/>
   </p:notesMasterIdLst>
   <p:handoutMasterIdLst>
-    <p:handoutMasterId r:id="rId15"/>
+    <p:handoutMasterId r:id="rId18"/>
   </p:handoutMasterIdLst>
   <p:sldIdLst>
     <p:sldId id="256" r:id="rId2"/>
@@ -23,6 +23,9 @@
     <p:sldId id="325" r:id="rId11"/>
     <p:sldId id="326" r:id="rId12"/>
     <p:sldId id="327" r:id="rId13"/>
+    <p:sldId id="374" r:id="rId14"/>
+    <p:sldId id="376" r:id="rId15"/>
+    <p:sldId id="375" r:id="rId16"/>
   </p:sldIdLst>
   <p:sldSz cx="9144000" cy="6858000" type="screen4x3"/>
   <p:notesSz cx="7315200" cy="9601200"/>
@@ -315,7 +318,7 @@
             <a:fld id="{0F6AC800-BF99-41BB-8DE5-8FC7E09D6C23}" type="datetimeFigureOut">
               <a:rPr lang="en-US" smtClean="0"/>
               <a:pPr/>
-              <a:t>2/21/2020</a:t>
+              <a:t>6/6/2022</a:t>
             </a:fld>
             <a:endParaRPr lang="en-US" dirty="0"/>
           </a:p>
@@ -719,7 +722,7 @@
           <a:p>
             <a:fld id="{5F4C8C79-FAFE-4D56-A4D5-361B65C3B3FA}" type="datetimeFigureOut">
               <a:rPr lang="en-US" smtClean="0"/>
-              <a:t>2/21/2020</a:t>
+              <a:t>6/6/2022</a:t>
             </a:fld>
             <a:endParaRPr lang="en-US"/>
           </a:p>
@@ -889,7 +892,7 @@
           <a:p>
             <a:fld id="{5F4C8C79-FAFE-4D56-A4D5-361B65C3B3FA}" type="datetimeFigureOut">
               <a:rPr lang="en-US" smtClean="0"/>
-              <a:t>2/21/2020</a:t>
+              <a:t>6/6/2022</a:t>
             </a:fld>
             <a:endParaRPr lang="en-US"/>
           </a:p>
@@ -1069,7 +1072,7 @@
           <a:p>
             <a:fld id="{5F4C8C79-FAFE-4D56-A4D5-361B65C3B3FA}" type="datetimeFigureOut">
               <a:rPr lang="en-US" smtClean="0"/>
-              <a:t>2/21/2020</a:t>
+              <a:t>6/6/2022</a:t>
             </a:fld>
             <a:endParaRPr lang="en-US"/>
           </a:p>
@@ -1270,7 +1273,7 @@
           <a:p>
             <a:fld id="{5F4C8C79-FAFE-4D56-A4D5-361B65C3B3FA}" type="datetimeFigureOut">
               <a:rPr lang="en-US" smtClean="0"/>
-              <a:t>2/21/2020</a:t>
+              <a:t>6/6/2022</a:t>
             </a:fld>
             <a:endParaRPr lang="en-US"/>
           </a:p>
@@ -1514,7 +1517,7 @@
           <a:p>
             <a:fld id="{5F4C8C79-FAFE-4D56-A4D5-361B65C3B3FA}" type="datetimeFigureOut">
               <a:rPr lang="en-US" smtClean="0"/>
-              <a:t>2/21/2020</a:t>
+              <a:t>6/6/2022</a:t>
             </a:fld>
             <a:endParaRPr lang="en-US"/>
           </a:p>
@@ -1746,7 +1749,7 @@
           <a:p>
             <a:fld id="{5F4C8C79-FAFE-4D56-A4D5-361B65C3B3FA}" type="datetimeFigureOut">
               <a:rPr lang="en-US" smtClean="0"/>
-              <a:t>2/21/2020</a:t>
+              <a:t>6/6/2022</a:t>
             </a:fld>
             <a:endParaRPr lang="en-US"/>
           </a:p>
@@ -2113,7 +2116,7 @@
           <a:p>
             <a:fld id="{5F4C8C79-FAFE-4D56-A4D5-361B65C3B3FA}" type="datetimeFigureOut">
               <a:rPr lang="en-US" smtClean="0"/>
-              <a:t>2/21/2020</a:t>
+              <a:t>6/6/2022</a:t>
             </a:fld>
             <a:endParaRPr lang="en-US"/>
           </a:p>
@@ -2231,7 +2234,7 @@
           <a:p>
             <a:fld id="{5F4C8C79-FAFE-4D56-A4D5-361B65C3B3FA}" type="datetimeFigureOut">
               <a:rPr lang="en-US" smtClean="0"/>
-              <a:t>2/21/2020</a:t>
+              <a:t>6/6/2022</a:t>
             </a:fld>
             <a:endParaRPr lang="en-US"/>
           </a:p>
@@ -2326,7 +2329,7 @@
           <a:p>
             <a:fld id="{5F4C8C79-FAFE-4D56-A4D5-361B65C3B3FA}" type="datetimeFigureOut">
               <a:rPr lang="en-US" smtClean="0"/>
-              <a:t>2/21/2020</a:t>
+              <a:t>6/6/2022</a:t>
             </a:fld>
             <a:endParaRPr lang="en-US"/>
           </a:p>
@@ -2603,7 +2606,7 @@
           <a:p>
             <a:fld id="{5F4C8C79-FAFE-4D56-A4D5-361B65C3B3FA}" type="datetimeFigureOut">
               <a:rPr lang="en-US" smtClean="0"/>
-              <a:t>2/21/2020</a:t>
+              <a:t>6/6/2022</a:t>
             </a:fld>
             <a:endParaRPr lang="en-US"/>
           </a:p>
@@ -2860,7 +2863,7 @@
           <a:p>
             <a:fld id="{5F4C8C79-FAFE-4D56-A4D5-361B65C3B3FA}" type="datetimeFigureOut">
               <a:rPr lang="en-US" smtClean="0"/>
-              <a:t>2/21/2020</a:t>
+              <a:t>6/6/2022</a:t>
             </a:fld>
             <a:endParaRPr lang="en-US"/>
           </a:p>
@@ -3073,7 +3076,7 @@
             <a:fld id="{5F4C8C79-FAFE-4D56-A4D5-361B65C3B3FA}" type="datetimeFigureOut">
               <a:rPr lang="en-US" smtClean="0"/>
               <a:pPr/>
-              <a:t>2/21/2020</a:t>
+              <a:t>6/6/2022</a:t>
             </a:fld>
             <a:endParaRPr lang="en-US" dirty="0"/>
           </a:p>
@@ -3553,7 +3556,7 @@
           </a:ln>
           <a:extLst>
             <a:ext uri="{C572A759-6A51-4108-AA02-DFA0A04FC94B}">
-              <ma14:wrappingTextBoxFlag xmlns="" xmlns:ma14="http://schemas.microsoft.com/office/mac/drawingml/2011/main" val="1"/>
+              <ma14:wrappingTextBoxFlag xmlns:ma14="http://schemas.microsoft.com/office/mac/drawingml/2011/main" xmlns="" val="1"/>
             </a:ext>
           </a:extLst>
         </p:spPr>
@@ -4959,7 +4962,7 @@
           </a:ln>
           <a:extLst>
             <a:ext uri="{C572A759-6A51-4108-AA02-DFA0A04FC94B}">
-              <ma14:wrappingTextBoxFlag xmlns="" xmlns:ma14="http://schemas.microsoft.com/office/mac/drawingml/2011/main" val="1"/>
+              <ma14:wrappingTextBoxFlag xmlns:ma14="http://schemas.microsoft.com/office/mac/drawingml/2011/main" xmlns="" val="1"/>
             </a:ext>
           </a:extLst>
         </p:spPr>
@@ -5263,7 +5266,7 @@
           </a:ln>
           <a:extLst>
             <a:ext uri="{C572A759-6A51-4108-AA02-DFA0A04FC94B}">
-              <ma14:wrappingTextBoxFlag xmlns="" xmlns:ma14="http://schemas.microsoft.com/office/mac/drawingml/2011/main" val="1"/>
+              <ma14:wrappingTextBoxFlag xmlns:ma14="http://schemas.microsoft.com/office/mac/drawingml/2011/main" xmlns="" val="1"/>
             </a:ext>
           </a:extLst>
         </p:spPr>
@@ -5607,7 +5610,7 @@
           </a:ln>
           <a:extLst>
             <a:ext uri="{C572A759-6A51-4108-AA02-DFA0A04FC94B}">
-              <ma14:wrappingTextBoxFlag xmlns="" xmlns:ma14="http://schemas.microsoft.com/office/mac/drawingml/2011/main" val="1"/>
+              <ma14:wrappingTextBoxFlag xmlns:ma14="http://schemas.microsoft.com/office/mac/drawingml/2011/main" xmlns="" val="1"/>
             </a:ext>
           </a:extLst>
         </p:spPr>
@@ -6049,7 +6052,7 @@
           </a:ln>
           <a:extLst>
             <a:ext uri="{C572A759-6A51-4108-AA02-DFA0A04FC94B}">
-              <ma14:wrappingTextBoxFlag xmlns="" xmlns:ma14="http://schemas.microsoft.com/office/mac/drawingml/2011/main" val="1"/>
+              <ma14:wrappingTextBoxFlag xmlns:ma14="http://schemas.microsoft.com/office/mac/drawingml/2011/main" xmlns="" val="1"/>
             </a:ext>
           </a:extLst>
         </p:spPr>
@@ -6943,7 +6946,7 @@
           </a:ln>
           <a:extLst>
             <a:ext uri="{C572A759-6A51-4108-AA02-DFA0A04FC94B}">
-              <ma14:wrappingTextBoxFlag xmlns="" xmlns:ma14="http://schemas.microsoft.com/office/mac/drawingml/2011/main" val="1"/>
+              <ma14:wrappingTextBoxFlag xmlns:ma14="http://schemas.microsoft.com/office/mac/drawingml/2011/main" xmlns="" val="1"/>
             </a:ext>
           </a:extLst>
         </p:spPr>
@@ -7867,7 +7870,7 @@
           </a:ln>
           <a:extLst>
             <a:ext uri="{C572A759-6A51-4108-AA02-DFA0A04FC94B}">
-              <ma14:wrappingTextBoxFlag xmlns="" xmlns:ma14="http://schemas.microsoft.com/office/mac/drawingml/2011/main" val="1"/>
+              <ma14:wrappingTextBoxFlag xmlns:ma14="http://schemas.microsoft.com/office/mac/drawingml/2011/main" xmlns="" val="1"/>
             </a:ext>
           </a:extLst>
         </p:spPr>
@@ -8569,7 +8572,7 @@
           </a:ln>
           <a:extLst>
             <a:ext uri="{C572A759-6A51-4108-AA02-DFA0A04FC94B}">
-              <ma14:wrappingTextBoxFlag xmlns="" xmlns:ma14="http://schemas.microsoft.com/office/mac/drawingml/2011/main" val="1"/>
+              <ma14:wrappingTextBoxFlag xmlns:ma14="http://schemas.microsoft.com/office/mac/drawingml/2011/main" xmlns="" val="1"/>
             </a:ext>
           </a:extLst>
         </p:spPr>
@@ -8641,7 +8644,7 @@
           </a:ln>
           <a:extLst>
             <a:ext uri="{C572A759-6A51-4108-AA02-DFA0A04FC94B}">
-              <ma14:wrappingTextBoxFlag xmlns="" xmlns:ma14="http://schemas.microsoft.com/office/mac/drawingml/2011/main" val="1"/>
+              <ma14:wrappingTextBoxFlag xmlns:ma14="http://schemas.microsoft.com/office/mac/drawingml/2011/main" xmlns="" val="1"/>
             </a:ext>
           </a:extLst>
         </p:spPr>
@@ -8684,7 +8687,7 @@
         <p:spPr>
           <a:xfrm>
             <a:off x="529119" y="1376737"/>
-            <a:ext cx="7870005" cy="3046988"/>
+            <a:ext cx="7870005" cy="3785652"/>
           </a:xfrm>
           <a:prstGeom prst="rect">
             <a:avLst/>
@@ -8711,6 +8714,32 @@
             </a:r>
           </a:p>
           <a:p>
+            <a:pPr lvl="1"/>
+            <a:endParaRPr lang="en-US" sz="2400" i="1" dirty="0"/>
+          </a:p>
+          <a:p>
+            <a:pPr marL="285750" indent="-285750">
+              <a:buFont typeface="Arial" panose="020B0604020202020204" pitchFamily="34" charset="0"/>
+              <a:buChar char="•"/>
+            </a:pPr>
+            <a:r>
+              <a:rPr lang="en-US" sz="2400" dirty="0"/>
+              <a:t>List </a:t>
+            </a:r>
+            <a:r>
+              <a:rPr lang="en-US" sz="2400" b="1" dirty="0">
+                <a:solidFill>
+                  <a:srgbClr val="C00000"/>
+                </a:solidFill>
+              </a:rPr>
+              <a:t>all the movies </a:t>
+            </a:r>
+            <a:r>
+              <a:rPr lang="en-US" sz="2400" dirty="0"/>
+              <a:t>and their genres; show null if they do not have a genre</a:t>
+            </a:r>
+          </a:p>
+          <a:p>
             <a:pPr marL="285750" indent="-285750">
               <a:buFont typeface="Arial" panose="020B0604020202020204" pitchFamily="34" charset="0"/>
               <a:buChar char="•"/>
@@ -8724,24 +8753,19 @@
             </a:pPr>
             <a:r>
               <a:rPr lang="en-US" sz="2400" dirty="0"/>
-              <a:t>List all the movies without actors</a:t>
-            </a:r>
-          </a:p>
-          <a:p>
-            <a:pPr marL="742950" lvl="1" indent="-285750">
-              <a:buFont typeface="Arial" panose="020B0604020202020204" pitchFamily="34" charset="0"/>
-              <a:buChar char="•"/>
-            </a:pPr>
-            <a:endParaRPr lang="en-US" sz="2400" i="1" dirty="0"/>
-          </a:p>
-          <a:p>
-            <a:pPr marL="285750" indent="-285750">
-              <a:buFont typeface="Arial" panose="020B0604020202020204" pitchFamily="34" charset="0"/>
-              <a:buChar char="•"/>
-            </a:pPr>
+              <a:t>List </a:t>
+            </a:r>
+            <a:r>
+              <a:rPr lang="en-US" sz="2400" b="1" dirty="0">
+                <a:solidFill>
+                  <a:srgbClr val="C00000"/>
+                </a:solidFill>
+              </a:rPr>
+              <a:t>all the students </a:t>
+            </a:r>
             <a:r>
               <a:rPr lang="en-US" sz="2400" dirty="0"/>
-              <a:t>List all the movies without an associated genre</a:t>
+              <a:t>and their Concentration; show null if they have not listed a concentration</a:t>
             </a:r>
           </a:p>
           <a:p>
@@ -8758,7 +8782,7 @@
             </a:pPr>
             <a:r>
               <a:rPr lang="en-US" sz="2400" dirty="0"/>
-              <a:t>List all the Students that have not listed a Concentration</a:t>
+              <a:t>List all the movies without actors</a:t>
             </a:r>
           </a:p>
           <a:p>
@@ -8774,6 +8798,643 @@
     <p:extLst>
       <p:ext uri="{BB962C8B-B14F-4D97-AF65-F5344CB8AC3E}">
         <p14:creationId xmlns:p14="http://schemas.microsoft.com/office/powerpoint/2010/main" val="1515900114"/>
+      </p:ext>
+    </p:extLst>
+  </p:cSld>
+  <p:clrMapOvr>
+    <a:masterClrMapping/>
+  </p:clrMapOvr>
+  <p:transition spd="med"/>
+</p:sld>
+</file>
+
+<file path=ppt/slides/slide13.xml><?xml version="1.0" encoding="utf-8"?>
+<p:sld xmlns:a="http://schemas.openxmlformats.org/drawingml/2006/main" xmlns:r="http://schemas.openxmlformats.org/officeDocument/2006/relationships" xmlns:p="http://schemas.openxmlformats.org/presentationml/2006/main">
+  <p:cSld>
+    <p:spTree>
+      <p:nvGrpSpPr>
+        <p:cNvPr id="1" name=""/>
+        <p:cNvGrpSpPr/>
+        <p:nvPr/>
+      </p:nvGrpSpPr>
+      <p:grpSpPr>
+        <a:xfrm>
+          <a:off x="0" y="0"/>
+          <a:ext cx="0" cy="0"/>
+          <a:chOff x="0" y="0"/>
+          <a:chExt cx="0" cy="0"/>
+        </a:xfrm>
+      </p:grpSpPr>
+      <p:sp>
+        <p:nvSpPr>
+          <p:cNvPr id="189" name="Shape 189"/>
+          <p:cNvSpPr/>
+          <p:nvPr/>
+        </p:nvSpPr>
+        <p:spPr>
+          <a:xfrm>
+            <a:off x="386308" y="147496"/>
+            <a:ext cx="7757379" cy="553998"/>
+          </a:xfrm>
+          <a:prstGeom prst="rect">
+            <a:avLst/>
+          </a:prstGeom>
+          <a:ln w="12700">
+            <a:miter lim="400000"/>
+          </a:ln>
+          <a:extLst>
+            <a:ext uri="{C572A759-6A51-4108-AA02-DFA0A04FC94B}">
+              <ma14:wrappingTextBoxFlag xmlns:ma14="http://schemas.microsoft.com/office/mac/drawingml/2011/main" xmlns="" val="1"/>
+            </a:ext>
+          </a:extLst>
+        </p:spPr>
+        <p:txBody>
+          <a:bodyPr lIns="45719" rIns="45719">
+            <a:spAutoFit/>
+          </a:bodyPr>
+          <a:lstStyle>
+            <a:lvl1pPr>
+              <a:defRPr sz="3000" b="1">
+                <a:uFill>
+                  <a:solidFill>
+                    <a:srgbClr val="FFFFFF"/>
+                  </a:solidFill>
+                </a:uFill>
+              </a:defRPr>
+            </a:lvl1pPr>
+          </a:lstStyle>
+          <a:p>
+            <a:pPr lvl="0">
+              <a:defRPr sz="1800" b="0">
+                <a:solidFill>
+                  <a:srgbClr val="000000"/>
+                </a:solidFill>
+                <a:uFillTx/>
+              </a:defRPr>
+            </a:pPr>
+            <a:r>
+              <a:rPr lang="en-US" sz="3000" b="1" dirty="0" err="1">
+                <a:uFill>
+                  <a:solidFill>
+                    <a:srgbClr val="FFFFFF"/>
+                  </a:solidFill>
+                </a:uFill>
+                <a:latin typeface="Arial Unicode MS" panose="020B0604020202020204" pitchFamily="34" charset="-128"/>
+              </a:rPr>
+              <a:t>SemiJoins</a:t>
+            </a:r>
+            <a:r>
+              <a:rPr lang="en-US" sz="3000" b="1" dirty="0">
+                <a:uFill>
+                  <a:solidFill>
+                    <a:srgbClr val="FFFFFF"/>
+                  </a:solidFill>
+                </a:uFill>
+                <a:latin typeface="Arial Unicode MS" panose="020B0604020202020204" pitchFamily="34" charset="-128"/>
+              </a:rPr>
+              <a:t> and </a:t>
+            </a:r>
+            <a:r>
+              <a:rPr lang="en-US" sz="3000" b="1" dirty="0" err="1">
+                <a:uFill>
+                  <a:solidFill>
+                    <a:srgbClr val="FFFFFF"/>
+                  </a:solidFill>
+                </a:uFill>
+                <a:latin typeface="Arial Unicode MS" panose="020B0604020202020204" pitchFamily="34" charset="-128"/>
+              </a:rPr>
+              <a:t>AntiJoins</a:t>
+            </a:r>
+            <a:endParaRPr sz="3000" b="1" dirty="0">
+              <a:uFill>
+                <a:solidFill>
+                  <a:srgbClr val="FFFFFF"/>
+                </a:solidFill>
+              </a:uFill>
+              <a:latin typeface="Arial Unicode MS" panose="020B0604020202020204" pitchFamily="34" charset="-128"/>
+            </a:endParaRPr>
+          </a:p>
+        </p:txBody>
+      </p:sp>
+      <p:sp>
+        <p:nvSpPr>
+          <p:cNvPr id="190" name="Shape 190"/>
+          <p:cNvSpPr/>
+          <p:nvPr/>
+        </p:nvSpPr>
+        <p:spPr>
+          <a:xfrm>
+            <a:off x="469900" y="1324179"/>
+            <a:ext cx="8204200" cy="307777"/>
+          </a:xfrm>
+          <a:prstGeom prst="rect">
+            <a:avLst/>
+          </a:prstGeom>
+          <a:ln w="12700">
+            <a:miter lim="400000"/>
+          </a:ln>
+          <a:extLst>
+            <a:ext uri="{C572A759-6A51-4108-AA02-DFA0A04FC94B}">
+              <ma14:wrappingTextBoxFlag xmlns:ma14="http://schemas.microsoft.com/office/mac/drawingml/2011/main" xmlns="" val="1"/>
+            </a:ext>
+          </a:extLst>
+        </p:spPr>
+        <p:txBody>
+          <a:bodyPr lIns="0" tIns="0" rIns="0" bIns="0">
+            <a:spAutoFit/>
+          </a:bodyPr>
+          <a:lstStyle/>
+          <a:p>
+            <a:pPr lvl="0">
+              <a:spcBef>
+                <a:spcPts val="700"/>
+              </a:spcBef>
+              <a:buSzPct val="100000"/>
+              <a:defRPr sz="1800">
+                <a:solidFill>
+                  <a:srgbClr val="000000"/>
+                </a:solidFill>
+                <a:uFillTx/>
+              </a:defRPr>
+            </a:pPr>
+            <a:endParaRPr sz="2000" dirty="0">
+              <a:uFill>
+                <a:solidFill/>
+              </a:uFill>
+              <a:latin typeface="Arial Unicode MS" panose="020B0604020202020204" pitchFamily="34" charset="-128"/>
+              <a:ea typeface="Arial Unicode MS" panose="020B0604020202020204" pitchFamily="34" charset="-128"/>
+              <a:cs typeface="Arial Unicode MS" panose="020B0604020202020204" pitchFamily="34" charset="-128"/>
+              <a:sym typeface="Iowan Old Style Roman"/>
+            </a:endParaRPr>
+          </a:p>
+        </p:txBody>
+      </p:sp>
+      <p:sp>
+        <p:nvSpPr>
+          <p:cNvPr id="2" name="TextBox 1"/>
+          <p:cNvSpPr txBox="1"/>
+          <p:nvPr/>
+        </p:nvSpPr>
+        <p:spPr>
+          <a:xfrm>
+            <a:off x="194925" y="1376737"/>
+            <a:ext cx="8204200" cy="4154984"/>
+          </a:xfrm>
+          <a:prstGeom prst="rect">
+            <a:avLst/>
+          </a:prstGeom>
+          <a:noFill/>
+        </p:spPr>
+        <p:txBody>
+          <a:bodyPr wrap="square" rtlCol="0">
+            <a:spAutoFit/>
+          </a:bodyPr>
+          <a:lstStyle/>
+          <a:p>
+            <a:r>
+              <a:rPr lang="en-US" sz="2400" dirty="0"/>
+              <a:t>Often, we use joins to compare entries across two tables with no intention of showing information from both tables.</a:t>
+            </a:r>
+          </a:p>
+          <a:p>
+            <a:endParaRPr lang="en-US" sz="2400" dirty="0"/>
+          </a:p>
+          <a:p>
+            <a:r>
+              <a:rPr lang="en-US" sz="2400" b="1" dirty="0" err="1"/>
+              <a:t>Semijoin</a:t>
+            </a:r>
+            <a:r>
+              <a:rPr lang="en-US" sz="2400" dirty="0"/>
+              <a:t>: </a:t>
+            </a:r>
+          </a:p>
+          <a:p>
+            <a:pPr marL="342900" indent="-342900">
+              <a:buFont typeface="Arial" panose="020B0604020202020204" pitchFamily="34" charset="0"/>
+              <a:buChar char="•"/>
+            </a:pPr>
+            <a:r>
+              <a:rPr lang="en-US" sz="2400" dirty="0"/>
+              <a:t>(Inner) Join tables A and B</a:t>
+            </a:r>
+          </a:p>
+          <a:p>
+            <a:pPr marL="342900" indent="-342900">
+              <a:buFont typeface="Arial" panose="020B0604020202020204" pitchFamily="34" charset="0"/>
+              <a:buChar char="•"/>
+            </a:pPr>
+            <a:r>
+              <a:rPr lang="en-US" sz="2400" dirty="0"/>
+              <a:t>Show only matching rows from A</a:t>
+            </a:r>
+          </a:p>
+          <a:p>
+            <a:endParaRPr lang="en-US" sz="2400" dirty="0"/>
+          </a:p>
+          <a:p>
+            <a:r>
+              <a:rPr lang="en-US" sz="2400" b="1" dirty="0"/>
+              <a:t>Antijoin</a:t>
+            </a:r>
+            <a:r>
+              <a:rPr lang="en-US" sz="2400" dirty="0"/>
+              <a:t>: </a:t>
+            </a:r>
+          </a:p>
+          <a:p>
+            <a:pPr marL="342900" indent="-342900">
+              <a:buFont typeface="Arial" panose="020B0604020202020204" pitchFamily="34" charset="0"/>
+              <a:buChar char="•"/>
+            </a:pPr>
+            <a:r>
+              <a:rPr lang="en-US" sz="2400" dirty="0"/>
+              <a:t>(Outer) Join tables A and B</a:t>
+            </a:r>
+          </a:p>
+          <a:p>
+            <a:pPr marL="342900" indent="-342900">
+              <a:buFont typeface="Arial" panose="020B0604020202020204" pitchFamily="34" charset="0"/>
+              <a:buChar char="•"/>
+            </a:pPr>
+            <a:r>
+              <a:rPr lang="en-US" sz="2400" dirty="0"/>
+              <a:t>Show non-matching rows from A</a:t>
+            </a:r>
+          </a:p>
+          <a:p>
+            <a:pPr marL="285750" indent="-285750">
+              <a:buFont typeface="Arial" panose="020B0604020202020204" pitchFamily="34" charset="0"/>
+              <a:buChar char="•"/>
+            </a:pPr>
+            <a:endParaRPr lang="en-US" sz="2400" dirty="0"/>
+          </a:p>
+        </p:txBody>
+      </p:sp>
+    </p:spTree>
+    <p:extLst>
+      <p:ext uri="{BB962C8B-B14F-4D97-AF65-F5344CB8AC3E}">
+        <p14:creationId xmlns:p14="http://schemas.microsoft.com/office/powerpoint/2010/main" val="251839436"/>
+      </p:ext>
+    </p:extLst>
+  </p:cSld>
+  <p:clrMapOvr>
+    <a:masterClrMapping/>
+  </p:clrMapOvr>
+  <p:transition spd="med"/>
+</p:sld>
+</file>
+
+<file path=ppt/slides/slide14.xml><?xml version="1.0" encoding="utf-8"?>
+<p:sld xmlns:a="http://schemas.openxmlformats.org/drawingml/2006/main" xmlns:r="http://schemas.openxmlformats.org/officeDocument/2006/relationships" xmlns:p="http://schemas.openxmlformats.org/presentationml/2006/main">
+  <p:cSld>
+    <p:spTree>
+      <p:nvGrpSpPr>
+        <p:cNvPr id="1" name=""/>
+        <p:cNvGrpSpPr/>
+        <p:nvPr/>
+      </p:nvGrpSpPr>
+      <p:grpSpPr>
+        <a:xfrm>
+          <a:off x="0" y="0"/>
+          <a:ext cx="0" cy="0"/>
+          <a:chOff x="0" y="0"/>
+          <a:chExt cx="0" cy="0"/>
+        </a:xfrm>
+      </p:grpSpPr>
+      <p:sp>
+        <p:nvSpPr>
+          <p:cNvPr id="189" name="Shape 189"/>
+          <p:cNvSpPr/>
+          <p:nvPr/>
+        </p:nvSpPr>
+        <p:spPr>
+          <a:xfrm>
+            <a:off x="386308" y="147496"/>
+            <a:ext cx="7757379" cy="553998"/>
+          </a:xfrm>
+          <a:prstGeom prst="rect">
+            <a:avLst/>
+          </a:prstGeom>
+          <a:ln w="12700">
+            <a:miter lim="400000"/>
+          </a:ln>
+          <a:extLst>
+            <a:ext uri="{C572A759-6A51-4108-AA02-DFA0A04FC94B}">
+              <ma14:wrappingTextBoxFlag xmlns:ma14="http://schemas.microsoft.com/office/mac/drawingml/2011/main" xmlns="" val="1"/>
+            </a:ext>
+          </a:extLst>
+        </p:spPr>
+        <p:txBody>
+          <a:bodyPr lIns="45719" rIns="45719">
+            <a:spAutoFit/>
+          </a:bodyPr>
+          <a:lstStyle>
+            <a:lvl1pPr>
+              <a:defRPr sz="3000" b="1">
+                <a:uFill>
+                  <a:solidFill>
+                    <a:srgbClr val="FFFFFF"/>
+                  </a:solidFill>
+                </a:uFill>
+              </a:defRPr>
+            </a:lvl1pPr>
+          </a:lstStyle>
+          <a:p>
+            <a:pPr lvl="0">
+              <a:defRPr sz="1800" b="0">
+                <a:solidFill>
+                  <a:srgbClr val="000000"/>
+                </a:solidFill>
+                <a:uFillTx/>
+              </a:defRPr>
+            </a:pPr>
+            <a:r>
+              <a:rPr lang="en-US" sz="3000" b="1" dirty="0">
+                <a:uFill>
+                  <a:solidFill>
+                    <a:srgbClr val="FFFFFF"/>
+                  </a:solidFill>
+                </a:uFill>
+                <a:latin typeface="Arial Unicode MS" panose="020B0604020202020204" pitchFamily="34" charset="-128"/>
+              </a:rPr>
+              <a:t>Practice </a:t>
+            </a:r>
+            <a:r>
+              <a:rPr lang="en-US" sz="3000" b="1" dirty="0" err="1">
+                <a:uFill>
+                  <a:solidFill>
+                    <a:srgbClr val="FFFFFF"/>
+                  </a:solidFill>
+                </a:uFill>
+                <a:latin typeface="Arial Unicode MS" panose="020B0604020202020204" pitchFamily="34" charset="-128"/>
+              </a:rPr>
+              <a:t>SemiJoins</a:t>
+            </a:r>
+            <a:r>
+              <a:rPr lang="en-US" sz="3000" b="1" dirty="0">
+                <a:uFill>
+                  <a:solidFill>
+                    <a:srgbClr val="FFFFFF"/>
+                  </a:solidFill>
+                </a:uFill>
+                <a:latin typeface="Arial Unicode MS" panose="020B0604020202020204" pitchFamily="34" charset="-128"/>
+              </a:rPr>
+              <a:t> and </a:t>
+            </a:r>
+            <a:r>
+              <a:rPr lang="en-US" sz="3000" b="1" dirty="0" err="1">
+                <a:uFill>
+                  <a:solidFill>
+                    <a:srgbClr val="FFFFFF"/>
+                  </a:solidFill>
+                </a:uFill>
+                <a:latin typeface="Arial Unicode MS" panose="020B0604020202020204" pitchFamily="34" charset="-128"/>
+              </a:rPr>
+              <a:t>AntiJoins</a:t>
+            </a:r>
+            <a:endParaRPr sz="3000" b="1" dirty="0">
+              <a:uFill>
+                <a:solidFill>
+                  <a:srgbClr val="FFFFFF"/>
+                </a:solidFill>
+              </a:uFill>
+              <a:latin typeface="Arial Unicode MS" panose="020B0604020202020204" pitchFamily="34" charset="-128"/>
+            </a:endParaRPr>
+          </a:p>
+        </p:txBody>
+      </p:sp>
+      <p:sp>
+        <p:nvSpPr>
+          <p:cNvPr id="190" name="Shape 190"/>
+          <p:cNvSpPr/>
+          <p:nvPr/>
+        </p:nvSpPr>
+        <p:spPr>
+          <a:xfrm>
+            <a:off x="469900" y="1324179"/>
+            <a:ext cx="8204200" cy="307777"/>
+          </a:xfrm>
+          <a:prstGeom prst="rect">
+            <a:avLst/>
+          </a:prstGeom>
+          <a:ln w="12700">
+            <a:miter lim="400000"/>
+          </a:ln>
+          <a:extLst>
+            <a:ext uri="{C572A759-6A51-4108-AA02-DFA0A04FC94B}">
+              <ma14:wrappingTextBoxFlag xmlns:ma14="http://schemas.microsoft.com/office/mac/drawingml/2011/main" xmlns="" val="1"/>
+            </a:ext>
+          </a:extLst>
+        </p:spPr>
+        <p:txBody>
+          <a:bodyPr lIns="0" tIns="0" rIns="0" bIns="0">
+            <a:spAutoFit/>
+          </a:bodyPr>
+          <a:lstStyle/>
+          <a:p>
+            <a:pPr lvl="0">
+              <a:spcBef>
+                <a:spcPts val="700"/>
+              </a:spcBef>
+              <a:buSzPct val="100000"/>
+              <a:defRPr sz="1800">
+                <a:solidFill>
+                  <a:srgbClr val="000000"/>
+                </a:solidFill>
+                <a:uFillTx/>
+              </a:defRPr>
+            </a:pPr>
+            <a:endParaRPr sz="2000" dirty="0">
+              <a:uFill>
+                <a:solidFill/>
+              </a:uFill>
+              <a:latin typeface="Arial Unicode MS" panose="020B0604020202020204" pitchFamily="34" charset="-128"/>
+              <a:ea typeface="Arial Unicode MS" panose="020B0604020202020204" pitchFamily="34" charset="-128"/>
+              <a:cs typeface="Arial Unicode MS" panose="020B0604020202020204" pitchFamily="34" charset="-128"/>
+              <a:sym typeface="Iowan Old Style Roman"/>
+            </a:endParaRPr>
+          </a:p>
+        </p:txBody>
+      </p:sp>
+      <p:sp>
+        <p:nvSpPr>
+          <p:cNvPr id="2" name="TextBox 1"/>
+          <p:cNvSpPr txBox="1"/>
+          <p:nvPr/>
+        </p:nvSpPr>
+        <p:spPr>
+          <a:xfrm>
+            <a:off x="194925" y="1376737"/>
+            <a:ext cx="8204200" cy="4524315"/>
+          </a:xfrm>
+          <a:prstGeom prst="rect">
+            <a:avLst/>
+          </a:prstGeom>
+          <a:noFill/>
+        </p:spPr>
+        <p:txBody>
+          <a:bodyPr wrap="square" rtlCol="0">
+            <a:spAutoFit/>
+          </a:bodyPr>
+          <a:lstStyle/>
+          <a:p>
+            <a:r>
+              <a:rPr lang="en-US" sz="2400" dirty="0"/>
+              <a:t>Facebook database, using the Profiles and Concentration tables:</a:t>
+            </a:r>
+          </a:p>
+          <a:p>
+            <a:endParaRPr lang="en-US" sz="2400" dirty="0"/>
+          </a:p>
+          <a:p>
+            <a:pPr marL="342900" indent="-342900">
+              <a:buFont typeface="Arial" panose="020B0604020202020204" pitchFamily="34" charset="0"/>
+              <a:buChar char="•"/>
+            </a:pPr>
+            <a:r>
+              <a:rPr lang="en-US" sz="2400" b="1" dirty="0"/>
+              <a:t>Inner join</a:t>
+            </a:r>
+            <a:r>
+              <a:rPr lang="en-US" sz="2400" dirty="0"/>
+              <a:t>: List the </a:t>
+            </a:r>
+            <a:r>
+              <a:rPr lang="en-US" sz="2400" dirty="0" err="1"/>
+              <a:t>profileID</a:t>
+            </a:r>
+            <a:r>
+              <a:rPr lang="en-US" sz="2400" dirty="0"/>
+              <a:t>, the name of the student, and their concentration(s)</a:t>
+            </a:r>
+          </a:p>
+          <a:p>
+            <a:pPr marL="342900" indent="-342900">
+              <a:buFont typeface="Arial" panose="020B0604020202020204" pitchFamily="34" charset="0"/>
+              <a:buChar char="•"/>
+            </a:pPr>
+            <a:r>
+              <a:rPr lang="en-US" sz="2400" b="1" dirty="0"/>
+              <a:t>(Left) </a:t>
+            </a:r>
+            <a:r>
+              <a:rPr lang="en-US" sz="2400" b="1" dirty="0">
+                <a:solidFill>
+                  <a:srgbClr val="C00000"/>
+                </a:solidFill>
+              </a:rPr>
+              <a:t>Semi-join</a:t>
+            </a:r>
+            <a:r>
+              <a:rPr lang="en-US" sz="2400" dirty="0"/>
+              <a:t>: List the </a:t>
+            </a:r>
+            <a:r>
+              <a:rPr lang="en-US" sz="2400" dirty="0" err="1"/>
+              <a:t>profileID</a:t>
+            </a:r>
+            <a:r>
+              <a:rPr lang="en-US" sz="2400" dirty="0"/>
+              <a:t>, the name of the student, for students that have listed "Finance" as their concentration</a:t>
+            </a:r>
+          </a:p>
+          <a:p>
+            <a:pPr marL="342900" indent="-342900">
+              <a:buFont typeface="Arial" panose="020B0604020202020204" pitchFamily="34" charset="0"/>
+              <a:buChar char="•"/>
+            </a:pPr>
+            <a:endParaRPr lang="en-US" sz="2400" dirty="0"/>
+          </a:p>
+          <a:p>
+            <a:pPr marL="342900" indent="-342900">
+              <a:buFont typeface="Arial" panose="020B0604020202020204" pitchFamily="34" charset="0"/>
+              <a:buChar char="•"/>
+            </a:pPr>
+            <a:r>
+              <a:rPr lang="en-US" sz="2400" b="1" dirty="0"/>
+              <a:t>Left join</a:t>
+            </a:r>
+            <a:r>
+              <a:rPr lang="en-US" sz="2400" dirty="0"/>
+              <a:t>: List the </a:t>
+            </a:r>
+            <a:r>
+              <a:rPr lang="en-US" sz="2400" dirty="0" err="1"/>
+              <a:t>profileID</a:t>
+            </a:r>
+            <a:r>
+              <a:rPr lang="en-US" sz="2400" dirty="0"/>
+              <a:t>, the name of the student, and their concentration(s), including all students that have not listed a concentration</a:t>
+            </a:r>
+          </a:p>
+          <a:p>
+            <a:pPr marL="342900" indent="-342900">
+              <a:buFont typeface="Arial" panose="020B0604020202020204" pitchFamily="34" charset="0"/>
+              <a:buChar char="•"/>
+            </a:pPr>
+            <a:r>
+              <a:rPr lang="en-US" sz="2400" b="1" dirty="0"/>
+              <a:t>(Left) </a:t>
+            </a:r>
+            <a:r>
+              <a:rPr lang="en-US" sz="2400" b="1" dirty="0">
+                <a:solidFill>
+                  <a:srgbClr val="C00000"/>
+                </a:solidFill>
+              </a:rPr>
+              <a:t>Anti-join</a:t>
+            </a:r>
+            <a:r>
+              <a:rPr lang="en-US" sz="2400" dirty="0"/>
+              <a:t>: List the </a:t>
+            </a:r>
+            <a:r>
+              <a:rPr lang="en-US" sz="2400" dirty="0" err="1"/>
+              <a:t>profileID</a:t>
+            </a:r>
+            <a:r>
+              <a:rPr lang="en-US" sz="2400" dirty="0"/>
+              <a:t> and the name of the student, for all students that have not listed a concentration</a:t>
+            </a:r>
+          </a:p>
+        </p:txBody>
+      </p:sp>
+    </p:spTree>
+    <p:extLst>
+      <p:ext uri="{BB962C8B-B14F-4D97-AF65-F5344CB8AC3E}">
+        <p14:creationId xmlns:p14="http://schemas.microsoft.com/office/powerpoint/2010/main" val="1996991160"/>
+      </p:ext>
+    </p:extLst>
+  </p:cSld>
+  <p:clrMapOvr>
+    <a:masterClrMapping/>
+  </p:clrMapOvr>
+  <p:transition spd="med"/>
+</p:sld>
+</file>
+
+<file path=ppt/slides/slide15.xml><?xml version="1.0" encoding="utf-8"?>
+<p:sld xmlns:a="http://schemas.openxmlformats.org/drawingml/2006/main" xmlns:r="http://schemas.openxmlformats.org/officeDocument/2006/relationships" xmlns:p="http://schemas.openxmlformats.org/presentationml/2006/main">
+  <p:cSld>
+    <p:spTree>
+      <p:nvGrpSpPr>
+        <p:cNvPr id="1" name=""/>
+        <p:cNvGrpSpPr/>
+        <p:nvPr/>
+      </p:nvGrpSpPr>
+      <p:grpSpPr>
+        <a:xfrm>
+          <a:off x="0" y="0"/>
+          <a:ext cx="0" cy="0"/>
+          <a:chOff x="0" y="0"/>
+          <a:chExt cx="0" cy="0"/>
+        </a:xfrm>
+      </p:grpSpPr>
+    </p:spTree>
+    <p:extLst>
+      <p:ext uri="{BB962C8B-B14F-4D97-AF65-F5344CB8AC3E}">
+        <p14:creationId xmlns:p14="http://schemas.microsoft.com/office/powerpoint/2010/main" val="2612237412"/>
       </p:ext>
     </p:extLst>
   </p:cSld>
@@ -8820,7 +9481,7 @@
           </a:ln>
           <a:extLst>
             <a:ext uri="{C572A759-6A51-4108-AA02-DFA0A04FC94B}">
-              <ma14:wrappingTextBoxFlag xmlns="" xmlns:ma14="http://schemas.microsoft.com/office/mac/drawingml/2011/main" val="1"/>
+              <ma14:wrappingTextBoxFlag xmlns:ma14="http://schemas.microsoft.com/office/mac/drawingml/2011/main" xmlns="" val="1"/>
             </a:ext>
           </a:extLst>
         </p:spPr>
@@ -8880,7 +9541,7 @@
           </a:ln>
           <a:extLst>
             <a:ext uri="{C572A759-6A51-4108-AA02-DFA0A04FC94B}">
-              <ma14:wrappingTextBoxFlag xmlns="" xmlns:ma14="http://schemas.microsoft.com/office/mac/drawingml/2011/main" val="1"/>
+              <ma14:wrappingTextBoxFlag xmlns:ma14="http://schemas.microsoft.com/office/mac/drawingml/2011/main" xmlns="" val="1"/>
             </a:ext>
           </a:extLst>
         </p:spPr>
@@ -9097,7 +9758,7 @@
           </a:ln>
           <a:extLst>
             <a:ext uri="{C572A759-6A51-4108-AA02-DFA0A04FC94B}">
-              <ma14:wrappingTextBoxFlag xmlns="" xmlns:ma14="http://schemas.microsoft.com/office/mac/drawingml/2011/main" val="1"/>
+              <ma14:wrappingTextBoxFlag xmlns:ma14="http://schemas.microsoft.com/office/mac/drawingml/2011/main" xmlns="" val="1"/>
             </a:ext>
           </a:extLst>
         </p:spPr>
@@ -9200,7 +9861,7 @@
           </a:ln>
           <a:extLst>
             <a:ext uri="{C572A759-6A51-4108-AA02-DFA0A04FC94B}">
-              <ma14:wrappingTextBoxFlag xmlns="" xmlns:ma14="http://schemas.microsoft.com/office/mac/drawingml/2011/main" val="1"/>
+              <ma14:wrappingTextBoxFlag xmlns:ma14="http://schemas.microsoft.com/office/mac/drawingml/2011/main" xmlns="" val="1"/>
             </a:ext>
           </a:extLst>
         </p:spPr>
@@ -10094,7 +10755,7 @@
           </a:ln>
           <a:extLst>
             <a:ext uri="{C572A759-6A51-4108-AA02-DFA0A04FC94B}">
-              <ma14:wrappingTextBoxFlag xmlns="" xmlns:ma14="http://schemas.microsoft.com/office/mac/drawingml/2011/main" val="1"/>
+              <ma14:wrappingTextBoxFlag xmlns:ma14="http://schemas.microsoft.com/office/mac/drawingml/2011/main" xmlns="" val="1"/>
             </a:ext>
           </a:extLst>
         </p:spPr>
@@ -10589,7 +11250,7 @@
           </a:ln>
           <a:extLst>
             <a:ext uri="{C572A759-6A51-4108-AA02-DFA0A04FC94B}">
-              <ma14:wrappingTextBoxFlag xmlns="" xmlns:ma14="http://schemas.microsoft.com/office/mac/drawingml/2011/main" val="1"/>
+              <ma14:wrappingTextBoxFlag xmlns:ma14="http://schemas.microsoft.com/office/mac/drawingml/2011/main" xmlns="" val="1"/>
             </a:ext>
           </a:extLst>
         </p:spPr>
@@ -10653,7 +11314,7 @@
           </a:ln>
           <a:extLst>
             <a:ext uri="{C572A759-6A51-4108-AA02-DFA0A04FC94B}">
-              <ma14:wrappingTextBoxFlag xmlns="" xmlns:ma14="http://schemas.microsoft.com/office/mac/drawingml/2011/main" val="1"/>
+              <ma14:wrappingTextBoxFlag xmlns:ma14="http://schemas.microsoft.com/office/mac/drawingml/2011/main" xmlns="" val="1"/>
             </a:ext>
           </a:extLst>
         </p:spPr>
@@ -10761,7 +11422,7 @@
           </a:ln>
           <a:extLst>
             <a:ext uri="{C572A759-6A51-4108-AA02-DFA0A04FC94B}">
-              <ma14:wrappingTextBoxFlag xmlns="" xmlns:ma14="http://schemas.microsoft.com/office/mac/drawingml/2011/main" val="1"/>
+              <ma14:wrappingTextBoxFlag xmlns:ma14="http://schemas.microsoft.com/office/mac/drawingml/2011/main" xmlns="" val="1"/>
             </a:ext>
           </a:extLst>
         </p:spPr>
@@ -11231,7 +11892,7 @@
           </a:ln>
           <a:extLst>
             <a:ext uri="{C572A759-6A51-4108-AA02-DFA0A04FC94B}">
-              <ma14:wrappingTextBoxFlag xmlns="" xmlns:ma14="http://schemas.microsoft.com/office/mac/drawingml/2011/main" val="1"/>
+              <ma14:wrappingTextBoxFlag xmlns:ma14="http://schemas.microsoft.com/office/mac/drawingml/2011/main" xmlns="" val="1"/>
             </a:ext>
           </a:extLst>
         </p:spPr>
@@ -13179,7 +13840,7 @@
           </a:ln>
           <a:extLst>
             <a:ext uri="{C572A759-6A51-4108-AA02-DFA0A04FC94B}">
-              <ma14:wrappingTextBoxFlag xmlns="" xmlns:ma14="http://schemas.microsoft.com/office/mac/drawingml/2011/main" val="1"/>
+              <ma14:wrappingTextBoxFlag xmlns:ma14="http://schemas.microsoft.com/office/mac/drawingml/2011/main" xmlns="" val="1"/>
             </a:ext>
           </a:extLst>
         </p:spPr>
@@ -13500,7 +14161,7 @@
           </a:ln>
           <a:extLst>
             <a:ext uri="{C572A759-6A51-4108-AA02-DFA0A04FC94B}">
-              <ma14:wrappingTextBoxFlag xmlns="" xmlns:ma14="http://schemas.microsoft.com/office/mac/drawingml/2011/main" val="1"/>
+              <ma14:wrappingTextBoxFlag xmlns:ma14="http://schemas.microsoft.com/office/mac/drawingml/2011/main" xmlns="" val="1"/>
             </a:ext>
           </a:extLst>
         </p:spPr>
@@ -13810,7 +14471,7 @@
           </a:ln>
           <a:extLst>
             <a:ext uri="{C572A759-6A51-4108-AA02-DFA0A04FC94B}">
-              <ma14:wrappingTextBoxFlag xmlns="" xmlns:ma14="http://schemas.microsoft.com/office/mac/drawingml/2011/main" val="1"/>
+              <ma14:wrappingTextBoxFlag xmlns:ma14="http://schemas.microsoft.com/office/mac/drawingml/2011/main" xmlns="" val="1"/>
             </a:ext>
           </a:extLst>
         </p:spPr>
@@ -14089,7 +14750,7 @@
           </a:ln>
           <a:extLst>
             <a:ext uri="{C572A759-6A51-4108-AA02-DFA0A04FC94B}">
-              <ma14:wrappingTextBoxFlag xmlns="" xmlns:ma14="http://schemas.microsoft.com/office/mac/drawingml/2011/main" val="1"/>
+              <ma14:wrappingTextBoxFlag xmlns:ma14="http://schemas.microsoft.com/office/mac/drawingml/2011/main" xmlns="" val="1"/>
             </a:ext>
           </a:extLst>
         </p:spPr>
@@ -14281,7 +14942,7 @@
           </a:ln>
           <a:extLst>
             <a:ext uri="{C572A759-6A51-4108-AA02-DFA0A04FC94B}">
-              <ma14:wrappingTextBoxFlag xmlns="" xmlns:ma14="http://schemas.microsoft.com/office/mac/drawingml/2011/main" val="1"/>
+              <ma14:wrappingTextBoxFlag xmlns:ma14="http://schemas.microsoft.com/office/mac/drawingml/2011/main" xmlns="" val="1"/>
             </a:ext>
           </a:extLst>
         </p:spPr>

--- a/session4/C-SQL_Joins.pptx
+++ b/session4/C-SQL_Joins.pptx
@@ -9431,6 +9431,94 @@
           <a:chExt cx="0" cy="0"/>
         </a:xfrm>
       </p:grpSpPr>
+      <p:pic>
+        <p:nvPicPr>
+          <p:cNvPr id="1027" name="Picture 3" descr="Joins visualized">
+            <a:extLst>
+              <a:ext uri="{FF2B5EF4-FFF2-40B4-BE49-F238E27FC236}">
+                <a16:creationId xmlns:a16="http://schemas.microsoft.com/office/drawing/2014/main" id="{7F8EB05C-0E04-0943-4C18-E28421FE26CF}"/>
+              </a:ext>
+            </a:extLst>
+          </p:cNvPr>
+          <p:cNvPicPr>
+            <a:picLocks noChangeAspect="1" noChangeArrowheads="1"/>
+          </p:cNvPicPr>
+          <p:nvPr/>
+        </p:nvPicPr>
+        <p:blipFill>
+          <a:blip r:embed="rId2">
+            <a:extLst>
+              <a:ext uri="{28A0092B-C50C-407E-A947-70E740481C1C}">
+                <a14:useLocalDpi xmlns:a14="http://schemas.microsoft.com/office/drawing/2010/main" val="0"/>
+              </a:ext>
+            </a:extLst>
+          </a:blip>
+          <a:srcRect/>
+          <a:stretch>
+            <a:fillRect/>
+          </a:stretch>
+        </p:blipFill>
+        <p:spPr bwMode="auto">
+          <a:xfrm>
+            <a:off x="1739900" y="0"/>
+            <a:ext cx="5662613" cy="6478292"/>
+          </a:xfrm>
+          <a:prstGeom prst="rect">
+            <a:avLst/>
+          </a:prstGeom>
+          <a:noFill/>
+          <a:extLst>
+            <a:ext uri="{909E8E84-426E-40DD-AFC4-6F175D3DCCD1}">
+              <a14:hiddenFill xmlns:a14="http://schemas.microsoft.com/office/drawing/2010/main">
+                <a:solidFill>
+                  <a:srgbClr val="FFFFFF"/>
+                </a:solidFill>
+              </a14:hiddenFill>
+            </a:ext>
+          </a:extLst>
+        </p:spPr>
+      </p:pic>
+      <p:sp>
+        <p:nvSpPr>
+          <p:cNvPr id="12" name="TextBox 11">
+            <a:extLst>
+              <a:ext uri="{FF2B5EF4-FFF2-40B4-BE49-F238E27FC236}">
+                <a16:creationId xmlns:a16="http://schemas.microsoft.com/office/drawing/2014/main" id="{5BFE3725-3AD3-9613-0DEC-85C0B3B392A2}"/>
+              </a:ext>
+            </a:extLst>
+          </p:cNvPr>
+          <p:cNvSpPr txBox="1"/>
+          <p:nvPr/>
+        </p:nvSpPr>
+        <p:spPr>
+          <a:xfrm>
+            <a:off x="3131976" y="6488668"/>
+            <a:ext cx="2908040" cy="369332"/>
+          </a:xfrm>
+          <a:prstGeom prst="rect">
+            <a:avLst/>
+          </a:prstGeom>
+          <a:noFill/>
+        </p:spPr>
+        <p:txBody>
+          <a:bodyPr wrap="square">
+            <a:spAutoFit/>
+          </a:bodyPr>
+          <a:lstStyle/>
+          <a:p>
+            <a:r>
+              <a:rPr lang="en-US" dirty="0">
+                <a:hlinkClick r:id="rId3"/>
+              </a:rPr>
+              <a:t>https://bit.ly/joins_explained</a:t>
+            </a:r>
+            <a:r>
+              <a:rPr lang="en-US" dirty="0"/>
+              <a:t> </a:t>
+            </a:r>
+          </a:p>
+        </p:txBody>
+      </p:sp>
     </p:spTree>
     <p:extLst>
       <p:ext uri="{BB962C8B-B14F-4D97-AF65-F5344CB8AC3E}">

--- a/session4/C-SQL_Joins.pptx
+++ b/session4/C-SQL_Joins.pptx
@@ -5,27 +5,29 @@
     <p:sldMasterId id="2147483660" r:id="rId1"/>
   </p:sldMasterIdLst>
   <p:notesMasterIdLst>
-    <p:notesMasterId r:id="rId17"/>
+    <p:notesMasterId r:id="rId19"/>
   </p:notesMasterIdLst>
   <p:handoutMasterIdLst>
-    <p:handoutMasterId r:id="rId18"/>
+    <p:handoutMasterId r:id="rId20"/>
   </p:handoutMasterIdLst>
   <p:sldIdLst>
     <p:sldId id="256" r:id="rId2"/>
     <p:sldId id="320" r:id="rId3"/>
     <p:sldId id="364" r:id="rId4"/>
-    <p:sldId id="321" r:id="rId5"/>
-    <p:sldId id="322" r:id="rId6"/>
-    <p:sldId id="370" r:id="rId7"/>
-    <p:sldId id="323" r:id="rId8"/>
-    <p:sldId id="330" r:id="rId9"/>
-    <p:sldId id="372" r:id="rId10"/>
-    <p:sldId id="325" r:id="rId11"/>
-    <p:sldId id="326" r:id="rId12"/>
-    <p:sldId id="327" r:id="rId13"/>
-    <p:sldId id="374" r:id="rId14"/>
-    <p:sldId id="376" r:id="rId15"/>
-    <p:sldId id="375" r:id="rId16"/>
+    <p:sldId id="377" r:id="rId5"/>
+    <p:sldId id="378" r:id="rId6"/>
+    <p:sldId id="379" r:id="rId7"/>
+    <p:sldId id="322" r:id="rId8"/>
+    <p:sldId id="370" r:id="rId9"/>
+    <p:sldId id="323" r:id="rId10"/>
+    <p:sldId id="330" r:id="rId11"/>
+    <p:sldId id="372" r:id="rId12"/>
+    <p:sldId id="325" r:id="rId13"/>
+    <p:sldId id="326" r:id="rId14"/>
+    <p:sldId id="327" r:id="rId15"/>
+    <p:sldId id="374" r:id="rId16"/>
+    <p:sldId id="376" r:id="rId17"/>
+    <p:sldId id="375" r:id="rId18"/>
   </p:sldIdLst>
   <p:sldSz cx="9144000" cy="6858000" type="screen4x3"/>
   <p:notesSz cx="7315200" cy="9601200"/>
@@ -318,7 +320,7 @@
             <a:fld id="{0F6AC800-BF99-41BB-8DE5-8FC7E09D6C23}" type="datetimeFigureOut">
               <a:rPr lang="en-US" smtClean="0"/>
               <a:pPr/>
-              <a:t>6/6/2022</a:t>
+              <a:t>5/25/2023</a:t>
             </a:fld>
             <a:endParaRPr lang="en-US" dirty="0"/>
           </a:p>
@@ -722,7 +724,7 @@
           <a:p>
             <a:fld id="{5F4C8C79-FAFE-4D56-A4D5-361B65C3B3FA}" type="datetimeFigureOut">
               <a:rPr lang="en-US" smtClean="0"/>
-              <a:t>6/6/2022</a:t>
+              <a:t>5/25/2023</a:t>
             </a:fld>
             <a:endParaRPr lang="en-US"/>
           </a:p>
@@ -892,7 +894,7 @@
           <a:p>
             <a:fld id="{5F4C8C79-FAFE-4D56-A4D5-361B65C3B3FA}" type="datetimeFigureOut">
               <a:rPr lang="en-US" smtClean="0"/>
-              <a:t>6/6/2022</a:t>
+              <a:t>5/25/2023</a:t>
             </a:fld>
             <a:endParaRPr lang="en-US"/>
           </a:p>
@@ -1072,7 +1074,7 @@
           <a:p>
             <a:fld id="{5F4C8C79-FAFE-4D56-A4D5-361B65C3B3FA}" type="datetimeFigureOut">
               <a:rPr lang="en-US" smtClean="0"/>
-              <a:t>6/6/2022</a:t>
+              <a:t>5/25/2023</a:t>
             </a:fld>
             <a:endParaRPr lang="en-US"/>
           </a:p>
@@ -1273,7 +1275,7 @@
           <a:p>
             <a:fld id="{5F4C8C79-FAFE-4D56-A4D5-361B65C3B3FA}" type="datetimeFigureOut">
               <a:rPr lang="en-US" smtClean="0"/>
-              <a:t>6/6/2022</a:t>
+              <a:t>5/25/2023</a:t>
             </a:fld>
             <a:endParaRPr lang="en-US"/>
           </a:p>
@@ -1517,7 +1519,7 @@
           <a:p>
             <a:fld id="{5F4C8C79-FAFE-4D56-A4D5-361B65C3B3FA}" type="datetimeFigureOut">
               <a:rPr lang="en-US" smtClean="0"/>
-              <a:t>6/6/2022</a:t>
+              <a:t>5/25/2023</a:t>
             </a:fld>
             <a:endParaRPr lang="en-US"/>
           </a:p>
@@ -1749,7 +1751,7 @@
           <a:p>
             <a:fld id="{5F4C8C79-FAFE-4D56-A4D5-361B65C3B3FA}" type="datetimeFigureOut">
               <a:rPr lang="en-US" smtClean="0"/>
-              <a:t>6/6/2022</a:t>
+              <a:t>5/25/2023</a:t>
             </a:fld>
             <a:endParaRPr lang="en-US"/>
           </a:p>
@@ -2116,7 +2118,7 @@
           <a:p>
             <a:fld id="{5F4C8C79-FAFE-4D56-A4D5-361B65C3B3FA}" type="datetimeFigureOut">
               <a:rPr lang="en-US" smtClean="0"/>
-              <a:t>6/6/2022</a:t>
+              <a:t>5/25/2023</a:t>
             </a:fld>
             <a:endParaRPr lang="en-US"/>
           </a:p>
@@ -2234,7 +2236,7 @@
           <a:p>
             <a:fld id="{5F4C8C79-FAFE-4D56-A4D5-361B65C3B3FA}" type="datetimeFigureOut">
               <a:rPr lang="en-US" smtClean="0"/>
-              <a:t>6/6/2022</a:t>
+              <a:t>5/25/2023</a:t>
             </a:fld>
             <a:endParaRPr lang="en-US"/>
           </a:p>
@@ -2329,7 +2331,7 @@
           <a:p>
             <a:fld id="{5F4C8C79-FAFE-4D56-A4D5-361B65C3B3FA}" type="datetimeFigureOut">
               <a:rPr lang="en-US" smtClean="0"/>
-              <a:t>6/6/2022</a:t>
+              <a:t>5/25/2023</a:t>
             </a:fld>
             <a:endParaRPr lang="en-US"/>
           </a:p>
@@ -2606,7 +2608,7 @@
           <a:p>
             <a:fld id="{5F4C8C79-FAFE-4D56-A4D5-361B65C3B3FA}" type="datetimeFigureOut">
               <a:rPr lang="en-US" smtClean="0"/>
-              <a:t>6/6/2022</a:t>
+              <a:t>5/25/2023</a:t>
             </a:fld>
             <a:endParaRPr lang="en-US"/>
           </a:p>
@@ -2863,7 +2865,7 @@
           <a:p>
             <a:fld id="{5F4C8C79-FAFE-4D56-A4D5-361B65C3B3FA}" type="datetimeFigureOut">
               <a:rPr lang="en-US" smtClean="0"/>
-              <a:t>6/6/2022</a:t>
+              <a:t>5/25/2023</a:t>
             </a:fld>
             <a:endParaRPr lang="en-US"/>
           </a:p>
@@ -3076,7 +3078,7 @@
             <a:fld id="{5F4C8C79-FAFE-4D56-A4D5-361B65C3B3FA}" type="datetimeFigureOut">
               <a:rPr lang="en-US" smtClean="0"/>
               <a:pPr/>
-              <a:t>6/6/2022</a:t>
+              <a:t>5/25/2023</a:t>
             </a:fld>
             <a:endParaRPr lang="en-US" dirty="0"/>
           </a:p>
@@ -3539,7 +3541,175 @@
       </p:grpSpPr>
       <p:sp>
         <p:nvSpPr>
-          <p:cNvPr id="170" name="Shape 170"/>
+          <p:cNvPr id="2" name="Rectangle 1"/>
+          <p:cNvSpPr/>
+          <p:nvPr/>
+        </p:nvSpPr>
+        <p:spPr>
+          <a:xfrm>
+            <a:off x="2286000" y="-1049149"/>
+            <a:ext cx="4572000" cy="369332"/>
+          </a:xfrm>
+          <a:prstGeom prst="rect">
+            <a:avLst/>
+          </a:prstGeom>
+        </p:spPr>
+        <p:txBody>
+          <a:bodyPr>
+            <a:spAutoFit/>
+          </a:bodyPr>
+          <a:lstStyle/>
+          <a:p>
+            <a:endParaRPr lang="en-US" dirty="0"/>
+          </a:p>
+        </p:txBody>
+      </p:sp>
+      <p:sp>
+        <p:nvSpPr>
+          <p:cNvPr id="4" name="Rectangle 3"/>
+          <p:cNvSpPr/>
+          <p:nvPr/>
+        </p:nvSpPr>
+        <p:spPr>
+          <a:xfrm>
+            <a:off x="171450" y="1888597"/>
+            <a:ext cx="8458200" cy="5401479"/>
+          </a:xfrm>
+          <a:prstGeom prst="rect">
+            <a:avLst/>
+          </a:prstGeom>
+        </p:spPr>
+        <p:txBody>
+          <a:bodyPr wrap="square">
+            <a:spAutoFit/>
+          </a:bodyPr>
+          <a:lstStyle/>
+          <a:p>
+            <a:pPr marL="285750" indent="-285750">
+              <a:buFont typeface="Arial" panose="020B0604020202020204" pitchFamily="34" charset="0"/>
+              <a:buChar char="•"/>
+            </a:pPr>
+            <a:r>
+              <a:rPr lang="en-US" sz="2300" dirty="0"/>
+              <a:t>List all the Single students</a:t>
+            </a:r>
+          </a:p>
+          <a:p>
+            <a:pPr marL="285750" indent="-285750">
+              <a:buFont typeface="Arial" panose="020B0604020202020204" pitchFamily="34" charset="0"/>
+              <a:buChar char="•"/>
+            </a:pPr>
+            <a:endParaRPr lang="en-US" sz="2300" dirty="0"/>
+          </a:p>
+          <a:p>
+            <a:pPr marL="285750" indent="-285750">
+              <a:buFont typeface="Arial" panose="020B0604020202020204" pitchFamily="34" charset="0"/>
+              <a:buChar char="•"/>
+            </a:pPr>
+            <a:r>
+              <a:rPr lang="en-US" sz="2300" dirty="0"/>
+              <a:t>List all the Single students who live in Palladium (as declared in the “Residence” attribute). </a:t>
+            </a:r>
+          </a:p>
+          <a:p>
+            <a:pPr marL="742950" lvl="1" indent="-285750">
+              <a:buFont typeface="Arial" panose="020B0604020202020204" pitchFamily="34" charset="0"/>
+              <a:buChar char="•"/>
+            </a:pPr>
+            <a:r>
+              <a:rPr lang="en-US" sz="2300" dirty="0"/>
+              <a:t>Allow for flexible matching of the “Residence” as people list Palladium in different manner (</a:t>
+            </a:r>
+            <a:r>
+              <a:rPr lang="en-US" sz="2300" dirty="0" err="1"/>
+              <a:t>e.g</a:t>
+            </a:r>
+            <a:r>
+              <a:rPr lang="en-US" sz="2300" dirty="0"/>
+              <a:t> “Palladium 101” vs “Palladium”)</a:t>
+            </a:r>
+          </a:p>
+          <a:p>
+            <a:pPr marL="285750" indent="-285750">
+              <a:buFont typeface="Arial" panose="020B0604020202020204" pitchFamily="34" charset="0"/>
+              <a:buChar char="•"/>
+            </a:pPr>
+            <a:r>
+              <a:rPr lang="en-US" sz="2300" dirty="0"/>
+              <a:t>List all the Single students </a:t>
+            </a:r>
+            <a:r>
+              <a:rPr lang="en-US" sz="2300" dirty="0" err="1"/>
+              <a:t>LookingFor</a:t>
+            </a:r>
+            <a:r>
+              <a:rPr lang="en-US" sz="2300" dirty="0"/>
+              <a:t> “random play”. </a:t>
+            </a:r>
+          </a:p>
+          <a:p>
+            <a:pPr marL="742950" lvl="1" indent="-285750">
+              <a:buFont typeface="Arial" panose="020B0604020202020204" pitchFamily="34" charset="0"/>
+              <a:buChar char="•"/>
+            </a:pPr>
+            <a:r>
+              <a:rPr lang="en-US" sz="2300" dirty="0"/>
+              <a:t>List their AIM and their gender in the results.</a:t>
+            </a:r>
+          </a:p>
+          <a:p>
+            <a:pPr marL="285750" indent="-285750">
+              <a:buFont typeface="Arial" panose="020B0604020202020204" pitchFamily="34" charset="0"/>
+              <a:buChar char="•"/>
+            </a:pPr>
+            <a:endParaRPr lang="en-US" sz="2300" dirty="0"/>
+          </a:p>
+          <a:p>
+            <a:pPr marL="285750" indent="-285750">
+              <a:buFont typeface="Arial" panose="020B0604020202020204" pitchFamily="34" charset="0"/>
+              <a:buChar char="•"/>
+            </a:pPr>
+            <a:r>
+              <a:rPr lang="en-US" sz="2300" dirty="0"/>
+              <a:t>List all the students who have “The Killers” as favorite Music</a:t>
+            </a:r>
+          </a:p>
+          <a:p>
+            <a:pPr marL="285750" indent="-285750">
+              <a:buFont typeface="Arial" panose="020B0604020202020204" pitchFamily="34" charset="0"/>
+              <a:buChar char="•"/>
+            </a:pPr>
+            <a:r>
+              <a:rPr lang="en-US" sz="2300" dirty="0"/>
+              <a:t>List all the Finance students who like the book “1984”</a:t>
+            </a:r>
+          </a:p>
+          <a:p>
+            <a:pPr marL="285750" indent="-285750">
+              <a:buFont typeface="Arial" panose="020B0604020202020204" pitchFamily="34" charset="0"/>
+              <a:buChar char="•"/>
+            </a:pPr>
+            <a:endParaRPr lang="en-US" sz="2300" dirty="0"/>
+          </a:p>
+          <a:p>
+            <a:pPr marL="285750" indent="-285750">
+              <a:buFont typeface="Arial" panose="020B0604020202020204" pitchFamily="34" charset="0"/>
+              <a:buChar char="•"/>
+            </a:pPr>
+            <a:endParaRPr lang="en-US" sz="2300" dirty="0"/>
+          </a:p>
+          <a:p>
+            <a:pPr marL="285750" indent="-285750">
+              <a:buFont typeface="Arial" panose="020B0604020202020204" pitchFamily="34" charset="0"/>
+              <a:buChar char="•"/>
+            </a:pPr>
+            <a:endParaRPr lang="en-US" sz="2300" i="1" dirty="0"/>
+          </a:p>
+        </p:txBody>
+      </p:sp>
+      <p:sp>
+        <p:nvSpPr>
+          <p:cNvPr id="5" name="Shape 189"/>
           <p:cNvSpPr/>
           <p:nvPr/>
         </p:nvSpPr>
@@ -3556,7 +3726,7 @@
           </a:ln>
           <a:extLst>
             <a:ext uri="{C572A759-6A51-4108-AA02-DFA0A04FC94B}">
-              <ma14:wrappingTextBoxFlag xmlns:ma14="http://schemas.microsoft.com/office/mac/drawingml/2011/main" xmlns="" val="1"/>
+              <ma14:wrappingTextBoxFlag xmlns="" xmlns:ma14="http://schemas.microsoft.com/office/mac/drawingml/2011/main" val="1"/>
             </a:ext>
           </a:extLst>
         </p:spPr>
@@ -3593,6 +3763,301 @@
                 </a:uFill>
                 <a:latin typeface="Arial Unicode MS" panose="020B0604020202020204" pitchFamily="34" charset="-128"/>
               </a:rPr>
+              <a:t>Joins Practice Queries</a:t>
+            </a:r>
+            <a:r>
+              <a:rPr lang="en-US" sz="3000" b="1" dirty="0">
+                <a:uFill>
+                  <a:solidFill>
+                    <a:srgbClr val="FFFFFF"/>
+                  </a:solidFill>
+                </a:uFill>
+                <a:latin typeface="Arial Unicode MS" panose="020B0604020202020204" pitchFamily="34" charset="-128"/>
+              </a:rPr>
+              <a:t>: Facebook</a:t>
+            </a:r>
+            <a:endParaRPr sz="3000" b="1" dirty="0">
+              <a:uFill>
+                <a:solidFill>
+                  <a:srgbClr val="FFFFFF"/>
+                </a:solidFill>
+              </a:uFill>
+              <a:latin typeface="Arial Unicode MS" panose="020B0604020202020204" pitchFamily="34" charset="-128"/>
+            </a:endParaRPr>
+          </a:p>
+        </p:txBody>
+      </p:sp>
+    </p:spTree>
+    <p:extLst>
+      <p:ext uri="{BB962C8B-B14F-4D97-AF65-F5344CB8AC3E}">
+        <p14:creationId xmlns:p14="http://schemas.microsoft.com/office/powerpoint/2010/main" val="1707111362"/>
+      </p:ext>
+    </p:extLst>
+  </p:cSld>
+  <p:clrMapOvr>
+    <a:masterClrMapping/>
+  </p:clrMapOvr>
+  <p:transition spd="med"/>
+</p:sld>
+</file>
+
+<file path=ppt/slides/slide11.xml><?xml version="1.0" encoding="utf-8"?>
+<p:sld xmlns:a="http://schemas.openxmlformats.org/drawingml/2006/main" xmlns:r="http://schemas.openxmlformats.org/officeDocument/2006/relationships" xmlns:p="http://schemas.openxmlformats.org/presentationml/2006/main">
+  <p:cSld>
+    <p:spTree>
+      <p:nvGrpSpPr>
+        <p:cNvPr id="1" name=""/>
+        <p:cNvGrpSpPr/>
+        <p:nvPr/>
+      </p:nvGrpSpPr>
+      <p:grpSpPr>
+        <a:xfrm>
+          <a:off x="0" y="0"/>
+          <a:ext cx="0" cy="0"/>
+          <a:chOff x="0" y="0"/>
+          <a:chExt cx="0" cy="0"/>
+        </a:xfrm>
+      </p:grpSpPr>
+      <p:sp>
+        <p:nvSpPr>
+          <p:cNvPr id="2" name="Rectangle 1"/>
+          <p:cNvSpPr/>
+          <p:nvPr/>
+        </p:nvSpPr>
+        <p:spPr>
+          <a:xfrm>
+            <a:off x="2286000" y="-1049149"/>
+            <a:ext cx="4572000" cy="369332"/>
+          </a:xfrm>
+          <a:prstGeom prst="rect">
+            <a:avLst/>
+          </a:prstGeom>
+        </p:spPr>
+        <p:txBody>
+          <a:bodyPr>
+            <a:spAutoFit/>
+          </a:bodyPr>
+          <a:lstStyle/>
+          <a:p>
+            <a:endParaRPr lang="en-US" dirty="0"/>
+          </a:p>
+        </p:txBody>
+      </p:sp>
+      <p:sp>
+        <p:nvSpPr>
+          <p:cNvPr id="4" name="Rectangle 3"/>
+          <p:cNvSpPr/>
+          <p:nvPr/>
+        </p:nvSpPr>
+        <p:spPr>
+          <a:xfrm>
+            <a:off x="171450" y="1888597"/>
+            <a:ext cx="7242464" cy="2923877"/>
+          </a:xfrm>
+          <a:prstGeom prst="rect">
+            <a:avLst/>
+          </a:prstGeom>
+        </p:spPr>
+        <p:txBody>
+          <a:bodyPr wrap="square">
+            <a:spAutoFit/>
+          </a:bodyPr>
+          <a:lstStyle/>
+          <a:p>
+            <a:pPr marL="285750" indent="-285750">
+              <a:buFont typeface="Arial" panose="020B0604020202020204" pitchFamily="34" charset="0"/>
+              <a:buChar char="•"/>
+            </a:pPr>
+            <a:r>
+              <a:rPr lang="en-US" sz="2300" dirty="0"/>
+              <a:t>List the movies in the database that have both drama and comedy listed among their genres</a:t>
+            </a:r>
+          </a:p>
+          <a:p>
+            <a:pPr marL="285750" indent="-285750">
+              <a:buFont typeface="Arial" panose="020B0604020202020204" pitchFamily="34" charset="0"/>
+              <a:buChar char="•"/>
+            </a:pPr>
+            <a:endParaRPr lang="en-US" sz="2300" dirty="0"/>
+          </a:p>
+          <a:p>
+            <a:pPr marL="285750" indent="-285750">
+              <a:buFont typeface="Arial" panose="020B0604020202020204" pitchFamily="34" charset="0"/>
+              <a:buChar char="•"/>
+            </a:pPr>
+            <a:r>
+              <a:rPr lang="en-US" sz="2300" dirty="0"/>
+              <a:t>List the Profile IDs and for students majoring in computer science and another concentration (Concentration table); show the second concentration as well</a:t>
+            </a:r>
+          </a:p>
+          <a:p>
+            <a:pPr marL="285750" indent="-285750">
+              <a:buFont typeface="Arial" panose="020B0604020202020204" pitchFamily="34" charset="0"/>
+              <a:buChar char="•"/>
+            </a:pPr>
+            <a:endParaRPr lang="en-US" sz="2300" i="1" dirty="0"/>
+          </a:p>
+        </p:txBody>
+      </p:sp>
+      <p:sp>
+        <p:nvSpPr>
+          <p:cNvPr id="5" name="Shape 189"/>
+          <p:cNvSpPr/>
+          <p:nvPr/>
+        </p:nvSpPr>
+        <p:spPr>
+          <a:xfrm>
+            <a:off x="386308" y="147496"/>
+            <a:ext cx="7757379" cy="553998"/>
+          </a:xfrm>
+          <a:prstGeom prst="rect">
+            <a:avLst/>
+          </a:prstGeom>
+          <a:ln w="12700">
+            <a:miter lim="400000"/>
+          </a:ln>
+          <a:extLst>
+            <a:ext uri="{C572A759-6A51-4108-AA02-DFA0A04FC94B}">
+              <ma14:wrappingTextBoxFlag xmlns="" xmlns:ma14="http://schemas.microsoft.com/office/mac/drawingml/2011/main" val="1"/>
+            </a:ext>
+          </a:extLst>
+        </p:spPr>
+        <p:txBody>
+          <a:bodyPr lIns="45719" rIns="45719">
+            <a:spAutoFit/>
+          </a:bodyPr>
+          <a:lstStyle>
+            <a:lvl1pPr>
+              <a:defRPr sz="3000" b="1">
+                <a:uFill>
+                  <a:solidFill>
+                    <a:srgbClr val="FFFFFF"/>
+                  </a:solidFill>
+                </a:uFill>
+              </a:defRPr>
+            </a:lvl1pPr>
+          </a:lstStyle>
+          <a:p>
+            <a:pPr lvl="0">
+              <a:defRPr sz="1800" b="0">
+                <a:solidFill>
+                  <a:srgbClr val="000000"/>
+                </a:solidFill>
+                <a:uFillTx/>
+              </a:defRPr>
+            </a:pPr>
+            <a:r>
+              <a:rPr lang="en-US" sz="3000" b="1" dirty="0">
+                <a:uFill>
+                  <a:solidFill>
+                    <a:srgbClr val="FFFFFF"/>
+                  </a:solidFill>
+                </a:uFill>
+                <a:latin typeface="Arial Unicode MS" panose="020B0604020202020204" pitchFamily="34" charset="-128"/>
+              </a:rPr>
+              <a:t>Self </a:t>
+            </a:r>
+            <a:r>
+              <a:rPr sz="3000" b="1" dirty="0">
+                <a:uFill>
+                  <a:solidFill>
+                    <a:srgbClr val="FFFFFF"/>
+                  </a:solidFill>
+                </a:uFill>
+                <a:latin typeface="Arial Unicode MS" panose="020B0604020202020204" pitchFamily="34" charset="-128"/>
+              </a:rPr>
+              <a:t>Joins</a:t>
+            </a:r>
+          </a:p>
+        </p:txBody>
+      </p:sp>
+    </p:spTree>
+    <p:extLst>
+      <p:ext uri="{BB962C8B-B14F-4D97-AF65-F5344CB8AC3E}">
+        <p14:creationId xmlns:p14="http://schemas.microsoft.com/office/powerpoint/2010/main" val="1704399800"/>
+      </p:ext>
+    </p:extLst>
+  </p:cSld>
+  <p:clrMapOvr>
+    <a:masterClrMapping/>
+  </p:clrMapOvr>
+  <p:transition spd="med"/>
+</p:sld>
+</file>
+
+<file path=ppt/slides/slide12.xml><?xml version="1.0" encoding="utf-8"?>
+<p:sld xmlns:a="http://schemas.openxmlformats.org/drawingml/2006/main" xmlns:r="http://schemas.openxmlformats.org/officeDocument/2006/relationships" xmlns:p="http://schemas.openxmlformats.org/presentationml/2006/main">
+  <p:cSld>
+    <p:spTree>
+      <p:nvGrpSpPr>
+        <p:cNvPr id="1" name=""/>
+        <p:cNvGrpSpPr/>
+        <p:nvPr/>
+      </p:nvGrpSpPr>
+      <p:grpSpPr>
+        <a:xfrm>
+          <a:off x="0" y="0"/>
+          <a:ext cx="0" cy="0"/>
+          <a:chOff x="0" y="0"/>
+          <a:chExt cx="0" cy="0"/>
+        </a:xfrm>
+      </p:grpSpPr>
+      <p:sp>
+        <p:nvSpPr>
+          <p:cNvPr id="170" name="Shape 170"/>
+          <p:cNvSpPr/>
+          <p:nvPr/>
+        </p:nvSpPr>
+        <p:spPr>
+          <a:xfrm>
+            <a:off x="386308" y="147496"/>
+            <a:ext cx="7757379" cy="553998"/>
+          </a:xfrm>
+          <a:prstGeom prst="rect">
+            <a:avLst/>
+          </a:prstGeom>
+          <a:ln w="12700">
+            <a:miter lim="400000"/>
+          </a:ln>
+          <a:extLst>
+            <a:ext uri="{C572A759-6A51-4108-AA02-DFA0A04FC94B}">
+              <ma14:wrappingTextBoxFlag xmlns="" xmlns:ma14="http://schemas.microsoft.com/office/mac/drawingml/2011/main" val="1"/>
+            </a:ext>
+          </a:extLst>
+        </p:spPr>
+        <p:txBody>
+          <a:bodyPr lIns="45719" rIns="45719">
+            <a:spAutoFit/>
+          </a:bodyPr>
+          <a:lstStyle>
+            <a:lvl1pPr>
+              <a:defRPr sz="3000" b="1">
+                <a:uFill>
+                  <a:solidFill>
+                    <a:srgbClr val="FFFFFF"/>
+                  </a:solidFill>
+                </a:uFill>
+              </a:defRPr>
+            </a:lvl1pPr>
+          </a:lstStyle>
+          <a:p>
+            <a:pPr lvl="0">
+              <a:defRPr sz="1800" b="0">
+                <a:solidFill>
+                  <a:srgbClr val="000000"/>
+                </a:solidFill>
+                <a:uFillTx/>
+              </a:defRPr>
+            </a:pPr>
+            <a:r>
+              <a:rPr sz="3000" b="1" dirty="0">
+                <a:uFill>
+                  <a:solidFill>
+                    <a:srgbClr val="FFFFFF"/>
+                  </a:solidFill>
+                </a:uFill>
+                <a:latin typeface="Arial Unicode MS" panose="020B0604020202020204" pitchFamily="34" charset="-128"/>
+              </a:rPr>
               <a:t>Outer Join</a:t>
             </a:r>
           </a:p>
@@ -3605,7 +4070,7 @@
           <p:nvPr>
             <p:extLst>
               <p:ext uri="{D42A27DB-BD31-4B8C-83A1-F6EECF244321}">
-                <p14:modId xmlns:p14="http://schemas.microsoft.com/office/powerpoint/2010/main" val="4268213693"/>
+                <p14:modId xmlns:p14="http://schemas.microsoft.com/office/powerpoint/2010/main" val="2867090724"/>
               </p:ext>
             </p:extLst>
           </p:nvPr>
@@ -3661,14 +4126,14 @@
                         </a:defRPr>
                       </a:pPr>
                       <a:r>
-                        <a:rPr sz="1600" b="1" dirty="0" err="1">
+                        <a:rPr lang="en-US" sz="1600" b="1" dirty="0" err="1">
                           <a:uFill>
                             <a:solidFill>
                               <a:srgbClr val="FFFFFF"/>
                             </a:solidFill>
                           </a:uFill>
                         </a:rPr>
-                        <a:t>Student_id</a:t>
+                        <a:t>student_id</a:t>
                       </a:r>
                       <a:endParaRPr sz="1600" b="1" i="1" dirty="0">
                         <a:solidFill>
@@ -3702,14 +4167,14 @@
                         </a:defRPr>
                       </a:pPr>
                       <a:r>
-                        <a:rPr sz="1600" b="1" dirty="0">
+                        <a:rPr lang="en-US" sz="1600" b="1" dirty="0" err="1">
                           <a:uFill>
                             <a:solidFill>
                               <a:srgbClr val="FFFFFF"/>
                             </a:solidFill>
                           </a:uFill>
                         </a:rPr>
-                        <a:t>Class Id</a:t>
+                        <a:t>class_id</a:t>
                       </a:r>
                       <a:endParaRPr sz="1600" b="1" i="1" dirty="0">
                         <a:solidFill>
@@ -4438,7 +4903,7 @@
           <p:nvPr>
             <p:extLst>
               <p:ext uri="{D42A27DB-BD31-4B8C-83A1-F6EECF244321}">
-                <p14:modId xmlns:p14="http://schemas.microsoft.com/office/powerpoint/2010/main" val="43877777"/>
+                <p14:modId xmlns:p14="http://schemas.microsoft.com/office/powerpoint/2010/main" val="396832133"/>
               </p:ext>
             </p:extLst>
           </p:nvPr>
@@ -4487,14 +4952,14 @@
                         </a:defRPr>
                       </a:pPr>
                       <a:r>
-                        <a:rPr sz="1600" b="1" dirty="0" err="1">
+                        <a:rPr lang="en-US" sz="1600" b="1" dirty="0" err="1">
                           <a:uFill>
                             <a:solidFill>
                               <a:srgbClr val="FFFFFF"/>
                             </a:solidFill>
                           </a:uFill>
                         </a:rPr>
-                        <a:t>Class_id</a:t>
+                        <a:t>class_id</a:t>
                       </a:r>
                       <a:endParaRPr sz="1600" b="1" i="1" dirty="0">
                         <a:solidFill>
@@ -4516,7 +4981,7 @@
                     <a:bodyPr/>
                     <a:lstStyle/>
                     <a:p>
-                      <a:pPr lvl="0" algn="l">
+                      <a:pPr lvl="0" algn="ctr">
                         <a:spcBef>
                           <a:spcPts val="500"/>
                         </a:spcBef>
@@ -4962,7 +5427,7 @@
           </a:ln>
           <a:extLst>
             <a:ext uri="{C572A759-6A51-4108-AA02-DFA0A04FC94B}">
-              <ma14:wrappingTextBoxFlag xmlns:ma14="http://schemas.microsoft.com/office/mac/drawingml/2011/main" xmlns="" val="1"/>
+              <ma14:wrappingTextBoxFlag xmlns="" xmlns:ma14="http://schemas.microsoft.com/office/mac/drawingml/2011/main" val="1"/>
             </a:ext>
           </a:extLst>
         </p:spPr>
@@ -5170,19 +5635,7 @@
                 <a:cs typeface="Arial Unicode MS" panose="020B0604020202020204" pitchFamily="34" charset="-128"/>
                 <a:sym typeface="Arial Bold"/>
               </a:rPr>
-              <a:t>class_</a:t>
-            </a:r>
-            <a:r>
-              <a:rPr sz="2000" dirty="0" err="1">
-                <a:uFill>
-                  <a:solidFill/>
-                </a:uFill>
-                <a:latin typeface="Arial Unicode MS" panose="020B0604020202020204" pitchFamily="34" charset="-128"/>
-                <a:ea typeface="Arial Unicode MS" panose="020B0604020202020204" pitchFamily="34" charset="-128"/>
-                <a:cs typeface="Arial Unicode MS" panose="020B0604020202020204" pitchFamily="34" charset="-128"/>
-                <a:sym typeface="Arial Bold"/>
-              </a:rPr>
-              <a:t>id</a:t>
+              <a:t>class_id</a:t>
             </a:r>
             <a:r>
               <a:rPr sz="2000" dirty="0">
@@ -5266,7 +5719,7 @@
           </a:ln>
           <a:extLst>
             <a:ext uri="{C572A759-6A51-4108-AA02-DFA0A04FC94B}">
-              <ma14:wrappingTextBoxFlag xmlns:ma14="http://schemas.microsoft.com/office/mac/drawingml/2011/main" xmlns="" val="1"/>
+              <ma14:wrappingTextBoxFlag xmlns="" xmlns:ma14="http://schemas.microsoft.com/office/mac/drawingml/2011/main" val="1"/>
             </a:ext>
           </a:extLst>
         </p:spPr>
@@ -5321,7 +5774,7 @@
               <a:t> </a:t>
             </a:r>
             <a:r>
-              <a:rPr sz="2000" dirty="0" err="1">
+              <a:rPr lang="en-US" sz="2000" dirty="0" err="1">
                 <a:uFill>
                   <a:solidFill/>
                 </a:uFill>
@@ -5442,7 +5895,7 @@
                 <a:cs typeface="Arial Unicode MS" panose="020B0604020202020204" pitchFamily="34" charset="-128"/>
                 <a:sym typeface="Arial Bold"/>
               </a:rPr>
-              <a:t>Student_Has_Class</a:t>
+              <a:t>Student_Class</a:t>
             </a:r>
             <a:r>
               <a:rPr lang="en-US" sz="2000" dirty="0">
@@ -5502,7 +5955,19 @@
                 <a:cs typeface="Arial Unicode MS" panose="020B0604020202020204" pitchFamily="34" charset="-128"/>
                 <a:sym typeface="Arial Bold"/>
               </a:rPr>
-              <a:t>c.class_id</a:t>
+              <a:t>c.</a:t>
+            </a:r>
+            <a:r>
+              <a:rPr lang="en-US" sz="2000" dirty="0" err="1">
+                <a:uFill>
+                  <a:solidFill/>
+                </a:uFill>
+                <a:latin typeface="Arial Unicode MS" panose="020B0604020202020204" pitchFamily="34" charset="-128"/>
+                <a:ea typeface="Arial Unicode MS" panose="020B0604020202020204" pitchFamily="34" charset="-128"/>
+                <a:cs typeface="Arial Unicode MS" panose="020B0604020202020204" pitchFamily="34" charset="-128"/>
+                <a:sym typeface="Arial Bold"/>
+              </a:rPr>
+              <a:t>class_id</a:t>
             </a:r>
             <a:r>
               <a:rPr sz="2000" dirty="0">
@@ -5526,7 +5991,19 @@
                 <a:cs typeface="Arial Unicode MS" panose="020B0604020202020204" pitchFamily="34" charset="-128"/>
                 <a:sym typeface="Arial Bold"/>
               </a:rPr>
-              <a:t>s.class_id</a:t>
+              <a:t>s.</a:t>
+            </a:r>
+            <a:r>
+              <a:rPr lang="en-US" sz="2000" dirty="0" err="1">
+                <a:uFill>
+                  <a:solidFill/>
+                </a:uFill>
+                <a:latin typeface="Arial Unicode MS" panose="020B0604020202020204" pitchFamily="34" charset="-128"/>
+                <a:ea typeface="Arial Unicode MS" panose="020B0604020202020204" pitchFamily="34" charset="-128"/>
+                <a:cs typeface="Arial Unicode MS" panose="020B0604020202020204" pitchFamily="34" charset="-128"/>
+                <a:sym typeface="Arial Bold"/>
+              </a:rPr>
+              <a:t>class_id</a:t>
             </a:r>
             <a:endParaRPr sz="2000" dirty="0">
               <a:uFill>
@@ -5610,7 +6087,7 @@
           </a:ln>
           <a:extLst>
             <a:ext uri="{C572A759-6A51-4108-AA02-DFA0A04FC94B}">
-              <ma14:wrappingTextBoxFlag xmlns:ma14="http://schemas.microsoft.com/office/mac/drawingml/2011/main" xmlns="" val="1"/>
+              <ma14:wrappingTextBoxFlag xmlns="" xmlns:ma14="http://schemas.microsoft.com/office/mac/drawingml/2011/main" val="1"/>
             </a:ext>
           </a:extLst>
         </p:spPr>
@@ -5728,7 +6205,7 @@
         <p:spPr>
           <a:xfrm>
             <a:off x="3433656" y="1104157"/>
-            <a:ext cx="2287806" cy="369332"/>
+            <a:ext cx="1749197" cy="369332"/>
           </a:xfrm>
           <a:prstGeom prst="rect">
             <a:avLst/>
@@ -5750,7 +6227,7 @@
                 <a:cs typeface="Arial Unicode MS" panose="020B0604020202020204" pitchFamily="34" charset="-128"/>
                 <a:sym typeface="Arial Bold"/>
               </a:rPr>
-              <a:t>Student_Has_Class</a:t>
+              <a:t>Student_Class</a:t>
             </a:r>
             <a:r>
               <a:rPr lang="en-US" dirty="0">
@@ -6016,7 +6493,7 @@
 </p:sld>
 </file>
 
-<file path=ppt/slides/slide11.xml><?xml version="1.0" encoding="utf-8"?>
+<file path=ppt/slides/slide13.xml><?xml version="1.0" encoding="utf-8"?>
 <p:sld xmlns:a="http://schemas.openxmlformats.org/drawingml/2006/main" xmlns:r="http://schemas.openxmlformats.org/officeDocument/2006/relationships" xmlns:p="http://schemas.openxmlformats.org/presentationml/2006/main">
   <p:cSld>
     <p:spTree>
@@ -6052,7 +6529,7 @@
           </a:ln>
           <a:extLst>
             <a:ext uri="{C572A759-6A51-4108-AA02-DFA0A04FC94B}">
-              <ma14:wrappingTextBoxFlag xmlns:ma14="http://schemas.microsoft.com/office/mac/drawingml/2011/main" xmlns="" val="1"/>
+              <ma14:wrappingTextBoxFlag xmlns="" xmlns:ma14="http://schemas.microsoft.com/office/mac/drawingml/2011/main" val="1"/>
             </a:ext>
           </a:extLst>
         </p:spPr>
@@ -6101,7 +6578,7 @@
           <p:nvPr>
             <p:extLst>
               <p:ext uri="{D42A27DB-BD31-4B8C-83A1-F6EECF244321}">
-                <p14:modId xmlns:p14="http://schemas.microsoft.com/office/powerpoint/2010/main" val="471011978"/>
+                <p14:modId xmlns:p14="http://schemas.microsoft.com/office/powerpoint/2010/main" val="3766115252"/>
               </p:ext>
             </p:extLst>
           </p:nvPr>
@@ -6157,14 +6634,14 @@
                         </a:defRPr>
                       </a:pPr>
                       <a:r>
-                        <a:rPr sz="1600" dirty="0" err="1">
+                        <a:rPr lang="en-US" sz="1600" dirty="0" err="1">
                           <a:uFill>
                             <a:solidFill>
                               <a:srgbClr val="FFFFFF"/>
                             </a:solidFill>
                           </a:uFill>
                         </a:rPr>
-                        <a:t>Student_id</a:t>
+                        <a:t>student_id</a:t>
                       </a:r>
                       <a:endParaRPr sz="1600" b="1" i="1" dirty="0">
                         <a:solidFill>
@@ -6198,14 +6675,14 @@
                         </a:defRPr>
                       </a:pPr>
                       <a:r>
-                        <a:rPr sz="1600" dirty="0">
+                        <a:rPr lang="en-US" sz="1600" dirty="0" err="1">
                           <a:uFill>
                             <a:solidFill>
                               <a:srgbClr val="FFFFFF"/>
                             </a:solidFill>
                           </a:uFill>
                         </a:rPr>
-                        <a:t>Class Id</a:t>
+                        <a:t>class_id</a:t>
                       </a:r>
                       <a:endParaRPr sz="1600" b="1" i="1" dirty="0">
                         <a:solidFill>
@@ -6946,7 +7423,7 @@
           </a:ln>
           <a:extLst>
             <a:ext uri="{C572A759-6A51-4108-AA02-DFA0A04FC94B}">
-              <ma14:wrappingTextBoxFlag xmlns:ma14="http://schemas.microsoft.com/office/mac/drawingml/2011/main" xmlns="" val="1"/>
+              <ma14:wrappingTextBoxFlag xmlns="" xmlns:ma14="http://schemas.microsoft.com/office/mac/drawingml/2011/main" val="1"/>
             </a:ext>
           </a:extLst>
         </p:spPr>
@@ -7154,7 +7631,7 @@
           <p:nvPr>
             <p:extLst>
               <p:ext uri="{D42A27DB-BD31-4B8C-83A1-F6EECF244321}">
-                <p14:modId xmlns:p14="http://schemas.microsoft.com/office/powerpoint/2010/main" val="3221423310"/>
+                <p14:modId xmlns:p14="http://schemas.microsoft.com/office/powerpoint/2010/main" val="15842805"/>
               </p:ext>
             </p:extLst>
           </p:nvPr>
@@ -7191,6 +7668,47 @@
                     <a:bodyPr/>
                     <a:lstStyle/>
                     <a:p>
+                      <a:pPr lvl="0" algn="ctr">
+                        <a:spcBef>
+                          <a:spcPts val="500"/>
+                        </a:spcBef>
+                        <a:defRPr sz="1800" b="0" i="0">
+                          <a:solidFill>
+                            <a:srgbClr val="000000"/>
+                          </a:solidFill>
+                          <a:uFillTx/>
+                        </a:defRPr>
+                      </a:pPr>
+                      <a:r>
+                        <a:rPr sz="1600" dirty="0">
+                          <a:uFill>
+                            <a:solidFill>
+                              <a:srgbClr val="FFFFFF"/>
+                            </a:solidFill>
+                          </a:uFill>
+                        </a:rPr>
+                        <a:t>Class</a:t>
+                      </a:r>
+                      <a:endParaRPr sz="1600" b="1" i="1" dirty="0">
+                        <a:solidFill>
+                          <a:schemeClr val="tx1"/>
+                        </a:solidFill>
+                        <a:uFill>
+                          <a:solidFill>
+                            <a:srgbClr val="FFFFFF"/>
+                          </a:solidFill>
+                        </a:uFill>
+                        <a:latin typeface="Arial Unicode MS" panose="020B0604020202020204" pitchFamily="34" charset="-128"/>
+                      </a:endParaRPr>
+                    </a:p>
+                  </a:txBody>
+                  <a:tcPr marL="63500" marR="63500" marT="63500" marB="63500" horzOverflow="overflow"/>
+                </a:tc>
+                <a:tc>
+                  <a:txBody>
+                    <a:bodyPr/>
+                    <a:lstStyle/>
+                    <a:p>
                       <a:pPr lvl="0" algn="l">
                         <a:spcBef>
                           <a:spcPts val="500"/>
@@ -7203,55 +7721,14 @@
                         </a:defRPr>
                       </a:pPr>
                       <a:r>
-                        <a:rPr sz="1600" dirty="0">
+                        <a:rPr lang="en-US" sz="1600" dirty="0" err="1">
                           <a:uFill>
                             <a:solidFill>
                               <a:srgbClr val="FFFFFF"/>
                             </a:solidFill>
                           </a:uFill>
                         </a:rPr>
-                        <a:t>Class</a:t>
-                      </a:r>
-                      <a:endParaRPr sz="1600" b="1" i="1" dirty="0">
-                        <a:solidFill>
-                          <a:schemeClr val="tx1"/>
-                        </a:solidFill>
-                        <a:uFill>
-                          <a:solidFill>
-                            <a:srgbClr val="FFFFFF"/>
-                          </a:solidFill>
-                        </a:uFill>
-                        <a:latin typeface="Arial Unicode MS" panose="020B0604020202020204" pitchFamily="34" charset="-128"/>
-                      </a:endParaRPr>
-                    </a:p>
-                  </a:txBody>
-                  <a:tcPr marL="63500" marR="63500" marT="63500" marB="63500" horzOverflow="overflow"/>
-                </a:tc>
-                <a:tc>
-                  <a:txBody>
-                    <a:bodyPr/>
-                    <a:lstStyle/>
-                    <a:p>
-                      <a:pPr lvl="0" algn="l">
-                        <a:spcBef>
-                          <a:spcPts val="500"/>
-                        </a:spcBef>
-                        <a:defRPr sz="1800" b="0" i="0">
-                          <a:solidFill>
-                            <a:srgbClr val="000000"/>
-                          </a:solidFill>
-                          <a:uFillTx/>
-                        </a:defRPr>
-                      </a:pPr>
-                      <a:r>
-                        <a:rPr sz="1600" dirty="0" err="1">
-                          <a:uFill>
-                            <a:solidFill>
-                              <a:srgbClr val="FFFFFF"/>
-                            </a:solidFill>
-                          </a:uFill>
-                        </a:rPr>
-                        <a:t>Student_id</a:t>
+                        <a:t>student_id</a:t>
                       </a:r>
                       <a:endParaRPr sz="1600" b="1" i="1" dirty="0">
                         <a:solidFill>
@@ -7870,7 +8347,7 @@
           </a:ln>
           <a:extLst>
             <a:ext uri="{C572A759-6A51-4108-AA02-DFA0A04FC94B}">
-              <ma14:wrappingTextBoxFlag xmlns:ma14="http://schemas.microsoft.com/office/mac/drawingml/2011/main" xmlns="" val="1"/>
+              <ma14:wrappingTextBoxFlag xmlns="" xmlns:ma14="http://schemas.microsoft.com/office/mac/drawingml/2011/main" val="1"/>
             </a:ext>
           </a:extLst>
         </p:spPr>
@@ -7933,7 +8410,7 @@
               </a:defRPr>
             </a:pPr>
             <a:r>
-              <a:rPr sz="2000" dirty="0" err="1">
+              <a:rPr lang="en-US" sz="2000" dirty="0" err="1">
                 <a:uFill>
                   <a:solidFill/>
                 </a:uFill>
@@ -7942,7 +8419,7 @@
                 <a:cs typeface="+mn-cs"/>
                 <a:sym typeface="Arial"/>
               </a:rPr>
-              <a:t>Class_id</a:t>
+              <a:t>class_id</a:t>
             </a:r>
             <a:endParaRPr sz="2000" dirty="0">
               <a:uFill>
@@ -8017,7 +8494,7 @@
           <p:nvPr>
             <p:extLst>
               <p:ext uri="{D42A27DB-BD31-4B8C-83A1-F6EECF244321}">
-                <p14:modId xmlns:p14="http://schemas.microsoft.com/office/powerpoint/2010/main" val="2517333296"/>
+                <p14:modId xmlns:p14="http://schemas.microsoft.com/office/powerpoint/2010/main" val="4094558441"/>
               </p:ext>
             </p:extLst>
           </p:nvPr>
@@ -8066,14 +8543,14 @@
                         </a:defRPr>
                       </a:pPr>
                       <a:r>
-                        <a:rPr sz="1600" dirty="0" err="1">
+                        <a:rPr lang="en-US" sz="1600" dirty="0" err="1">
                           <a:uFill>
                             <a:solidFill>
                               <a:srgbClr val="FFFFFF"/>
                             </a:solidFill>
                           </a:uFill>
                         </a:rPr>
-                        <a:t>Class_id</a:t>
+                        <a:t>class_id</a:t>
                       </a:r>
                       <a:endParaRPr sz="1600" b="1" i="1" dirty="0">
                         <a:solidFill>
@@ -8095,7 +8572,7 @@
                     <a:bodyPr/>
                     <a:lstStyle/>
                     <a:p>
-                      <a:pPr lvl="0" algn="l">
+                      <a:pPr lvl="0" algn="ctr">
                         <a:spcBef>
                           <a:spcPts val="500"/>
                         </a:spcBef>
@@ -8526,555 +9003,6 @@
     <p:extLst>
       <p:ext uri="{BB962C8B-B14F-4D97-AF65-F5344CB8AC3E}">
         <p14:creationId xmlns:p14="http://schemas.microsoft.com/office/powerpoint/2010/main" val="2816892499"/>
-      </p:ext>
-    </p:extLst>
-  </p:cSld>
-  <p:clrMapOvr>
-    <a:masterClrMapping/>
-  </p:clrMapOvr>
-  <p:transition spd="med"/>
-</p:sld>
-</file>
-
-<file path=ppt/slides/slide12.xml><?xml version="1.0" encoding="utf-8"?>
-<p:sld xmlns:a="http://schemas.openxmlformats.org/drawingml/2006/main" xmlns:r="http://schemas.openxmlformats.org/officeDocument/2006/relationships" xmlns:p="http://schemas.openxmlformats.org/presentationml/2006/main">
-  <p:cSld>
-    <p:spTree>
-      <p:nvGrpSpPr>
-        <p:cNvPr id="1" name=""/>
-        <p:cNvGrpSpPr/>
-        <p:nvPr/>
-      </p:nvGrpSpPr>
-      <p:grpSpPr>
-        <a:xfrm>
-          <a:off x="0" y="0"/>
-          <a:ext cx="0" cy="0"/>
-          <a:chOff x="0" y="0"/>
-          <a:chExt cx="0" cy="0"/>
-        </a:xfrm>
-      </p:grpSpPr>
-      <p:sp>
-        <p:nvSpPr>
-          <p:cNvPr id="189" name="Shape 189"/>
-          <p:cNvSpPr/>
-          <p:nvPr/>
-        </p:nvSpPr>
-        <p:spPr>
-          <a:xfrm>
-            <a:off x="386308" y="147496"/>
-            <a:ext cx="7757379" cy="553998"/>
-          </a:xfrm>
-          <a:prstGeom prst="rect">
-            <a:avLst/>
-          </a:prstGeom>
-          <a:ln w="12700">
-            <a:miter lim="400000"/>
-          </a:ln>
-          <a:extLst>
-            <a:ext uri="{C572A759-6A51-4108-AA02-DFA0A04FC94B}">
-              <ma14:wrappingTextBoxFlag xmlns:ma14="http://schemas.microsoft.com/office/mac/drawingml/2011/main" xmlns="" val="1"/>
-            </a:ext>
-          </a:extLst>
-        </p:spPr>
-        <p:txBody>
-          <a:bodyPr lIns="45719" rIns="45719">
-            <a:spAutoFit/>
-          </a:bodyPr>
-          <a:lstStyle>
-            <a:lvl1pPr>
-              <a:defRPr sz="3000" b="1">
-                <a:uFill>
-                  <a:solidFill>
-                    <a:srgbClr val="FFFFFF"/>
-                  </a:solidFill>
-                </a:uFill>
-              </a:defRPr>
-            </a:lvl1pPr>
-          </a:lstStyle>
-          <a:p>
-            <a:pPr lvl="0">
-              <a:defRPr sz="1800" b="0">
-                <a:solidFill>
-                  <a:srgbClr val="000000"/>
-                </a:solidFill>
-                <a:uFillTx/>
-              </a:defRPr>
-            </a:pPr>
-            <a:r>
-              <a:rPr lang="en-US" sz="3000" b="1" dirty="0">
-                <a:uFill>
-                  <a:solidFill>
-                    <a:srgbClr val="FFFFFF"/>
-                  </a:solidFill>
-                </a:uFill>
-                <a:latin typeface="Arial Unicode MS" panose="020B0604020202020204" pitchFamily="34" charset="-128"/>
-              </a:rPr>
-              <a:t>Outer </a:t>
-            </a:r>
-            <a:r>
-              <a:rPr sz="3000" b="1" dirty="0">
-                <a:uFill>
-                  <a:solidFill>
-                    <a:srgbClr val="FFFFFF"/>
-                  </a:solidFill>
-                </a:uFill>
-                <a:latin typeface="Arial Unicode MS" panose="020B0604020202020204" pitchFamily="34" charset="-128"/>
-              </a:rPr>
-              <a:t>Joins Practice Queries</a:t>
-            </a:r>
-          </a:p>
-        </p:txBody>
-      </p:sp>
-      <p:sp>
-        <p:nvSpPr>
-          <p:cNvPr id="190" name="Shape 190"/>
-          <p:cNvSpPr/>
-          <p:nvPr/>
-        </p:nvSpPr>
-        <p:spPr>
-          <a:xfrm>
-            <a:off x="469900" y="1324179"/>
-            <a:ext cx="8204200" cy="307777"/>
-          </a:xfrm>
-          <a:prstGeom prst="rect">
-            <a:avLst/>
-          </a:prstGeom>
-          <a:ln w="12700">
-            <a:miter lim="400000"/>
-          </a:ln>
-          <a:extLst>
-            <a:ext uri="{C572A759-6A51-4108-AA02-DFA0A04FC94B}">
-              <ma14:wrappingTextBoxFlag xmlns:ma14="http://schemas.microsoft.com/office/mac/drawingml/2011/main" xmlns="" val="1"/>
-            </a:ext>
-          </a:extLst>
-        </p:spPr>
-        <p:txBody>
-          <a:bodyPr lIns="0" tIns="0" rIns="0" bIns="0">
-            <a:spAutoFit/>
-          </a:bodyPr>
-          <a:lstStyle/>
-          <a:p>
-            <a:pPr lvl="0">
-              <a:spcBef>
-                <a:spcPts val="700"/>
-              </a:spcBef>
-              <a:buSzPct val="100000"/>
-              <a:defRPr sz="1800">
-                <a:solidFill>
-                  <a:srgbClr val="000000"/>
-                </a:solidFill>
-                <a:uFillTx/>
-              </a:defRPr>
-            </a:pPr>
-            <a:endParaRPr sz="2000" dirty="0">
-              <a:uFill>
-                <a:solidFill/>
-              </a:uFill>
-              <a:latin typeface="Arial Unicode MS" panose="020B0604020202020204" pitchFamily="34" charset="-128"/>
-              <a:ea typeface="Arial Unicode MS" panose="020B0604020202020204" pitchFamily="34" charset="-128"/>
-              <a:cs typeface="Arial Unicode MS" panose="020B0604020202020204" pitchFamily="34" charset="-128"/>
-              <a:sym typeface="Iowan Old Style Roman"/>
-            </a:endParaRPr>
-          </a:p>
-        </p:txBody>
-      </p:sp>
-      <p:sp>
-        <p:nvSpPr>
-          <p:cNvPr id="2" name="TextBox 1"/>
-          <p:cNvSpPr txBox="1"/>
-          <p:nvPr/>
-        </p:nvSpPr>
-        <p:spPr>
-          <a:xfrm>
-            <a:off x="529119" y="1376737"/>
-            <a:ext cx="7870005" cy="3785652"/>
-          </a:xfrm>
-          <a:prstGeom prst="rect">
-            <a:avLst/>
-          </a:prstGeom>
-          <a:noFill/>
-        </p:spPr>
-        <p:txBody>
-          <a:bodyPr wrap="square" rtlCol="0">
-            <a:spAutoFit/>
-          </a:bodyPr>
-          <a:lstStyle/>
-          <a:p>
-            <a:r>
-              <a:rPr lang="en-US" sz="2400" i="1" dirty="0"/>
-              <a:t>Important: Understand why we need an </a:t>
-            </a:r>
-            <a:r>
-              <a:rPr lang="en-US" sz="2400" b="1" i="1" dirty="0"/>
-              <a:t>outer</a:t>
-            </a:r>
-            <a:r>
-              <a:rPr lang="en-US" sz="2400" i="1" dirty="0"/>
-              <a:t> joins here</a:t>
-            </a:r>
-          </a:p>
-          <a:p>
-            <a:pPr lvl="1"/>
-            <a:endParaRPr lang="en-US" sz="2400" i="1" dirty="0"/>
-          </a:p>
-          <a:p>
-            <a:pPr marL="285750" indent="-285750">
-              <a:buFont typeface="Arial" panose="020B0604020202020204" pitchFamily="34" charset="0"/>
-              <a:buChar char="•"/>
-            </a:pPr>
-            <a:r>
-              <a:rPr lang="en-US" sz="2400" dirty="0"/>
-              <a:t>List </a:t>
-            </a:r>
-            <a:r>
-              <a:rPr lang="en-US" sz="2400" b="1" dirty="0">
-                <a:solidFill>
-                  <a:srgbClr val="C00000"/>
-                </a:solidFill>
-              </a:rPr>
-              <a:t>all the movies </a:t>
-            </a:r>
-            <a:r>
-              <a:rPr lang="en-US" sz="2400" dirty="0"/>
-              <a:t>and their genres; show null if they do not have a genre</a:t>
-            </a:r>
-          </a:p>
-          <a:p>
-            <a:pPr marL="285750" indent="-285750">
-              <a:buFont typeface="Arial" panose="020B0604020202020204" pitchFamily="34" charset="0"/>
-              <a:buChar char="•"/>
-            </a:pPr>
-            <a:endParaRPr lang="en-US" sz="2400" dirty="0"/>
-          </a:p>
-          <a:p>
-            <a:pPr marL="285750" indent="-285750">
-              <a:buFont typeface="Arial" panose="020B0604020202020204" pitchFamily="34" charset="0"/>
-              <a:buChar char="•"/>
-            </a:pPr>
-            <a:r>
-              <a:rPr lang="en-US" sz="2400" dirty="0"/>
-              <a:t>List </a:t>
-            </a:r>
-            <a:r>
-              <a:rPr lang="en-US" sz="2400" b="1" dirty="0">
-                <a:solidFill>
-                  <a:srgbClr val="C00000"/>
-                </a:solidFill>
-              </a:rPr>
-              <a:t>all the students </a:t>
-            </a:r>
-            <a:r>
-              <a:rPr lang="en-US" sz="2400" dirty="0"/>
-              <a:t>and their Concentration; show null if they have not listed a concentration</a:t>
-            </a:r>
-          </a:p>
-          <a:p>
-            <a:pPr marL="285750" indent="-285750">
-              <a:buFont typeface="Arial" panose="020B0604020202020204" pitchFamily="34" charset="0"/>
-              <a:buChar char="•"/>
-            </a:pPr>
-            <a:endParaRPr lang="en-US" sz="2400" dirty="0"/>
-          </a:p>
-          <a:p>
-            <a:pPr marL="285750" indent="-285750">
-              <a:buFont typeface="Arial" panose="020B0604020202020204" pitchFamily="34" charset="0"/>
-              <a:buChar char="•"/>
-            </a:pPr>
-            <a:r>
-              <a:rPr lang="en-US" sz="2400" dirty="0"/>
-              <a:t>List all the movies without actors</a:t>
-            </a:r>
-          </a:p>
-          <a:p>
-            <a:pPr marL="285750" indent="-285750">
-              <a:buFont typeface="Arial" panose="020B0604020202020204" pitchFamily="34" charset="0"/>
-              <a:buChar char="•"/>
-            </a:pPr>
-            <a:endParaRPr lang="en-US" sz="2400" dirty="0"/>
-          </a:p>
-        </p:txBody>
-      </p:sp>
-    </p:spTree>
-    <p:extLst>
-      <p:ext uri="{BB962C8B-B14F-4D97-AF65-F5344CB8AC3E}">
-        <p14:creationId xmlns:p14="http://schemas.microsoft.com/office/powerpoint/2010/main" val="1515900114"/>
-      </p:ext>
-    </p:extLst>
-  </p:cSld>
-  <p:clrMapOvr>
-    <a:masterClrMapping/>
-  </p:clrMapOvr>
-  <p:transition spd="med"/>
-</p:sld>
-</file>
-
-<file path=ppt/slides/slide13.xml><?xml version="1.0" encoding="utf-8"?>
-<p:sld xmlns:a="http://schemas.openxmlformats.org/drawingml/2006/main" xmlns:r="http://schemas.openxmlformats.org/officeDocument/2006/relationships" xmlns:p="http://schemas.openxmlformats.org/presentationml/2006/main">
-  <p:cSld>
-    <p:spTree>
-      <p:nvGrpSpPr>
-        <p:cNvPr id="1" name=""/>
-        <p:cNvGrpSpPr/>
-        <p:nvPr/>
-      </p:nvGrpSpPr>
-      <p:grpSpPr>
-        <a:xfrm>
-          <a:off x="0" y="0"/>
-          <a:ext cx="0" cy="0"/>
-          <a:chOff x="0" y="0"/>
-          <a:chExt cx="0" cy="0"/>
-        </a:xfrm>
-      </p:grpSpPr>
-      <p:sp>
-        <p:nvSpPr>
-          <p:cNvPr id="189" name="Shape 189"/>
-          <p:cNvSpPr/>
-          <p:nvPr/>
-        </p:nvSpPr>
-        <p:spPr>
-          <a:xfrm>
-            <a:off x="386308" y="147496"/>
-            <a:ext cx="7757379" cy="553998"/>
-          </a:xfrm>
-          <a:prstGeom prst="rect">
-            <a:avLst/>
-          </a:prstGeom>
-          <a:ln w="12700">
-            <a:miter lim="400000"/>
-          </a:ln>
-          <a:extLst>
-            <a:ext uri="{C572A759-6A51-4108-AA02-DFA0A04FC94B}">
-              <ma14:wrappingTextBoxFlag xmlns:ma14="http://schemas.microsoft.com/office/mac/drawingml/2011/main" xmlns="" val="1"/>
-            </a:ext>
-          </a:extLst>
-        </p:spPr>
-        <p:txBody>
-          <a:bodyPr lIns="45719" rIns="45719">
-            <a:spAutoFit/>
-          </a:bodyPr>
-          <a:lstStyle>
-            <a:lvl1pPr>
-              <a:defRPr sz="3000" b="1">
-                <a:uFill>
-                  <a:solidFill>
-                    <a:srgbClr val="FFFFFF"/>
-                  </a:solidFill>
-                </a:uFill>
-              </a:defRPr>
-            </a:lvl1pPr>
-          </a:lstStyle>
-          <a:p>
-            <a:pPr lvl="0">
-              <a:defRPr sz="1800" b="0">
-                <a:solidFill>
-                  <a:srgbClr val="000000"/>
-                </a:solidFill>
-                <a:uFillTx/>
-              </a:defRPr>
-            </a:pPr>
-            <a:r>
-              <a:rPr lang="en-US" sz="3000" b="1" dirty="0" err="1">
-                <a:uFill>
-                  <a:solidFill>
-                    <a:srgbClr val="FFFFFF"/>
-                  </a:solidFill>
-                </a:uFill>
-                <a:latin typeface="Arial Unicode MS" panose="020B0604020202020204" pitchFamily="34" charset="-128"/>
-              </a:rPr>
-              <a:t>SemiJoins</a:t>
-            </a:r>
-            <a:r>
-              <a:rPr lang="en-US" sz="3000" b="1" dirty="0">
-                <a:uFill>
-                  <a:solidFill>
-                    <a:srgbClr val="FFFFFF"/>
-                  </a:solidFill>
-                </a:uFill>
-                <a:latin typeface="Arial Unicode MS" panose="020B0604020202020204" pitchFamily="34" charset="-128"/>
-              </a:rPr>
-              <a:t> and </a:t>
-            </a:r>
-            <a:r>
-              <a:rPr lang="en-US" sz="3000" b="1" dirty="0" err="1">
-                <a:uFill>
-                  <a:solidFill>
-                    <a:srgbClr val="FFFFFF"/>
-                  </a:solidFill>
-                </a:uFill>
-                <a:latin typeface="Arial Unicode MS" panose="020B0604020202020204" pitchFamily="34" charset="-128"/>
-              </a:rPr>
-              <a:t>AntiJoins</a:t>
-            </a:r>
-            <a:endParaRPr sz="3000" b="1" dirty="0">
-              <a:uFill>
-                <a:solidFill>
-                  <a:srgbClr val="FFFFFF"/>
-                </a:solidFill>
-              </a:uFill>
-              <a:latin typeface="Arial Unicode MS" panose="020B0604020202020204" pitchFamily="34" charset="-128"/>
-            </a:endParaRPr>
-          </a:p>
-        </p:txBody>
-      </p:sp>
-      <p:sp>
-        <p:nvSpPr>
-          <p:cNvPr id="190" name="Shape 190"/>
-          <p:cNvSpPr/>
-          <p:nvPr/>
-        </p:nvSpPr>
-        <p:spPr>
-          <a:xfrm>
-            <a:off x="469900" y="1324179"/>
-            <a:ext cx="8204200" cy="307777"/>
-          </a:xfrm>
-          <a:prstGeom prst="rect">
-            <a:avLst/>
-          </a:prstGeom>
-          <a:ln w="12700">
-            <a:miter lim="400000"/>
-          </a:ln>
-          <a:extLst>
-            <a:ext uri="{C572A759-6A51-4108-AA02-DFA0A04FC94B}">
-              <ma14:wrappingTextBoxFlag xmlns:ma14="http://schemas.microsoft.com/office/mac/drawingml/2011/main" xmlns="" val="1"/>
-            </a:ext>
-          </a:extLst>
-        </p:spPr>
-        <p:txBody>
-          <a:bodyPr lIns="0" tIns="0" rIns="0" bIns="0">
-            <a:spAutoFit/>
-          </a:bodyPr>
-          <a:lstStyle/>
-          <a:p>
-            <a:pPr lvl="0">
-              <a:spcBef>
-                <a:spcPts val="700"/>
-              </a:spcBef>
-              <a:buSzPct val="100000"/>
-              <a:defRPr sz="1800">
-                <a:solidFill>
-                  <a:srgbClr val="000000"/>
-                </a:solidFill>
-                <a:uFillTx/>
-              </a:defRPr>
-            </a:pPr>
-            <a:endParaRPr sz="2000" dirty="0">
-              <a:uFill>
-                <a:solidFill/>
-              </a:uFill>
-              <a:latin typeface="Arial Unicode MS" panose="020B0604020202020204" pitchFamily="34" charset="-128"/>
-              <a:ea typeface="Arial Unicode MS" panose="020B0604020202020204" pitchFamily="34" charset="-128"/>
-              <a:cs typeface="Arial Unicode MS" panose="020B0604020202020204" pitchFamily="34" charset="-128"/>
-              <a:sym typeface="Iowan Old Style Roman"/>
-            </a:endParaRPr>
-          </a:p>
-        </p:txBody>
-      </p:sp>
-      <p:sp>
-        <p:nvSpPr>
-          <p:cNvPr id="2" name="TextBox 1"/>
-          <p:cNvSpPr txBox="1"/>
-          <p:nvPr/>
-        </p:nvSpPr>
-        <p:spPr>
-          <a:xfrm>
-            <a:off x="194925" y="1376737"/>
-            <a:ext cx="8204200" cy="4154984"/>
-          </a:xfrm>
-          <a:prstGeom prst="rect">
-            <a:avLst/>
-          </a:prstGeom>
-          <a:noFill/>
-        </p:spPr>
-        <p:txBody>
-          <a:bodyPr wrap="square" rtlCol="0">
-            <a:spAutoFit/>
-          </a:bodyPr>
-          <a:lstStyle/>
-          <a:p>
-            <a:r>
-              <a:rPr lang="en-US" sz="2400" dirty="0"/>
-              <a:t>Often, we use joins to compare entries across two tables with no intention of showing information from both tables.</a:t>
-            </a:r>
-          </a:p>
-          <a:p>
-            <a:endParaRPr lang="en-US" sz="2400" dirty="0"/>
-          </a:p>
-          <a:p>
-            <a:r>
-              <a:rPr lang="en-US" sz="2400" b="1" dirty="0" err="1"/>
-              <a:t>Semijoin</a:t>
-            </a:r>
-            <a:r>
-              <a:rPr lang="en-US" sz="2400" dirty="0"/>
-              <a:t>: </a:t>
-            </a:r>
-          </a:p>
-          <a:p>
-            <a:pPr marL="342900" indent="-342900">
-              <a:buFont typeface="Arial" panose="020B0604020202020204" pitchFamily="34" charset="0"/>
-              <a:buChar char="•"/>
-            </a:pPr>
-            <a:r>
-              <a:rPr lang="en-US" sz="2400" dirty="0"/>
-              <a:t>(Inner) Join tables A and B</a:t>
-            </a:r>
-          </a:p>
-          <a:p>
-            <a:pPr marL="342900" indent="-342900">
-              <a:buFont typeface="Arial" panose="020B0604020202020204" pitchFamily="34" charset="0"/>
-              <a:buChar char="•"/>
-            </a:pPr>
-            <a:r>
-              <a:rPr lang="en-US" sz="2400" dirty="0"/>
-              <a:t>Show only matching rows from A</a:t>
-            </a:r>
-          </a:p>
-          <a:p>
-            <a:endParaRPr lang="en-US" sz="2400" dirty="0"/>
-          </a:p>
-          <a:p>
-            <a:r>
-              <a:rPr lang="en-US" sz="2400" b="1" dirty="0"/>
-              <a:t>Antijoin</a:t>
-            </a:r>
-            <a:r>
-              <a:rPr lang="en-US" sz="2400" dirty="0"/>
-              <a:t>: </a:t>
-            </a:r>
-          </a:p>
-          <a:p>
-            <a:pPr marL="342900" indent="-342900">
-              <a:buFont typeface="Arial" panose="020B0604020202020204" pitchFamily="34" charset="0"/>
-              <a:buChar char="•"/>
-            </a:pPr>
-            <a:r>
-              <a:rPr lang="en-US" sz="2400" dirty="0"/>
-              <a:t>(Outer) Join tables A and B</a:t>
-            </a:r>
-          </a:p>
-          <a:p>
-            <a:pPr marL="342900" indent="-342900">
-              <a:buFont typeface="Arial" panose="020B0604020202020204" pitchFamily="34" charset="0"/>
-              <a:buChar char="•"/>
-            </a:pPr>
-            <a:r>
-              <a:rPr lang="en-US" sz="2400" dirty="0"/>
-              <a:t>Show non-matching rows from A</a:t>
-            </a:r>
-          </a:p>
-          <a:p>
-            <a:pPr marL="285750" indent="-285750">
-              <a:buFont typeface="Arial" panose="020B0604020202020204" pitchFamily="34" charset="0"/>
-              <a:buChar char="•"/>
-            </a:pPr>
-            <a:endParaRPr lang="en-US" sz="2400" dirty="0"/>
-          </a:p>
-        </p:txBody>
-      </p:sp>
-    </p:spTree>
-    <p:extLst>
-      <p:ext uri="{BB962C8B-B14F-4D97-AF65-F5344CB8AC3E}">
-        <p14:creationId xmlns:p14="http://schemas.microsoft.com/office/powerpoint/2010/main" val="251839436"/>
       </p:ext>
     </p:extLst>
   </p:cSld>
@@ -9121,7 +9049,7 @@
           </a:ln>
           <a:extLst>
             <a:ext uri="{C572A759-6A51-4108-AA02-DFA0A04FC94B}">
-              <ma14:wrappingTextBoxFlag xmlns:ma14="http://schemas.microsoft.com/office/mac/drawingml/2011/main" xmlns="" val="1"/>
+              <ma14:wrappingTextBoxFlag xmlns="" xmlns:ma14="http://schemas.microsoft.com/office/mac/drawingml/2011/main" val="1"/>
             </a:ext>
           </a:extLst>
         </p:spPr>
@@ -9158,10 +9086,10 @@
                 </a:uFill>
                 <a:latin typeface="Arial Unicode MS" panose="020B0604020202020204" pitchFamily="34" charset="-128"/>
               </a:rPr>
-              <a:t>Practice </a:t>
-            </a:r>
-            <a:r>
-              <a:rPr lang="en-US" sz="3000" b="1" dirty="0" err="1">
+              <a:t>Outer </a:t>
+            </a:r>
+            <a:r>
+              <a:rPr sz="3000" b="1" dirty="0">
                 <a:uFill>
                   <a:solidFill>
                     <a:srgbClr val="FFFFFF"/>
@@ -9169,38 +9097,8 @@
                 </a:uFill>
                 <a:latin typeface="Arial Unicode MS" panose="020B0604020202020204" pitchFamily="34" charset="-128"/>
               </a:rPr>
-              <a:t>SemiJoins</a:t>
-            </a:r>
-            <a:r>
-              <a:rPr lang="en-US" sz="3000" b="1" dirty="0">
-                <a:uFill>
-                  <a:solidFill>
-                    <a:srgbClr val="FFFFFF"/>
-                  </a:solidFill>
-                </a:uFill>
-                <a:latin typeface="Arial Unicode MS" panose="020B0604020202020204" pitchFamily="34" charset="-128"/>
-              </a:rPr>
-              <a:t> and </a:t>
-            </a:r>
-            <a:r>
-              <a:rPr lang="en-US" sz="3000" b="1" dirty="0" err="1">
-                <a:uFill>
-                  <a:solidFill>
-                    <a:srgbClr val="FFFFFF"/>
-                  </a:solidFill>
-                </a:uFill>
-                <a:latin typeface="Arial Unicode MS" panose="020B0604020202020204" pitchFamily="34" charset="-128"/>
-              </a:rPr>
-              <a:t>AntiJoins</a:t>
-            </a:r>
-            <a:endParaRPr sz="3000" b="1" dirty="0">
-              <a:uFill>
-                <a:solidFill>
-                  <a:srgbClr val="FFFFFF"/>
-                </a:solidFill>
-              </a:uFill>
-              <a:latin typeface="Arial Unicode MS" panose="020B0604020202020204" pitchFamily="34" charset="-128"/>
-            </a:endParaRPr>
+              <a:t>Joins Practice Queries</a:t>
+            </a:r>
           </a:p>
         </p:txBody>
       </p:sp>
@@ -9223,7 +9121,586 @@
           </a:ln>
           <a:extLst>
             <a:ext uri="{C572A759-6A51-4108-AA02-DFA0A04FC94B}">
-              <ma14:wrappingTextBoxFlag xmlns:ma14="http://schemas.microsoft.com/office/mac/drawingml/2011/main" xmlns="" val="1"/>
+              <ma14:wrappingTextBoxFlag xmlns="" xmlns:ma14="http://schemas.microsoft.com/office/mac/drawingml/2011/main" val="1"/>
+            </a:ext>
+          </a:extLst>
+        </p:spPr>
+        <p:txBody>
+          <a:bodyPr lIns="0" tIns="0" rIns="0" bIns="0">
+            <a:spAutoFit/>
+          </a:bodyPr>
+          <a:lstStyle/>
+          <a:p>
+            <a:pPr lvl="0">
+              <a:spcBef>
+                <a:spcPts val="700"/>
+              </a:spcBef>
+              <a:buSzPct val="100000"/>
+              <a:defRPr sz="1800">
+                <a:solidFill>
+                  <a:srgbClr val="000000"/>
+                </a:solidFill>
+                <a:uFillTx/>
+              </a:defRPr>
+            </a:pPr>
+            <a:endParaRPr sz="2000" dirty="0">
+              <a:uFill>
+                <a:solidFill/>
+              </a:uFill>
+              <a:latin typeface="Arial Unicode MS" panose="020B0604020202020204" pitchFamily="34" charset="-128"/>
+              <a:ea typeface="Arial Unicode MS" panose="020B0604020202020204" pitchFamily="34" charset="-128"/>
+              <a:cs typeface="Arial Unicode MS" panose="020B0604020202020204" pitchFamily="34" charset="-128"/>
+              <a:sym typeface="Iowan Old Style Roman"/>
+            </a:endParaRPr>
+          </a:p>
+        </p:txBody>
+      </p:sp>
+      <p:sp>
+        <p:nvSpPr>
+          <p:cNvPr id="2" name="TextBox 1"/>
+          <p:cNvSpPr txBox="1"/>
+          <p:nvPr/>
+        </p:nvSpPr>
+        <p:spPr>
+          <a:xfrm>
+            <a:off x="529119" y="1376737"/>
+            <a:ext cx="7870005" cy="3785652"/>
+          </a:xfrm>
+          <a:prstGeom prst="rect">
+            <a:avLst/>
+          </a:prstGeom>
+          <a:noFill/>
+        </p:spPr>
+        <p:txBody>
+          <a:bodyPr wrap="square" rtlCol="0">
+            <a:spAutoFit/>
+          </a:bodyPr>
+          <a:lstStyle/>
+          <a:p>
+            <a:r>
+              <a:rPr lang="en-US" sz="2400" i="1" dirty="0"/>
+              <a:t>Important: Understand why we need an </a:t>
+            </a:r>
+            <a:r>
+              <a:rPr lang="en-US" sz="2400" b="1" i="1" dirty="0"/>
+              <a:t>outer</a:t>
+            </a:r>
+            <a:r>
+              <a:rPr lang="en-US" sz="2400" i="1" dirty="0"/>
+              <a:t> joins here</a:t>
+            </a:r>
+          </a:p>
+          <a:p>
+            <a:pPr lvl="1"/>
+            <a:endParaRPr lang="en-US" sz="2400" i="1" dirty="0"/>
+          </a:p>
+          <a:p>
+            <a:pPr marL="285750" indent="-285750">
+              <a:buFont typeface="Arial" panose="020B0604020202020204" pitchFamily="34" charset="0"/>
+              <a:buChar char="•"/>
+            </a:pPr>
+            <a:r>
+              <a:rPr lang="en-US" sz="2400" dirty="0"/>
+              <a:t>List </a:t>
+            </a:r>
+            <a:r>
+              <a:rPr lang="en-US" sz="2400" b="1" dirty="0">
+                <a:solidFill>
+                  <a:srgbClr val="C00000"/>
+                </a:solidFill>
+              </a:rPr>
+              <a:t>all the movies </a:t>
+            </a:r>
+            <a:r>
+              <a:rPr lang="en-US" sz="2400" dirty="0"/>
+              <a:t>and their genres; show null if they do not have a genre</a:t>
+            </a:r>
+          </a:p>
+          <a:p>
+            <a:pPr marL="285750" indent="-285750">
+              <a:buFont typeface="Arial" panose="020B0604020202020204" pitchFamily="34" charset="0"/>
+              <a:buChar char="•"/>
+            </a:pPr>
+            <a:endParaRPr lang="en-US" sz="2400" dirty="0"/>
+          </a:p>
+          <a:p>
+            <a:pPr marL="285750" indent="-285750">
+              <a:buFont typeface="Arial" panose="020B0604020202020204" pitchFamily="34" charset="0"/>
+              <a:buChar char="•"/>
+            </a:pPr>
+            <a:r>
+              <a:rPr lang="en-US" sz="2400" dirty="0"/>
+              <a:t>List </a:t>
+            </a:r>
+            <a:r>
+              <a:rPr lang="en-US" sz="2400" b="1" dirty="0">
+                <a:solidFill>
+                  <a:srgbClr val="C00000"/>
+                </a:solidFill>
+              </a:rPr>
+              <a:t>all the students </a:t>
+            </a:r>
+            <a:r>
+              <a:rPr lang="en-US" sz="2400" dirty="0"/>
+              <a:t>and their Concentration; show null if they have not listed a concentration</a:t>
+            </a:r>
+          </a:p>
+          <a:p>
+            <a:pPr marL="285750" indent="-285750">
+              <a:buFont typeface="Arial" panose="020B0604020202020204" pitchFamily="34" charset="0"/>
+              <a:buChar char="•"/>
+            </a:pPr>
+            <a:endParaRPr lang="en-US" sz="2400" dirty="0"/>
+          </a:p>
+          <a:p>
+            <a:pPr marL="285750" indent="-285750">
+              <a:buFont typeface="Arial" panose="020B0604020202020204" pitchFamily="34" charset="0"/>
+              <a:buChar char="•"/>
+            </a:pPr>
+            <a:r>
+              <a:rPr lang="en-US" sz="2400" dirty="0"/>
+              <a:t>List all the movies without actors</a:t>
+            </a:r>
+          </a:p>
+          <a:p>
+            <a:pPr marL="285750" indent="-285750">
+              <a:buFont typeface="Arial" panose="020B0604020202020204" pitchFamily="34" charset="0"/>
+              <a:buChar char="•"/>
+            </a:pPr>
+            <a:endParaRPr lang="en-US" sz="2400" dirty="0"/>
+          </a:p>
+        </p:txBody>
+      </p:sp>
+    </p:spTree>
+    <p:extLst>
+      <p:ext uri="{BB962C8B-B14F-4D97-AF65-F5344CB8AC3E}">
+        <p14:creationId xmlns:p14="http://schemas.microsoft.com/office/powerpoint/2010/main" val="1515900114"/>
+      </p:ext>
+    </p:extLst>
+  </p:cSld>
+  <p:clrMapOvr>
+    <a:masterClrMapping/>
+  </p:clrMapOvr>
+  <p:transition spd="med"/>
+</p:sld>
+</file>
+
+<file path=ppt/slides/slide15.xml><?xml version="1.0" encoding="utf-8"?>
+<p:sld xmlns:a="http://schemas.openxmlformats.org/drawingml/2006/main" xmlns:r="http://schemas.openxmlformats.org/officeDocument/2006/relationships" xmlns:p="http://schemas.openxmlformats.org/presentationml/2006/main">
+  <p:cSld>
+    <p:spTree>
+      <p:nvGrpSpPr>
+        <p:cNvPr id="1" name=""/>
+        <p:cNvGrpSpPr/>
+        <p:nvPr/>
+      </p:nvGrpSpPr>
+      <p:grpSpPr>
+        <a:xfrm>
+          <a:off x="0" y="0"/>
+          <a:ext cx="0" cy="0"/>
+          <a:chOff x="0" y="0"/>
+          <a:chExt cx="0" cy="0"/>
+        </a:xfrm>
+      </p:grpSpPr>
+      <p:sp>
+        <p:nvSpPr>
+          <p:cNvPr id="189" name="Shape 189"/>
+          <p:cNvSpPr/>
+          <p:nvPr/>
+        </p:nvSpPr>
+        <p:spPr>
+          <a:xfrm>
+            <a:off x="386308" y="147496"/>
+            <a:ext cx="7757379" cy="553998"/>
+          </a:xfrm>
+          <a:prstGeom prst="rect">
+            <a:avLst/>
+          </a:prstGeom>
+          <a:ln w="12700">
+            <a:miter lim="400000"/>
+          </a:ln>
+          <a:extLst>
+            <a:ext uri="{C572A759-6A51-4108-AA02-DFA0A04FC94B}">
+              <ma14:wrappingTextBoxFlag xmlns="" xmlns:ma14="http://schemas.microsoft.com/office/mac/drawingml/2011/main" val="1"/>
+            </a:ext>
+          </a:extLst>
+        </p:spPr>
+        <p:txBody>
+          <a:bodyPr lIns="45719" rIns="45719">
+            <a:spAutoFit/>
+          </a:bodyPr>
+          <a:lstStyle>
+            <a:lvl1pPr>
+              <a:defRPr sz="3000" b="1">
+                <a:uFill>
+                  <a:solidFill>
+                    <a:srgbClr val="FFFFFF"/>
+                  </a:solidFill>
+                </a:uFill>
+              </a:defRPr>
+            </a:lvl1pPr>
+          </a:lstStyle>
+          <a:p>
+            <a:pPr lvl="0">
+              <a:defRPr sz="1800" b="0">
+                <a:solidFill>
+                  <a:srgbClr val="000000"/>
+                </a:solidFill>
+                <a:uFillTx/>
+              </a:defRPr>
+            </a:pPr>
+            <a:r>
+              <a:rPr lang="en-US" sz="3000" b="1" dirty="0" err="1">
+                <a:uFill>
+                  <a:solidFill>
+                    <a:srgbClr val="FFFFFF"/>
+                  </a:solidFill>
+                </a:uFill>
+                <a:latin typeface="Arial Unicode MS" panose="020B0604020202020204" pitchFamily="34" charset="-128"/>
+              </a:rPr>
+              <a:t>SemiJoins</a:t>
+            </a:r>
+            <a:r>
+              <a:rPr lang="en-US" sz="3000" b="1" dirty="0">
+                <a:uFill>
+                  <a:solidFill>
+                    <a:srgbClr val="FFFFFF"/>
+                  </a:solidFill>
+                </a:uFill>
+                <a:latin typeface="Arial Unicode MS" panose="020B0604020202020204" pitchFamily="34" charset="-128"/>
+              </a:rPr>
+              <a:t> and </a:t>
+            </a:r>
+            <a:r>
+              <a:rPr lang="en-US" sz="3000" b="1" dirty="0" err="1">
+                <a:uFill>
+                  <a:solidFill>
+                    <a:srgbClr val="FFFFFF"/>
+                  </a:solidFill>
+                </a:uFill>
+                <a:latin typeface="Arial Unicode MS" panose="020B0604020202020204" pitchFamily="34" charset="-128"/>
+              </a:rPr>
+              <a:t>AntiJoins</a:t>
+            </a:r>
+            <a:endParaRPr sz="3000" b="1" dirty="0">
+              <a:uFill>
+                <a:solidFill>
+                  <a:srgbClr val="FFFFFF"/>
+                </a:solidFill>
+              </a:uFill>
+              <a:latin typeface="Arial Unicode MS" panose="020B0604020202020204" pitchFamily="34" charset="-128"/>
+            </a:endParaRPr>
+          </a:p>
+        </p:txBody>
+      </p:sp>
+      <p:sp>
+        <p:nvSpPr>
+          <p:cNvPr id="190" name="Shape 190"/>
+          <p:cNvSpPr/>
+          <p:nvPr/>
+        </p:nvSpPr>
+        <p:spPr>
+          <a:xfrm>
+            <a:off x="469900" y="1324179"/>
+            <a:ext cx="8204200" cy="307777"/>
+          </a:xfrm>
+          <a:prstGeom prst="rect">
+            <a:avLst/>
+          </a:prstGeom>
+          <a:ln w="12700">
+            <a:miter lim="400000"/>
+          </a:ln>
+          <a:extLst>
+            <a:ext uri="{C572A759-6A51-4108-AA02-DFA0A04FC94B}">
+              <ma14:wrappingTextBoxFlag xmlns="" xmlns:ma14="http://schemas.microsoft.com/office/mac/drawingml/2011/main" val="1"/>
+            </a:ext>
+          </a:extLst>
+        </p:spPr>
+        <p:txBody>
+          <a:bodyPr lIns="0" tIns="0" rIns="0" bIns="0">
+            <a:spAutoFit/>
+          </a:bodyPr>
+          <a:lstStyle/>
+          <a:p>
+            <a:pPr lvl="0">
+              <a:spcBef>
+                <a:spcPts val="700"/>
+              </a:spcBef>
+              <a:buSzPct val="100000"/>
+              <a:defRPr sz="1800">
+                <a:solidFill>
+                  <a:srgbClr val="000000"/>
+                </a:solidFill>
+                <a:uFillTx/>
+              </a:defRPr>
+            </a:pPr>
+            <a:endParaRPr sz="2000" dirty="0">
+              <a:uFill>
+                <a:solidFill/>
+              </a:uFill>
+              <a:latin typeface="Arial Unicode MS" panose="020B0604020202020204" pitchFamily="34" charset="-128"/>
+              <a:ea typeface="Arial Unicode MS" panose="020B0604020202020204" pitchFamily="34" charset="-128"/>
+              <a:cs typeface="Arial Unicode MS" panose="020B0604020202020204" pitchFamily="34" charset="-128"/>
+              <a:sym typeface="Iowan Old Style Roman"/>
+            </a:endParaRPr>
+          </a:p>
+        </p:txBody>
+      </p:sp>
+      <p:sp>
+        <p:nvSpPr>
+          <p:cNvPr id="2" name="TextBox 1"/>
+          <p:cNvSpPr txBox="1"/>
+          <p:nvPr/>
+        </p:nvSpPr>
+        <p:spPr>
+          <a:xfrm>
+            <a:off x="194925" y="1376737"/>
+            <a:ext cx="8204200" cy="4154984"/>
+          </a:xfrm>
+          <a:prstGeom prst="rect">
+            <a:avLst/>
+          </a:prstGeom>
+          <a:noFill/>
+        </p:spPr>
+        <p:txBody>
+          <a:bodyPr wrap="square" rtlCol="0">
+            <a:spAutoFit/>
+          </a:bodyPr>
+          <a:lstStyle/>
+          <a:p>
+            <a:r>
+              <a:rPr lang="en-US" sz="2400" dirty="0"/>
+              <a:t>Often, we use joins to compare entries across two tables with no intention of showing information from both tables.</a:t>
+            </a:r>
+          </a:p>
+          <a:p>
+            <a:endParaRPr lang="en-US" sz="2400" dirty="0"/>
+          </a:p>
+          <a:p>
+            <a:r>
+              <a:rPr lang="en-US" sz="2400" b="1" dirty="0" err="1"/>
+              <a:t>Semijoin</a:t>
+            </a:r>
+            <a:r>
+              <a:rPr lang="en-US" sz="2400" dirty="0"/>
+              <a:t>: </a:t>
+            </a:r>
+          </a:p>
+          <a:p>
+            <a:pPr marL="342900" indent="-342900">
+              <a:buFont typeface="Arial" panose="020B0604020202020204" pitchFamily="34" charset="0"/>
+              <a:buChar char="•"/>
+            </a:pPr>
+            <a:r>
+              <a:rPr lang="en-US" sz="2400" dirty="0"/>
+              <a:t>(Inner) Join tables A and B</a:t>
+            </a:r>
+          </a:p>
+          <a:p>
+            <a:pPr marL="342900" indent="-342900">
+              <a:buFont typeface="Arial" panose="020B0604020202020204" pitchFamily="34" charset="0"/>
+              <a:buChar char="•"/>
+            </a:pPr>
+            <a:r>
+              <a:rPr lang="en-US" sz="2400" dirty="0"/>
+              <a:t>Show only matching rows from A</a:t>
+            </a:r>
+          </a:p>
+          <a:p>
+            <a:endParaRPr lang="en-US" sz="2400" dirty="0"/>
+          </a:p>
+          <a:p>
+            <a:r>
+              <a:rPr lang="en-US" sz="2400" b="1" dirty="0"/>
+              <a:t>Antijoin</a:t>
+            </a:r>
+            <a:r>
+              <a:rPr lang="en-US" sz="2400" dirty="0"/>
+              <a:t>: </a:t>
+            </a:r>
+          </a:p>
+          <a:p>
+            <a:pPr marL="342900" indent="-342900">
+              <a:buFont typeface="Arial" panose="020B0604020202020204" pitchFamily="34" charset="0"/>
+              <a:buChar char="•"/>
+            </a:pPr>
+            <a:r>
+              <a:rPr lang="en-US" sz="2400" dirty="0"/>
+              <a:t>(Outer) Join tables A and B</a:t>
+            </a:r>
+          </a:p>
+          <a:p>
+            <a:pPr marL="342900" indent="-342900">
+              <a:buFont typeface="Arial" panose="020B0604020202020204" pitchFamily="34" charset="0"/>
+              <a:buChar char="•"/>
+            </a:pPr>
+            <a:r>
+              <a:rPr lang="en-US" sz="2400" dirty="0"/>
+              <a:t>Show non-matching rows from A</a:t>
+            </a:r>
+          </a:p>
+          <a:p>
+            <a:pPr marL="285750" indent="-285750">
+              <a:buFont typeface="Arial" panose="020B0604020202020204" pitchFamily="34" charset="0"/>
+              <a:buChar char="•"/>
+            </a:pPr>
+            <a:endParaRPr lang="en-US" sz="2400" dirty="0"/>
+          </a:p>
+        </p:txBody>
+      </p:sp>
+    </p:spTree>
+    <p:extLst>
+      <p:ext uri="{BB962C8B-B14F-4D97-AF65-F5344CB8AC3E}">
+        <p14:creationId xmlns:p14="http://schemas.microsoft.com/office/powerpoint/2010/main" val="251839436"/>
+      </p:ext>
+    </p:extLst>
+  </p:cSld>
+  <p:clrMapOvr>
+    <a:masterClrMapping/>
+  </p:clrMapOvr>
+  <p:transition spd="med"/>
+</p:sld>
+</file>
+
+<file path=ppt/slides/slide16.xml><?xml version="1.0" encoding="utf-8"?>
+<p:sld xmlns:a="http://schemas.openxmlformats.org/drawingml/2006/main" xmlns:r="http://schemas.openxmlformats.org/officeDocument/2006/relationships" xmlns:p="http://schemas.openxmlformats.org/presentationml/2006/main">
+  <p:cSld>
+    <p:spTree>
+      <p:nvGrpSpPr>
+        <p:cNvPr id="1" name=""/>
+        <p:cNvGrpSpPr/>
+        <p:nvPr/>
+      </p:nvGrpSpPr>
+      <p:grpSpPr>
+        <a:xfrm>
+          <a:off x="0" y="0"/>
+          <a:ext cx="0" cy="0"/>
+          <a:chOff x="0" y="0"/>
+          <a:chExt cx="0" cy="0"/>
+        </a:xfrm>
+      </p:grpSpPr>
+      <p:sp>
+        <p:nvSpPr>
+          <p:cNvPr id="189" name="Shape 189"/>
+          <p:cNvSpPr/>
+          <p:nvPr/>
+        </p:nvSpPr>
+        <p:spPr>
+          <a:xfrm>
+            <a:off x="386308" y="147496"/>
+            <a:ext cx="7757379" cy="553998"/>
+          </a:xfrm>
+          <a:prstGeom prst="rect">
+            <a:avLst/>
+          </a:prstGeom>
+          <a:ln w="12700">
+            <a:miter lim="400000"/>
+          </a:ln>
+          <a:extLst>
+            <a:ext uri="{C572A759-6A51-4108-AA02-DFA0A04FC94B}">
+              <ma14:wrappingTextBoxFlag xmlns="" xmlns:ma14="http://schemas.microsoft.com/office/mac/drawingml/2011/main" val="1"/>
+            </a:ext>
+          </a:extLst>
+        </p:spPr>
+        <p:txBody>
+          <a:bodyPr lIns="45719" rIns="45719">
+            <a:spAutoFit/>
+          </a:bodyPr>
+          <a:lstStyle>
+            <a:lvl1pPr>
+              <a:defRPr sz="3000" b="1">
+                <a:uFill>
+                  <a:solidFill>
+                    <a:srgbClr val="FFFFFF"/>
+                  </a:solidFill>
+                </a:uFill>
+              </a:defRPr>
+            </a:lvl1pPr>
+          </a:lstStyle>
+          <a:p>
+            <a:pPr lvl="0">
+              <a:defRPr sz="1800" b="0">
+                <a:solidFill>
+                  <a:srgbClr val="000000"/>
+                </a:solidFill>
+                <a:uFillTx/>
+              </a:defRPr>
+            </a:pPr>
+            <a:r>
+              <a:rPr lang="en-US" sz="3000" b="1" dirty="0">
+                <a:uFill>
+                  <a:solidFill>
+                    <a:srgbClr val="FFFFFF"/>
+                  </a:solidFill>
+                </a:uFill>
+                <a:latin typeface="Arial Unicode MS" panose="020B0604020202020204" pitchFamily="34" charset="-128"/>
+              </a:rPr>
+              <a:t>Practice </a:t>
+            </a:r>
+            <a:r>
+              <a:rPr lang="en-US" sz="3000" b="1" dirty="0" err="1">
+                <a:uFill>
+                  <a:solidFill>
+                    <a:srgbClr val="FFFFFF"/>
+                  </a:solidFill>
+                </a:uFill>
+                <a:latin typeface="Arial Unicode MS" panose="020B0604020202020204" pitchFamily="34" charset="-128"/>
+              </a:rPr>
+              <a:t>SemiJoins</a:t>
+            </a:r>
+            <a:r>
+              <a:rPr lang="en-US" sz="3000" b="1" dirty="0">
+                <a:uFill>
+                  <a:solidFill>
+                    <a:srgbClr val="FFFFFF"/>
+                  </a:solidFill>
+                </a:uFill>
+                <a:latin typeface="Arial Unicode MS" panose="020B0604020202020204" pitchFamily="34" charset="-128"/>
+              </a:rPr>
+              <a:t> and </a:t>
+            </a:r>
+            <a:r>
+              <a:rPr lang="en-US" sz="3000" b="1" dirty="0" err="1">
+                <a:uFill>
+                  <a:solidFill>
+                    <a:srgbClr val="FFFFFF"/>
+                  </a:solidFill>
+                </a:uFill>
+                <a:latin typeface="Arial Unicode MS" panose="020B0604020202020204" pitchFamily="34" charset="-128"/>
+              </a:rPr>
+              <a:t>AntiJoins</a:t>
+            </a:r>
+            <a:endParaRPr sz="3000" b="1" dirty="0">
+              <a:uFill>
+                <a:solidFill>
+                  <a:srgbClr val="FFFFFF"/>
+                </a:solidFill>
+              </a:uFill>
+              <a:latin typeface="Arial Unicode MS" panose="020B0604020202020204" pitchFamily="34" charset="-128"/>
+            </a:endParaRPr>
+          </a:p>
+        </p:txBody>
+      </p:sp>
+      <p:sp>
+        <p:nvSpPr>
+          <p:cNvPr id="190" name="Shape 190"/>
+          <p:cNvSpPr/>
+          <p:nvPr/>
+        </p:nvSpPr>
+        <p:spPr>
+          <a:xfrm>
+            <a:off x="469900" y="1324179"/>
+            <a:ext cx="8204200" cy="307777"/>
+          </a:xfrm>
+          <a:prstGeom prst="rect">
+            <a:avLst/>
+          </a:prstGeom>
+          <a:ln w="12700">
+            <a:miter lim="400000"/>
+          </a:ln>
+          <a:extLst>
+            <a:ext uri="{C572A759-6A51-4108-AA02-DFA0A04FC94B}">
+              <ma14:wrappingTextBoxFlag xmlns="" xmlns:ma14="http://schemas.microsoft.com/office/mac/drawingml/2011/main" val="1"/>
             </a:ext>
           </a:extLst>
         </p:spPr>
@@ -9414,7 +9891,7 @@
 </p:sld>
 </file>
 
-<file path=ppt/slides/slide15.xml><?xml version="1.0" encoding="utf-8"?>
+<file path=ppt/slides/slide17.xml><?xml version="1.0" encoding="utf-8"?>
 <p:sld xmlns:a="http://schemas.openxmlformats.org/drawingml/2006/main" xmlns:r="http://schemas.openxmlformats.org/officeDocument/2006/relationships" xmlns:p="http://schemas.openxmlformats.org/presentationml/2006/main">
   <p:cSld>
     <p:spTree>
@@ -9569,7 +10046,7 @@
           </a:ln>
           <a:extLst>
             <a:ext uri="{C572A759-6A51-4108-AA02-DFA0A04FC94B}">
-              <ma14:wrappingTextBoxFlag xmlns:ma14="http://schemas.microsoft.com/office/mac/drawingml/2011/main" xmlns="" val="1"/>
+              <ma14:wrappingTextBoxFlag xmlns="" xmlns:ma14="http://schemas.microsoft.com/office/mac/drawingml/2011/main" val="1"/>
             </a:ext>
           </a:extLst>
         </p:spPr>
@@ -9629,7 +10106,7 @@
           </a:ln>
           <a:extLst>
             <a:ext uri="{C572A759-6A51-4108-AA02-DFA0A04FC94B}">
-              <ma14:wrappingTextBoxFlag xmlns:ma14="http://schemas.microsoft.com/office/mac/drawingml/2011/main" xmlns="" val="1"/>
+              <ma14:wrappingTextBoxFlag xmlns="" xmlns:ma14="http://schemas.microsoft.com/office/mac/drawingml/2011/main" val="1"/>
             </a:ext>
           </a:extLst>
         </p:spPr>
@@ -9846,7 +10323,7 @@
           </a:ln>
           <a:extLst>
             <a:ext uri="{C572A759-6A51-4108-AA02-DFA0A04FC94B}">
-              <ma14:wrappingTextBoxFlag xmlns:ma14="http://schemas.microsoft.com/office/mac/drawingml/2011/main" xmlns="" val="1"/>
+              <ma14:wrappingTextBoxFlag xmlns="" xmlns:ma14="http://schemas.microsoft.com/office/mac/drawingml/2011/main" val="1"/>
             </a:ext>
           </a:extLst>
         </p:spPr>
@@ -9949,7 +10426,7 @@
           </a:ln>
           <a:extLst>
             <a:ext uri="{C572A759-6A51-4108-AA02-DFA0A04FC94B}">
-              <ma14:wrappingTextBoxFlag xmlns:ma14="http://schemas.microsoft.com/office/mac/drawingml/2011/main" xmlns="" val="1"/>
+              <ma14:wrappingTextBoxFlag xmlns="" xmlns:ma14="http://schemas.microsoft.com/office/mac/drawingml/2011/main" val="1"/>
             </a:ext>
           </a:extLst>
         </p:spPr>
@@ -9998,7 +10475,7 @@
           <p:nvPr>
             <p:extLst>
               <p:ext uri="{D42A27DB-BD31-4B8C-83A1-F6EECF244321}">
-                <p14:modId xmlns:p14="http://schemas.microsoft.com/office/powerpoint/2010/main" val="2491052003"/>
+                <p14:modId xmlns:p14="http://schemas.microsoft.com/office/powerpoint/2010/main" val="2892719826"/>
               </p:ext>
             </p:extLst>
           </p:nvPr>
@@ -10054,14 +10531,14 @@
                         </a:defRPr>
                       </a:pPr>
                       <a:r>
-                        <a:rPr sz="1600" b="1" dirty="0" err="1">
+                        <a:rPr lang="en-US" sz="1600" b="1" dirty="0" err="1">
                           <a:uFill>
                             <a:solidFill>
                               <a:srgbClr val="FFFFFF"/>
                             </a:solidFill>
                           </a:uFill>
                         </a:rPr>
-                        <a:t>Student_id</a:t>
+                        <a:t>student_id</a:t>
                       </a:r>
                       <a:endParaRPr sz="1600" b="1" i="1" dirty="0">
                         <a:solidFill>
@@ -10095,14 +10572,14 @@
                         </a:defRPr>
                       </a:pPr>
                       <a:r>
-                        <a:rPr sz="1600" b="1" dirty="0">
+                        <a:rPr lang="en-US" sz="1600" b="1" dirty="0" err="1">
                           <a:uFill>
                             <a:solidFill>
                               <a:srgbClr val="FFFFFF"/>
                             </a:solidFill>
                           </a:uFill>
                         </a:rPr>
-                        <a:t>Class Id</a:t>
+                        <a:t>class_id</a:t>
                       </a:r>
                       <a:endParaRPr sz="1600" b="1" i="1" dirty="0">
                         <a:solidFill>
@@ -10833,7 +11310,7 @@
         <p:spPr>
           <a:xfrm>
             <a:off x="556576" y="1077451"/>
-            <a:ext cx="2216310" cy="400110"/>
+            <a:ext cx="1761058" cy="400110"/>
           </a:xfrm>
           <a:prstGeom prst="rect">
             <a:avLst/>
@@ -10843,7 +11320,7 @@
           </a:ln>
           <a:extLst>
             <a:ext uri="{C572A759-6A51-4108-AA02-DFA0A04FC94B}">
-              <ma14:wrappingTextBoxFlag xmlns:ma14="http://schemas.microsoft.com/office/mac/drawingml/2011/main" xmlns="" val="1"/>
+              <ma14:wrappingTextBoxFlag xmlns="" xmlns:ma14="http://schemas.microsoft.com/office/mac/drawingml/2011/main" val="1"/>
             </a:ext>
           </a:extLst>
         </p:spPr>
@@ -10874,7 +11351,7 @@
               </a:defRPr>
             </a:pPr>
             <a:r>
-              <a:rPr sz="2000" u="sng" dirty="0">
+              <a:rPr sz="2000" u="none" dirty="0" err="1">
                 <a:solidFill>
                   <a:schemeClr val="tx1"/>
                 </a:solidFill>
@@ -10883,8 +11360,41 @@
                 </a:uFill>
                 <a:latin typeface="Arial Unicode MS" panose="020B0604020202020204" pitchFamily="34" charset="-128"/>
               </a:rPr>
-              <a:t>Student Has Class</a:t>
-            </a:r>
+              <a:t>Student</a:t>
+            </a:r>
+            <a:r>
+              <a:rPr lang="en-US" sz="2000" u="none" dirty="0" err="1">
+                <a:solidFill>
+                  <a:schemeClr val="tx1"/>
+                </a:solidFill>
+                <a:uFill>
+                  <a:solidFill/>
+                </a:uFill>
+                <a:latin typeface="Arial Unicode MS" panose="020B0604020202020204" pitchFamily="34" charset="-128"/>
+              </a:rPr>
+              <a:t>_</a:t>
+            </a:r>
+            <a:r>
+              <a:rPr sz="2000" u="none" dirty="0" err="1">
+                <a:solidFill>
+                  <a:schemeClr val="tx1"/>
+                </a:solidFill>
+                <a:uFill>
+                  <a:solidFill/>
+                </a:uFill>
+                <a:latin typeface="Arial Unicode MS" panose="020B0604020202020204" pitchFamily="34" charset="-128"/>
+              </a:rPr>
+              <a:t>Class</a:t>
+            </a:r>
+            <a:endParaRPr sz="2000" u="none" dirty="0">
+              <a:solidFill>
+                <a:schemeClr val="tx1"/>
+              </a:solidFill>
+              <a:uFill>
+                <a:solidFill/>
+              </a:uFill>
+              <a:latin typeface="Arial Unicode MS" panose="020B0604020202020204" pitchFamily="34" charset="-128"/>
+            </a:endParaRPr>
           </a:p>
         </p:txBody>
       </p:sp>
@@ -10892,13 +11402,7 @@
         <p:nvGraphicFramePr>
           <p:cNvPr id="155" name="Table 155"/>
           <p:cNvGraphicFramePr/>
-          <p:nvPr>
-            <p:extLst>
-              <p:ext uri="{D42A27DB-BD31-4B8C-83A1-F6EECF244321}">
-                <p14:modId xmlns:p14="http://schemas.microsoft.com/office/powerpoint/2010/main" val="129772946"/>
-              </p:ext>
-            </p:extLst>
-          </p:nvPr>
+          <p:nvPr/>
         </p:nvGraphicFramePr>
         <p:xfrm>
           <a:off x="3636510" y="1625257"/>
@@ -10944,14 +11448,14 @@
                         </a:defRPr>
                       </a:pPr>
                       <a:r>
-                        <a:rPr sz="1600" b="1" dirty="0" err="1">
+                        <a:rPr lang="en-US" sz="1600" b="1" dirty="0" err="1">
                           <a:uFill>
                             <a:solidFill>
                               <a:srgbClr val="FFFFFF"/>
                             </a:solidFill>
                           </a:uFill>
                         </a:rPr>
-                        <a:t>Class_id</a:t>
+                        <a:t>class_id</a:t>
                       </a:r>
                       <a:endParaRPr sz="1600" b="1" i="1" dirty="0">
                         <a:solidFill>
@@ -11338,7 +11842,7 @@
           </a:ln>
           <a:extLst>
             <a:ext uri="{C572A759-6A51-4108-AA02-DFA0A04FC94B}">
-              <ma14:wrappingTextBoxFlag xmlns:ma14="http://schemas.microsoft.com/office/mac/drawingml/2011/main" xmlns="" val="1"/>
+              <ma14:wrappingTextBoxFlag xmlns="" xmlns:ma14="http://schemas.microsoft.com/office/mac/drawingml/2011/main" val="1"/>
             </a:ext>
           </a:extLst>
         </p:spPr>
@@ -11369,7 +11873,7 @@
               </a:defRPr>
             </a:pPr>
             <a:r>
-              <a:rPr sz="2000" u="sng" dirty="0">
+              <a:rPr sz="2000" u="none" dirty="0">
                 <a:solidFill>
                   <a:schemeClr val="tx1"/>
                 </a:solidFill>
@@ -11402,7 +11906,7 @@
           </a:ln>
           <a:extLst>
             <a:ext uri="{C572A759-6A51-4108-AA02-DFA0A04FC94B}">
-              <ma14:wrappingTextBoxFlag xmlns:ma14="http://schemas.microsoft.com/office/mac/drawingml/2011/main" xmlns="" val="1"/>
+              <ma14:wrappingTextBoxFlag xmlns="" xmlns:ma14="http://schemas.microsoft.com/office/mac/drawingml/2011/main" val="1"/>
             </a:ext>
           </a:extLst>
         </p:spPr>
@@ -11499,8 +12003,8 @@
         </p:nvSpPr>
         <p:spPr>
           <a:xfrm>
-            <a:off x="760008" y="4764886"/>
-            <a:ext cx="7409445" cy="1015663"/>
+            <a:off x="50104" y="4764886"/>
+            <a:ext cx="8611644" cy="1015663"/>
           </a:xfrm>
           <a:prstGeom prst="rect">
             <a:avLst/>
@@ -11510,12 +12014,12 @@
           </a:ln>
           <a:extLst>
             <a:ext uri="{C572A759-6A51-4108-AA02-DFA0A04FC94B}">
-              <ma14:wrappingTextBoxFlag xmlns:ma14="http://schemas.microsoft.com/office/mac/drawingml/2011/main" xmlns="" val="1"/>
+              <ma14:wrappingTextBoxFlag xmlns="" xmlns:ma14="http://schemas.microsoft.com/office/mac/drawingml/2011/main" val="1"/>
             </a:ext>
           </a:extLst>
         </p:spPr>
         <p:txBody>
-          <a:bodyPr lIns="45719" rIns="45719">
+          <a:bodyPr wrap="square" lIns="45719" rIns="45719">
             <a:spAutoFit/>
           </a:bodyPr>
           <a:lstStyle/>
@@ -11553,7 +12057,7 @@
               <a:t> </a:t>
             </a:r>
             <a:r>
-              <a:rPr sz="2000" dirty="0" err="1">
+              <a:rPr lang="en-US" sz="2000" dirty="0" err="1">
                 <a:uFill>
                   <a:solidFill/>
                 </a:uFill>
@@ -11578,7 +12082,7 @@
             </a:r>
           </a:p>
           <a:p>
-            <a:pPr lvl="0">
+            <a:pPr>
               <a:defRPr sz="1800">
                 <a:solidFill>
                   <a:srgbClr val="000000"/>
@@ -11611,72 +12115,23 @@
               <a:t> </a:t>
             </a:r>
             <a:r>
-              <a:rPr sz="2000" dirty="0" err="1">
+              <a:rPr lang="en-US" sz="2000" dirty="0" err="1">
                 <a:uFill>
                   <a:solidFill/>
                 </a:uFill>
                 <a:latin typeface="Arial Unicode MS" panose="020B0604020202020204" pitchFamily="34" charset="-128"/>
-                <a:ea typeface="Arial Unicode MS" panose="020B0604020202020204" pitchFamily="34" charset="-128"/>
-                <a:cs typeface="Arial Unicode MS" panose="020B0604020202020204" pitchFamily="34" charset="-128"/>
-                <a:sym typeface="Arial Bold"/>
               </a:rPr>
-              <a:t>Student_Has_Class</a:t>
-            </a:r>
-            <a:r>
-              <a:rPr sz="2000" dirty="0">
+              <a:t>Student_Class</a:t>
+            </a:r>
+            <a:r>
+              <a:rPr lang="en-US" sz="2000" dirty="0">
                 <a:uFill>
                   <a:solidFill/>
                 </a:uFill>
                 <a:latin typeface="Arial Unicode MS" panose="020B0604020202020204" pitchFamily="34" charset="-128"/>
-                <a:ea typeface="Arial Unicode MS" panose="020B0604020202020204" pitchFamily="34" charset="-128"/>
-                <a:cs typeface="Arial Unicode MS" panose="020B0604020202020204" pitchFamily="34" charset="-128"/>
-                <a:sym typeface="Arial Bold"/>
               </a:rPr>
               <a:t> </a:t>
             </a:r>
-            <a:r>
-              <a:rPr sz="2000" b="1" dirty="0">
-                <a:uFill>
-                  <a:solidFill/>
-                </a:uFill>
-                <a:latin typeface="Arial Unicode MS" panose="020B0604020202020204" pitchFamily="34" charset="-128"/>
-                <a:ea typeface="Arial Unicode MS" panose="020B0604020202020204" pitchFamily="34" charset="-128"/>
-                <a:cs typeface="Arial Unicode MS" panose="020B0604020202020204" pitchFamily="34" charset="-128"/>
-                <a:sym typeface="Arial Bold"/>
-              </a:rPr>
-              <a:t>s</a:t>
-            </a:r>
-            <a:r>
-              <a:rPr sz="2000" dirty="0">
-                <a:uFill>
-                  <a:solidFill/>
-                </a:uFill>
-                <a:latin typeface="Arial Unicode MS" panose="020B0604020202020204" pitchFamily="34" charset="-128"/>
-                <a:ea typeface="Arial Unicode MS" panose="020B0604020202020204" pitchFamily="34" charset="-128"/>
-                <a:cs typeface="Arial Unicode MS" panose="020B0604020202020204" pitchFamily="34" charset="-128"/>
-                <a:sym typeface="Arial Bold"/>
-              </a:rPr>
-              <a:t> </a:t>
-            </a:r>
-            <a:endParaRPr lang="en-US" sz="2000" dirty="0">
-              <a:uFill>
-                <a:solidFill/>
-              </a:uFill>
-              <a:latin typeface="Arial Unicode MS" panose="020B0604020202020204" pitchFamily="34" charset="-128"/>
-              <a:ea typeface="Arial Unicode MS" panose="020B0604020202020204" pitchFamily="34" charset="-128"/>
-              <a:cs typeface="Arial Unicode MS" panose="020B0604020202020204" pitchFamily="34" charset="-128"/>
-              <a:sym typeface="Arial Bold"/>
-            </a:endParaRPr>
-          </a:p>
-          <a:p>
-            <a:pPr lvl="0">
-              <a:defRPr sz="1800">
-                <a:solidFill>
-                  <a:srgbClr val="000000"/>
-                </a:solidFill>
-                <a:uFillTx/>
-              </a:defRPr>
-            </a:pPr>
             <a:r>
               <a:rPr lang="en-US" sz="2000" b="1" dirty="0">
                 <a:solidFill>
@@ -11690,7 +12145,7 @@
                 <a:cs typeface="Arial Unicode MS" panose="020B0604020202020204" pitchFamily="34" charset="-128"/>
                 <a:sym typeface="Arial Bold"/>
               </a:rPr>
-              <a:t>	INNER JOIN</a:t>
+              <a:t>INNER JOIN</a:t>
             </a:r>
             <a:r>
               <a:rPr sz="2000" b="1" dirty="0">
@@ -11719,30 +12174,25 @@
               </a:rPr>
               <a:t>Class </a:t>
             </a:r>
-            <a:r>
-              <a:rPr sz="2000" b="1" dirty="0">
-                <a:uFill>
-                  <a:solidFill/>
-                </a:uFill>
-                <a:latin typeface="Arial Unicode MS" panose="020B0604020202020204" pitchFamily="34" charset="-128"/>
-                <a:ea typeface="Arial Unicode MS" panose="020B0604020202020204" pitchFamily="34" charset="-128"/>
-                <a:cs typeface="Arial Unicode MS" panose="020B0604020202020204" pitchFamily="34" charset="-128"/>
-                <a:sym typeface="Arial Bold"/>
-              </a:rPr>
-              <a:t>c</a:t>
-            </a:r>
-            <a:r>
-              <a:rPr sz="2000" dirty="0">
-                <a:uFill>
-                  <a:solidFill/>
-                </a:uFill>
-                <a:latin typeface="Arial Unicode MS" panose="020B0604020202020204" pitchFamily="34" charset="-128"/>
-                <a:ea typeface="Arial Unicode MS" panose="020B0604020202020204" pitchFamily="34" charset="-128"/>
-                <a:cs typeface="Arial Unicode MS" panose="020B0604020202020204" pitchFamily="34" charset="-128"/>
-                <a:sym typeface="Arial Bold"/>
-              </a:rPr>
-              <a:t> </a:t>
-            </a:r>
+            <a:endParaRPr lang="en-US" sz="2000" dirty="0">
+              <a:uFill>
+                <a:solidFill/>
+              </a:uFill>
+              <a:latin typeface="Arial Unicode MS" panose="020B0604020202020204" pitchFamily="34" charset="-128"/>
+              <a:ea typeface="Arial Unicode MS" panose="020B0604020202020204" pitchFamily="34" charset="-128"/>
+              <a:cs typeface="Arial Unicode MS" panose="020B0604020202020204" pitchFamily="34" charset="-128"/>
+              <a:sym typeface="Arial Bold"/>
+            </a:endParaRPr>
+          </a:p>
+          <a:p>
+            <a:pPr>
+              <a:defRPr sz="1800">
+                <a:solidFill>
+                  <a:srgbClr val="000000"/>
+                </a:solidFill>
+                <a:uFillTx/>
+              </a:defRPr>
+            </a:pPr>
             <a:r>
               <a:rPr lang="en-US" sz="2000" b="1" dirty="0">
                 <a:solidFill>
@@ -11756,7 +12206,7 @@
                 <a:cs typeface="Arial Unicode MS" panose="020B0604020202020204" pitchFamily="34" charset="-128"/>
                 <a:sym typeface="Arial Bold"/>
               </a:rPr>
-              <a:t>ON</a:t>
+              <a:t>		ON</a:t>
             </a:r>
             <a:r>
               <a:rPr sz="2000" b="1" dirty="0">
@@ -11772,6 +12222,63 @@
                 <a:sym typeface="Arial Bold"/>
               </a:rPr>
               <a:t> </a:t>
+            </a:r>
+            <a:r>
+              <a:rPr lang="en-US" sz="2000" dirty="0" err="1">
+                <a:uFill>
+                  <a:solidFill/>
+                </a:uFill>
+                <a:latin typeface="Arial Unicode MS" panose="020B0604020202020204" pitchFamily="34" charset="-128"/>
+              </a:rPr>
+              <a:t>Student_Class</a:t>
+            </a:r>
+            <a:r>
+              <a:rPr lang="en-US" sz="2000" b="1" dirty="0" err="1">
+                <a:solidFill>
+                  <a:schemeClr val="tx1">
+                    <a:lumMod val="95000"/>
+                    <a:lumOff val="5000"/>
+                  </a:schemeClr>
+                </a:solidFill>
+                <a:uFill>
+                  <a:solidFill/>
+                </a:uFill>
+                <a:latin typeface="Arial Unicode MS" panose="020B0604020202020204" pitchFamily="34" charset="-128"/>
+                <a:ea typeface="Arial Unicode MS" panose="020B0604020202020204" pitchFamily="34" charset="-128"/>
+                <a:cs typeface="Arial Unicode MS" panose="020B0604020202020204" pitchFamily="34" charset="-128"/>
+                <a:sym typeface="Arial Bold"/>
+              </a:rPr>
+              <a:t>.class_id</a:t>
+            </a:r>
+            <a:r>
+              <a:rPr lang="en-US" sz="2000" b="1" dirty="0">
+                <a:solidFill>
+                  <a:schemeClr val="tx1">
+                    <a:lumMod val="95000"/>
+                    <a:lumOff val="5000"/>
+                  </a:schemeClr>
+                </a:solidFill>
+                <a:uFill>
+                  <a:solidFill/>
+                </a:uFill>
+                <a:latin typeface="Arial Unicode MS" panose="020B0604020202020204" pitchFamily="34" charset="-128"/>
+                <a:ea typeface="Arial Unicode MS" panose="020B0604020202020204" pitchFamily="34" charset="-128"/>
+                <a:cs typeface="Arial Unicode MS" panose="020B0604020202020204" pitchFamily="34" charset="-128"/>
+                <a:sym typeface="Arial Bold"/>
+              </a:rPr>
+              <a:t>  = </a:t>
+            </a:r>
+            <a:r>
+              <a:rPr lang="en-US" sz="2000" dirty="0" err="1">
+                <a:uFill>
+                  <a:solidFill/>
+                </a:uFill>
+                <a:latin typeface="Arial Unicode MS" panose="020B0604020202020204" pitchFamily="34" charset="-128"/>
+                <a:ea typeface="Arial Unicode MS" panose="020B0604020202020204" pitchFamily="34" charset="-128"/>
+                <a:cs typeface="Arial Unicode MS" panose="020B0604020202020204" pitchFamily="34" charset="-128"/>
+                <a:sym typeface="Arial Bold"/>
+              </a:rPr>
+              <a:t>Class</a:t>
             </a:r>
             <a:r>
               <a:rPr sz="2000" b="1" dirty="0" err="1">
@@ -11789,10 +12296,10 @@
                 <a:cs typeface="Arial Unicode MS" panose="020B0604020202020204" pitchFamily="34" charset="-128"/>
                 <a:sym typeface="Arial Bold"/>
               </a:rPr>
-              <a:t>c.class_id</a:t>
-            </a:r>
-            <a:r>
-              <a:rPr sz="2000" b="1" dirty="0">
+              <a:t>.</a:t>
+            </a:r>
+            <a:r>
+              <a:rPr lang="en-US" sz="2000" b="1" dirty="0" err="1">
                 <a:solidFill>
                   <a:schemeClr val="tx1">
                     <a:lumMod val="95000"/>
@@ -11807,25 +12314,7 @@
                 <a:cs typeface="Arial Unicode MS" panose="020B0604020202020204" pitchFamily="34" charset="-128"/>
                 <a:sym typeface="Arial Bold"/>
               </a:rPr>
-              <a:t> = </a:t>
-            </a:r>
-            <a:r>
-              <a:rPr sz="2000" b="1" dirty="0" err="1">
-                <a:solidFill>
-                  <a:schemeClr val="tx1">
-                    <a:lumMod val="95000"/>
-                    <a:lumOff val="5000"/>
-                  </a:schemeClr>
-                </a:solidFill>
-                <a:uFill>
-                  <a:solidFill/>
-                </a:uFill>
-                <a:latin typeface="Arial Unicode MS" panose="020B0604020202020204" pitchFamily="34" charset="-128"/>
-                <a:ea typeface="Arial Unicode MS" panose="020B0604020202020204" pitchFamily="34" charset="-128"/>
-                <a:cs typeface="Arial Unicode MS" panose="020B0604020202020204" pitchFamily="34" charset="-128"/>
-                <a:sym typeface="Arial Bold"/>
-              </a:rPr>
-              <a:t>s.class_id</a:t>
+              <a:t>class_id</a:t>
             </a:r>
             <a:endParaRPr sz="2000" b="1" dirty="0">
               <a:solidFill>
@@ -11848,7 +12337,7 @@
     </p:spTree>
     <p:extLst>
       <p:ext uri="{BB962C8B-B14F-4D97-AF65-F5344CB8AC3E}">
-        <p14:creationId xmlns:p14="http://schemas.microsoft.com/office/powerpoint/2010/main" val="313566018"/>
+        <p14:creationId xmlns:p14="http://schemas.microsoft.com/office/powerpoint/2010/main" val="957228001"/>
       </p:ext>
     </p:extLst>
   </p:cSld>
@@ -11963,6 +12452,4210 @@
       </p:grpSpPr>
       <p:sp>
         <p:nvSpPr>
+          <p:cNvPr id="152" name="Shape 152"/>
+          <p:cNvSpPr/>
+          <p:nvPr/>
+        </p:nvSpPr>
+        <p:spPr>
+          <a:xfrm>
+            <a:off x="386308" y="147496"/>
+            <a:ext cx="7757379" cy="553998"/>
+          </a:xfrm>
+          <a:prstGeom prst="rect">
+            <a:avLst/>
+          </a:prstGeom>
+          <a:ln w="12700">
+            <a:miter lim="400000"/>
+          </a:ln>
+          <a:extLst>
+            <a:ext uri="{C572A759-6A51-4108-AA02-DFA0A04FC94B}">
+              <ma14:wrappingTextBoxFlag xmlns="" xmlns:ma14="http://schemas.microsoft.com/office/mac/drawingml/2011/main" val="1"/>
+            </a:ext>
+          </a:extLst>
+        </p:spPr>
+        <p:txBody>
+          <a:bodyPr lIns="45719" rIns="45719">
+            <a:spAutoFit/>
+          </a:bodyPr>
+          <a:lstStyle>
+            <a:lvl1pPr>
+              <a:defRPr sz="3000" b="1">
+                <a:uFill>
+                  <a:solidFill>
+                    <a:srgbClr val="FFFFFF"/>
+                  </a:solidFill>
+                </a:uFill>
+              </a:defRPr>
+            </a:lvl1pPr>
+          </a:lstStyle>
+          <a:p>
+            <a:pPr lvl="0">
+              <a:defRPr sz="1800" b="0">
+                <a:solidFill>
+                  <a:srgbClr val="000000"/>
+                </a:solidFill>
+                <a:uFillTx/>
+              </a:defRPr>
+            </a:pPr>
+            <a:r>
+              <a:rPr sz="3000" b="1" dirty="0">
+                <a:uFill>
+                  <a:solidFill>
+                    <a:srgbClr val="FFFFFF"/>
+                  </a:solidFill>
+                </a:uFill>
+                <a:latin typeface="Arial Unicode MS" panose="020B0604020202020204" pitchFamily="34" charset="-128"/>
+              </a:rPr>
+              <a:t>Joins</a:t>
+            </a:r>
+          </a:p>
+        </p:txBody>
+      </p:sp>
+      <p:graphicFrame>
+        <p:nvGraphicFramePr>
+          <p:cNvPr id="153" name="Table 153"/>
+          <p:cNvGraphicFramePr/>
+          <p:nvPr>
+            <p:extLst>
+              <p:ext uri="{D42A27DB-BD31-4B8C-83A1-F6EECF244321}">
+                <p14:modId xmlns:p14="http://schemas.microsoft.com/office/powerpoint/2010/main" val="36715247"/>
+              </p:ext>
+            </p:extLst>
+          </p:nvPr>
+        </p:nvGraphicFramePr>
+        <p:xfrm>
+          <a:off x="492749" y="1625257"/>
+          <a:ext cx="2639541" cy="2634120"/>
+        </p:xfrm>
+        <a:graphic>
+          <a:graphicData uri="http://schemas.openxmlformats.org/drawingml/2006/table">
+            <a:tbl>
+              <a:tblPr firstRow="1" bandRow="1">
+                <a:tableStyleId>{C083E6E3-FA7D-4D7B-A595-EF9225AFEA82}</a:tableStyleId>
+              </a:tblPr>
+              <a:tblGrid>
+                <a:gridCol w="1115983">
+                  <a:extLst>
+                    <a:ext uri="{9D8B030D-6E8A-4147-A177-3AD203B41FA5}">
+                      <a16:colId xmlns:a16="http://schemas.microsoft.com/office/drawing/2014/main" val="20000"/>
+                    </a:ext>
+                  </a:extLst>
+                </a:gridCol>
+                <a:gridCol w="853969">
+                  <a:extLst>
+                    <a:ext uri="{9D8B030D-6E8A-4147-A177-3AD203B41FA5}">
+                      <a16:colId xmlns:a16="http://schemas.microsoft.com/office/drawing/2014/main" val="20001"/>
+                    </a:ext>
+                  </a:extLst>
+                </a:gridCol>
+                <a:gridCol w="669589">
+                  <a:extLst>
+                    <a:ext uri="{9D8B030D-6E8A-4147-A177-3AD203B41FA5}">
+                      <a16:colId xmlns:a16="http://schemas.microsoft.com/office/drawing/2014/main" val="20002"/>
+                    </a:ext>
+                  </a:extLst>
+                </a:gridCol>
+              </a:tblGrid>
+              <a:tr h="387711">
+                <a:tc>
+                  <a:txBody>
+                    <a:bodyPr/>
+                    <a:lstStyle/>
+                    <a:p>
+                      <a:pPr lvl="0" algn="ctr">
+                        <a:spcBef>
+                          <a:spcPts val="500"/>
+                        </a:spcBef>
+                        <a:defRPr sz="1800" b="0" i="0">
+                          <a:solidFill>
+                            <a:srgbClr val="000000"/>
+                          </a:solidFill>
+                          <a:uFillTx/>
+                        </a:defRPr>
+                      </a:pPr>
+                      <a:r>
+                        <a:rPr lang="en-US" sz="1600" b="1" dirty="0" err="1">
+                          <a:uFill>
+                            <a:solidFill>
+                              <a:srgbClr val="FFFFFF"/>
+                            </a:solidFill>
+                          </a:uFill>
+                        </a:rPr>
+                        <a:t>student_id</a:t>
+                      </a:r>
+                      <a:endParaRPr sz="1600" b="1" i="1" dirty="0">
+                        <a:solidFill>
+                          <a:schemeClr val="tx1"/>
+                        </a:solidFill>
+                        <a:uFill>
+                          <a:solidFill>
+                            <a:srgbClr val="FFFFFF"/>
+                          </a:solidFill>
+                        </a:uFill>
+                        <a:latin typeface="Arial Unicode MS" panose="020B0604020202020204" pitchFamily="34" charset="-128"/>
+                      </a:endParaRPr>
+                    </a:p>
+                  </a:txBody>
+                  <a:tcPr marL="63500" marR="63500" marT="63500" marB="63500" horzOverflow="overflow"/>
+                </a:tc>
+                <a:tc>
+                  <a:txBody>
+                    <a:bodyPr/>
+                    <a:lstStyle/>
+                    <a:p>
+                      <a:pPr lvl="0" algn="ctr">
+                        <a:spcBef>
+                          <a:spcPts val="500"/>
+                        </a:spcBef>
+                        <a:defRPr sz="1800" b="0" i="0">
+                          <a:solidFill>
+                            <a:srgbClr val="000000"/>
+                          </a:solidFill>
+                          <a:uFillTx/>
+                        </a:defRPr>
+                      </a:pPr>
+                      <a:r>
+                        <a:rPr lang="en-US" sz="1600" b="1" dirty="0" err="1">
+                          <a:uFill>
+                            <a:solidFill>
+                              <a:srgbClr val="FFFFFF"/>
+                            </a:solidFill>
+                          </a:uFill>
+                        </a:rPr>
+                        <a:t>class_id</a:t>
+                      </a:r>
+                      <a:endParaRPr sz="1600" b="1" i="1" dirty="0">
+                        <a:solidFill>
+                          <a:schemeClr val="tx1"/>
+                        </a:solidFill>
+                        <a:uFill>
+                          <a:solidFill>
+                            <a:srgbClr val="FFFFFF"/>
+                          </a:solidFill>
+                        </a:uFill>
+                        <a:latin typeface="Arial Unicode MS" panose="020B0604020202020204" pitchFamily="34" charset="-128"/>
+                      </a:endParaRPr>
+                    </a:p>
+                  </a:txBody>
+                  <a:tcPr marL="63500" marR="63500" marT="63500" marB="63500" horzOverflow="overflow"/>
+                </a:tc>
+                <a:tc>
+                  <a:txBody>
+                    <a:bodyPr/>
+                    <a:lstStyle/>
+                    <a:p>
+                      <a:pPr lvl="0" algn="ctr">
+                        <a:spcBef>
+                          <a:spcPts val="500"/>
+                        </a:spcBef>
+                        <a:defRPr sz="1800" b="0" i="0">
+                          <a:solidFill>
+                            <a:srgbClr val="000000"/>
+                          </a:solidFill>
+                          <a:uFillTx/>
+                        </a:defRPr>
+                      </a:pPr>
+                      <a:r>
+                        <a:rPr sz="1600" b="1" dirty="0">
+                          <a:uFill>
+                            <a:solidFill>
+                              <a:srgbClr val="FFFFFF"/>
+                            </a:solidFill>
+                          </a:uFill>
+                        </a:rPr>
+                        <a:t>Grade</a:t>
+                      </a:r>
+                      <a:endParaRPr sz="1600" b="1" i="1" dirty="0">
+                        <a:solidFill>
+                          <a:schemeClr val="tx1"/>
+                        </a:solidFill>
+                        <a:uFill>
+                          <a:solidFill>
+                            <a:srgbClr val="FFFFFF"/>
+                          </a:solidFill>
+                        </a:uFill>
+                        <a:latin typeface="Arial Unicode MS" panose="020B0604020202020204" pitchFamily="34" charset="-128"/>
+                      </a:endParaRPr>
+                    </a:p>
+                  </a:txBody>
+                  <a:tcPr marL="63500" marR="63500" marT="63500" marB="63500" horzOverflow="overflow"/>
+                </a:tc>
+                <a:extLst>
+                  <a:ext uri="{0D108BD9-81ED-4DB2-BD59-A6C34878D82A}">
+                    <a16:rowId xmlns:a16="http://schemas.microsoft.com/office/drawing/2014/main" val="10000"/>
+                  </a:ext>
+                </a:extLst>
+              </a:tr>
+              <a:tr h="383809">
+                <a:tc>
+                  <a:txBody>
+                    <a:bodyPr/>
+                    <a:lstStyle/>
+                    <a:p>
+                      <a:pPr lvl="0" algn="ctr">
+                        <a:defRPr sz="1800">
+                          <a:solidFill>
+                            <a:srgbClr val="000000"/>
+                          </a:solidFill>
+                          <a:uFillTx/>
+                        </a:defRPr>
+                      </a:pPr>
+                      <a:r>
+                        <a:rPr sz="1600" dirty="0">
+                          <a:uFill>
+                            <a:solidFill/>
+                          </a:uFill>
+                        </a:rPr>
+                        <a:t>1</a:t>
+                      </a:r>
+                      <a:endParaRPr sz="1600" dirty="0">
+                        <a:solidFill>
+                          <a:srgbClr val="191164"/>
+                        </a:solidFill>
+                        <a:uFill>
+                          <a:solidFill/>
+                        </a:uFill>
+                        <a:latin typeface="Arial Unicode MS" panose="020B0604020202020204" pitchFamily="34" charset="-128"/>
+                      </a:endParaRPr>
+                    </a:p>
+                  </a:txBody>
+                  <a:tcPr marL="63500" marR="63500" marT="63500" marB="63500" horzOverflow="overflow"/>
+                </a:tc>
+                <a:tc>
+                  <a:txBody>
+                    <a:bodyPr/>
+                    <a:lstStyle/>
+                    <a:p>
+                      <a:pPr lvl="0" algn="ctr">
+                        <a:defRPr sz="1800">
+                          <a:solidFill>
+                            <a:srgbClr val="000000"/>
+                          </a:solidFill>
+                          <a:uFillTx/>
+                        </a:defRPr>
+                      </a:pPr>
+                      <a:r>
+                        <a:rPr sz="1600" dirty="0">
+                          <a:uFill>
+                            <a:solidFill/>
+                          </a:uFill>
+                        </a:rPr>
+                        <a:t>1</a:t>
+                      </a:r>
+                      <a:endParaRPr sz="1600" dirty="0">
+                        <a:solidFill>
+                          <a:srgbClr val="191164"/>
+                        </a:solidFill>
+                        <a:uFill>
+                          <a:solidFill/>
+                        </a:uFill>
+                        <a:latin typeface="Arial Unicode MS" panose="020B0604020202020204" pitchFamily="34" charset="-128"/>
+                      </a:endParaRPr>
+                    </a:p>
+                  </a:txBody>
+                  <a:tcPr marL="63500" marR="63500" marT="63500" marB="63500" horzOverflow="overflow"/>
+                </a:tc>
+                <a:tc>
+                  <a:txBody>
+                    <a:bodyPr/>
+                    <a:lstStyle/>
+                    <a:p>
+                      <a:pPr lvl="0" algn="ctr">
+                        <a:defRPr sz="1800">
+                          <a:solidFill>
+                            <a:srgbClr val="000000"/>
+                          </a:solidFill>
+                          <a:uFillTx/>
+                        </a:defRPr>
+                      </a:pPr>
+                      <a:r>
+                        <a:rPr sz="1600" dirty="0">
+                          <a:uFill>
+                            <a:solidFill/>
+                          </a:uFill>
+                        </a:rPr>
+                        <a:t>19</a:t>
+                      </a:r>
+                      <a:endParaRPr sz="1600" dirty="0">
+                        <a:solidFill>
+                          <a:srgbClr val="191164"/>
+                        </a:solidFill>
+                        <a:uFill>
+                          <a:solidFill/>
+                        </a:uFill>
+                        <a:latin typeface="Arial Unicode MS" panose="020B0604020202020204" pitchFamily="34" charset="-128"/>
+                      </a:endParaRPr>
+                    </a:p>
+                  </a:txBody>
+                  <a:tcPr marL="63500" marR="63500" marT="63500" marB="63500" horzOverflow="overflow"/>
+                </a:tc>
+                <a:extLst>
+                  <a:ext uri="{0D108BD9-81ED-4DB2-BD59-A6C34878D82A}">
+                    <a16:rowId xmlns:a16="http://schemas.microsoft.com/office/drawing/2014/main" val="10001"/>
+                  </a:ext>
+                </a:extLst>
+              </a:tr>
+              <a:tr h="372520">
+                <a:tc>
+                  <a:txBody>
+                    <a:bodyPr/>
+                    <a:lstStyle/>
+                    <a:p>
+                      <a:pPr lvl="0" algn="ctr">
+                        <a:defRPr sz="1800">
+                          <a:solidFill>
+                            <a:srgbClr val="000000"/>
+                          </a:solidFill>
+                          <a:uFillTx/>
+                        </a:defRPr>
+                      </a:pPr>
+                      <a:r>
+                        <a:rPr sz="1600" dirty="0">
+                          <a:uFill>
+                            <a:solidFill/>
+                          </a:uFill>
+                        </a:rPr>
+                        <a:t>2</a:t>
+                      </a:r>
+                      <a:endParaRPr sz="1600" dirty="0">
+                        <a:solidFill>
+                          <a:srgbClr val="191164"/>
+                        </a:solidFill>
+                        <a:uFill>
+                          <a:solidFill/>
+                        </a:uFill>
+                        <a:latin typeface="Arial Unicode MS" panose="020B0604020202020204" pitchFamily="34" charset="-128"/>
+                      </a:endParaRPr>
+                    </a:p>
+                  </a:txBody>
+                  <a:tcPr marL="63500" marR="63500" marT="63500" marB="63500" horzOverflow="overflow"/>
+                </a:tc>
+                <a:tc>
+                  <a:txBody>
+                    <a:bodyPr/>
+                    <a:lstStyle/>
+                    <a:p>
+                      <a:pPr lvl="0" algn="ctr">
+                        <a:defRPr sz="1800">
+                          <a:solidFill>
+                            <a:srgbClr val="000000"/>
+                          </a:solidFill>
+                          <a:uFillTx/>
+                        </a:defRPr>
+                      </a:pPr>
+                      <a:r>
+                        <a:rPr sz="1600" dirty="0">
+                          <a:uFill>
+                            <a:solidFill/>
+                          </a:uFill>
+                        </a:rPr>
+                        <a:t>1</a:t>
+                      </a:r>
+                      <a:endParaRPr sz="1600" dirty="0">
+                        <a:solidFill>
+                          <a:srgbClr val="191164"/>
+                        </a:solidFill>
+                        <a:uFill>
+                          <a:solidFill/>
+                        </a:uFill>
+                        <a:latin typeface="Arial Unicode MS" panose="020B0604020202020204" pitchFamily="34" charset="-128"/>
+                      </a:endParaRPr>
+                    </a:p>
+                  </a:txBody>
+                  <a:tcPr marL="63500" marR="63500" marT="63500" marB="63500" horzOverflow="overflow"/>
+                </a:tc>
+                <a:tc>
+                  <a:txBody>
+                    <a:bodyPr/>
+                    <a:lstStyle/>
+                    <a:p>
+                      <a:pPr lvl="0" algn="ctr">
+                        <a:defRPr sz="1800">
+                          <a:solidFill>
+                            <a:srgbClr val="000000"/>
+                          </a:solidFill>
+                          <a:uFillTx/>
+                        </a:defRPr>
+                      </a:pPr>
+                      <a:r>
+                        <a:rPr sz="1600" dirty="0">
+                          <a:uFill>
+                            <a:solidFill/>
+                          </a:uFill>
+                        </a:rPr>
+                        <a:t>16</a:t>
+                      </a:r>
+                      <a:endParaRPr sz="1600" dirty="0">
+                        <a:solidFill>
+                          <a:srgbClr val="191164"/>
+                        </a:solidFill>
+                        <a:uFill>
+                          <a:solidFill/>
+                        </a:uFill>
+                        <a:latin typeface="Arial Unicode MS" panose="020B0604020202020204" pitchFamily="34" charset="-128"/>
+                      </a:endParaRPr>
+                    </a:p>
+                  </a:txBody>
+                  <a:tcPr marL="63500" marR="63500" marT="63500" marB="63500" horzOverflow="overflow"/>
+                </a:tc>
+                <a:extLst>
+                  <a:ext uri="{0D108BD9-81ED-4DB2-BD59-A6C34878D82A}">
+                    <a16:rowId xmlns:a16="http://schemas.microsoft.com/office/drawing/2014/main" val="10002"/>
+                  </a:ext>
+                </a:extLst>
+              </a:tr>
+              <a:tr h="372520">
+                <a:tc>
+                  <a:txBody>
+                    <a:bodyPr/>
+                    <a:lstStyle/>
+                    <a:p>
+                      <a:pPr lvl="0" algn="ctr">
+                        <a:defRPr sz="1800">
+                          <a:solidFill>
+                            <a:srgbClr val="000000"/>
+                          </a:solidFill>
+                          <a:uFillTx/>
+                        </a:defRPr>
+                      </a:pPr>
+                      <a:r>
+                        <a:rPr sz="1600" dirty="0">
+                          <a:uFill>
+                            <a:solidFill/>
+                          </a:uFill>
+                        </a:rPr>
+                        <a:t>3</a:t>
+                      </a:r>
+                      <a:endParaRPr sz="1600" dirty="0">
+                        <a:solidFill>
+                          <a:srgbClr val="191164"/>
+                        </a:solidFill>
+                        <a:uFill>
+                          <a:solidFill/>
+                        </a:uFill>
+                        <a:latin typeface="Arial Unicode MS" panose="020B0604020202020204" pitchFamily="34" charset="-128"/>
+                      </a:endParaRPr>
+                    </a:p>
+                  </a:txBody>
+                  <a:tcPr marL="63500" marR="63500" marT="63500" marB="63500" horzOverflow="overflow"/>
+                </a:tc>
+                <a:tc>
+                  <a:txBody>
+                    <a:bodyPr/>
+                    <a:lstStyle/>
+                    <a:p>
+                      <a:pPr lvl="0" algn="ctr">
+                        <a:defRPr sz="1800">
+                          <a:solidFill>
+                            <a:srgbClr val="000000"/>
+                          </a:solidFill>
+                          <a:uFillTx/>
+                        </a:defRPr>
+                      </a:pPr>
+                      <a:r>
+                        <a:rPr sz="1600" dirty="0">
+                          <a:uFill>
+                            <a:solidFill/>
+                          </a:uFill>
+                        </a:rPr>
+                        <a:t>1</a:t>
+                      </a:r>
+                      <a:endParaRPr sz="1600" dirty="0">
+                        <a:solidFill>
+                          <a:srgbClr val="191164"/>
+                        </a:solidFill>
+                        <a:uFill>
+                          <a:solidFill/>
+                        </a:uFill>
+                        <a:latin typeface="Arial Unicode MS" panose="020B0604020202020204" pitchFamily="34" charset="-128"/>
+                      </a:endParaRPr>
+                    </a:p>
+                  </a:txBody>
+                  <a:tcPr marL="63500" marR="63500" marT="63500" marB="63500" horzOverflow="overflow"/>
+                </a:tc>
+                <a:tc>
+                  <a:txBody>
+                    <a:bodyPr/>
+                    <a:lstStyle/>
+                    <a:p>
+                      <a:pPr lvl="0" algn="ctr">
+                        <a:defRPr sz="1800">
+                          <a:solidFill>
+                            <a:srgbClr val="000000"/>
+                          </a:solidFill>
+                          <a:uFillTx/>
+                        </a:defRPr>
+                      </a:pPr>
+                      <a:r>
+                        <a:rPr sz="1600" dirty="0">
+                          <a:uFill>
+                            <a:solidFill/>
+                          </a:uFill>
+                        </a:rPr>
+                        <a:t>20</a:t>
+                      </a:r>
+                      <a:endParaRPr sz="1600" dirty="0">
+                        <a:solidFill>
+                          <a:srgbClr val="191164"/>
+                        </a:solidFill>
+                        <a:uFill>
+                          <a:solidFill/>
+                        </a:uFill>
+                        <a:latin typeface="Arial Unicode MS" panose="020B0604020202020204" pitchFamily="34" charset="-128"/>
+                      </a:endParaRPr>
+                    </a:p>
+                  </a:txBody>
+                  <a:tcPr marL="63500" marR="63500" marT="63500" marB="63500" horzOverflow="overflow"/>
+                </a:tc>
+                <a:extLst>
+                  <a:ext uri="{0D108BD9-81ED-4DB2-BD59-A6C34878D82A}">
+                    <a16:rowId xmlns:a16="http://schemas.microsoft.com/office/drawing/2014/main" val="10003"/>
+                  </a:ext>
+                </a:extLst>
+              </a:tr>
+              <a:tr h="372520">
+                <a:tc>
+                  <a:txBody>
+                    <a:bodyPr/>
+                    <a:lstStyle/>
+                    <a:p>
+                      <a:pPr lvl="0" algn="ctr">
+                        <a:defRPr sz="1800">
+                          <a:solidFill>
+                            <a:srgbClr val="000000"/>
+                          </a:solidFill>
+                          <a:uFillTx/>
+                        </a:defRPr>
+                      </a:pPr>
+                      <a:r>
+                        <a:rPr sz="1600" dirty="0">
+                          <a:uFill>
+                            <a:solidFill/>
+                          </a:uFill>
+                        </a:rPr>
+                        <a:t>2</a:t>
+                      </a:r>
+                      <a:endParaRPr sz="1600" dirty="0">
+                        <a:solidFill>
+                          <a:srgbClr val="191164"/>
+                        </a:solidFill>
+                        <a:uFill>
+                          <a:solidFill/>
+                        </a:uFill>
+                        <a:latin typeface="Arial Unicode MS" panose="020B0604020202020204" pitchFamily="34" charset="-128"/>
+                      </a:endParaRPr>
+                    </a:p>
+                  </a:txBody>
+                  <a:tcPr marL="63500" marR="63500" marT="63500" marB="63500" horzOverflow="overflow"/>
+                </a:tc>
+                <a:tc>
+                  <a:txBody>
+                    <a:bodyPr/>
+                    <a:lstStyle/>
+                    <a:p>
+                      <a:pPr lvl="0" algn="ctr">
+                        <a:defRPr sz="1800">
+                          <a:solidFill>
+                            <a:srgbClr val="000000"/>
+                          </a:solidFill>
+                          <a:uFillTx/>
+                        </a:defRPr>
+                      </a:pPr>
+                      <a:r>
+                        <a:rPr sz="1600" dirty="0">
+                          <a:uFill>
+                            <a:solidFill/>
+                          </a:uFill>
+                        </a:rPr>
+                        <a:t>2</a:t>
+                      </a:r>
+                      <a:endParaRPr sz="1600" dirty="0">
+                        <a:solidFill>
+                          <a:srgbClr val="191164"/>
+                        </a:solidFill>
+                        <a:uFill>
+                          <a:solidFill/>
+                        </a:uFill>
+                        <a:latin typeface="Arial Unicode MS" panose="020B0604020202020204" pitchFamily="34" charset="-128"/>
+                      </a:endParaRPr>
+                    </a:p>
+                  </a:txBody>
+                  <a:tcPr marL="63500" marR="63500" marT="63500" marB="63500" horzOverflow="overflow"/>
+                </a:tc>
+                <a:tc>
+                  <a:txBody>
+                    <a:bodyPr/>
+                    <a:lstStyle/>
+                    <a:p>
+                      <a:pPr lvl="0" algn="ctr">
+                        <a:defRPr sz="1800">
+                          <a:solidFill>
+                            <a:srgbClr val="000000"/>
+                          </a:solidFill>
+                          <a:uFillTx/>
+                        </a:defRPr>
+                      </a:pPr>
+                      <a:r>
+                        <a:rPr sz="1600" dirty="0">
+                          <a:uFill>
+                            <a:solidFill/>
+                          </a:uFill>
+                        </a:rPr>
+                        <a:t>18</a:t>
+                      </a:r>
+                      <a:endParaRPr sz="1600" dirty="0">
+                        <a:solidFill>
+                          <a:srgbClr val="191164"/>
+                        </a:solidFill>
+                        <a:uFill>
+                          <a:solidFill/>
+                        </a:uFill>
+                        <a:latin typeface="Arial Unicode MS" panose="020B0604020202020204" pitchFamily="34" charset="-128"/>
+                      </a:endParaRPr>
+                    </a:p>
+                  </a:txBody>
+                  <a:tcPr marL="63500" marR="63500" marT="63500" marB="63500" horzOverflow="overflow"/>
+                </a:tc>
+                <a:extLst>
+                  <a:ext uri="{0D108BD9-81ED-4DB2-BD59-A6C34878D82A}">
+                    <a16:rowId xmlns:a16="http://schemas.microsoft.com/office/drawing/2014/main" val="10004"/>
+                  </a:ext>
+                </a:extLst>
+              </a:tr>
+              <a:tr h="372520">
+                <a:tc>
+                  <a:txBody>
+                    <a:bodyPr/>
+                    <a:lstStyle/>
+                    <a:p>
+                      <a:pPr lvl="0" algn="ctr">
+                        <a:defRPr sz="1800">
+                          <a:solidFill>
+                            <a:srgbClr val="000000"/>
+                          </a:solidFill>
+                          <a:uFillTx/>
+                        </a:defRPr>
+                      </a:pPr>
+                      <a:r>
+                        <a:rPr sz="1600" dirty="0">
+                          <a:uFill>
+                            <a:solidFill/>
+                          </a:uFill>
+                        </a:rPr>
+                        <a:t>1</a:t>
+                      </a:r>
+                      <a:endParaRPr sz="1600" dirty="0">
+                        <a:solidFill>
+                          <a:srgbClr val="191164"/>
+                        </a:solidFill>
+                        <a:uFill>
+                          <a:solidFill/>
+                        </a:uFill>
+                        <a:latin typeface="Arial Unicode MS" panose="020B0604020202020204" pitchFamily="34" charset="-128"/>
+                      </a:endParaRPr>
+                    </a:p>
+                  </a:txBody>
+                  <a:tcPr marL="63500" marR="63500" marT="63500" marB="63500" horzOverflow="overflow"/>
+                </a:tc>
+                <a:tc>
+                  <a:txBody>
+                    <a:bodyPr/>
+                    <a:lstStyle/>
+                    <a:p>
+                      <a:pPr lvl="0" algn="ctr">
+                        <a:defRPr sz="1800">
+                          <a:solidFill>
+                            <a:srgbClr val="000000"/>
+                          </a:solidFill>
+                          <a:uFillTx/>
+                        </a:defRPr>
+                      </a:pPr>
+                      <a:r>
+                        <a:rPr sz="1600" dirty="0">
+                          <a:uFill>
+                            <a:solidFill/>
+                          </a:uFill>
+                        </a:rPr>
+                        <a:t>3</a:t>
+                      </a:r>
+                      <a:endParaRPr sz="1600" dirty="0">
+                        <a:solidFill>
+                          <a:srgbClr val="191164"/>
+                        </a:solidFill>
+                        <a:uFill>
+                          <a:solidFill/>
+                        </a:uFill>
+                        <a:latin typeface="Arial Unicode MS" panose="020B0604020202020204" pitchFamily="34" charset="-128"/>
+                      </a:endParaRPr>
+                    </a:p>
+                  </a:txBody>
+                  <a:tcPr marL="63500" marR="63500" marT="63500" marB="63500" horzOverflow="overflow"/>
+                </a:tc>
+                <a:tc>
+                  <a:txBody>
+                    <a:bodyPr/>
+                    <a:lstStyle/>
+                    <a:p>
+                      <a:pPr lvl="0" algn="ctr">
+                        <a:defRPr sz="1800">
+                          <a:solidFill>
+                            <a:srgbClr val="000000"/>
+                          </a:solidFill>
+                          <a:uFillTx/>
+                        </a:defRPr>
+                      </a:pPr>
+                      <a:r>
+                        <a:rPr sz="1600" dirty="0">
+                          <a:uFill>
+                            <a:solidFill/>
+                          </a:uFill>
+                        </a:rPr>
+                        <a:t>19</a:t>
+                      </a:r>
+                      <a:endParaRPr sz="1600" dirty="0">
+                        <a:solidFill>
+                          <a:srgbClr val="191164"/>
+                        </a:solidFill>
+                        <a:uFill>
+                          <a:solidFill/>
+                        </a:uFill>
+                        <a:latin typeface="Arial Unicode MS" panose="020B0604020202020204" pitchFamily="34" charset="-128"/>
+                      </a:endParaRPr>
+                    </a:p>
+                  </a:txBody>
+                  <a:tcPr marL="63500" marR="63500" marT="63500" marB="63500" horzOverflow="overflow"/>
+                </a:tc>
+                <a:extLst>
+                  <a:ext uri="{0D108BD9-81ED-4DB2-BD59-A6C34878D82A}">
+                    <a16:rowId xmlns:a16="http://schemas.microsoft.com/office/drawing/2014/main" val="10005"/>
+                  </a:ext>
+                </a:extLst>
+              </a:tr>
+              <a:tr h="372520">
+                <a:tc>
+                  <a:txBody>
+                    <a:bodyPr/>
+                    <a:lstStyle/>
+                    <a:p>
+                      <a:pPr lvl="0" algn="ctr">
+                        <a:defRPr sz="1800">
+                          <a:solidFill>
+                            <a:srgbClr val="000000"/>
+                          </a:solidFill>
+                          <a:uFillTx/>
+                        </a:defRPr>
+                      </a:pPr>
+                      <a:r>
+                        <a:rPr sz="1600" dirty="0">
+                          <a:uFill>
+                            <a:solidFill/>
+                          </a:uFill>
+                        </a:rPr>
+                        <a:t>1</a:t>
+                      </a:r>
+                      <a:endParaRPr sz="1600" dirty="0">
+                        <a:solidFill>
+                          <a:srgbClr val="191164"/>
+                        </a:solidFill>
+                        <a:uFill>
+                          <a:solidFill/>
+                        </a:uFill>
+                        <a:latin typeface="Arial Unicode MS" panose="020B0604020202020204" pitchFamily="34" charset="-128"/>
+                      </a:endParaRPr>
+                    </a:p>
+                  </a:txBody>
+                  <a:tcPr marL="63500" marR="63500" marT="63500" marB="63500" horzOverflow="overflow"/>
+                </a:tc>
+                <a:tc>
+                  <a:txBody>
+                    <a:bodyPr/>
+                    <a:lstStyle/>
+                    <a:p>
+                      <a:pPr lvl="0" algn="ctr">
+                        <a:defRPr sz="1800">
+                          <a:solidFill>
+                            <a:srgbClr val="000000"/>
+                          </a:solidFill>
+                          <a:uFillTx/>
+                        </a:defRPr>
+                      </a:pPr>
+                      <a:r>
+                        <a:rPr sz="1600" dirty="0">
+                          <a:uFill>
+                            <a:solidFill/>
+                          </a:uFill>
+                        </a:rPr>
+                        <a:t>4</a:t>
+                      </a:r>
+                      <a:endParaRPr sz="1600" dirty="0">
+                        <a:solidFill>
+                          <a:srgbClr val="191164"/>
+                        </a:solidFill>
+                        <a:uFill>
+                          <a:solidFill/>
+                        </a:uFill>
+                        <a:latin typeface="Arial Unicode MS" panose="020B0604020202020204" pitchFamily="34" charset="-128"/>
+                      </a:endParaRPr>
+                    </a:p>
+                  </a:txBody>
+                  <a:tcPr marL="63500" marR="63500" marT="63500" marB="63500" horzOverflow="overflow"/>
+                </a:tc>
+                <a:tc>
+                  <a:txBody>
+                    <a:bodyPr/>
+                    <a:lstStyle/>
+                    <a:p>
+                      <a:pPr lvl="0" algn="ctr">
+                        <a:defRPr sz="1800">
+                          <a:solidFill>
+                            <a:srgbClr val="000000"/>
+                          </a:solidFill>
+                          <a:uFillTx/>
+                        </a:defRPr>
+                      </a:pPr>
+                      <a:r>
+                        <a:rPr sz="1600" dirty="0">
+                          <a:uFill>
+                            <a:solidFill/>
+                          </a:uFill>
+                        </a:rPr>
+                        <a:t>14</a:t>
+                      </a:r>
+                      <a:endParaRPr sz="1600" dirty="0">
+                        <a:solidFill>
+                          <a:srgbClr val="191164"/>
+                        </a:solidFill>
+                        <a:uFill>
+                          <a:solidFill/>
+                        </a:uFill>
+                        <a:latin typeface="Arial Unicode MS" panose="020B0604020202020204" pitchFamily="34" charset="-128"/>
+                      </a:endParaRPr>
+                    </a:p>
+                  </a:txBody>
+                  <a:tcPr marL="63500" marR="63500" marT="63500" marB="63500" horzOverflow="overflow"/>
+                </a:tc>
+                <a:extLst>
+                  <a:ext uri="{0D108BD9-81ED-4DB2-BD59-A6C34878D82A}">
+                    <a16:rowId xmlns:a16="http://schemas.microsoft.com/office/drawing/2014/main" val="10006"/>
+                  </a:ext>
+                </a:extLst>
+              </a:tr>
+            </a:tbl>
+          </a:graphicData>
+        </a:graphic>
+      </p:graphicFrame>
+      <p:sp>
+        <p:nvSpPr>
+          <p:cNvPr id="154" name="Shape 154"/>
+          <p:cNvSpPr/>
+          <p:nvPr/>
+        </p:nvSpPr>
+        <p:spPr>
+          <a:xfrm>
+            <a:off x="556576" y="1077451"/>
+            <a:ext cx="1761058" cy="400110"/>
+          </a:xfrm>
+          <a:prstGeom prst="rect">
+            <a:avLst/>
+          </a:prstGeom>
+          <a:ln w="12700">
+            <a:miter lim="400000"/>
+          </a:ln>
+          <a:extLst>
+            <a:ext uri="{C572A759-6A51-4108-AA02-DFA0A04FC94B}">
+              <ma14:wrappingTextBoxFlag xmlns="" xmlns:ma14="http://schemas.microsoft.com/office/mac/drawingml/2011/main" val="1"/>
+            </a:ext>
+          </a:extLst>
+        </p:spPr>
+        <p:txBody>
+          <a:bodyPr wrap="none" lIns="45719" rIns="45719">
+            <a:spAutoFit/>
+          </a:bodyPr>
+          <a:lstStyle>
+            <a:lvl1pPr>
+              <a:defRPr u="sng">
+                <a:solidFill>
+                  <a:srgbClr val="008F00"/>
+                </a:solidFill>
+                <a:latin typeface="+mn-lt"/>
+                <a:ea typeface="+mn-ea"/>
+                <a:cs typeface="+mn-cs"/>
+                <a:sym typeface="Arial"/>
+              </a:defRPr>
+            </a:lvl1pPr>
+          </a:lstStyle>
+          <a:p>
+            <a:pPr lvl="0">
+              <a:defRPr sz="1800" u="none">
+                <a:solidFill>
+                  <a:srgbClr val="000000"/>
+                </a:solidFill>
+                <a:uFillTx/>
+              </a:defRPr>
+            </a:pPr>
+            <a:r>
+              <a:rPr sz="2000" u="none" dirty="0" err="1">
+                <a:solidFill>
+                  <a:schemeClr val="tx1"/>
+                </a:solidFill>
+                <a:uFill>
+                  <a:solidFill/>
+                </a:uFill>
+                <a:latin typeface="Arial Unicode MS" panose="020B0604020202020204" pitchFamily="34" charset="-128"/>
+              </a:rPr>
+              <a:t>Student</a:t>
+            </a:r>
+            <a:r>
+              <a:rPr lang="en-US" sz="2000" u="none" dirty="0" err="1">
+                <a:solidFill>
+                  <a:schemeClr val="tx1"/>
+                </a:solidFill>
+                <a:uFill>
+                  <a:solidFill/>
+                </a:uFill>
+                <a:latin typeface="Arial Unicode MS" panose="020B0604020202020204" pitchFamily="34" charset="-128"/>
+              </a:rPr>
+              <a:t>_</a:t>
+            </a:r>
+            <a:r>
+              <a:rPr sz="2000" u="none" dirty="0" err="1">
+                <a:solidFill>
+                  <a:schemeClr val="tx1"/>
+                </a:solidFill>
+                <a:uFill>
+                  <a:solidFill/>
+                </a:uFill>
+                <a:latin typeface="Arial Unicode MS" panose="020B0604020202020204" pitchFamily="34" charset="-128"/>
+              </a:rPr>
+              <a:t>Class</a:t>
+            </a:r>
+            <a:endParaRPr sz="2000" u="none" dirty="0">
+              <a:solidFill>
+                <a:schemeClr val="tx1"/>
+              </a:solidFill>
+              <a:uFill>
+                <a:solidFill/>
+              </a:uFill>
+              <a:latin typeface="Arial Unicode MS" panose="020B0604020202020204" pitchFamily="34" charset="-128"/>
+            </a:endParaRPr>
+          </a:p>
+        </p:txBody>
+      </p:sp>
+      <p:graphicFrame>
+        <p:nvGraphicFramePr>
+          <p:cNvPr id="155" name="Table 155"/>
+          <p:cNvGraphicFramePr/>
+          <p:nvPr/>
+        </p:nvGraphicFramePr>
+        <p:xfrm>
+          <a:off x="3636510" y="1625257"/>
+          <a:ext cx="2207701" cy="1882818"/>
+        </p:xfrm>
+        <a:graphic>
+          <a:graphicData uri="http://schemas.openxmlformats.org/drawingml/2006/table">
+            <a:tbl>
+              <a:tblPr firstRow="1" bandRow="1">
+                <a:tableStyleId>{C083E6E3-FA7D-4D7B-A595-EF9225AFEA82}</a:tableStyleId>
+              </a:tblPr>
+              <a:tblGrid>
+                <a:gridCol w="989298">
+                  <a:extLst>
+                    <a:ext uri="{9D8B030D-6E8A-4147-A177-3AD203B41FA5}">
+                      <a16:colId xmlns:a16="http://schemas.microsoft.com/office/drawing/2014/main" val="20000"/>
+                    </a:ext>
+                  </a:extLst>
+                </a:gridCol>
+                <a:gridCol w="1218403">
+                  <a:extLst>
+                    <a:ext uri="{9D8B030D-6E8A-4147-A177-3AD203B41FA5}">
+                      <a16:colId xmlns:a16="http://schemas.microsoft.com/office/drawing/2014/main" val="20001"/>
+                    </a:ext>
+                  </a:extLst>
+                </a:gridCol>
+              </a:tblGrid>
+              <a:tr h="395621">
+                <a:tc>
+                  <a:txBody>
+                    <a:bodyPr/>
+                    <a:lstStyle/>
+                    <a:p>
+                      <a:pPr lvl="0" algn="ctr">
+                        <a:spcBef>
+                          <a:spcPts val="500"/>
+                        </a:spcBef>
+                        <a:defRPr sz="1800" b="0" i="0">
+                          <a:solidFill>
+                            <a:srgbClr val="000000"/>
+                          </a:solidFill>
+                          <a:uFillTx/>
+                        </a:defRPr>
+                      </a:pPr>
+                      <a:r>
+                        <a:rPr lang="en-US" sz="1600" b="1" dirty="0" err="1">
+                          <a:uFill>
+                            <a:solidFill>
+                              <a:srgbClr val="FFFFFF"/>
+                            </a:solidFill>
+                          </a:uFill>
+                        </a:rPr>
+                        <a:t>class_id</a:t>
+                      </a:r>
+                      <a:endParaRPr sz="1600" b="1" i="1" dirty="0">
+                        <a:solidFill>
+                          <a:schemeClr val="tx1"/>
+                        </a:solidFill>
+                        <a:uFill>
+                          <a:solidFill>
+                            <a:srgbClr val="FFFFFF"/>
+                          </a:solidFill>
+                        </a:uFill>
+                        <a:latin typeface="Arial Unicode MS" panose="020B0604020202020204" pitchFamily="34" charset="-128"/>
+                      </a:endParaRPr>
+                    </a:p>
+                  </a:txBody>
+                  <a:tcPr marL="63500" marR="63500" marT="63500" marB="63500" horzOverflow="overflow"/>
+                </a:tc>
+                <a:tc>
+                  <a:txBody>
+                    <a:bodyPr/>
+                    <a:lstStyle/>
+                    <a:p>
+                      <a:pPr lvl="0" algn="ctr">
+                        <a:spcBef>
+                          <a:spcPts val="500"/>
+                        </a:spcBef>
+                        <a:defRPr sz="1800" b="0" i="0">
+                          <a:solidFill>
+                            <a:srgbClr val="000000"/>
+                          </a:solidFill>
+                          <a:uFillTx/>
+                        </a:defRPr>
+                      </a:pPr>
+                      <a:r>
+                        <a:rPr sz="1600" b="1" dirty="0">
+                          <a:uFill>
+                            <a:solidFill>
+                              <a:srgbClr val="FFFFFF"/>
+                            </a:solidFill>
+                          </a:uFill>
+                        </a:rPr>
+                        <a:t>Class </a:t>
+                      </a:r>
+                      <a:endParaRPr sz="1600" b="1" i="1" dirty="0">
+                        <a:solidFill>
+                          <a:schemeClr val="tx1"/>
+                        </a:solidFill>
+                        <a:uFill>
+                          <a:solidFill>
+                            <a:srgbClr val="FFFFFF"/>
+                          </a:solidFill>
+                        </a:uFill>
+                        <a:latin typeface="Arial Unicode MS" panose="020B0604020202020204" pitchFamily="34" charset="-128"/>
+                      </a:endParaRPr>
+                    </a:p>
+                  </a:txBody>
+                  <a:tcPr marL="63500" marR="63500" marT="63500" marB="63500" horzOverflow="overflow"/>
+                </a:tc>
+                <a:extLst>
+                  <a:ext uri="{0D108BD9-81ED-4DB2-BD59-A6C34878D82A}">
+                    <a16:rowId xmlns:a16="http://schemas.microsoft.com/office/drawing/2014/main" val="10000"/>
+                  </a:ext>
+                </a:extLst>
+              </a:tr>
+              <a:tr h="374677">
+                <a:tc>
+                  <a:txBody>
+                    <a:bodyPr/>
+                    <a:lstStyle/>
+                    <a:p>
+                      <a:pPr lvl="0" algn="ctr">
+                        <a:defRPr sz="1800">
+                          <a:solidFill>
+                            <a:srgbClr val="000000"/>
+                          </a:solidFill>
+                          <a:uFillTx/>
+                        </a:defRPr>
+                      </a:pPr>
+                      <a:r>
+                        <a:rPr sz="1600" dirty="0">
+                          <a:uFill>
+                            <a:solidFill/>
+                          </a:uFill>
+                        </a:rPr>
+                        <a:t>1</a:t>
+                      </a:r>
+                      <a:endParaRPr sz="1600" dirty="0">
+                        <a:solidFill>
+                          <a:schemeClr val="tx1"/>
+                        </a:solidFill>
+                        <a:uFill>
+                          <a:solidFill/>
+                        </a:uFill>
+                        <a:latin typeface="Arial Unicode MS" panose="020B0604020202020204" pitchFamily="34" charset="-128"/>
+                      </a:endParaRPr>
+                    </a:p>
+                  </a:txBody>
+                  <a:tcPr marL="63500" marR="63500" marT="63500" marB="63500" horzOverflow="overflow"/>
+                </a:tc>
+                <a:tc>
+                  <a:txBody>
+                    <a:bodyPr/>
+                    <a:lstStyle/>
+                    <a:p>
+                      <a:pPr lvl="0" algn="ctr">
+                        <a:defRPr sz="1800">
+                          <a:solidFill>
+                            <a:srgbClr val="000000"/>
+                          </a:solidFill>
+                          <a:uFillTx/>
+                        </a:defRPr>
+                      </a:pPr>
+                      <a:r>
+                        <a:rPr sz="1600" dirty="0">
+                          <a:uFill>
+                            <a:solidFill/>
+                          </a:uFill>
+                        </a:rPr>
+                        <a:t>Algebra</a:t>
+                      </a:r>
+                      <a:endParaRPr sz="1600" dirty="0">
+                        <a:solidFill>
+                          <a:schemeClr val="tx1"/>
+                        </a:solidFill>
+                        <a:uFill>
+                          <a:solidFill/>
+                        </a:uFill>
+                        <a:latin typeface="Arial Unicode MS" panose="020B0604020202020204" pitchFamily="34" charset="-128"/>
+                      </a:endParaRPr>
+                    </a:p>
+                  </a:txBody>
+                  <a:tcPr marL="63500" marR="63500" marT="63500" marB="63500" horzOverflow="overflow"/>
+                </a:tc>
+                <a:extLst>
+                  <a:ext uri="{0D108BD9-81ED-4DB2-BD59-A6C34878D82A}">
+                    <a16:rowId xmlns:a16="http://schemas.microsoft.com/office/drawing/2014/main" val="10001"/>
+                  </a:ext>
+                </a:extLst>
+              </a:tr>
+              <a:tr h="360800">
+                <a:tc>
+                  <a:txBody>
+                    <a:bodyPr/>
+                    <a:lstStyle/>
+                    <a:p>
+                      <a:pPr lvl="0" algn="ctr">
+                        <a:defRPr sz="1800">
+                          <a:solidFill>
+                            <a:srgbClr val="000000"/>
+                          </a:solidFill>
+                          <a:uFillTx/>
+                        </a:defRPr>
+                      </a:pPr>
+                      <a:r>
+                        <a:rPr sz="1600" dirty="0">
+                          <a:uFill>
+                            <a:solidFill/>
+                          </a:uFill>
+                        </a:rPr>
+                        <a:t>2</a:t>
+                      </a:r>
+                      <a:endParaRPr sz="1600" dirty="0">
+                        <a:solidFill>
+                          <a:schemeClr val="tx1"/>
+                        </a:solidFill>
+                        <a:uFill>
+                          <a:solidFill/>
+                        </a:uFill>
+                        <a:latin typeface="Arial Unicode MS" panose="020B0604020202020204" pitchFamily="34" charset="-128"/>
+                      </a:endParaRPr>
+                    </a:p>
+                  </a:txBody>
+                  <a:tcPr marL="63500" marR="63500" marT="63500" marB="63500" horzOverflow="overflow"/>
+                </a:tc>
+                <a:tc>
+                  <a:txBody>
+                    <a:bodyPr/>
+                    <a:lstStyle/>
+                    <a:p>
+                      <a:pPr lvl="0" algn="ctr">
+                        <a:defRPr sz="1800">
+                          <a:solidFill>
+                            <a:srgbClr val="000000"/>
+                          </a:solidFill>
+                          <a:uFillTx/>
+                        </a:defRPr>
+                      </a:pPr>
+                      <a:r>
+                        <a:rPr sz="1600" dirty="0">
+                          <a:uFill>
+                            <a:solidFill/>
+                          </a:uFill>
+                        </a:rPr>
+                        <a:t>Analysis</a:t>
+                      </a:r>
+                      <a:endParaRPr sz="1600" dirty="0">
+                        <a:solidFill>
+                          <a:schemeClr val="tx1"/>
+                        </a:solidFill>
+                        <a:uFill>
+                          <a:solidFill/>
+                        </a:uFill>
+                        <a:latin typeface="Arial Unicode MS" panose="020B0604020202020204" pitchFamily="34" charset="-128"/>
+                      </a:endParaRPr>
+                    </a:p>
+                  </a:txBody>
+                  <a:tcPr marL="63500" marR="63500" marT="63500" marB="63500" horzOverflow="overflow"/>
+                </a:tc>
+                <a:extLst>
+                  <a:ext uri="{0D108BD9-81ED-4DB2-BD59-A6C34878D82A}">
+                    <a16:rowId xmlns:a16="http://schemas.microsoft.com/office/drawing/2014/main" val="10002"/>
+                  </a:ext>
+                </a:extLst>
+              </a:tr>
+              <a:tr h="360800">
+                <a:tc>
+                  <a:txBody>
+                    <a:bodyPr/>
+                    <a:lstStyle/>
+                    <a:p>
+                      <a:pPr lvl="0" algn="ctr">
+                        <a:defRPr sz="1800">
+                          <a:solidFill>
+                            <a:srgbClr val="000000"/>
+                          </a:solidFill>
+                          <a:uFillTx/>
+                        </a:defRPr>
+                      </a:pPr>
+                      <a:r>
+                        <a:rPr sz="1600" dirty="0">
+                          <a:uFill>
+                            <a:solidFill/>
+                          </a:uFill>
+                        </a:rPr>
+                        <a:t>3</a:t>
+                      </a:r>
+                      <a:endParaRPr sz="1600" dirty="0">
+                        <a:solidFill>
+                          <a:schemeClr val="tx1"/>
+                        </a:solidFill>
+                        <a:uFill>
+                          <a:solidFill/>
+                        </a:uFill>
+                        <a:latin typeface="Arial Unicode MS" panose="020B0604020202020204" pitchFamily="34" charset="-128"/>
+                      </a:endParaRPr>
+                    </a:p>
+                  </a:txBody>
+                  <a:tcPr marL="63500" marR="63500" marT="63500" marB="63500" horzOverflow="overflow"/>
+                </a:tc>
+                <a:tc>
+                  <a:txBody>
+                    <a:bodyPr/>
+                    <a:lstStyle/>
+                    <a:p>
+                      <a:pPr lvl="0" algn="ctr">
+                        <a:defRPr sz="1800">
+                          <a:solidFill>
+                            <a:srgbClr val="000000"/>
+                          </a:solidFill>
+                          <a:uFillTx/>
+                        </a:defRPr>
+                      </a:pPr>
+                      <a:r>
+                        <a:rPr sz="1600" dirty="0">
+                          <a:uFill>
+                            <a:solidFill/>
+                          </a:uFill>
+                        </a:rPr>
+                        <a:t>Physics</a:t>
+                      </a:r>
+                      <a:endParaRPr sz="1600" dirty="0">
+                        <a:solidFill>
+                          <a:schemeClr val="tx1"/>
+                        </a:solidFill>
+                        <a:uFill>
+                          <a:solidFill/>
+                        </a:uFill>
+                        <a:latin typeface="Arial Unicode MS" panose="020B0604020202020204" pitchFamily="34" charset="-128"/>
+                      </a:endParaRPr>
+                    </a:p>
+                  </a:txBody>
+                  <a:tcPr marL="63500" marR="63500" marT="63500" marB="63500" horzOverflow="overflow"/>
+                </a:tc>
+                <a:extLst>
+                  <a:ext uri="{0D108BD9-81ED-4DB2-BD59-A6C34878D82A}">
+                    <a16:rowId xmlns:a16="http://schemas.microsoft.com/office/drawing/2014/main" val="10003"/>
+                  </a:ext>
+                </a:extLst>
+              </a:tr>
+              <a:tr h="360800">
+                <a:tc>
+                  <a:txBody>
+                    <a:bodyPr/>
+                    <a:lstStyle/>
+                    <a:p>
+                      <a:pPr lvl="0" algn="ctr">
+                        <a:defRPr sz="1800">
+                          <a:solidFill>
+                            <a:srgbClr val="000000"/>
+                          </a:solidFill>
+                          <a:uFillTx/>
+                        </a:defRPr>
+                      </a:pPr>
+                      <a:r>
+                        <a:rPr sz="1600" dirty="0">
+                          <a:uFill>
+                            <a:solidFill/>
+                          </a:uFill>
+                        </a:rPr>
+                        <a:t>4</a:t>
+                      </a:r>
+                      <a:endParaRPr sz="1600" dirty="0">
+                        <a:solidFill>
+                          <a:srgbClr val="191164"/>
+                        </a:solidFill>
+                        <a:uFill>
+                          <a:solidFill/>
+                        </a:uFill>
+                        <a:latin typeface="Arial Unicode MS" panose="020B0604020202020204" pitchFamily="34" charset="-128"/>
+                      </a:endParaRPr>
+                    </a:p>
+                  </a:txBody>
+                  <a:tcPr marL="63500" marR="63500" marT="63500" marB="63500" horzOverflow="overflow"/>
+                </a:tc>
+                <a:tc>
+                  <a:txBody>
+                    <a:bodyPr/>
+                    <a:lstStyle/>
+                    <a:p>
+                      <a:pPr lvl="0" algn="ctr">
+                        <a:defRPr sz="1800">
+                          <a:solidFill>
+                            <a:srgbClr val="000000"/>
+                          </a:solidFill>
+                          <a:uFillTx/>
+                        </a:defRPr>
+                      </a:pPr>
+                      <a:r>
+                        <a:rPr sz="1600" dirty="0">
+                          <a:uFill>
+                            <a:solidFill/>
+                          </a:uFill>
+                        </a:rPr>
+                        <a:t>History</a:t>
+                      </a:r>
+                      <a:endParaRPr sz="1600" dirty="0">
+                        <a:solidFill>
+                          <a:srgbClr val="191164"/>
+                        </a:solidFill>
+                        <a:uFill>
+                          <a:solidFill/>
+                        </a:uFill>
+                        <a:latin typeface="Arial Unicode MS" panose="020B0604020202020204" pitchFamily="34" charset="-128"/>
+                      </a:endParaRPr>
+                    </a:p>
+                  </a:txBody>
+                  <a:tcPr marL="63500" marR="63500" marT="63500" marB="63500" horzOverflow="overflow"/>
+                </a:tc>
+                <a:extLst>
+                  <a:ext uri="{0D108BD9-81ED-4DB2-BD59-A6C34878D82A}">
+                    <a16:rowId xmlns:a16="http://schemas.microsoft.com/office/drawing/2014/main" val="10004"/>
+                  </a:ext>
+                </a:extLst>
+              </a:tr>
+            </a:tbl>
+          </a:graphicData>
+        </a:graphic>
+      </p:graphicFrame>
+      <p:sp>
+        <p:nvSpPr>
+          <p:cNvPr id="156" name="Shape 156"/>
+          <p:cNvSpPr/>
+          <p:nvPr/>
+        </p:nvSpPr>
+        <p:spPr>
+          <a:xfrm>
+            <a:off x="4097163" y="1077451"/>
+            <a:ext cx="735136" cy="400110"/>
+          </a:xfrm>
+          <a:prstGeom prst="rect">
+            <a:avLst/>
+          </a:prstGeom>
+          <a:ln w="12700">
+            <a:miter lim="400000"/>
+          </a:ln>
+          <a:extLst>
+            <a:ext uri="{C572A759-6A51-4108-AA02-DFA0A04FC94B}">
+              <ma14:wrappingTextBoxFlag xmlns="" xmlns:ma14="http://schemas.microsoft.com/office/mac/drawingml/2011/main" val="1"/>
+            </a:ext>
+          </a:extLst>
+        </p:spPr>
+        <p:txBody>
+          <a:bodyPr wrap="none" lIns="45719" rIns="45719">
+            <a:spAutoFit/>
+          </a:bodyPr>
+          <a:lstStyle>
+            <a:lvl1pPr>
+              <a:defRPr u="sng">
+                <a:solidFill>
+                  <a:srgbClr val="008F00"/>
+                </a:solidFill>
+                <a:latin typeface="+mn-lt"/>
+                <a:ea typeface="+mn-ea"/>
+                <a:cs typeface="+mn-cs"/>
+                <a:sym typeface="Arial"/>
+              </a:defRPr>
+            </a:lvl1pPr>
+          </a:lstStyle>
+          <a:p>
+            <a:pPr lvl="0">
+              <a:defRPr sz="1800" u="none">
+                <a:solidFill>
+                  <a:srgbClr val="000000"/>
+                </a:solidFill>
+                <a:uFillTx/>
+              </a:defRPr>
+            </a:pPr>
+            <a:r>
+              <a:rPr sz="2000" u="none" dirty="0">
+                <a:solidFill>
+                  <a:schemeClr val="tx1"/>
+                </a:solidFill>
+                <a:uFill>
+                  <a:solidFill/>
+                </a:uFill>
+                <a:latin typeface="Arial Unicode MS" panose="020B0604020202020204" pitchFamily="34" charset="-128"/>
+              </a:rPr>
+              <a:t>Class</a:t>
+            </a:r>
+          </a:p>
+        </p:txBody>
+      </p:sp>
+      <p:sp>
+        <p:nvSpPr>
+          <p:cNvPr id="157" name="Shape 157"/>
+          <p:cNvSpPr/>
+          <p:nvPr/>
+        </p:nvSpPr>
+        <p:spPr>
+          <a:xfrm>
+            <a:off x="6064423" y="1925842"/>
+            <a:ext cx="2532144" cy="1323439"/>
+          </a:xfrm>
+          <a:prstGeom prst="rect">
+            <a:avLst/>
+          </a:prstGeom>
+          <a:ln w="12700">
+            <a:miter lim="400000"/>
+          </a:ln>
+          <a:extLst>
+            <a:ext uri="{C572A759-6A51-4108-AA02-DFA0A04FC94B}">
+              <ma14:wrappingTextBoxFlag xmlns="" xmlns:ma14="http://schemas.microsoft.com/office/mac/drawingml/2011/main" val="1"/>
+            </a:ext>
+          </a:extLst>
+        </p:spPr>
+        <p:txBody>
+          <a:bodyPr lIns="45719" rIns="45719">
+            <a:spAutoFit/>
+          </a:bodyPr>
+          <a:lstStyle/>
+          <a:p>
+            <a:pPr lvl="0">
+              <a:defRPr sz="1800">
+                <a:solidFill>
+                  <a:srgbClr val="000000"/>
+                </a:solidFill>
+                <a:uFillTx/>
+              </a:defRPr>
+            </a:pPr>
+            <a:r>
+              <a:rPr sz="2000" u="sng" dirty="0">
+                <a:uFill>
+                  <a:solidFill/>
+                </a:uFill>
+                <a:latin typeface="Arial Unicode MS" panose="020B0604020202020204" pitchFamily="34" charset="-128"/>
+                <a:ea typeface="Arial Unicode MS" panose="020B0604020202020204" pitchFamily="34" charset="-128"/>
+                <a:cs typeface="Arial Unicode MS" panose="020B0604020202020204" pitchFamily="34" charset="-128"/>
+                <a:sym typeface="Arial Bold"/>
+              </a:rPr>
+              <a:t>Question</a:t>
+            </a:r>
+            <a:r>
+              <a:rPr sz="2000" dirty="0">
+                <a:uFill>
+                  <a:solidFill/>
+                </a:uFill>
+                <a:latin typeface="Arial Unicode MS" panose="020B0604020202020204" pitchFamily="34" charset="-128"/>
+                <a:ea typeface="Arial Unicode MS" panose="020B0604020202020204" pitchFamily="34" charset="-128"/>
+                <a:cs typeface="Arial Unicode MS" panose="020B0604020202020204" pitchFamily="34" charset="-128"/>
+                <a:sym typeface="Arial Bold"/>
+              </a:rPr>
+              <a:t>: Find the </a:t>
+            </a:r>
+          </a:p>
+          <a:p>
+            <a:pPr lvl="0">
+              <a:defRPr sz="1800">
+                <a:solidFill>
+                  <a:srgbClr val="000000"/>
+                </a:solidFill>
+                <a:uFillTx/>
+              </a:defRPr>
+            </a:pPr>
+            <a:r>
+              <a:rPr sz="2000" dirty="0">
+                <a:uFill>
+                  <a:solidFill/>
+                </a:uFill>
+                <a:latin typeface="Arial Unicode MS" panose="020B0604020202020204" pitchFamily="34" charset="-128"/>
+                <a:ea typeface="Arial Unicode MS" panose="020B0604020202020204" pitchFamily="34" charset="-128"/>
+                <a:cs typeface="Arial Unicode MS" panose="020B0604020202020204" pitchFamily="34" charset="-128"/>
+                <a:sym typeface="Arial Bold"/>
+              </a:rPr>
+              <a:t>class name for all the </a:t>
+            </a:r>
+          </a:p>
+          <a:p>
+            <a:pPr lvl="0">
+              <a:defRPr sz="1800">
+                <a:solidFill>
+                  <a:srgbClr val="000000"/>
+                </a:solidFill>
+                <a:uFillTx/>
+              </a:defRPr>
+            </a:pPr>
+            <a:r>
+              <a:rPr sz="2000" dirty="0">
+                <a:uFill>
+                  <a:solidFill/>
+                </a:uFill>
+                <a:latin typeface="Arial Unicode MS" panose="020B0604020202020204" pitchFamily="34" charset="-128"/>
+                <a:ea typeface="Arial Unicode MS" panose="020B0604020202020204" pitchFamily="34" charset="-128"/>
+                <a:cs typeface="Arial Unicode MS" panose="020B0604020202020204" pitchFamily="34" charset="-128"/>
+                <a:sym typeface="Arial Bold"/>
+              </a:rPr>
+              <a:t>classes that each student  is taking.</a:t>
+            </a:r>
+          </a:p>
+        </p:txBody>
+      </p:sp>
+      <p:sp>
+        <p:nvSpPr>
+          <p:cNvPr id="159" name="Shape 159"/>
+          <p:cNvSpPr/>
+          <p:nvPr/>
+        </p:nvSpPr>
+        <p:spPr>
+          <a:xfrm>
+            <a:off x="50104" y="4764886"/>
+            <a:ext cx="8611644" cy="1015663"/>
+          </a:xfrm>
+          <a:prstGeom prst="rect">
+            <a:avLst/>
+          </a:prstGeom>
+          <a:ln w="12700">
+            <a:miter lim="400000"/>
+          </a:ln>
+          <a:extLst>
+            <a:ext uri="{C572A759-6A51-4108-AA02-DFA0A04FC94B}">
+              <ma14:wrappingTextBoxFlag xmlns="" xmlns:ma14="http://schemas.microsoft.com/office/mac/drawingml/2011/main" val="1"/>
+            </a:ext>
+          </a:extLst>
+        </p:spPr>
+        <p:txBody>
+          <a:bodyPr wrap="square" lIns="45719" rIns="45719">
+            <a:spAutoFit/>
+          </a:bodyPr>
+          <a:lstStyle/>
+          <a:p>
+            <a:pPr lvl="0">
+              <a:defRPr sz="1800">
+                <a:solidFill>
+                  <a:srgbClr val="000000"/>
+                </a:solidFill>
+                <a:uFillTx/>
+              </a:defRPr>
+            </a:pPr>
+            <a:r>
+              <a:rPr lang="en-US" sz="2000" dirty="0">
+                <a:uFill>
+                  <a:solidFill/>
+                </a:uFill>
+                <a:latin typeface="Arial Unicode MS" panose="020B0604020202020204" pitchFamily="34" charset="-128"/>
+                <a:ea typeface="Arial Unicode MS" panose="020B0604020202020204" pitchFamily="34" charset="-128"/>
+                <a:cs typeface="Arial Unicode MS" panose="020B0604020202020204" pitchFamily="34" charset="-128"/>
+                <a:sym typeface="Arial Bold"/>
+              </a:rPr>
+              <a:t>SELECT</a:t>
+            </a:r>
+            <a:r>
+              <a:rPr sz="2000" dirty="0">
+                <a:uFill>
+                  <a:solidFill/>
+                </a:uFill>
+                <a:latin typeface="Arial Unicode MS" panose="020B0604020202020204" pitchFamily="34" charset="-128"/>
+                <a:ea typeface="Arial Unicode MS" panose="020B0604020202020204" pitchFamily="34" charset="-128"/>
+                <a:cs typeface="Arial Unicode MS" panose="020B0604020202020204" pitchFamily="34" charset="-128"/>
+                <a:sym typeface="Arial Bold"/>
+              </a:rPr>
+              <a:t> </a:t>
+            </a:r>
+            <a:r>
+              <a:rPr lang="en-US" sz="2000" dirty="0" err="1">
+                <a:uFill>
+                  <a:solidFill/>
+                </a:uFill>
+                <a:latin typeface="Arial Unicode MS" panose="020B0604020202020204" pitchFamily="34" charset="-128"/>
+                <a:ea typeface="Arial Unicode MS" panose="020B0604020202020204" pitchFamily="34" charset="-128"/>
+                <a:cs typeface="Arial Unicode MS" panose="020B0604020202020204" pitchFamily="34" charset="-128"/>
+                <a:sym typeface="Arial Bold"/>
+              </a:rPr>
+              <a:t>student_id</a:t>
+            </a:r>
+            <a:r>
+              <a:rPr sz="2000" dirty="0">
+                <a:uFill>
+                  <a:solidFill/>
+                </a:uFill>
+                <a:latin typeface="Arial Unicode MS" panose="020B0604020202020204" pitchFamily="34" charset="-128"/>
+                <a:ea typeface="Arial Unicode MS" panose="020B0604020202020204" pitchFamily="34" charset="-128"/>
+                <a:cs typeface="Arial Unicode MS" panose="020B0604020202020204" pitchFamily="34" charset="-128"/>
+                <a:sym typeface="Arial Bold"/>
+              </a:rPr>
+              <a:t>, class </a:t>
+            </a:r>
+          </a:p>
+          <a:p>
+            <a:pPr>
+              <a:defRPr sz="1800">
+                <a:solidFill>
+                  <a:srgbClr val="000000"/>
+                </a:solidFill>
+                <a:uFillTx/>
+              </a:defRPr>
+            </a:pPr>
+            <a:r>
+              <a:rPr lang="en-US" sz="2000" dirty="0">
+                <a:uFill>
+                  <a:solidFill/>
+                </a:uFill>
+                <a:latin typeface="Arial Unicode MS" panose="020B0604020202020204" pitchFamily="34" charset="-128"/>
+                <a:ea typeface="Arial Unicode MS" panose="020B0604020202020204" pitchFamily="34" charset="-128"/>
+                <a:cs typeface="Arial Unicode MS" panose="020B0604020202020204" pitchFamily="34" charset="-128"/>
+                <a:sym typeface="Arial Bold"/>
+              </a:rPr>
+              <a:t>FROM</a:t>
+            </a:r>
+            <a:r>
+              <a:rPr sz="2000" dirty="0">
+                <a:uFill>
+                  <a:solidFill/>
+                </a:uFill>
+                <a:latin typeface="Arial Unicode MS" panose="020B0604020202020204" pitchFamily="34" charset="-128"/>
+                <a:ea typeface="Arial Unicode MS" panose="020B0604020202020204" pitchFamily="34" charset="-128"/>
+                <a:cs typeface="Arial Unicode MS" panose="020B0604020202020204" pitchFamily="34" charset="-128"/>
+                <a:sym typeface="Arial Bold"/>
+              </a:rPr>
+              <a:t> </a:t>
+            </a:r>
+            <a:r>
+              <a:rPr lang="en-US" sz="2000" dirty="0" err="1">
+                <a:uFill>
+                  <a:solidFill/>
+                </a:uFill>
+                <a:latin typeface="Arial Unicode MS" panose="020B0604020202020204" pitchFamily="34" charset="-128"/>
+              </a:rPr>
+              <a:t>Student_Class</a:t>
+            </a:r>
+            <a:r>
+              <a:rPr lang="en-US" sz="2000" dirty="0">
+                <a:uFill>
+                  <a:solidFill/>
+                </a:uFill>
+                <a:latin typeface="Arial Unicode MS" panose="020B0604020202020204" pitchFamily="34" charset="-128"/>
+              </a:rPr>
+              <a:t> </a:t>
+            </a:r>
+            <a:r>
+              <a:rPr lang="en-US" sz="2000" b="1" i="1" dirty="0">
+                <a:solidFill>
+                  <a:schemeClr val="accent1">
+                    <a:lumMod val="75000"/>
+                  </a:schemeClr>
+                </a:solidFill>
+                <a:uFill>
+                  <a:solidFill/>
+                </a:uFill>
+                <a:latin typeface="Arial Unicode MS" panose="020B0604020202020204" pitchFamily="34" charset="-128"/>
+              </a:rPr>
+              <a:t>AS S</a:t>
+            </a:r>
+            <a:r>
+              <a:rPr lang="en-US" sz="2000" dirty="0">
+                <a:uFill>
+                  <a:solidFill/>
+                </a:uFill>
+                <a:latin typeface="Arial Unicode MS" panose="020B0604020202020204" pitchFamily="34" charset="-128"/>
+              </a:rPr>
+              <a:t> </a:t>
+            </a:r>
+            <a:r>
+              <a:rPr lang="en-US" sz="2000" b="1" dirty="0">
+                <a:solidFill>
+                  <a:srgbClr val="C00000"/>
+                </a:solidFill>
+                <a:uFill>
+                  <a:solidFill/>
+                </a:uFill>
+                <a:latin typeface="Arial Unicode MS" panose="020B0604020202020204" pitchFamily="34" charset="-128"/>
+                <a:ea typeface="Arial Unicode MS" panose="020B0604020202020204" pitchFamily="34" charset="-128"/>
+                <a:cs typeface="Arial Unicode MS" panose="020B0604020202020204" pitchFamily="34" charset="-128"/>
+                <a:sym typeface="Arial Bold"/>
+              </a:rPr>
+              <a:t>INNER JOIN</a:t>
+            </a:r>
+            <a:r>
+              <a:rPr sz="2000" b="1" dirty="0">
+                <a:solidFill>
+                  <a:srgbClr val="C00000"/>
+                </a:solidFill>
+                <a:uFill>
+                  <a:solidFill/>
+                </a:uFill>
+                <a:latin typeface="Arial Unicode MS" panose="020B0604020202020204" pitchFamily="34" charset="-128"/>
+                <a:ea typeface="Arial Unicode MS" panose="020B0604020202020204" pitchFamily="34" charset="-128"/>
+                <a:cs typeface="Arial Unicode MS" panose="020B0604020202020204" pitchFamily="34" charset="-128"/>
+                <a:sym typeface="Arial Bold"/>
+              </a:rPr>
+              <a:t> </a:t>
+            </a:r>
+            <a:r>
+              <a:rPr sz="2000" dirty="0">
+                <a:uFill>
+                  <a:solidFill/>
+                </a:uFill>
+                <a:latin typeface="Arial Unicode MS" panose="020B0604020202020204" pitchFamily="34" charset="-128"/>
+                <a:ea typeface="Arial Unicode MS" panose="020B0604020202020204" pitchFamily="34" charset="-128"/>
+                <a:cs typeface="Arial Unicode MS" panose="020B0604020202020204" pitchFamily="34" charset="-128"/>
+                <a:sym typeface="Arial Bold"/>
+              </a:rPr>
+              <a:t>Class </a:t>
+            </a:r>
+            <a:r>
+              <a:rPr lang="en-US" sz="2000" b="1" i="1" dirty="0">
+                <a:solidFill>
+                  <a:schemeClr val="accent1">
+                    <a:lumMod val="75000"/>
+                  </a:schemeClr>
+                </a:solidFill>
+                <a:uFill>
+                  <a:solidFill/>
+                </a:uFill>
+                <a:latin typeface="Arial Unicode MS" panose="020B0604020202020204" pitchFamily="34" charset="-128"/>
+                <a:ea typeface="Arial Unicode MS" panose="020B0604020202020204" pitchFamily="34" charset="-128"/>
+                <a:cs typeface="Arial Unicode MS" panose="020B0604020202020204" pitchFamily="34" charset="-128"/>
+                <a:sym typeface="Arial Bold"/>
+              </a:rPr>
+              <a:t>AS C</a:t>
+            </a:r>
+          </a:p>
+          <a:p>
+            <a:pPr>
+              <a:defRPr sz="1800">
+                <a:solidFill>
+                  <a:srgbClr val="000000"/>
+                </a:solidFill>
+                <a:uFillTx/>
+              </a:defRPr>
+            </a:pPr>
+            <a:r>
+              <a:rPr lang="en-US" sz="2000" b="1" dirty="0">
+                <a:solidFill>
+                  <a:srgbClr val="C00000"/>
+                </a:solidFill>
+                <a:uFill>
+                  <a:solidFill/>
+                </a:uFill>
+                <a:latin typeface="Arial Unicode MS" panose="020B0604020202020204" pitchFamily="34" charset="-128"/>
+                <a:ea typeface="Arial Unicode MS" panose="020B0604020202020204" pitchFamily="34" charset="-128"/>
+                <a:cs typeface="Arial Unicode MS" panose="020B0604020202020204" pitchFamily="34" charset="-128"/>
+                <a:sym typeface="Arial Bold"/>
+              </a:rPr>
+              <a:t>		ON</a:t>
+            </a:r>
+            <a:r>
+              <a:rPr sz="2000" b="1" dirty="0">
+                <a:solidFill>
+                  <a:srgbClr val="C00000"/>
+                </a:solidFill>
+                <a:uFill>
+                  <a:solidFill/>
+                </a:uFill>
+                <a:latin typeface="Arial Unicode MS" panose="020B0604020202020204" pitchFamily="34" charset="-128"/>
+                <a:ea typeface="Arial Unicode MS" panose="020B0604020202020204" pitchFamily="34" charset="-128"/>
+                <a:cs typeface="Arial Unicode MS" panose="020B0604020202020204" pitchFamily="34" charset="-128"/>
+                <a:sym typeface="Arial Bold"/>
+              </a:rPr>
+              <a:t> </a:t>
+            </a:r>
+            <a:r>
+              <a:rPr lang="en-US" sz="2000" b="1" dirty="0" err="1">
+                <a:solidFill>
+                  <a:schemeClr val="accent1">
+                    <a:lumMod val="75000"/>
+                  </a:schemeClr>
+                </a:solidFill>
+                <a:uFill>
+                  <a:solidFill/>
+                </a:uFill>
+                <a:latin typeface="Arial Unicode MS" panose="020B0604020202020204" pitchFamily="34" charset="-128"/>
+              </a:rPr>
+              <a:t>S</a:t>
+            </a:r>
+            <a:r>
+              <a:rPr sz="2000" b="1" dirty="0" err="1">
+                <a:solidFill>
+                  <a:schemeClr val="tx1">
+                    <a:lumMod val="95000"/>
+                    <a:lumOff val="5000"/>
+                  </a:schemeClr>
+                </a:solidFill>
+                <a:uFill>
+                  <a:solidFill/>
+                </a:uFill>
+                <a:latin typeface="Arial Unicode MS" panose="020B0604020202020204" pitchFamily="34" charset="-128"/>
+                <a:ea typeface="Arial Unicode MS" panose="020B0604020202020204" pitchFamily="34" charset="-128"/>
+                <a:cs typeface="Arial Unicode MS" panose="020B0604020202020204" pitchFamily="34" charset="-128"/>
+                <a:sym typeface="Arial Bold"/>
+              </a:rPr>
+              <a:t>.</a:t>
+            </a:r>
+            <a:r>
+              <a:rPr lang="en-US" sz="2000" b="1" dirty="0" err="1">
+                <a:solidFill>
+                  <a:schemeClr val="tx1">
+                    <a:lumMod val="95000"/>
+                    <a:lumOff val="5000"/>
+                  </a:schemeClr>
+                </a:solidFill>
+                <a:uFill>
+                  <a:solidFill/>
+                </a:uFill>
+                <a:latin typeface="Arial Unicode MS" panose="020B0604020202020204" pitchFamily="34" charset="-128"/>
+                <a:ea typeface="Arial Unicode MS" panose="020B0604020202020204" pitchFamily="34" charset="-128"/>
+                <a:cs typeface="Arial Unicode MS" panose="020B0604020202020204" pitchFamily="34" charset="-128"/>
+                <a:sym typeface="Arial Bold"/>
+              </a:rPr>
+              <a:t>class_id</a:t>
+            </a:r>
+            <a:r>
+              <a:rPr lang="en-US" sz="2000" b="1" dirty="0">
+                <a:solidFill>
+                  <a:schemeClr val="tx1">
+                    <a:lumMod val="95000"/>
+                    <a:lumOff val="5000"/>
+                  </a:schemeClr>
+                </a:solidFill>
+                <a:uFill>
+                  <a:solidFill/>
+                </a:uFill>
+                <a:latin typeface="Arial Unicode MS" panose="020B0604020202020204" pitchFamily="34" charset="-128"/>
+                <a:ea typeface="Arial Unicode MS" panose="020B0604020202020204" pitchFamily="34" charset="-128"/>
+                <a:cs typeface="Arial Unicode MS" panose="020B0604020202020204" pitchFamily="34" charset="-128"/>
+                <a:sym typeface="Arial Bold"/>
+              </a:rPr>
+              <a:t> = </a:t>
+            </a:r>
+            <a:r>
+              <a:rPr lang="en-US" sz="2000" b="1" dirty="0" err="1">
+                <a:solidFill>
+                  <a:schemeClr val="accent1">
+                    <a:lumMod val="75000"/>
+                  </a:schemeClr>
+                </a:solidFill>
+                <a:uFill>
+                  <a:solidFill/>
+                </a:uFill>
+                <a:latin typeface="Arial Unicode MS" panose="020B0604020202020204" pitchFamily="34" charset="-128"/>
+                <a:ea typeface="Arial Unicode MS" panose="020B0604020202020204" pitchFamily="34" charset="-128"/>
+                <a:cs typeface="Arial Unicode MS" panose="020B0604020202020204" pitchFamily="34" charset="-128"/>
+                <a:sym typeface="Arial Bold"/>
+              </a:rPr>
+              <a:t>C</a:t>
+            </a:r>
+            <a:r>
+              <a:rPr lang="en-US" sz="2000" b="1" dirty="0" err="1">
+                <a:solidFill>
+                  <a:schemeClr val="tx1">
+                    <a:lumMod val="95000"/>
+                    <a:lumOff val="5000"/>
+                  </a:schemeClr>
+                </a:solidFill>
+                <a:uFill>
+                  <a:solidFill/>
+                </a:uFill>
+                <a:latin typeface="Arial Unicode MS" panose="020B0604020202020204" pitchFamily="34" charset="-128"/>
+                <a:ea typeface="Arial Unicode MS" panose="020B0604020202020204" pitchFamily="34" charset="-128"/>
+                <a:cs typeface="Arial Unicode MS" panose="020B0604020202020204" pitchFamily="34" charset="-128"/>
+                <a:sym typeface="Arial Bold"/>
+              </a:rPr>
+              <a:t>.class_id</a:t>
+            </a:r>
+            <a:r>
+              <a:rPr lang="en-US" sz="2000" b="1" dirty="0">
+                <a:solidFill>
+                  <a:schemeClr val="tx1">
+                    <a:lumMod val="95000"/>
+                    <a:lumOff val="5000"/>
+                  </a:schemeClr>
+                </a:solidFill>
+                <a:uFill>
+                  <a:solidFill/>
+                </a:uFill>
+                <a:latin typeface="Arial Unicode MS" panose="020B0604020202020204" pitchFamily="34" charset="-128"/>
+                <a:ea typeface="Arial Unicode MS" panose="020B0604020202020204" pitchFamily="34" charset="-128"/>
+                <a:cs typeface="Arial Unicode MS" panose="020B0604020202020204" pitchFamily="34" charset="-128"/>
+                <a:sym typeface="Arial Bold"/>
+              </a:rPr>
+              <a:t> </a:t>
+            </a:r>
+            <a:endParaRPr sz="2000" b="1" dirty="0">
+              <a:solidFill>
+                <a:schemeClr val="tx1">
+                  <a:lumMod val="95000"/>
+                  <a:lumOff val="5000"/>
+                </a:schemeClr>
+              </a:solidFill>
+              <a:uFill>
+                <a:solidFill/>
+              </a:uFill>
+              <a:latin typeface="Arial Unicode MS" panose="020B0604020202020204" pitchFamily="34" charset="-128"/>
+              <a:ea typeface="Arial Unicode MS" panose="020B0604020202020204" pitchFamily="34" charset="-128"/>
+              <a:cs typeface="Arial Unicode MS" panose="020B0604020202020204" pitchFamily="34" charset="-128"/>
+              <a:sym typeface="Arial Bold"/>
+            </a:endParaRPr>
+          </a:p>
+        </p:txBody>
+      </p:sp>
+    </p:spTree>
+    <p:extLst>
+      <p:ext uri="{BB962C8B-B14F-4D97-AF65-F5344CB8AC3E}">
+        <p14:creationId xmlns:p14="http://schemas.microsoft.com/office/powerpoint/2010/main" val="2535521305"/>
+      </p:ext>
+    </p:extLst>
+  </p:cSld>
+  <p:clrMapOvr>
+    <a:masterClrMapping/>
+  </p:clrMapOvr>
+  <p:transition spd="med"/>
+  <p:timing>
+    <p:tnLst>
+      <p:par>
+        <p:cTn id="1" dur="indefinite" restart="never" fill="hold" nodeType="tmRoot">
+          <p:childTnLst>
+            <p:seq concurrent="1" prevAc="none" nextAc="seek">
+              <p:cTn id="2" dur="indefinite" fill="hold" nodeType="mainSeq">
+                <p:childTnLst>
+                  <p:par>
+                    <p:cTn id="3" fill="hold">
+                      <p:stCondLst>
+                        <p:cond delay="indefinite"/>
+                      </p:stCondLst>
+                      <p:childTnLst>
+                        <p:par>
+                          <p:cTn id="4" fill="hold">
+                            <p:stCondLst>
+                              <p:cond delay="0"/>
+                            </p:stCondLst>
+                            <p:childTnLst>
+                              <p:par>
+                                <p:cTn id="5" presetID="9" presetClass="entr" presetSubtype="16" fill="hold" grpId="0" nodeType="clickEffect">
+                                  <p:stCondLst>
+                                    <p:cond delay="0"/>
+                                  </p:stCondLst>
+                                  <p:iterate>
+                                    <p:tmAbs val="0"/>
+                                  </p:iterate>
+                                  <p:childTnLst>
+                                    <p:set>
+                                      <p:cBhvr>
+                                        <p:cTn id="6" fill="hold"/>
+                                        <p:tgtEl>
+                                          <p:spTgt spid="159"/>
+                                        </p:tgtEl>
+                                        <p:attrNameLst>
+                                          <p:attrName>style.visibility</p:attrName>
+                                        </p:attrNameLst>
+                                      </p:cBhvr>
+                                      <p:to>
+                                        <p:strVal val="visible"/>
+                                      </p:to>
+                                    </p:set>
+                                    <p:animEffect transition="in" filter="dissolve(in)">
+                                      <p:cBhvr>
+                                        <p:cTn id="7" dur="750"/>
+                                        <p:tgtEl>
+                                          <p:spTgt spid="159"/>
+                                        </p:tgtEl>
+                                      </p:cBhvr>
+                                    </p:animEffect>
+                                  </p:childTnLst>
+                                </p:cTn>
+                              </p:par>
+                            </p:childTnLst>
+                          </p:cTn>
+                        </p:par>
+                      </p:childTnLst>
+                    </p:cTn>
+                  </p:par>
+                </p:childTnLst>
+              </p:cTn>
+              <p:prevCondLst>
+                <p:cond evt="onPrev" delay="0">
+                  <p:tgtEl>
+                    <p:sldTgt/>
+                  </p:tgtEl>
+                </p:cond>
+              </p:prevCondLst>
+              <p:nextCondLst>
+                <p:cond evt="onNext" delay="0">
+                  <p:tgtEl>
+                    <p:sldTgt/>
+                  </p:tgtEl>
+                </p:cond>
+              </p:nextCondLst>
+            </p:seq>
+          </p:childTnLst>
+        </p:cTn>
+      </p:par>
+    </p:tnLst>
+    <p:bldLst>
+      <p:bldP spid="159" grpId="0" animBg="1" advAuto="0"/>
+    </p:bldLst>
+  </p:timing>
+</p:sld>
+</file>
+
+<file path=ppt/slides/slide6.xml><?xml version="1.0" encoding="utf-8"?>
+<p:sld xmlns:a="http://schemas.openxmlformats.org/drawingml/2006/main" xmlns:r="http://schemas.openxmlformats.org/officeDocument/2006/relationships" xmlns:p="http://schemas.openxmlformats.org/presentationml/2006/main">
+  <p:cSld>
+    <p:spTree>
+      <p:nvGrpSpPr>
+        <p:cNvPr id="1" name=""/>
+        <p:cNvGrpSpPr/>
+        <p:nvPr/>
+      </p:nvGrpSpPr>
+      <p:grpSpPr>
+        <a:xfrm>
+          <a:off x="0" y="0"/>
+          <a:ext cx="0" cy="0"/>
+          <a:chOff x="0" y="0"/>
+          <a:chExt cx="0" cy="0"/>
+        </a:xfrm>
+      </p:grpSpPr>
+      <p:sp>
+        <p:nvSpPr>
+          <p:cNvPr id="152" name="Shape 152"/>
+          <p:cNvSpPr/>
+          <p:nvPr/>
+        </p:nvSpPr>
+        <p:spPr>
+          <a:xfrm>
+            <a:off x="386308" y="147496"/>
+            <a:ext cx="7757379" cy="553998"/>
+          </a:xfrm>
+          <a:prstGeom prst="rect">
+            <a:avLst/>
+          </a:prstGeom>
+          <a:ln w="12700">
+            <a:miter lim="400000"/>
+          </a:ln>
+          <a:extLst>
+            <a:ext uri="{C572A759-6A51-4108-AA02-DFA0A04FC94B}">
+              <ma14:wrappingTextBoxFlag xmlns="" xmlns:ma14="http://schemas.microsoft.com/office/mac/drawingml/2011/main" val="1"/>
+            </a:ext>
+          </a:extLst>
+        </p:spPr>
+        <p:txBody>
+          <a:bodyPr lIns="45719" rIns="45719">
+            <a:spAutoFit/>
+          </a:bodyPr>
+          <a:lstStyle>
+            <a:lvl1pPr>
+              <a:defRPr sz="3000" b="1">
+                <a:uFill>
+                  <a:solidFill>
+                    <a:srgbClr val="FFFFFF"/>
+                  </a:solidFill>
+                </a:uFill>
+              </a:defRPr>
+            </a:lvl1pPr>
+          </a:lstStyle>
+          <a:p>
+            <a:pPr lvl="0">
+              <a:defRPr sz="1800" b="0">
+                <a:solidFill>
+                  <a:srgbClr val="000000"/>
+                </a:solidFill>
+                <a:uFillTx/>
+              </a:defRPr>
+            </a:pPr>
+            <a:r>
+              <a:rPr sz="3000" b="1" dirty="0">
+                <a:uFill>
+                  <a:solidFill>
+                    <a:srgbClr val="FFFFFF"/>
+                  </a:solidFill>
+                </a:uFill>
+                <a:latin typeface="Arial Unicode MS" panose="020B0604020202020204" pitchFamily="34" charset="-128"/>
+              </a:rPr>
+              <a:t>Joins</a:t>
+            </a:r>
+          </a:p>
+        </p:txBody>
+      </p:sp>
+      <p:graphicFrame>
+        <p:nvGraphicFramePr>
+          <p:cNvPr id="153" name="Table 153"/>
+          <p:cNvGraphicFramePr/>
+          <p:nvPr>
+            <p:extLst>
+              <p:ext uri="{D42A27DB-BD31-4B8C-83A1-F6EECF244321}">
+                <p14:modId xmlns:p14="http://schemas.microsoft.com/office/powerpoint/2010/main" val="2868209950"/>
+              </p:ext>
+            </p:extLst>
+          </p:nvPr>
+        </p:nvGraphicFramePr>
+        <p:xfrm>
+          <a:off x="492749" y="1625257"/>
+          <a:ext cx="2639541" cy="2634120"/>
+        </p:xfrm>
+        <a:graphic>
+          <a:graphicData uri="http://schemas.openxmlformats.org/drawingml/2006/table">
+            <a:tbl>
+              <a:tblPr firstRow="1" bandRow="1">
+                <a:tableStyleId>{C083E6E3-FA7D-4D7B-A595-EF9225AFEA82}</a:tableStyleId>
+              </a:tblPr>
+              <a:tblGrid>
+                <a:gridCol w="1115983">
+                  <a:extLst>
+                    <a:ext uri="{9D8B030D-6E8A-4147-A177-3AD203B41FA5}">
+                      <a16:colId xmlns:a16="http://schemas.microsoft.com/office/drawing/2014/main" val="20000"/>
+                    </a:ext>
+                  </a:extLst>
+                </a:gridCol>
+                <a:gridCol w="853969">
+                  <a:extLst>
+                    <a:ext uri="{9D8B030D-6E8A-4147-A177-3AD203B41FA5}">
+                      <a16:colId xmlns:a16="http://schemas.microsoft.com/office/drawing/2014/main" val="20001"/>
+                    </a:ext>
+                  </a:extLst>
+                </a:gridCol>
+                <a:gridCol w="669589">
+                  <a:extLst>
+                    <a:ext uri="{9D8B030D-6E8A-4147-A177-3AD203B41FA5}">
+                      <a16:colId xmlns:a16="http://schemas.microsoft.com/office/drawing/2014/main" val="20002"/>
+                    </a:ext>
+                  </a:extLst>
+                </a:gridCol>
+              </a:tblGrid>
+              <a:tr h="387711">
+                <a:tc>
+                  <a:txBody>
+                    <a:bodyPr/>
+                    <a:lstStyle/>
+                    <a:p>
+                      <a:pPr lvl="0" algn="ctr">
+                        <a:spcBef>
+                          <a:spcPts val="500"/>
+                        </a:spcBef>
+                        <a:defRPr sz="1800" b="0" i="0">
+                          <a:solidFill>
+                            <a:srgbClr val="000000"/>
+                          </a:solidFill>
+                          <a:uFillTx/>
+                        </a:defRPr>
+                      </a:pPr>
+                      <a:r>
+                        <a:rPr lang="en-US" sz="1600" b="1" dirty="0" err="1">
+                          <a:uFill>
+                            <a:solidFill>
+                              <a:srgbClr val="FFFFFF"/>
+                            </a:solidFill>
+                          </a:uFill>
+                        </a:rPr>
+                        <a:t>student_id</a:t>
+                      </a:r>
+                      <a:endParaRPr sz="1600" b="1" i="1" dirty="0">
+                        <a:solidFill>
+                          <a:schemeClr val="tx1"/>
+                        </a:solidFill>
+                        <a:uFill>
+                          <a:solidFill>
+                            <a:srgbClr val="FFFFFF"/>
+                          </a:solidFill>
+                        </a:uFill>
+                        <a:latin typeface="Arial Unicode MS" panose="020B0604020202020204" pitchFamily="34" charset="-128"/>
+                      </a:endParaRPr>
+                    </a:p>
+                  </a:txBody>
+                  <a:tcPr marL="63500" marR="63500" marT="63500" marB="63500" horzOverflow="overflow"/>
+                </a:tc>
+                <a:tc>
+                  <a:txBody>
+                    <a:bodyPr/>
+                    <a:lstStyle/>
+                    <a:p>
+                      <a:pPr lvl="0" algn="ctr">
+                        <a:spcBef>
+                          <a:spcPts val="500"/>
+                        </a:spcBef>
+                        <a:defRPr sz="1800" b="0" i="0">
+                          <a:solidFill>
+                            <a:srgbClr val="000000"/>
+                          </a:solidFill>
+                          <a:uFillTx/>
+                        </a:defRPr>
+                      </a:pPr>
+                      <a:r>
+                        <a:rPr lang="en-US" sz="1600" b="1" dirty="0" err="1">
+                          <a:uFill>
+                            <a:solidFill>
+                              <a:srgbClr val="FFFFFF"/>
+                            </a:solidFill>
+                          </a:uFill>
+                        </a:rPr>
+                        <a:t>class_id</a:t>
+                      </a:r>
+                      <a:endParaRPr sz="1600" b="1" i="1" dirty="0">
+                        <a:solidFill>
+                          <a:schemeClr val="tx1"/>
+                        </a:solidFill>
+                        <a:uFill>
+                          <a:solidFill>
+                            <a:srgbClr val="FFFFFF"/>
+                          </a:solidFill>
+                        </a:uFill>
+                        <a:latin typeface="Arial Unicode MS" panose="020B0604020202020204" pitchFamily="34" charset="-128"/>
+                      </a:endParaRPr>
+                    </a:p>
+                  </a:txBody>
+                  <a:tcPr marL="63500" marR="63500" marT="63500" marB="63500" horzOverflow="overflow"/>
+                </a:tc>
+                <a:tc>
+                  <a:txBody>
+                    <a:bodyPr/>
+                    <a:lstStyle/>
+                    <a:p>
+                      <a:pPr lvl="0" algn="ctr">
+                        <a:spcBef>
+                          <a:spcPts val="500"/>
+                        </a:spcBef>
+                        <a:defRPr sz="1800" b="0" i="0">
+                          <a:solidFill>
+                            <a:srgbClr val="000000"/>
+                          </a:solidFill>
+                          <a:uFillTx/>
+                        </a:defRPr>
+                      </a:pPr>
+                      <a:r>
+                        <a:rPr sz="1600" b="1" dirty="0">
+                          <a:uFill>
+                            <a:solidFill>
+                              <a:srgbClr val="FFFFFF"/>
+                            </a:solidFill>
+                          </a:uFill>
+                        </a:rPr>
+                        <a:t>Grade</a:t>
+                      </a:r>
+                      <a:endParaRPr sz="1600" b="1" i="1" dirty="0">
+                        <a:solidFill>
+                          <a:schemeClr val="tx1"/>
+                        </a:solidFill>
+                        <a:uFill>
+                          <a:solidFill>
+                            <a:srgbClr val="FFFFFF"/>
+                          </a:solidFill>
+                        </a:uFill>
+                        <a:latin typeface="Arial Unicode MS" panose="020B0604020202020204" pitchFamily="34" charset="-128"/>
+                      </a:endParaRPr>
+                    </a:p>
+                  </a:txBody>
+                  <a:tcPr marL="63500" marR="63500" marT="63500" marB="63500" horzOverflow="overflow"/>
+                </a:tc>
+                <a:extLst>
+                  <a:ext uri="{0D108BD9-81ED-4DB2-BD59-A6C34878D82A}">
+                    <a16:rowId xmlns:a16="http://schemas.microsoft.com/office/drawing/2014/main" val="10000"/>
+                  </a:ext>
+                </a:extLst>
+              </a:tr>
+              <a:tr h="383809">
+                <a:tc>
+                  <a:txBody>
+                    <a:bodyPr/>
+                    <a:lstStyle/>
+                    <a:p>
+                      <a:pPr lvl="0" algn="ctr">
+                        <a:defRPr sz="1800">
+                          <a:solidFill>
+                            <a:srgbClr val="000000"/>
+                          </a:solidFill>
+                          <a:uFillTx/>
+                        </a:defRPr>
+                      </a:pPr>
+                      <a:r>
+                        <a:rPr sz="1600" dirty="0">
+                          <a:uFill>
+                            <a:solidFill/>
+                          </a:uFill>
+                        </a:rPr>
+                        <a:t>1</a:t>
+                      </a:r>
+                      <a:endParaRPr sz="1600" dirty="0">
+                        <a:solidFill>
+                          <a:srgbClr val="191164"/>
+                        </a:solidFill>
+                        <a:uFill>
+                          <a:solidFill/>
+                        </a:uFill>
+                        <a:latin typeface="Arial Unicode MS" panose="020B0604020202020204" pitchFamily="34" charset="-128"/>
+                      </a:endParaRPr>
+                    </a:p>
+                  </a:txBody>
+                  <a:tcPr marL="63500" marR="63500" marT="63500" marB="63500" horzOverflow="overflow"/>
+                </a:tc>
+                <a:tc>
+                  <a:txBody>
+                    <a:bodyPr/>
+                    <a:lstStyle/>
+                    <a:p>
+                      <a:pPr lvl="0" algn="ctr">
+                        <a:defRPr sz="1800">
+                          <a:solidFill>
+                            <a:srgbClr val="000000"/>
+                          </a:solidFill>
+                          <a:uFillTx/>
+                        </a:defRPr>
+                      </a:pPr>
+                      <a:r>
+                        <a:rPr sz="1600" dirty="0">
+                          <a:uFill>
+                            <a:solidFill/>
+                          </a:uFill>
+                        </a:rPr>
+                        <a:t>1</a:t>
+                      </a:r>
+                      <a:endParaRPr sz="1600" dirty="0">
+                        <a:solidFill>
+                          <a:srgbClr val="191164"/>
+                        </a:solidFill>
+                        <a:uFill>
+                          <a:solidFill/>
+                        </a:uFill>
+                        <a:latin typeface="Arial Unicode MS" panose="020B0604020202020204" pitchFamily="34" charset="-128"/>
+                      </a:endParaRPr>
+                    </a:p>
+                  </a:txBody>
+                  <a:tcPr marL="63500" marR="63500" marT="63500" marB="63500" horzOverflow="overflow"/>
+                </a:tc>
+                <a:tc>
+                  <a:txBody>
+                    <a:bodyPr/>
+                    <a:lstStyle/>
+                    <a:p>
+                      <a:pPr lvl="0" algn="ctr">
+                        <a:defRPr sz="1800">
+                          <a:solidFill>
+                            <a:srgbClr val="000000"/>
+                          </a:solidFill>
+                          <a:uFillTx/>
+                        </a:defRPr>
+                      </a:pPr>
+                      <a:r>
+                        <a:rPr sz="1600" dirty="0">
+                          <a:uFill>
+                            <a:solidFill/>
+                          </a:uFill>
+                        </a:rPr>
+                        <a:t>19</a:t>
+                      </a:r>
+                      <a:endParaRPr sz="1600" dirty="0">
+                        <a:solidFill>
+                          <a:srgbClr val="191164"/>
+                        </a:solidFill>
+                        <a:uFill>
+                          <a:solidFill/>
+                        </a:uFill>
+                        <a:latin typeface="Arial Unicode MS" panose="020B0604020202020204" pitchFamily="34" charset="-128"/>
+                      </a:endParaRPr>
+                    </a:p>
+                  </a:txBody>
+                  <a:tcPr marL="63500" marR="63500" marT="63500" marB="63500" horzOverflow="overflow"/>
+                </a:tc>
+                <a:extLst>
+                  <a:ext uri="{0D108BD9-81ED-4DB2-BD59-A6C34878D82A}">
+                    <a16:rowId xmlns:a16="http://schemas.microsoft.com/office/drawing/2014/main" val="10001"/>
+                  </a:ext>
+                </a:extLst>
+              </a:tr>
+              <a:tr h="372520">
+                <a:tc>
+                  <a:txBody>
+                    <a:bodyPr/>
+                    <a:lstStyle/>
+                    <a:p>
+                      <a:pPr lvl="0" algn="ctr">
+                        <a:defRPr sz="1800">
+                          <a:solidFill>
+                            <a:srgbClr val="000000"/>
+                          </a:solidFill>
+                          <a:uFillTx/>
+                        </a:defRPr>
+                      </a:pPr>
+                      <a:r>
+                        <a:rPr sz="1600" dirty="0">
+                          <a:uFill>
+                            <a:solidFill/>
+                          </a:uFill>
+                        </a:rPr>
+                        <a:t>2</a:t>
+                      </a:r>
+                      <a:endParaRPr sz="1600" dirty="0">
+                        <a:solidFill>
+                          <a:srgbClr val="191164"/>
+                        </a:solidFill>
+                        <a:uFill>
+                          <a:solidFill/>
+                        </a:uFill>
+                        <a:latin typeface="Arial Unicode MS" panose="020B0604020202020204" pitchFamily="34" charset="-128"/>
+                      </a:endParaRPr>
+                    </a:p>
+                  </a:txBody>
+                  <a:tcPr marL="63500" marR="63500" marT="63500" marB="63500" horzOverflow="overflow"/>
+                </a:tc>
+                <a:tc>
+                  <a:txBody>
+                    <a:bodyPr/>
+                    <a:lstStyle/>
+                    <a:p>
+                      <a:pPr lvl="0" algn="ctr">
+                        <a:defRPr sz="1800">
+                          <a:solidFill>
+                            <a:srgbClr val="000000"/>
+                          </a:solidFill>
+                          <a:uFillTx/>
+                        </a:defRPr>
+                      </a:pPr>
+                      <a:r>
+                        <a:rPr sz="1600" dirty="0">
+                          <a:uFill>
+                            <a:solidFill/>
+                          </a:uFill>
+                        </a:rPr>
+                        <a:t>1</a:t>
+                      </a:r>
+                      <a:endParaRPr sz="1600" dirty="0">
+                        <a:solidFill>
+                          <a:srgbClr val="191164"/>
+                        </a:solidFill>
+                        <a:uFill>
+                          <a:solidFill/>
+                        </a:uFill>
+                        <a:latin typeface="Arial Unicode MS" panose="020B0604020202020204" pitchFamily="34" charset="-128"/>
+                      </a:endParaRPr>
+                    </a:p>
+                  </a:txBody>
+                  <a:tcPr marL="63500" marR="63500" marT="63500" marB="63500" horzOverflow="overflow"/>
+                </a:tc>
+                <a:tc>
+                  <a:txBody>
+                    <a:bodyPr/>
+                    <a:lstStyle/>
+                    <a:p>
+                      <a:pPr lvl="0" algn="ctr">
+                        <a:defRPr sz="1800">
+                          <a:solidFill>
+                            <a:srgbClr val="000000"/>
+                          </a:solidFill>
+                          <a:uFillTx/>
+                        </a:defRPr>
+                      </a:pPr>
+                      <a:r>
+                        <a:rPr sz="1600" dirty="0">
+                          <a:uFill>
+                            <a:solidFill/>
+                          </a:uFill>
+                        </a:rPr>
+                        <a:t>16</a:t>
+                      </a:r>
+                      <a:endParaRPr sz="1600" dirty="0">
+                        <a:solidFill>
+                          <a:srgbClr val="191164"/>
+                        </a:solidFill>
+                        <a:uFill>
+                          <a:solidFill/>
+                        </a:uFill>
+                        <a:latin typeface="Arial Unicode MS" panose="020B0604020202020204" pitchFamily="34" charset="-128"/>
+                      </a:endParaRPr>
+                    </a:p>
+                  </a:txBody>
+                  <a:tcPr marL="63500" marR="63500" marT="63500" marB="63500" horzOverflow="overflow"/>
+                </a:tc>
+                <a:extLst>
+                  <a:ext uri="{0D108BD9-81ED-4DB2-BD59-A6C34878D82A}">
+                    <a16:rowId xmlns:a16="http://schemas.microsoft.com/office/drawing/2014/main" val="10002"/>
+                  </a:ext>
+                </a:extLst>
+              </a:tr>
+              <a:tr h="372520">
+                <a:tc>
+                  <a:txBody>
+                    <a:bodyPr/>
+                    <a:lstStyle/>
+                    <a:p>
+                      <a:pPr lvl="0" algn="ctr">
+                        <a:defRPr sz="1800">
+                          <a:solidFill>
+                            <a:srgbClr val="000000"/>
+                          </a:solidFill>
+                          <a:uFillTx/>
+                        </a:defRPr>
+                      </a:pPr>
+                      <a:r>
+                        <a:rPr sz="1600" dirty="0">
+                          <a:uFill>
+                            <a:solidFill/>
+                          </a:uFill>
+                        </a:rPr>
+                        <a:t>3</a:t>
+                      </a:r>
+                      <a:endParaRPr sz="1600" dirty="0">
+                        <a:solidFill>
+                          <a:srgbClr val="191164"/>
+                        </a:solidFill>
+                        <a:uFill>
+                          <a:solidFill/>
+                        </a:uFill>
+                        <a:latin typeface="Arial Unicode MS" panose="020B0604020202020204" pitchFamily="34" charset="-128"/>
+                      </a:endParaRPr>
+                    </a:p>
+                  </a:txBody>
+                  <a:tcPr marL="63500" marR="63500" marT="63500" marB="63500" horzOverflow="overflow"/>
+                </a:tc>
+                <a:tc>
+                  <a:txBody>
+                    <a:bodyPr/>
+                    <a:lstStyle/>
+                    <a:p>
+                      <a:pPr lvl="0" algn="ctr">
+                        <a:defRPr sz="1800">
+                          <a:solidFill>
+                            <a:srgbClr val="000000"/>
+                          </a:solidFill>
+                          <a:uFillTx/>
+                        </a:defRPr>
+                      </a:pPr>
+                      <a:r>
+                        <a:rPr sz="1600" dirty="0">
+                          <a:uFill>
+                            <a:solidFill/>
+                          </a:uFill>
+                        </a:rPr>
+                        <a:t>1</a:t>
+                      </a:r>
+                      <a:endParaRPr sz="1600" dirty="0">
+                        <a:solidFill>
+                          <a:srgbClr val="191164"/>
+                        </a:solidFill>
+                        <a:uFill>
+                          <a:solidFill/>
+                        </a:uFill>
+                        <a:latin typeface="Arial Unicode MS" panose="020B0604020202020204" pitchFamily="34" charset="-128"/>
+                      </a:endParaRPr>
+                    </a:p>
+                  </a:txBody>
+                  <a:tcPr marL="63500" marR="63500" marT="63500" marB="63500" horzOverflow="overflow"/>
+                </a:tc>
+                <a:tc>
+                  <a:txBody>
+                    <a:bodyPr/>
+                    <a:lstStyle/>
+                    <a:p>
+                      <a:pPr lvl="0" algn="ctr">
+                        <a:defRPr sz="1800">
+                          <a:solidFill>
+                            <a:srgbClr val="000000"/>
+                          </a:solidFill>
+                          <a:uFillTx/>
+                        </a:defRPr>
+                      </a:pPr>
+                      <a:r>
+                        <a:rPr sz="1600" dirty="0">
+                          <a:uFill>
+                            <a:solidFill/>
+                          </a:uFill>
+                        </a:rPr>
+                        <a:t>20</a:t>
+                      </a:r>
+                      <a:endParaRPr sz="1600" dirty="0">
+                        <a:solidFill>
+                          <a:srgbClr val="191164"/>
+                        </a:solidFill>
+                        <a:uFill>
+                          <a:solidFill/>
+                        </a:uFill>
+                        <a:latin typeface="Arial Unicode MS" panose="020B0604020202020204" pitchFamily="34" charset="-128"/>
+                      </a:endParaRPr>
+                    </a:p>
+                  </a:txBody>
+                  <a:tcPr marL="63500" marR="63500" marT="63500" marB="63500" horzOverflow="overflow"/>
+                </a:tc>
+                <a:extLst>
+                  <a:ext uri="{0D108BD9-81ED-4DB2-BD59-A6C34878D82A}">
+                    <a16:rowId xmlns:a16="http://schemas.microsoft.com/office/drawing/2014/main" val="10003"/>
+                  </a:ext>
+                </a:extLst>
+              </a:tr>
+              <a:tr h="372520">
+                <a:tc>
+                  <a:txBody>
+                    <a:bodyPr/>
+                    <a:lstStyle/>
+                    <a:p>
+                      <a:pPr lvl="0" algn="ctr">
+                        <a:defRPr sz="1800">
+                          <a:solidFill>
+                            <a:srgbClr val="000000"/>
+                          </a:solidFill>
+                          <a:uFillTx/>
+                        </a:defRPr>
+                      </a:pPr>
+                      <a:r>
+                        <a:rPr sz="1600" dirty="0">
+                          <a:uFill>
+                            <a:solidFill/>
+                          </a:uFill>
+                        </a:rPr>
+                        <a:t>2</a:t>
+                      </a:r>
+                      <a:endParaRPr sz="1600" dirty="0">
+                        <a:solidFill>
+                          <a:srgbClr val="191164"/>
+                        </a:solidFill>
+                        <a:uFill>
+                          <a:solidFill/>
+                        </a:uFill>
+                        <a:latin typeface="Arial Unicode MS" panose="020B0604020202020204" pitchFamily="34" charset="-128"/>
+                      </a:endParaRPr>
+                    </a:p>
+                  </a:txBody>
+                  <a:tcPr marL="63500" marR="63500" marT="63500" marB="63500" horzOverflow="overflow"/>
+                </a:tc>
+                <a:tc>
+                  <a:txBody>
+                    <a:bodyPr/>
+                    <a:lstStyle/>
+                    <a:p>
+                      <a:pPr lvl="0" algn="ctr">
+                        <a:defRPr sz="1800">
+                          <a:solidFill>
+                            <a:srgbClr val="000000"/>
+                          </a:solidFill>
+                          <a:uFillTx/>
+                        </a:defRPr>
+                      </a:pPr>
+                      <a:r>
+                        <a:rPr sz="1600" dirty="0">
+                          <a:uFill>
+                            <a:solidFill/>
+                          </a:uFill>
+                        </a:rPr>
+                        <a:t>2</a:t>
+                      </a:r>
+                      <a:endParaRPr sz="1600" dirty="0">
+                        <a:solidFill>
+                          <a:srgbClr val="191164"/>
+                        </a:solidFill>
+                        <a:uFill>
+                          <a:solidFill/>
+                        </a:uFill>
+                        <a:latin typeface="Arial Unicode MS" panose="020B0604020202020204" pitchFamily="34" charset="-128"/>
+                      </a:endParaRPr>
+                    </a:p>
+                  </a:txBody>
+                  <a:tcPr marL="63500" marR="63500" marT="63500" marB="63500" horzOverflow="overflow"/>
+                </a:tc>
+                <a:tc>
+                  <a:txBody>
+                    <a:bodyPr/>
+                    <a:lstStyle/>
+                    <a:p>
+                      <a:pPr lvl="0" algn="ctr">
+                        <a:defRPr sz="1800">
+                          <a:solidFill>
+                            <a:srgbClr val="000000"/>
+                          </a:solidFill>
+                          <a:uFillTx/>
+                        </a:defRPr>
+                      </a:pPr>
+                      <a:r>
+                        <a:rPr sz="1600" dirty="0">
+                          <a:uFill>
+                            <a:solidFill/>
+                          </a:uFill>
+                        </a:rPr>
+                        <a:t>18</a:t>
+                      </a:r>
+                      <a:endParaRPr sz="1600" dirty="0">
+                        <a:solidFill>
+                          <a:srgbClr val="191164"/>
+                        </a:solidFill>
+                        <a:uFill>
+                          <a:solidFill/>
+                        </a:uFill>
+                        <a:latin typeface="Arial Unicode MS" panose="020B0604020202020204" pitchFamily="34" charset="-128"/>
+                      </a:endParaRPr>
+                    </a:p>
+                  </a:txBody>
+                  <a:tcPr marL="63500" marR="63500" marT="63500" marB="63500" horzOverflow="overflow"/>
+                </a:tc>
+                <a:extLst>
+                  <a:ext uri="{0D108BD9-81ED-4DB2-BD59-A6C34878D82A}">
+                    <a16:rowId xmlns:a16="http://schemas.microsoft.com/office/drawing/2014/main" val="10004"/>
+                  </a:ext>
+                </a:extLst>
+              </a:tr>
+              <a:tr h="372520">
+                <a:tc>
+                  <a:txBody>
+                    <a:bodyPr/>
+                    <a:lstStyle/>
+                    <a:p>
+                      <a:pPr lvl="0" algn="ctr">
+                        <a:defRPr sz="1800">
+                          <a:solidFill>
+                            <a:srgbClr val="000000"/>
+                          </a:solidFill>
+                          <a:uFillTx/>
+                        </a:defRPr>
+                      </a:pPr>
+                      <a:r>
+                        <a:rPr sz="1600" dirty="0">
+                          <a:uFill>
+                            <a:solidFill/>
+                          </a:uFill>
+                        </a:rPr>
+                        <a:t>1</a:t>
+                      </a:r>
+                      <a:endParaRPr sz="1600" dirty="0">
+                        <a:solidFill>
+                          <a:srgbClr val="191164"/>
+                        </a:solidFill>
+                        <a:uFill>
+                          <a:solidFill/>
+                        </a:uFill>
+                        <a:latin typeface="Arial Unicode MS" panose="020B0604020202020204" pitchFamily="34" charset="-128"/>
+                      </a:endParaRPr>
+                    </a:p>
+                  </a:txBody>
+                  <a:tcPr marL="63500" marR="63500" marT="63500" marB="63500" horzOverflow="overflow"/>
+                </a:tc>
+                <a:tc>
+                  <a:txBody>
+                    <a:bodyPr/>
+                    <a:lstStyle/>
+                    <a:p>
+                      <a:pPr lvl="0" algn="ctr">
+                        <a:defRPr sz="1800">
+                          <a:solidFill>
+                            <a:srgbClr val="000000"/>
+                          </a:solidFill>
+                          <a:uFillTx/>
+                        </a:defRPr>
+                      </a:pPr>
+                      <a:r>
+                        <a:rPr sz="1600" dirty="0">
+                          <a:uFill>
+                            <a:solidFill/>
+                          </a:uFill>
+                        </a:rPr>
+                        <a:t>3</a:t>
+                      </a:r>
+                      <a:endParaRPr sz="1600" dirty="0">
+                        <a:solidFill>
+                          <a:srgbClr val="191164"/>
+                        </a:solidFill>
+                        <a:uFill>
+                          <a:solidFill/>
+                        </a:uFill>
+                        <a:latin typeface="Arial Unicode MS" panose="020B0604020202020204" pitchFamily="34" charset="-128"/>
+                      </a:endParaRPr>
+                    </a:p>
+                  </a:txBody>
+                  <a:tcPr marL="63500" marR="63500" marT="63500" marB="63500" horzOverflow="overflow"/>
+                </a:tc>
+                <a:tc>
+                  <a:txBody>
+                    <a:bodyPr/>
+                    <a:lstStyle/>
+                    <a:p>
+                      <a:pPr lvl="0" algn="ctr">
+                        <a:defRPr sz="1800">
+                          <a:solidFill>
+                            <a:srgbClr val="000000"/>
+                          </a:solidFill>
+                          <a:uFillTx/>
+                        </a:defRPr>
+                      </a:pPr>
+                      <a:r>
+                        <a:rPr sz="1600" dirty="0">
+                          <a:uFill>
+                            <a:solidFill/>
+                          </a:uFill>
+                        </a:rPr>
+                        <a:t>19</a:t>
+                      </a:r>
+                      <a:endParaRPr sz="1600" dirty="0">
+                        <a:solidFill>
+                          <a:srgbClr val="191164"/>
+                        </a:solidFill>
+                        <a:uFill>
+                          <a:solidFill/>
+                        </a:uFill>
+                        <a:latin typeface="Arial Unicode MS" panose="020B0604020202020204" pitchFamily="34" charset="-128"/>
+                      </a:endParaRPr>
+                    </a:p>
+                  </a:txBody>
+                  <a:tcPr marL="63500" marR="63500" marT="63500" marB="63500" horzOverflow="overflow"/>
+                </a:tc>
+                <a:extLst>
+                  <a:ext uri="{0D108BD9-81ED-4DB2-BD59-A6C34878D82A}">
+                    <a16:rowId xmlns:a16="http://schemas.microsoft.com/office/drawing/2014/main" val="10005"/>
+                  </a:ext>
+                </a:extLst>
+              </a:tr>
+              <a:tr h="372520">
+                <a:tc>
+                  <a:txBody>
+                    <a:bodyPr/>
+                    <a:lstStyle/>
+                    <a:p>
+                      <a:pPr lvl="0" algn="ctr">
+                        <a:defRPr sz="1800">
+                          <a:solidFill>
+                            <a:srgbClr val="000000"/>
+                          </a:solidFill>
+                          <a:uFillTx/>
+                        </a:defRPr>
+                      </a:pPr>
+                      <a:r>
+                        <a:rPr sz="1600" dirty="0">
+                          <a:uFill>
+                            <a:solidFill/>
+                          </a:uFill>
+                        </a:rPr>
+                        <a:t>1</a:t>
+                      </a:r>
+                      <a:endParaRPr sz="1600" dirty="0">
+                        <a:solidFill>
+                          <a:srgbClr val="191164"/>
+                        </a:solidFill>
+                        <a:uFill>
+                          <a:solidFill/>
+                        </a:uFill>
+                        <a:latin typeface="Arial Unicode MS" panose="020B0604020202020204" pitchFamily="34" charset="-128"/>
+                      </a:endParaRPr>
+                    </a:p>
+                  </a:txBody>
+                  <a:tcPr marL="63500" marR="63500" marT="63500" marB="63500" horzOverflow="overflow"/>
+                </a:tc>
+                <a:tc>
+                  <a:txBody>
+                    <a:bodyPr/>
+                    <a:lstStyle/>
+                    <a:p>
+                      <a:pPr lvl="0" algn="ctr">
+                        <a:defRPr sz="1800">
+                          <a:solidFill>
+                            <a:srgbClr val="000000"/>
+                          </a:solidFill>
+                          <a:uFillTx/>
+                        </a:defRPr>
+                      </a:pPr>
+                      <a:r>
+                        <a:rPr sz="1600" dirty="0">
+                          <a:uFill>
+                            <a:solidFill/>
+                          </a:uFill>
+                        </a:rPr>
+                        <a:t>4</a:t>
+                      </a:r>
+                      <a:endParaRPr sz="1600" dirty="0">
+                        <a:solidFill>
+                          <a:srgbClr val="191164"/>
+                        </a:solidFill>
+                        <a:uFill>
+                          <a:solidFill/>
+                        </a:uFill>
+                        <a:latin typeface="Arial Unicode MS" panose="020B0604020202020204" pitchFamily="34" charset="-128"/>
+                      </a:endParaRPr>
+                    </a:p>
+                  </a:txBody>
+                  <a:tcPr marL="63500" marR="63500" marT="63500" marB="63500" horzOverflow="overflow"/>
+                </a:tc>
+                <a:tc>
+                  <a:txBody>
+                    <a:bodyPr/>
+                    <a:lstStyle/>
+                    <a:p>
+                      <a:pPr lvl="0" algn="ctr">
+                        <a:defRPr sz="1800">
+                          <a:solidFill>
+                            <a:srgbClr val="000000"/>
+                          </a:solidFill>
+                          <a:uFillTx/>
+                        </a:defRPr>
+                      </a:pPr>
+                      <a:r>
+                        <a:rPr sz="1600" dirty="0">
+                          <a:uFill>
+                            <a:solidFill/>
+                          </a:uFill>
+                        </a:rPr>
+                        <a:t>14</a:t>
+                      </a:r>
+                      <a:endParaRPr sz="1600" dirty="0">
+                        <a:solidFill>
+                          <a:srgbClr val="191164"/>
+                        </a:solidFill>
+                        <a:uFill>
+                          <a:solidFill/>
+                        </a:uFill>
+                        <a:latin typeface="Arial Unicode MS" panose="020B0604020202020204" pitchFamily="34" charset="-128"/>
+                      </a:endParaRPr>
+                    </a:p>
+                  </a:txBody>
+                  <a:tcPr marL="63500" marR="63500" marT="63500" marB="63500" horzOverflow="overflow"/>
+                </a:tc>
+                <a:extLst>
+                  <a:ext uri="{0D108BD9-81ED-4DB2-BD59-A6C34878D82A}">
+                    <a16:rowId xmlns:a16="http://schemas.microsoft.com/office/drawing/2014/main" val="10006"/>
+                  </a:ext>
+                </a:extLst>
+              </a:tr>
+            </a:tbl>
+          </a:graphicData>
+        </a:graphic>
+      </p:graphicFrame>
+      <p:sp>
+        <p:nvSpPr>
+          <p:cNvPr id="154" name="Shape 154"/>
+          <p:cNvSpPr/>
+          <p:nvPr/>
+        </p:nvSpPr>
+        <p:spPr>
+          <a:xfrm>
+            <a:off x="556576" y="1077451"/>
+            <a:ext cx="1761058" cy="400110"/>
+          </a:xfrm>
+          <a:prstGeom prst="rect">
+            <a:avLst/>
+          </a:prstGeom>
+          <a:ln w="12700">
+            <a:miter lim="400000"/>
+          </a:ln>
+          <a:extLst>
+            <a:ext uri="{C572A759-6A51-4108-AA02-DFA0A04FC94B}">
+              <ma14:wrappingTextBoxFlag xmlns="" xmlns:ma14="http://schemas.microsoft.com/office/mac/drawingml/2011/main" val="1"/>
+            </a:ext>
+          </a:extLst>
+        </p:spPr>
+        <p:txBody>
+          <a:bodyPr wrap="none" lIns="45719" rIns="45719">
+            <a:spAutoFit/>
+          </a:bodyPr>
+          <a:lstStyle>
+            <a:lvl1pPr>
+              <a:defRPr u="sng">
+                <a:solidFill>
+                  <a:srgbClr val="008F00"/>
+                </a:solidFill>
+                <a:latin typeface="+mn-lt"/>
+                <a:ea typeface="+mn-ea"/>
+                <a:cs typeface="+mn-cs"/>
+                <a:sym typeface="Arial"/>
+              </a:defRPr>
+            </a:lvl1pPr>
+          </a:lstStyle>
+          <a:p>
+            <a:pPr lvl="0">
+              <a:defRPr sz="1800" u="none">
+                <a:solidFill>
+                  <a:srgbClr val="000000"/>
+                </a:solidFill>
+                <a:uFillTx/>
+              </a:defRPr>
+            </a:pPr>
+            <a:r>
+              <a:rPr sz="2000" u="none" dirty="0" err="1">
+                <a:solidFill>
+                  <a:schemeClr val="tx1"/>
+                </a:solidFill>
+                <a:uFill>
+                  <a:solidFill/>
+                </a:uFill>
+                <a:latin typeface="Arial Unicode MS" panose="020B0604020202020204" pitchFamily="34" charset="-128"/>
+              </a:rPr>
+              <a:t>Student</a:t>
+            </a:r>
+            <a:r>
+              <a:rPr lang="en-US" sz="2000" u="none" dirty="0" err="1">
+                <a:solidFill>
+                  <a:schemeClr val="tx1"/>
+                </a:solidFill>
+                <a:uFill>
+                  <a:solidFill/>
+                </a:uFill>
+                <a:latin typeface="Arial Unicode MS" panose="020B0604020202020204" pitchFamily="34" charset="-128"/>
+              </a:rPr>
+              <a:t>_</a:t>
+            </a:r>
+            <a:r>
+              <a:rPr sz="2000" u="none" dirty="0" err="1">
+                <a:solidFill>
+                  <a:schemeClr val="tx1"/>
+                </a:solidFill>
+                <a:uFill>
+                  <a:solidFill/>
+                </a:uFill>
+                <a:latin typeface="Arial Unicode MS" panose="020B0604020202020204" pitchFamily="34" charset="-128"/>
+              </a:rPr>
+              <a:t>Class</a:t>
+            </a:r>
+            <a:endParaRPr sz="2000" u="none" dirty="0">
+              <a:solidFill>
+                <a:schemeClr val="tx1"/>
+              </a:solidFill>
+              <a:uFill>
+                <a:solidFill/>
+              </a:uFill>
+              <a:latin typeface="Arial Unicode MS" panose="020B0604020202020204" pitchFamily="34" charset="-128"/>
+            </a:endParaRPr>
+          </a:p>
+        </p:txBody>
+      </p:sp>
+      <p:graphicFrame>
+        <p:nvGraphicFramePr>
+          <p:cNvPr id="155" name="Table 155"/>
+          <p:cNvGraphicFramePr/>
+          <p:nvPr/>
+        </p:nvGraphicFramePr>
+        <p:xfrm>
+          <a:off x="3636510" y="1625257"/>
+          <a:ext cx="2207701" cy="1882818"/>
+        </p:xfrm>
+        <a:graphic>
+          <a:graphicData uri="http://schemas.openxmlformats.org/drawingml/2006/table">
+            <a:tbl>
+              <a:tblPr firstRow="1" bandRow="1">
+                <a:tableStyleId>{C083E6E3-FA7D-4D7B-A595-EF9225AFEA82}</a:tableStyleId>
+              </a:tblPr>
+              <a:tblGrid>
+                <a:gridCol w="989298">
+                  <a:extLst>
+                    <a:ext uri="{9D8B030D-6E8A-4147-A177-3AD203B41FA5}">
+                      <a16:colId xmlns:a16="http://schemas.microsoft.com/office/drawing/2014/main" val="20000"/>
+                    </a:ext>
+                  </a:extLst>
+                </a:gridCol>
+                <a:gridCol w="1218403">
+                  <a:extLst>
+                    <a:ext uri="{9D8B030D-6E8A-4147-A177-3AD203B41FA5}">
+                      <a16:colId xmlns:a16="http://schemas.microsoft.com/office/drawing/2014/main" val="20001"/>
+                    </a:ext>
+                  </a:extLst>
+                </a:gridCol>
+              </a:tblGrid>
+              <a:tr h="395621">
+                <a:tc>
+                  <a:txBody>
+                    <a:bodyPr/>
+                    <a:lstStyle/>
+                    <a:p>
+                      <a:pPr lvl="0" algn="ctr">
+                        <a:spcBef>
+                          <a:spcPts val="500"/>
+                        </a:spcBef>
+                        <a:defRPr sz="1800" b="0" i="0">
+                          <a:solidFill>
+                            <a:srgbClr val="000000"/>
+                          </a:solidFill>
+                          <a:uFillTx/>
+                        </a:defRPr>
+                      </a:pPr>
+                      <a:r>
+                        <a:rPr lang="en-US" sz="1600" b="1" dirty="0" err="1">
+                          <a:uFill>
+                            <a:solidFill>
+                              <a:srgbClr val="FFFFFF"/>
+                            </a:solidFill>
+                          </a:uFill>
+                        </a:rPr>
+                        <a:t>class_id</a:t>
+                      </a:r>
+                      <a:endParaRPr sz="1600" b="1" i="1" dirty="0">
+                        <a:solidFill>
+                          <a:schemeClr val="tx1"/>
+                        </a:solidFill>
+                        <a:uFill>
+                          <a:solidFill>
+                            <a:srgbClr val="FFFFFF"/>
+                          </a:solidFill>
+                        </a:uFill>
+                        <a:latin typeface="Arial Unicode MS" panose="020B0604020202020204" pitchFamily="34" charset="-128"/>
+                      </a:endParaRPr>
+                    </a:p>
+                  </a:txBody>
+                  <a:tcPr marL="63500" marR="63500" marT="63500" marB="63500" horzOverflow="overflow"/>
+                </a:tc>
+                <a:tc>
+                  <a:txBody>
+                    <a:bodyPr/>
+                    <a:lstStyle/>
+                    <a:p>
+                      <a:pPr lvl="0" algn="ctr">
+                        <a:spcBef>
+                          <a:spcPts val="500"/>
+                        </a:spcBef>
+                        <a:defRPr sz="1800" b="0" i="0">
+                          <a:solidFill>
+                            <a:srgbClr val="000000"/>
+                          </a:solidFill>
+                          <a:uFillTx/>
+                        </a:defRPr>
+                      </a:pPr>
+                      <a:r>
+                        <a:rPr sz="1600" b="1" dirty="0">
+                          <a:uFill>
+                            <a:solidFill>
+                              <a:srgbClr val="FFFFFF"/>
+                            </a:solidFill>
+                          </a:uFill>
+                        </a:rPr>
+                        <a:t>Class </a:t>
+                      </a:r>
+                      <a:endParaRPr sz="1600" b="1" i="1" dirty="0">
+                        <a:solidFill>
+                          <a:schemeClr val="tx1"/>
+                        </a:solidFill>
+                        <a:uFill>
+                          <a:solidFill>
+                            <a:srgbClr val="FFFFFF"/>
+                          </a:solidFill>
+                        </a:uFill>
+                        <a:latin typeface="Arial Unicode MS" panose="020B0604020202020204" pitchFamily="34" charset="-128"/>
+                      </a:endParaRPr>
+                    </a:p>
+                  </a:txBody>
+                  <a:tcPr marL="63500" marR="63500" marT="63500" marB="63500" horzOverflow="overflow"/>
+                </a:tc>
+                <a:extLst>
+                  <a:ext uri="{0D108BD9-81ED-4DB2-BD59-A6C34878D82A}">
+                    <a16:rowId xmlns:a16="http://schemas.microsoft.com/office/drawing/2014/main" val="10000"/>
+                  </a:ext>
+                </a:extLst>
+              </a:tr>
+              <a:tr h="374677">
+                <a:tc>
+                  <a:txBody>
+                    <a:bodyPr/>
+                    <a:lstStyle/>
+                    <a:p>
+                      <a:pPr lvl="0" algn="ctr">
+                        <a:defRPr sz="1800">
+                          <a:solidFill>
+                            <a:srgbClr val="000000"/>
+                          </a:solidFill>
+                          <a:uFillTx/>
+                        </a:defRPr>
+                      </a:pPr>
+                      <a:r>
+                        <a:rPr sz="1600" dirty="0">
+                          <a:uFill>
+                            <a:solidFill/>
+                          </a:uFill>
+                        </a:rPr>
+                        <a:t>1</a:t>
+                      </a:r>
+                      <a:endParaRPr sz="1600" dirty="0">
+                        <a:solidFill>
+                          <a:schemeClr val="tx1"/>
+                        </a:solidFill>
+                        <a:uFill>
+                          <a:solidFill/>
+                        </a:uFill>
+                        <a:latin typeface="Arial Unicode MS" panose="020B0604020202020204" pitchFamily="34" charset="-128"/>
+                      </a:endParaRPr>
+                    </a:p>
+                  </a:txBody>
+                  <a:tcPr marL="63500" marR="63500" marT="63500" marB="63500" horzOverflow="overflow"/>
+                </a:tc>
+                <a:tc>
+                  <a:txBody>
+                    <a:bodyPr/>
+                    <a:lstStyle/>
+                    <a:p>
+                      <a:pPr lvl="0" algn="ctr">
+                        <a:defRPr sz="1800">
+                          <a:solidFill>
+                            <a:srgbClr val="000000"/>
+                          </a:solidFill>
+                          <a:uFillTx/>
+                        </a:defRPr>
+                      </a:pPr>
+                      <a:r>
+                        <a:rPr sz="1600" dirty="0">
+                          <a:uFill>
+                            <a:solidFill/>
+                          </a:uFill>
+                        </a:rPr>
+                        <a:t>Algebra</a:t>
+                      </a:r>
+                      <a:endParaRPr sz="1600" dirty="0">
+                        <a:solidFill>
+                          <a:schemeClr val="tx1"/>
+                        </a:solidFill>
+                        <a:uFill>
+                          <a:solidFill/>
+                        </a:uFill>
+                        <a:latin typeface="Arial Unicode MS" panose="020B0604020202020204" pitchFamily="34" charset="-128"/>
+                      </a:endParaRPr>
+                    </a:p>
+                  </a:txBody>
+                  <a:tcPr marL="63500" marR="63500" marT="63500" marB="63500" horzOverflow="overflow"/>
+                </a:tc>
+                <a:extLst>
+                  <a:ext uri="{0D108BD9-81ED-4DB2-BD59-A6C34878D82A}">
+                    <a16:rowId xmlns:a16="http://schemas.microsoft.com/office/drawing/2014/main" val="10001"/>
+                  </a:ext>
+                </a:extLst>
+              </a:tr>
+              <a:tr h="360800">
+                <a:tc>
+                  <a:txBody>
+                    <a:bodyPr/>
+                    <a:lstStyle/>
+                    <a:p>
+                      <a:pPr lvl="0" algn="ctr">
+                        <a:defRPr sz="1800">
+                          <a:solidFill>
+                            <a:srgbClr val="000000"/>
+                          </a:solidFill>
+                          <a:uFillTx/>
+                        </a:defRPr>
+                      </a:pPr>
+                      <a:r>
+                        <a:rPr sz="1600" dirty="0">
+                          <a:uFill>
+                            <a:solidFill/>
+                          </a:uFill>
+                        </a:rPr>
+                        <a:t>2</a:t>
+                      </a:r>
+                      <a:endParaRPr sz="1600" dirty="0">
+                        <a:solidFill>
+                          <a:schemeClr val="tx1"/>
+                        </a:solidFill>
+                        <a:uFill>
+                          <a:solidFill/>
+                        </a:uFill>
+                        <a:latin typeface="Arial Unicode MS" panose="020B0604020202020204" pitchFamily="34" charset="-128"/>
+                      </a:endParaRPr>
+                    </a:p>
+                  </a:txBody>
+                  <a:tcPr marL="63500" marR="63500" marT="63500" marB="63500" horzOverflow="overflow"/>
+                </a:tc>
+                <a:tc>
+                  <a:txBody>
+                    <a:bodyPr/>
+                    <a:lstStyle/>
+                    <a:p>
+                      <a:pPr lvl="0" algn="ctr">
+                        <a:defRPr sz="1800">
+                          <a:solidFill>
+                            <a:srgbClr val="000000"/>
+                          </a:solidFill>
+                          <a:uFillTx/>
+                        </a:defRPr>
+                      </a:pPr>
+                      <a:r>
+                        <a:rPr sz="1600" dirty="0">
+                          <a:uFill>
+                            <a:solidFill/>
+                          </a:uFill>
+                        </a:rPr>
+                        <a:t>Analysis</a:t>
+                      </a:r>
+                      <a:endParaRPr sz="1600" dirty="0">
+                        <a:solidFill>
+                          <a:schemeClr val="tx1"/>
+                        </a:solidFill>
+                        <a:uFill>
+                          <a:solidFill/>
+                        </a:uFill>
+                        <a:latin typeface="Arial Unicode MS" panose="020B0604020202020204" pitchFamily="34" charset="-128"/>
+                      </a:endParaRPr>
+                    </a:p>
+                  </a:txBody>
+                  <a:tcPr marL="63500" marR="63500" marT="63500" marB="63500" horzOverflow="overflow"/>
+                </a:tc>
+                <a:extLst>
+                  <a:ext uri="{0D108BD9-81ED-4DB2-BD59-A6C34878D82A}">
+                    <a16:rowId xmlns:a16="http://schemas.microsoft.com/office/drawing/2014/main" val="10002"/>
+                  </a:ext>
+                </a:extLst>
+              </a:tr>
+              <a:tr h="360800">
+                <a:tc>
+                  <a:txBody>
+                    <a:bodyPr/>
+                    <a:lstStyle/>
+                    <a:p>
+                      <a:pPr lvl="0" algn="ctr">
+                        <a:defRPr sz="1800">
+                          <a:solidFill>
+                            <a:srgbClr val="000000"/>
+                          </a:solidFill>
+                          <a:uFillTx/>
+                        </a:defRPr>
+                      </a:pPr>
+                      <a:r>
+                        <a:rPr sz="1600" dirty="0">
+                          <a:uFill>
+                            <a:solidFill/>
+                          </a:uFill>
+                        </a:rPr>
+                        <a:t>3</a:t>
+                      </a:r>
+                      <a:endParaRPr sz="1600" dirty="0">
+                        <a:solidFill>
+                          <a:schemeClr val="tx1"/>
+                        </a:solidFill>
+                        <a:uFill>
+                          <a:solidFill/>
+                        </a:uFill>
+                        <a:latin typeface="Arial Unicode MS" panose="020B0604020202020204" pitchFamily="34" charset="-128"/>
+                      </a:endParaRPr>
+                    </a:p>
+                  </a:txBody>
+                  <a:tcPr marL="63500" marR="63500" marT="63500" marB="63500" horzOverflow="overflow"/>
+                </a:tc>
+                <a:tc>
+                  <a:txBody>
+                    <a:bodyPr/>
+                    <a:lstStyle/>
+                    <a:p>
+                      <a:pPr lvl="0" algn="ctr">
+                        <a:defRPr sz="1800">
+                          <a:solidFill>
+                            <a:srgbClr val="000000"/>
+                          </a:solidFill>
+                          <a:uFillTx/>
+                        </a:defRPr>
+                      </a:pPr>
+                      <a:r>
+                        <a:rPr sz="1600" dirty="0">
+                          <a:uFill>
+                            <a:solidFill/>
+                          </a:uFill>
+                        </a:rPr>
+                        <a:t>Physics</a:t>
+                      </a:r>
+                      <a:endParaRPr sz="1600" dirty="0">
+                        <a:solidFill>
+                          <a:schemeClr val="tx1"/>
+                        </a:solidFill>
+                        <a:uFill>
+                          <a:solidFill/>
+                        </a:uFill>
+                        <a:latin typeface="Arial Unicode MS" panose="020B0604020202020204" pitchFamily="34" charset="-128"/>
+                      </a:endParaRPr>
+                    </a:p>
+                  </a:txBody>
+                  <a:tcPr marL="63500" marR="63500" marT="63500" marB="63500" horzOverflow="overflow"/>
+                </a:tc>
+                <a:extLst>
+                  <a:ext uri="{0D108BD9-81ED-4DB2-BD59-A6C34878D82A}">
+                    <a16:rowId xmlns:a16="http://schemas.microsoft.com/office/drawing/2014/main" val="10003"/>
+                  </a:ext>
+                </a:extLst>
+              </a:tr>
+              <a:tr h="360800">
+                <a:tc>
+                  <a:txBody>
+                    <a:bodyPr/>
+                    <a:lstStyle/>
+                    <a:p>
+                      <a:pPr lvl="0" algn="ctr">
+                        <a:defRPr sz="1800">
+                          <a:solidFill>
+                            <a:srgbClr val="000000"/>
+                          </a:solidFill>
+                          <a:uFillTx/>
+                        </a:defRPr>
+                      </a:pPr>
+                      <a:r>
+                        <a:rPr sz="1600" dirty="0">
+                          <a:uFill>
+                            <a:solidFill/>
+                          </a:uFill>
+                        </a:rPr>
+                        <a:t>4</a:t>
+                      </a:r>
+                      <a:endParaRPr sz="1600" dirty="0">
+                        <a:solidFill>
+                          <a:srgbClr val="191164"/>
+                        </a:solidFill>
+                        <a:uFill>
+                          <a:solidFill/>
+                        </a:uFill>
+                        <a:latin typeface="Arial Unicode MS" panose="020B0604020202020204" pitchFamily="34" charset="-128"/>
+                      </a:endParaRPr>
+                    </a:p>
+                  </a:txBody>
+                  <a:tcPr marL="63500" marR="63500" marT="63500" marB="63500" horzOverflow="overflow"/>
+                </a:tc>
+                <a:tc>
+                  <a:txBody>
+                    <a:bodyPr/>
+                    <a:lstStyle/>
+                    <a:p>
+                      <a:pPr lvl="0" algn="ctr">
+                        <a:defRPr sz="1800">
+                          <a:solidFill>
+                            <a:srgbClr val="000000"/>
+                          </a:solidFill>
+                          <a:uFillTx/>
+                        </a:defRPr>
+                      </a:pPr>
+                      <a:r>
+                        <a:rPr sz="1600" dirty="0">
+                          <a:uFill>
+                            <a:solidFill/>
+                          </a:uFill>
+                        </a:rPr>
+                        <a:t>History</a:t>
+                      </a:r>
+                      <a:endParaRPr sz="1600" dirty="0">
+                        <a:solidFill>
+                          <a:srgbClr val="191164"/>
+                        </a:solidFill>
+                        <a:uFill>
+                          <a:solidFill/>
+                        </a:uFill>
+                        <a:latin typeface="Arial Unicode MS" panose="020B0604020202020204" pitchFamily="34" charset="-128"/>
+                      </a:endParaRPr>
+                    </a:p>
+                  </a:txBody>
+                  <a:tcPr marL="63500" marR="63500" marT="63500" marB="63500" horzOverflow="overflow"/>
+                </a:tc>
+                <a:extLst>
+                  <a:ext uri="{0D108BD9-81ED-4DB2-BD59-A6C34878D82A}">
+                    <a16:rowId xmlns:a16="http://schemas.microsoft.com/office/drawing/2014/main" val="10004"/>
+                  </a:ext>
+                </a:extLst>
+              </a:tr>
+            </a:tbl>
+          </a:graphicData>
+        </a:graphic>
+      </p:graphicFrame>
+      <p:sp>
+        <p:nvSpPr>
+          <p:cNvPr id="156" name="Shape 156"/>
+          <p:cNvSpPr/>
+          <p:nvPr/>
+        </p:nvSpPr>
+        <p:spPr>
+          <a:xfrm>
+            <a:off x="4097163" y="1077451"/>
+            <a:ext cx="735136" cy="400110"/>
+          </a:xfrm>
+          <a:prstGeom prst="rect">
+            <a:avLst/>
+          </a:prstGeom>
+          <a:ln w="12700">
+            <a:miter lim="400000"/>
+          </a:ln>
+          <a:extLst>
+            <a:ext uri="{C572A759-6A51-4108-AA02-DFA0A04FC94B}">
+              <ma14:wrappingTextBoxFlag xmlns="" xmlns:ma14="http://schemas.microsoft.com/office/mac/drawingml/2011/main" val="1"/>
+            </a:ext>
+          </a:extLst>
+        </p:spPr>
+        <p:txBody>
+          <a:bodyPr wrap="none" lIns="45719" rIns="45719">
+            <a:spAutoFit/>
+          </a:bodyPr>
+          <a:lstStyle>
+            <a:lvl1pPr>
+              <a:defRPr u="sng">
+                <a:solidFill>
+                  <a:srgbClr val="008F00"/>
+                </a:solidFill>
+                <a:latin typeface="+mn-lt"/>
+                <a:ea typeface="+mn-ea"/>
+                <a:cs typeface="+mn-cs"/>
+                <a:sym typeface="Arial"/>
+              </a:defRPr>
+            </a:lvl1pPr>
+          </a:lstStyle>
+          <a:p>
+            <a:pPr lvl="0">
+              <a:defRPr sz="1800" u="none">
+                <a:solidFill>
+                  <a:srgbClr val="000000"/>
+                </a:solidFill>
+                <a:uFillTx/>
+              </a:defRPr>
+            </a:pPr>
+            <a:r>
+              <a:rPr sz="2000" u="none" dirty="0">
+                <a:solidFill>
+                  <a:schemeClr val="tx1"/>
+                </a:solidFill>
+                <a:uFill>
+                  <a:solidFill/>
+                </a:uFill>
+                <a:latin typeface="Arial Unicode MS" panose="020B0604020202020204" pitchFamily="34" charset="-128"/>
+              </a:rPr>
+              <a:t>Class</a:t>
+            </a:r>
+          </a:p>
+        </p:txBody>
+      </p:sp>
+      <p:sp>
+        <p:nvSpPr>
+          <p:cNvPr id="157" name="Shape 157"/>
+          <p:cNvSpPr/>
+          <p:nvPr/>
+        </p:nvSpPr>
+        <p:spPr>
+          <a:xfrm>
+            <a:off x="6064423" y="1925842"/>
+            <a:ext cx="2532144" cy="1323439"/>
+          </a:xfrm>
+          <a:prstGeom prst="rect">
+            <a:avLst/>
+          </a:prstGeom>
+          <a:ln w="12700">
+            <a:miter lim="400000"/>
+          </a:ln>
+          <a:extLst>
+            <a:ext uri="{C572A759-6A51-4108-AA02-DFA0A04FC94B}">
+              <ma14:wrappingTextBoxFlag xmlns="" xmlns:ma14="http://schemas.microsoft.com/office/mac/drawingml/2011/main" val="1"/>
+            </a:ext>
+          </a:extLst>
+        </p:spPr>
+        <p:txBody>
+          <a:bodyPr lIns="45719" rIns="45719">
+            <a:spAutoFit/>
+          </a:bodyPr>
+          <a:lstStyle/>
+          <a:p>
+            <a:pPr lvl="0">
+              <a:defRPr sz="1800">
+                <a:solidFill>
+                  <a:srgbClr val="000000"/>
+                </a:solidFill>
+                <a:uFillTx/>
+              </a:defRPr>
+            </a:pPr>
+            <a:r>
+              <a:rPr sz="2000" u="sng" dirty="0">
+                <a:uFill>
+                  <a:solidFill/>
+                </a:uFill>
+                <a:latin typeface="Arial Unicode MS" panose="020B0604020202020204" pitchFamily="34" charset="-128"/>
+                <a:ea typeface="Arial Unicode MS" panose="020B0604020202020204" pitchFamily="34" charset="-128"/>
+                <a:cs typeface="Arial Unicode MS" panose="020B0604020202020204" pitchFamily="34" charset="-128"/>
+                <a:sym typeface="Arial Bold"/>
+              </a:rPr>
+              <a:t>Question</a:t>
+            </a:r>
+            <a:r>
+              <a:rPr sz="2000" dirty="0">
+                <a:uFill>
+                  <a:solidFill/>
+                </a:uFill>
+                <a:latin typeface="Arial Unicode MS" panose="020B0604020202020204" pitchFamily="34" charset="-128"/>
+                <a:ea typeface="Arial Unicode MS" panose="020B0604020202020204" pitchFamily="34" charset="-128"/>
+                <a:cs typeface="Arial Unicode MS" panose="020B0604020202020204" pitchFamily="34" charset="-128"/>
+                <a:sym typeface="Arial Bold"/>
+              </a:rPr>
+              <a:t>: Find the </a:t>
+            </a:r>
+          </a:p>
+          <a:p>
+            <a:pPr lvl="0">
+              <a:defRPr sz="1800">
+                <a:solidFill>
+                  <a:srgbClr val="000000"/>
+                </a:solidFill>
+                <a:uFillTx/>
+              </a:defRPr>
+            </a:pPr>
+            <a:r>
+              <a:rPr sz="2000" dirty="0">
+                <a:uFill>
+                  <a:solidFill/>
+                </a:uFill>
+                <a:latin typeface="Arial Unicode MS" panose="020B0604020202020204" pitchFamily="34" charset="-128"/>
+                <a:ea typeface="Arial Unicode MS" panose="020B0604020202020204" pitchFamily="34" charset="-128"/>
+                <a:cs typeface="Arial Unicode MS" panose="020B0604020202020204" pitchFamily="34" charset="-128"/>
+                <a:sym typeface="Arial Bold"/>
+              </a:rPr>
+              <a:t>class name for all the </a:t>
+            </a:r>
+          </a:p>
+          <a:p>
+            <a:pPr lvl="0">
+              <a:defRPr sz="1800">
+                <a:solidFill>
+                  <a:srgbClr val="000000"/>
+                </a:solidFill>
+                <a:uFillTx/>
+              </a:defRPr>
+            </a:pPr>
+            <a:r>
+              <a:rPr sz="2000" dirty="0">
+                <a:uFill>
+                  <a:solidFill/>
+                </a:uFill>
+                <a:latin typeface="Arial Unicode MS" panose="020B0604020202020204" pitchFamily="34" charset="-128"/>
+                <a:ea typeface="Arial Unicode MS" panose="020B0604020202020204" pitchFamily="34" charset="-128"/>
+                <a:cs typeface="Arial Unicode MS" panose="020B0604020202020204" pitchFamily="34" charset="-128"/>
+                <a:sym typeface="Arial Bold"/>
+              </a:rPr>
+              <a:t>classes that each student  is taking.</a:t>
+            </a:r>
+          </a:p>
+        </p:txBody>
+      </p:sp>
+      <p:sp>
+        <p:nvSpPr>
+          <p:cNvPr id="159" name="Shape 159"/>
+          <p:cNvSpPr/>
+          <p:nvPr/>
+        </p:nvSpPr>
+        <p:spPr>
+          <a:xfrm>
+            <a:off x="50104" y="4764886"/>
+            <a:ext cx="8611644" cy="1015663"/>
+          </a:xfrm>
+          <a:prstGeom prst="rect">
+            <a:avLst/>
+          </a:prstGeom>
+          <a:ln w="12700">
+            <a:miter lim="400000"/>
+          </a:ln>
+          <a:extLst>
+            <a:ext uri="{C572A759-6A51-4108-AA02-DFA0A04FC94B}">
+              <ma14:wrappingTextBoxFlag xmlns="" xmlns:ma14="http://schemas.microsoft.com/office/mac/drawingml/2011/main" val="1"/>
+            </a:ext>
+          </a:extLst>
+        </p:spPr>
+        <p:txBody>
+          <a:bodyPr wrap="square" lIns="45719" rIns="45719">
+            <a:spAutoFit/>
+          </a:bodyPr>
+          <a:lstStyle/>
+          <a:p>
+            <a:pPr lvl="0">
+              <a:defRPr sz="1800">
+                <a:solidFill>
+                  <a:srgbClr val="000000"/>
+                </a:solidFill>
+                <a:uFillTx/>
+              </a:defRPr>
+            </a:pPr>
+            <a:r>
+              <a:rPr lang="en-US" sz="2000" dirty="0">
+                <a:uFill>
+                  <a:solidFill/>
+                </a:uFill>
+                <a:latin typeface="Arial Unicode MS" panose="020B0604020202020204" pitchFamily="34" charset="-128"/>
+                <a:ea typeface="Arial Unicode MS" panose="020B0604020202020204" pitchFamily="34" charset="-128"/>
+                <a:cs typeface="Arial Unicode MS" panose="020B0604020202020204" pitchFamily="34" charset="-128"/>
+                <a:sym typeface="Arial Bold"/>
+              </a:rPr>
+              <a:t>SELECT</a:t>
+            </a:r>
+            <a:r>
+              <a:rPr sz="2000" dirty="0">
+                <a:uFill>
+                  <a:solidFill/>
+                </a:uFill>
+                <a:latin typeface="Arial Unicode MS" panose="020B0604020202020204" pitchFamily="34" charset="-128"/>
+                <a:ea typeface="Arial Unicode MS" panose="020B0604020202020204" pitchFamily="34" charset="-128"/>
+                <a:cs typeface="Arial Unicode MS" panose="020B0604020202020204" pitchFamily="34" charset="-128"/>
+                <a:sym typeface="Arial Bold"/>
+              </a:rPr>
+              <a:t> </a:t>
+            </a:r>
+            <a:r>
+              <a:rPr lang="en-US" sz="2000" dirty="0" err="1">
+                <a:uFill>
+                  <a:solidFill/>
+                </a:uFill>
+                <a:latin typeface="Arial Unicode MS" panose="020B0604020202020204" pitchFamily="34" charset="-128"/>
+                <a:ea typeface="Arial Unicode MS" panose="020B0604020202020204" pitchFamily="34" charset="-128"/>
+                <a:cs typeface="Arial Unicode MS" panose="020B0604020202020204" pitchFamily="34" charset="-128"/>
+                <a:sym typeface="Arial Bold"/>
+              </a:rPr>
+              <a:t>student_id</a:t>
+            </a:r>
+            <a:r>
+              <a:rPr sz="2000" dirty="0">
+                <a:uFill>
+                  <a:solidFill/>
+                </a:uFill>
+                <a:latin typeface="Arial Unicode MS" panose="020B0604020202020204" pitchFamily="34" charset="-128"/>
+                <a:ea typeface="Arial Unicode MS" panose="020B0604020202020204" pitchFamily="34" charset="-128"/>
+                <a:cs typeface="Arial Unicode MS" panose="020B0604020202020204" pitchFamily="34" charset="-128"/>
+                <a:sym typeface="Arial Bold"/>
+              </a:rPr>
+              <a:t>, class </a:t>
+            </a:r>
+          </a:p>
+          <a:p>
+            <a:pPr>
+              <a:defRPr sz="1800">
+                <a:solidFill>
+                  <a:srgbClr val="000000"/>
+                </a:solidFill>
+                <a:uFillTx/>
+              </a:defRPr>
+            </a:pPr>
+            <a:r>
+              <a:rPr lang="en-US" sz="2000" dirty="0">
+                <a:uFill>
+                  <a:solidFill/>
+                </a:uFill>
+                <a:latin typeface="Arial Unicode MS" panose="020B0604020202020204" pitchFamily="34" charset="-128"/>
+                <a:ea typeface="Arial Unicode MS" panose="020B0604020202020204" pitchFamily="34" charset="-128"/>
+                <a:cs typeface="Arial Unicode MS" panose="020B0604020202020204" pitchFamily="34" charset="-128"/>
+                <a:sym typeface="Arial Bold"/>
+              </a:rPr>
+              <a:t>FROM</a:t>
+            </a:r>
+            <a:r>
+              <a:rPr sz="2000" dirty="0">
+                <a:uFill>
+                  <a:solidFill/>
+                </a:uFill>
+                <a:latin typeface="Arial Unicode MS" panose="020B0604020202020204" pitchFamily="34" charset="-128"/>
+                <a:ea typeface="Arial Unicode MS" panose="020B0604020202020204" pitchFamily="34" charset="-128"/>
+                <a:cs typeface="Arial Unicode MS" panose="020B0604020202020204" pitchFamily="34" charset="-128"/>
+                <a:sym typeface="Arial Bold"/>
+              </a:rPr>
+              <a:t> </a:t>
+            </a:r>
+            <a:r>
+              <a:rPr lang="en-US" sz="2000" dirty="0" err="1">
+                <a:uFill>
+                  <a:solidFill/>
+                </a:uFill>
+                <a:latin typeface="Arial Unicode MS" panose="020B0604020202020204" pitchFamily="34" charset="-128"/>
+              </a:rPr>
+              <a:t>Student_Class</a:t>
+            </a:r>
+            <a:r>
+              <a:rPr lang="en-US" sz="2000" dirty="0">
+                <a:uFill>
+                  <a:solidFill/>
+                </a:uFill>
+                <a:latin typeface="Arial Unicode MS" panose="020B0604020202020204" pitchFamily="34" charset="-128"/>
+              </a:rPr>
+              <a:t> </a:t>
+            </a:r>
+            <a:r>
+              <a:rPr lang="en-US" sz="2000" b="1" dirty="0">
+                <a:solidFill>
+                  <a:schemeClr val="accent1">
+                    <a:lumMod val="75000"/>
+                  </a:schemeClr>
+                </a:solidFill>
+                <a:uFill>
+                  <a:solidFill/>
+                </a:uFill>
+                <a:latin typeface="Arial Unicode MS" panose="020B0604020202020204" pitchFamily="34" charset="-128"/>
+              </a:rPr>
+              <a:t>S</a:t>
+            </a:r>
+            <a:r>
+              <a:rPr lang="en-US" sz="2000" dirty="0">
+                <a:uFill>
+                  <a:solidFill/>
+                </a:uFill>
+                <a:latin typeface="Arial Unicode MS" panose="020B0604020202020204" pitchFamily="34" charset="-128"/>
+              </a:rPr>
+              <a:t> </a:t>
+            </a:r>
+            <a:r>
+              <a:rPr lang="en-US" sz="2000" b="1" dirty="0">
+                <a:solidFill>
+                  <a:srgbClr val="C00000"/>
+                </a:solidFill>
+                <a:uFill>
+                  <a:solidFill/>
+                </a:uFill>
+                <a:latin typeface="Arial Unicode MS" panose="020B0604020202020204" pitchFamily="34" charset="-128"/>
+                <a:ea typeface="Arial Unicode MS" panose="020B0604020202020204" pitchFamily="34" charset="-128"/>
+                <a:cs typeface="Arial Unicode MS" panose="020B0604020202020204" pitchFamily="34" charset="-128"/>
+                <a:sym typeface="Arial Bold"/>
+              </a:rPr>
+              <a:t>INNER JOIN</a:t>
+            </a:r>
+            <a:r>
+              <a:rPr sz="2000" b="1" dirty="0">
+                <a:solidFill>
+                  <a:srgbClr val="C00000"/>
+                </a:solidFill>
+                <a:uFill>
+                  <a:solidFill/>
+                </a:uFill>
+                <a:latin typeface="Arial Unicode MS" panose="020B0604020202020204" pitchFamily="34" charset="-128"/>
+                <a:ea typeface="Arial Unicode MS" panose="020B0604020202020204" pitchFamily="34" charset="-128"/>
+                <a:cs typeface="Arial Unicode MS" panose="020B0604020202020204" pitchFamily="34" charset="-128"/>
+                <a:sym typeface="Arial Bold"/>
+              </a:rPr>
+              <a:t> </a:t>
+            </a:r>
+            <a:r>
+              <a:rPr sz="2000" dirty="0">
+                <a:uFill>
+                  <a:solidFill/>
+                </a:uFill>
+                <a:latin typeface="Arial Unicode MS" panose="020B0604020202020204" pitchFamily="34" charset="-128"/>
+                <a:ea typeface="Arial Unicode MS" panose="020B0604020202020204" pitchFamily="34" charset="-128"/>
+                <a:cs typeface="Arial Unicode MS" panose="020B0604020202020204" pitchFamily="34" charset="-128"/>
+                <a:sym typeface="Arial Bold"/>
+              </a:rPr>
+              <a:t>Class </a:t>
+            </a:r>
+            <a:r>
+              <a:rPr lang="en-US" sz="2000" b="1" dirty="0">
+                <a:solidFill>
+                  <a:schemeClr val="accent1">
+                    <a:lumMod val="75000"/>
+                  </a:schemeClr>
+                </a:solidFill>
+                <a:uFill>
+                  <a:solidFill/>
+                </a:uFill>
+                <a:latin typeface="Arial Unicode MS" panose="020B0604020202020204" pitchFamily="34" charset="-128"/>
+                <a:ea typeface="Arial Unicode MS" panose="020B0604020202020204" pitchFamily="34" charset="-128"/>
+                <a:cs typeface="Arial Unicode MS" panose="020B0604020202020204" pitchFamily="34" charset="-128"/>
+                <a:sym typeface="Arial Bold"/>
+              </a:rPr>
+              <a:t>C</a:t>
+            </a:r>
+          </a:p>
+          <a:p>
+            <a:pPr>
+              <a:defRPr sz="1800">
+                <a:solidFill>
+                  <a:srgbClr val="000000"/>
+                </a:solidFill>
+                <a:uFillTx/>
+              </a:defRPr>
+            </a:pPr>
+            <a:r>
+              <a:rPr lang="en-US" sz="2000" b="1" dirty="0">
+                <a:solidFill>
+                  <a:srgbClr val="C00000"/>
+                </a:solidFill>
+                <a:uFill>
+                  <a:solidFill/>
+                </a:uFill>
+                <a:latin typeface="Arial Unicode MS" panose="020B0604020202020204" pitchFamily="34" charset="-128"/>
+                <a:ea typeface="Arial Unicode MS" panose="020B0604020202020204" pitchFamily="34" charset="-128"/>
+                <a:cs typeface="Arial Unicode MS" panose="020B0604020202020204" pitchFamily="34" charset="-128"/>
+                <a:sym typeface="Arial Bold"/>
+              </a:rPr>
+              <a:t>		ON</a:t>
+            </a:r>
+            <a:r>
+              <a:rPr sz="2000" b="1" dirty="0">
+                <a:solidFill>
+                  <a:srgbClr val="C00000"/>
+                </a:solidFill>
+                <a:uFill>
+                  <a:solidFill/>
+                </a:uFill>
+                <a:latin typeface="Arial Unicode MS" panose="020B0604020202020204" pitchFamily="34" charset="-128"/>
+                <a:ea typeface="Arial Unicode MS" panose="020B0604020202020204" pitchFamily="34" charset="-128"/>
+                <a:cs typeface="Arial Unicode MS" panose="020B0604020202020204" pitchFamily="34" charset="-128"/>
+                <a:sym typeface="Arial Bold"/>
+              </a:rPr>
+              <a:t> </a:t>
+            </a:r>
+            <a:r>
+              <a:rPr lang="en-US" sz="2000" b="1" dirty="0" err="1">
+                <a:solidFill>
+                  <a:schemeClr val="accent1">
+                    <a:lumMod val="75000"/>
+                  </a:schemeClr>
+                </a:solidFill>
+                <a:uFill>
+                  <a:solidFill/>
+                </a:uFill>
+                <a:latin typeface="Arial Unicode MS" panose="020B0604020202020204" pitchFamily="34" charset="-128"/>
+              </a:rPr>
+              <a:t>S</a:t>
+            </a:r>
+            <a:r>
+              <a:rPr sz="2000" b="1" dirty="0" err="1">
+                <a:solidFill>
+                  <a:schemeClr val="tx1">
+                    <a:lumMod val="95000"/>
+                    <a:lumOff val="5000"/>
+                  </a:schemeClr>
+                </a:solidFill>
+                <a:uFill>
+                  <a:solidFill/>
+                </a:uFill>
+                <a:latin typeface="Arial Unicode MS" panose="020B0604020202020204" pitchFamily="34" charset="-128"/>
+                <a:ea typeface="Arial Unicode MS" panose="020B0604020202020204" pitchFamily="34" charset="-128"/>
+                <a:cs typeface="Arial Unicode MS" panose="020B0604020202020204" pitchFamily="34" charset="-128"/>
+                <a:sym typeface="Arial Bold"/>
+              </a:rPr>
+              <a:t>.</a:t>
+            </a:r>
+            <a:r>
+              <a:rPr lang="en-US" sz="2000" b="1" dirty="0" err="1">
+                <a:solidFill>
+                  <a:schemeClr val="tx1">
+                    <a:lumMod val="95000"/>
+                    <a:lumOff val="5000"/>
+                  </a:schemeClr>
+                </a:solidFill>
+                <a:uFill>
+                  <a:solidFill/>
+                </a:uFill>
+                <a:latin typeface="Arial Unicode MS" panose="020B0604020202020204" pitchFamily="34" charset="-128"/>
+                <a:ea typeface="Arial Unicode MS" panose="020B0604020202020204" pitchFamily="34" charset="-128"/>
+                <a:cs typeface="Arial Unicode MS" panose="020B0604020202020204" pitchFamily="34" charset="-128"/>
+                <a:sym typeface="Arial Bold"/>
+              </a:rPr>
+              <a:t>class_id</a:t>
+            </a:r>
+            <a:r>
+              <a:rPr lang="en-US" sz="2000" b="1" dirty="0">
+                <a:solidFill>
+                  <a:schemeClr val="tx1">
+                    <a:lumMod val="95000"/>
+                    <a:lumOff val="5000"/>
+                  </a:schemeClr>
+                </a:solidFill>
+                <a:uFill>
+                  <a:solidFill/>
+                </a:uFill>
+                <a:latin typeface="Arial Unicode MS" panose="020B0604020202020204" pitchFamily="34" charset="-128"/>
+                <a:ea typeface="Arial Unicode MS" panose="020B0604020202020204" pitchFamily="34" charset="-128"/>
+                <a:cs typeface="Arial Unicode MS" panose="020B0604020202020204" pitchFamily="34" charset="-128"/>
+                <a:sym typeface="Arial Bold"/>
+              </a:rPr>
+              <a:t> = </a:t>
+            </a:r>
+            <a:r>
+              <a:rPr lang="en-US" sz="2000" b="1" dirty="0" err="1">
+                <a:solidFill>
+                  <a:schemeClr val="accent1">
+                    <a:lumMod val="75000"/>
+                  </a:schemeClr>
+                </a:solidFill>
+                <a:uFill>
+                  <a:solidFill/>
+                </a:uFill>
+                <a:latin typeface="Arial Unicode MS" panose="020B0604020202020204" pitchFamily="34" charset="-128"/>
+                <a:ea typeface="Arial Unicode MS" panose="020B0604020202020204" pitchFamily="34" charset="-128"/>
+                <a:cs typeface="Arial Unicode MS" panose="020B0604020202020204" pitchFamily="34" charset="-128"/>
+                <a:sym typeface="Arial Bold"/>
+              </a:rPr>
+              <a:t>C</a:t>
+            </a:r>
+            <a:r>
+              <a:rPr lang="en-US" sz="2000" b="1" dirty="0" err="1">
+                <a:solidFill>
+                  <a:schemeClr val="tx1">
+                    <a:lumMod val="95000"/>
+                    <a:lumOff val="5000"/>
+                  </a:schemeClr>
+                </a:solidFill>
+                <a:uFill>
+                  <a:solidFill/>
+                </a:uFill>
+                <a:latin typeface="Arial Unicode MS" panose="020B0604020202020204" pitchFamily="34" charset="-128"/>
+                <a:ea typeface="Arial Unicode MS" panose="020B0604020202020204" pitchFamily="34" charset="-128"/>
+                <a:cs typeface="Arial Unicode MS" panose="020B0604020202020204" pitchFamily="34" charset="-128"/>
+                <a:sym typeface="Arial Bold"/>
+              </a:rPr>
+              <a:t>.class_id</a:t>
+            </a:r>
+            <a:r>
+              <a:rPr lang="en-US" sz="2000" b="1" dirty="0">
+                <a:solidFill>
+                  <a:schemeClr val="tx1">
+                    <a:lumMod val="95000"/>
+                    <a:lumOff val="5000"/>
+                  </a:schemeClr>
+                </a:solidFill>
+                <a:uFill>
+                  <a:solidFill/>
+                </a:uFill>
+                <a:latin typeface="Arial Unicode MS" panose="020B0604020202020204" pitchFamily="34" charset="-128"/>
+                <a:ea typeface="Arial Unicode MS" panose="020B0604020202020204" pitchFamily="34" charset="-128"/>
+                <a:cs typeface="Arial Unicode MS" panose="020B0604020202020204" pitchFamily="34" charset="-128"/>
+                <a:sym typeface="Arial Bold"/>
+              </a:rPr>
+              <a:t> </a:t>
+            </a:r>
+            <a:endParaRPr sz="2000" b="1" dirty="0">
+              <a:solidFill>
+                <a:schemeClr val="tx1">
+                  <a:lumMod val="95000"/>
+                  <a:lumOff val="5000"/>
+                </a:schemeClr>
+              </a:solidFill>
+              <a:uFill>
+                <a:solidFill/>
+              </a:uFill>
+              <a:latin typeface="Arial Unicode MS" panose="020B0604020202020204" pitchFamily="34" charset="-128"/>
+              <a:ea typeface="Arial Unicode MS" panose="020B0604020202020204" pitchFamily="34" charset="-128"/>
+              <a:cs typeface="Arial Unicode MS" panose="020B0604020202020204" pitchFamily="34" charset="-128"/>
+              <a:sym typeface="Arial Bold"/>
+            </a:endParaRPr>
+          </a:p>
+        </p:txBody>
+      </p:sp>
+    </p:spTree>
+    <p:extLst>
+      <p:ext uri="{BB962C8B-B14F-4D97-AF65-F5344CB8AC3E}">
+        <p14:creationId xmlns:p14="http://schemas.microsoft.com/office/powerpoint/2010/main" val="3238671056"/>
+      </p:ext>
+    </p:extLst>
+  </p:cSld>
+  <p:clrMapOvr>
+    <a:masterClrMapping/>
+  </p:clrMapOvr>
+  <p:transition spd="med"/>
+  <p:timing>
+    <p:tnLst>
+      <p:par>
+        <p:cTn id="1" dur="indefinite" restart="never" fill="hold" nodeType="tmRoot">
+          <p:childTnLst>
+            <p:seq concurrent="1" prevAc="none" nextAc="seek">
+              <p:cTn id="2" dur="indefinite" fill="hold" nodeType="mainSeq">
+                <p:childTnLst>
+                  <p:par>
+                    <p:cTn id="3" fill="hold">
+                      <p:stCondLst>
+                        <p:cond delay="indefinite"/>
+                      </p:stCondLst>
+                      <p:childTnLst>
+                        <p:par>
+                          <p:cTn id="4" fill="hold">
+                            <p:stCondLst>
+                              <p:cond delay="0"/>
+                            </p:stCondLst>
+                            <p:childTnLst>
+                              <p:par>
+                                <p:cTn id="5" presetID="9" presetClass="entr" presetSubtype="16" fill="hold" grpId="0" nodeType="clickEffect">
+                                  <p:stCondLst>
+                                    <p:cond delay="0"/>
+                                  </p:stCondLst>
+                                  <p:iterate>
+                                    <p:tmAbs val="0"/>
+                                  </p:iterate>
+                                  <p:childTnLst>
+                                    <p:set>
+                                      <p:cBhvr>
+                                        <p:cTn id="6" fill="hold"/>
+                                        <p:tgtEl>
+                                          <p:spTgt spid="159"/>
+                                        </p:tgtEl>
+                                        <p:attrNameLst>
+                                          <p:attrName>style.visibility</p:attrName>
+                                        </p:attrNameLst>
+                                      </p:cBhvr>
+                                      <p:to>
+                                        <p:strVal val="visible"/>
+                                      </p:to>
+                                    </p:set>
+                                    <p:animEffect transition="in" filter="dissolve(in)">
+                                      <p:cBhvr>
+                                        <p:cTn id="7" dur="750"/>
+                                        <p:tgtEl>
+                                          <p:spTgt spid="159"/>
+                                        </p:tgtEl>
+                                      </p:cBhvr>
+                                    </p:animEffect>
+                                  </p:childTnLst>
+                                </p:cTn>
+                              </p:par>
+                            </p:childTnLst>
+                          </p:cTn>
+                        </p:par>
+                      </p:childTnLst>
+                    </p:cTn>
+                  </p:par>
+                </p:childTnLst>
+              </p:cTn>
+              <p:prevCondLst>
+                <p:cond evt="onPrev" delay="0">
+                  <p:tgtEl>
+                    <p:sldTgt/>
+                  </p:tgtEl>
+                </p:cond>
+              </p:prevCondLst>
+              <p:nextCondLst>
+                <p:cond evt="onNext" delay="0">
+                  <p:tgtEl>
+                    <p:sldTgt/>
+                  </p:tgtEl>
+                </p:cond>
+              </p:nextCondLst>
+            </p:seq>
+          </p:childTnLst>
+        </p:cTn>
+      </p:par>
+    </p:tnLst>
+    <p:bldLst>
+      <p:bldP spid="159" grpId="0" animBg="1" advAuto="0"/>
+    </p:bldLst>
+  </p:timing>
+</p:sld>
+</file>
+
+<file path=ppt/slides/slide7.xml><?xml version="1.0" encoding="utf-8"?>
+<p:sld xmlns:a="http://schemas.openxmlformats.org/drawingml/2006/main" xmlns:r="http://schemas.openxmlformats.org/officeDocument/2006/relationships" xmlns:p="http://schemas.openxmlformats.org/presentationml/2006/main">
+  <p:cSld>
+    <p:spTree>
+      <p:nvGrpSpPr>
+        <p:cNvPr id="1" name=""/>
+        <p:cNvGrpSpPr/>
+        <p:nvPr/>
+      </p:nvGrpSpPr>
+      <p:grpSpPr>
+        <a:xfrm>
+          <a:off x="0" y="0"/>
+          <a:ext cx="0" cy="0"/>
+          <a:chOff x="0" y="0"/>
+          <a:chExt cx="0" cy="0"/>
+        </a:xfrm>
+      </p:grpSpPr>
+      <p:sp>
+        <p:nvSpPr>
           <p:cNvPr id="162" name="Shape 162"/>
           <p:cNvSpPr/>
           <p:nvPr/>
@@ -11980,7 +16673,7 @@
           </a:ln>
           <a:extLst>
             <a:ext uri="{C572A759-6A51-4108-AA02-DFA0A04FC94B}">
-              <ma14:wrappingTextBoxFlag xmlns:ma14="http://schemas.microsoft.com/office/mac/drawingml/2011/main" xmlns="" val="1"/>
+              <ma14:wrappingTextBoxFlag xmlns="" xmlns:ma14="http://schemas.microsoft.com/office/mac/drawingml/2011/main" val="1"/>
             </a:ext>
           </a:extLst>
         </p:spPr>
@@ -12078,14 +16771,14 @@
                         </a:defRPr>
                       </a:pPr>
                       <a:r>
-                        <a:rPr sz="1600" b="1" dirty="0" err="1">
+                        <a:rPr lang="en-US" sz="1600" b="1" dirty="0" err="1">
                           <a:uFill>
                             <a:solidFill>
                               <a:srgbClr val="FFFFFF"/>
                             </a:solidFill>
                           </a:uFill>
                         </a:rPr>
-                        <a:t>Student_id</a:t>
+                        <a:t>student_id</a:t>
                       </a:r>
                       <a:endParaRPr sz="1600" b="1" i="1" dirty="0">
                         <a:solidFill>
@@ -12652,7 +17345,7 @@
           <p:nvPr>
             <p:extLst>
               <p:ext uri="{D42A27DB-BD31-4B8C-83A1-F6EECF244321}">
-                <p14:modId xmlns:p14="http://schemas.microsoft.com/office/powerpoint/2010/main" val="3729634954"/>
+                <p14:modId xmlns:p14="http://schemas.microsoft.com/office/powerpoint/2010/main" val="2548284849"/>
               </p:ext>
             </p:extLst>
           </p:nvPr>
@@ -12708,14 +17401,14 @@
                         </a:defRPr>
                       </a:pPr>
                       <a:r>
-                        <a:rPr sz="1600" b="1" dirty="0" err="1">
+                        <a:rPr lang="en-US" sz="1600" b="1" dirty="0" err="1">
                           <a:uFill>
                             <a:solidFill>
                               <a:srgbClr val="FFFFFF"/>
                             </a:solidFill>
                           </a:uFill>
                         </a:rPr>
-                        <a:t>Student_id</a:t>
+                        <a:t>student_id</a:t>
                       </a:r>
                       <a:endParaRPr sz="1600" b="1" i="1" dirty="0">
                         <a:solidFill>
@@ -12749,14 +17442,14 @@
                         </a:defRPr>
                       </a:pPr>
                       <a:r>
-                        <a:rPr sz="1600" b="1" dirty="0">
+                        <a:rPr lang="en-US" sz="1600" b="1" dirty="0" err="1">
                           <a:uFill>
                             <a:solidFill>
                               <a:srgbClr val="FFFFFF"/>
                             </a:solidFill>
                           </a:uFill>
                         </a:rPr>
-                        <a:t>Class Id</a:t>
+                        <a:t>class_id</a:t>
                       </a:r>
                       <a:endParaRPr sz="1600" b="1" i="1" dirty="0">
                         <a:solidFill>
@@ -13534,14 +18227,14 @@
                         </a:defRPr>
                       </a:pPr>
                       <a:r>
-                        <a:rPr sz="1600" b="1" dirty="0" err="1">
+                        <a:rPr lang="en-US" sz="1600" b="1" dirty="0" err="1">
                           <a:uFill>
                             <a:solidFill>
                               <a:srgbClr val="FFFFFF"/>
                             </a:solidFill>
                           </a:uFill>
                         </a:rPr>
-                        <a:t>Class_id</a:t>
+                        <a:t>class_id</a:t>
                       </a:r>
                       <a:endParaRPr sz="1600" b="1" i="1" dirty="0">
                         <a:solidFill>
@@ -13928,7 +18621,7 @@
           </a:ln>
           <a:extLst>
             <a:ext uri="{C572A759-6A51-4108-AA02-DFA0A04FC94B}">
-              <ma14:wrappingTextBoxFlag xmlns:ma14="http://schemas.microsoft.com/office/mac/drawingml/2011/main" xmlns="" val="1"/>
+              <ma14:wrappingTextBoxFlag xmlns="" xmlns:ma14="http://schemas.microsoft.com/office/mac/drawingml/2011/main" val="1"/>
             </a:ext>
           </a:extLst>
         </p:spPr>
@@ -13991,7 +18684,7 @@
               </a:defRPr>
             </a:pPr>
             <a:r>
-              <a:rPr sz="2000" b="1" dirty="0" err="1">
+              <a:rPr lang="en-US" sz="2000" b="1" dirty="0" err="1">
                 <a:uFill>
                   <a:solidFill/>
                 </a:uFill>
@@ -14000,7 +18693,7 @@
                 <a:cs typeface="+mn-cs"/>
                 <a:sym typeface="Arial"/>
               </a:rPr>
-              <a:t>Class_id</a:t>
+              <a:t>class_id</a:t>
             </a:r>
             <a:endParaRPr sz="2000" b="1" dirty="0">
               <a:uFill>
@@ -14066,564 +18759,6 @@
     <p:extLst>
       <p:ext uri="{BB962C8B-B14F-4D97-AF65-F5344CB8AC3E}">
         <p14:creationId xmlns:p14="http://schemas.microsoft.com/office/powerpoint/2010/main" val="1343433489"/>
-      </p:ext>
-    </p:extLst>
-  </p:cSld>
-  <p:clrMapOvr>
-    <a:masterClrMapping/>
-  </p:clrMapOvr>
-  <p:transition spd="med"/>
-</p:sld>
-</file>
-
-<file path=ppt/slides/slide6.xml><?xml version="1.0" encoding="utf-8"?>
-<p:sld xmlns:a="http://schemas.openxmlformats.org/drawingml/2006/main" xmlns:r="http://schemas.openxmlformats.org/officeDocument/2006/relationships" xmlns:p="http://schemas.openxmlformats.org/presentationml/2006/main">
-  <p:cSld>
-    <p:spTree>
-      <p:nvGrpSpPr>
-        <p:cNvPr id="1" name=""/>
-        <p:cNvGrpSpPr/>
-        <p:nvPr/>
-      </p:nvGrpSpPr>
-      <p:grpSpPr>
-        <a:xfrm>
-          <a:off x="0" y="0"/>
-          <a:ext cx="0" cy="0"/>
-          <a:chOff x="0" y="0"/>
-          <a:chExt cx="0" cy="0"/>
-        </a:xfrm>
-      </p:grpSpPr>
-      <p:sp>
-        <p:nvSpPr>
-          <p:cNvPr id="2" name="Rectangle 1"/>
-          <p:cNvSpPr/>
-          <p:nvPr/>
-        </p:nvSpPr>
-        <p:spPr>
-          <a:xfrm>
-            <a:off x="2286000" y="-1049149"/>
-            <a:ext cx="4572000" cy="369332"/>
-          </a:xfrm>
-          <a:prstGeom prst="rect">
-            <a:avLst/>
-          </a:prstGeom>
-        </p:spPr>
-        <p:txBody>
-          <a:bodyPr>
-            <a:spAutoFit/>
-          </a:bodyPr>
-          <a:lstStyle/>
-          <a:p>
-            <a:endParaRPr lang="en-US" dirty="0"/>
-          </a:p>
-        </p:txBody>
-      </p:sp>
-      <p:sp>
-        <p:nvSpPr>
-          <p:cNvPr id="4" name="Rectangle 3"/>
-          <p:cNvSpPr/>
-          <p:nvPr/>
-        </p:nvSpPr>
-        <p:spPr>
-          <a:xfrm>
-            <a:off x="145473" y="1265142"/>
-            <a:ext cx="8671214" cy="4339650"/>
-          </a:xfrm>
-          <a:prstGeom prst="rect">
-            <a:avLst/>
-          </a:prstGeom>
-        </p:spPr>
-        <p:txBody>
-          <a:bodyPr wrap="square">
-            <a:spAutoFit/>
-          </a:bodyPr>
-          <a:lstStyle/>
-          <a:p>
-            <a:pPr marL="285750" indent="-285750">
-              <a:buFont typeface="Arial" panose="020B0604020202020204" pitchFamily="34" charset="0"/>
-              <a:buChar char="•"/>
-            </a:pPr>
-            <a:r>
-              <a:rPr lang="en-US" sz="2300" dirty="0"/>
-              <a:t>List all the movies and their genres</a:t>
-            </a:r>
-          </a:p>
-          <a:p>
-            <a:pPr marL="285750" indent="-285750">
-              <a:buFont typeface="Arial" panose="020B0604020202020204" pitchFamily="34" charset="0"/>
-              <a:buChar char="•"/>
-            </a:pPr>
-            <a:endParaRPr lang="en-US" sz="2300" dirty="0"/>
-          </a:p>
-          <a:p>
-            <a:pPr marL="285750" indent="-285750">
-              <a:buFont typeface="Arial" panose="020B0604020202020204" pitchFamily="34" charset="0"/>
-              <a:buChar char="•"/>
-            </a:pPr>
-            <a:r>
-              <a:rPr lang="en-US" sz="2300" dirty="0"/>
-              <a:t>List the movie genres for the movies directed by Steven Spielberg and sort them in decreasing order of their probability (use the </a:t>
-            </a:r>
-            <a:r>
-              <a:rPr lang="en-US" sz="2300" dirty="0" err="1"/>
-              <a:t>director_genres</a:t>
-            </a:r>
-            <a:r>
-              <a:rPr lang="en-US" sz="2300" dirty="0"/>
-              <a:t> table)</a:t>
-            </a:r>
-          </a:p>
-          <a:p>
-            <a:pPr marL="285750" indent="-285750">
-              <a:buFont typeface="Arial" panose="020B0604020202020204" pitchFamily="34" charset="0"/>
-              <a:buChar char="•"/>
-            </a:pPr>
-            <a:endParaRPr lang="en-US" sz="2300" dirty="0"/>
-          </a:p>
-          <a:p>
-            <a:pPr marL="285750" indent="-285750">
-              <a:buFont typeface="Arial" panose="020B0604020202020204" pitchFamily="34" charset="0"/>
-              <a:buChar char="•"/>
-            </a:pPr>
-            <a:r>
-              <a:rPr lang="en-US" sz="2300" dirty="0"/>
-              <a:t>List all the movies and their directors</a:t>
-            </a:r>
-          </a:p>
-          <a:p>
-            <a:pPr marL="285750" indent="-285750">
-              <a:buFont typeface="Arial" panose="020B0604020202020204" pitchFamily="34" charset="0"/>
-              <a:buChar char="•"/>
-            </a:pPr>
-            <a:endParaRPr lang="en-US" sz="2300" dirty="0"/>
-          </a:p>
-          <a:p>
-            <a:pPr marL="285750" indent="-285750">
-              <a:buFont typeface="Arial" panose="020B0604020202020204" pitchFamily="34" charset="0"/>
-              <a:buChar char="•"/>
-            </a:pPr>
-            <a:r>
-              <a:rPr lang="en-US" sz="2300" dirty="0"/>
-              <a:t>List all the movies directed by Steven Spielberg</a:t>
-            </a:r>
-          </a:p>
-          <a:p>
-            <a:pPr marL="285750" indent="-285750">
-              <a:buFont typeface="Arial" panose="020B0604020202020204" pitchFamily="34" charset="0"/>
-              <a:buChar char="•"/>
-            </a:pPr>
-            <a:endParaRPr lang="en-US" sz="2300" dirty="0"/>
-          </a:p>
-          <a:p>
-            <a:pPr marL="285750" indent="-285750">
-              <a:buFont typeface="Arial" panose="020B0604020202020204" pitchFamily="34" charset="0"/>
-              <a:buChar char="•"/>
-            </a:pPr>
-            <a:endParaRPr lang="en-US" sz="2300" dirty="0"/>
-          </a:p>
-          <a:p>
-            <a:pPr marL="285750" indent="-285750">
-              <a:buFont typeface="Arial" panose="020B0604020202020204" pitchFamily="34" charset="0"/>
-              <a:buChar char="•"/>
-            </a:pPr>
-            <a:endParaRPr lang="en-US" sz="2300" i="1" dirty="0"/>
-          </a:p>
-        </p:txBody>
-      </p:sp>
-      <p:sp>
-        <p:nvSpPr>
-          <p:cNvPr id="5" name="Shape 189"/>
-          <p:cNvSpPr/>
-          <p:nvPr/>
-        </p:nvSpPr>
-        <p:spPr>
-          <a:xfrm>
-            <a:off x="386308" y="147496"/>
-            <a:ext cx="7757379" cy="553998"/>
-          </a:xfrm>
-          <a:prstGeom prst="rect">
-            <a:avLst/>
-          </a:prstGeom>
-          <a:ln w="12700">
-            <a:miter lim="400000"/>
-          </a:ln>
-          <a:extLst>
-            <a:ext uri="{C572A759-6A51-4108-AA02-DFA0A04FC94B}">
-              <ma14:wrappingTextBoxFlag xmlns:ma14="http://schemas.microsoft.com/office/mac/drawingml/2011/main" xmlns="" val="1"/>
-            </a:ext>
-          </a:extLst>
-        </p:spPr>
-        <p:txBody>
-          <a:bodyPr lIns="45719" rIns="45719">
-            <a:spAutoFit/>
-          </a:bodyPr>
-          <a:lstStyle>
-            <a:lvl1pPr>
-              <a:defRPr sz="3000" b="1">
-                <a:uFill>
-                  <a:solidFill>
-                    <a:srgbClr val="FFFFFF"/>
-                  </a:solidFill>
-                </a:uFill>
-              </a:defRPr>
-            </a:lvl1pPr>
-          </a:lstStyle>
-          <a:p>
-            <a:pPr lvl="0">
-              <a:defRPr sz="1800" b="0">
-                <a:solidFill>
-                  <a:srgbClr val="000000"/>
-                </a:solidFill>
-                <a:uFillTx/>
-              </a:defRPr>
-            </a:pPr>
-            <a:r>
-              <a:rPr lang="en-US" sz="3000" b="1" dirty="0">
-                <a:uFill>
-                  <a:solidFill>
-                    <a:srgbClr val="FFFFFF"/>
-                  </a:solidFill>
-                </a:uFill>
-                <a:latin typeface="Arial Unicode MS" panose="020B0604020202020204" pitchFamily="34" charset="-128"/>
-              </a:rPr>
-              <a:t>Simple </a:t>
-            </a:r>
-            <a:r>
-              <a:rPr sz="3000" b="1" dirty="0">
-                <a:uFill>
-                  <a:solidFill>
-                    <a:srgbClr val="FFFFFF"/>
-                  </a:solidFill>
-                </a:uFill>
-                <a:latin typeface="Arial Unicode MS" panose="020B0604020202020204" pitchFamily="34" charset="-128"/>
-              </a:rPr>
-              <a:t>Joins Practice Queries</a:t>
-            </a:r>
-            <a:r>
-              <a:rPr lang="en-US" sz="3000" b="1" dirty="0">
-                <a:uFill>
-                  <a:solidFill>
-                    <a:srgbClr val="FFFFFF"/>
-                  </a:solidFill>
-                </a:uFill>
-                <a:latin typeface="Arial Unicode MS" panose="020B0604020202020204" pitchFamily="34" charset="-128"/>
-              </a:rPr>
-              <a:t>: IMDB</a:t>
-            </a:r>
-            <a:endParaRPr sz="3000" b="1" dirty="0">
-              <a:uFill>
-                <a:solidFill>
-                  <a:srgbClr val="FFFFFF"/>
-                </a:solidFill>
-              </a:uFill>
-              <a:latin typeface="Arial Unicode MS" panose="020B0604020202020204" pitchFamily="34" charset="-128"/>
-            </a:endParaRPr>
-          </a:p>
-        </p:txBody>
-      </p:sp>
-    </p:spTree>
-    <p:extLst>
-      <p:ext uri="{BB962C8B-B14F-4D97-AF65-F5344CB8AC3E}">
-        <p14:creationId xmlns:p14="http://schemas.microsoft.com/office/powerpoint/2010/main" val="377649155"/>
-      </p:ext>
-    </p:extLst>
-  </p:cSld>
-  <p:clrMapOvr>
-    <a:masterClrMapping/>
-  </p:clrMapOvr>
-  <p:transition spd="med"/>
-</p:sld>
-</file>
-
-<file path=ppt/slides/slide7.xml><?xml version="1.0" encoding="utf-8"?>
-<p:sld xmlns:a="http://schemas.openxmlformats.org/drawingml/2006/main" xmlns:r="http://schemas.openxmlformats.org/officeDocument/2006/relationships" xmlns:p="http://schemas.openxmlformats.org/presentationml/2006/main">
-  <p:cSld>
-    <p:spTree>
-      <p:nvGrpSpPr>
-        <p:cNvPr id="1" name=""/>
-        <p:cNvGrpSpPr/>
-        <p:nvPr/>
-      </p:nvGrpSpPr>
-      <p:grpSpPr>
-        <a:xfrm>
-          <a:off x="0" y="0"/>
-          <a:ext cx="0" cy="0"/>
-          <a:chOff x="0" y="0"/>
-          <a:chExt cx="0" cy="0"/>
-        </a:xfrm>
-      </p:grpSpPr>
-      <p:sp>
-        <p:nvSpPr>
-          <p:cNvPr id="2" name="Rectangle 1"/>
-          <p:cNvSpPr/>
-          <p:nvPr/>
-        </p:nvSpPr>
-        <p:spPr>
-          <a:xfrm>
-            <a:off x="2286000" y="-1049149"/>
-            <a:ext cx="4572000" cy="369332"/>
-          </a:xfrm>
-          <a:prstGeom prst="rect">
-            <a:avLst/>
-          </a:prstGeom>
-        </p:spPr>
-        <p:txBody>
-          <a:bodyPr>
-            <a:spAutoFit/>
-          </a:bodyPr>
-          <a:lstStyle/>
-          <a:p>
-            <a:endParaRPr lang="en-US" dirty="0"/>
-          </a:p>
-        </p:txBody>
-      </p:sp>
-      <p:sp>
-        <p:nvSpPr>
-          <p:cNvPr id="4" name="Rectangle 3"/>
-          <p:cNvSpPr/>
-          <p:nvPr/>
-        </p:nvSpPr>
-        <p:spPr>
-          <a:xfrm>
-            <a:off x="145473" y="1265142"/>
-            <a:ext cx="8671214" cy="5401479"/>
-          </a:xfrm>
-          <a:prstGeom prst="rect">
-            <a:avLst/>
-          </a:prstGeom>
-        </p:spPr>
-        <p:txBody>
-          <a:bodyPr wrap="square">
-            <a:spAutoFit/>
-          </a:bodyPr>
-          <a:lstStyle/>
-          <a:p>
-            <a:pPr marL="285750" indent="-285750">
-              <a:buFont typeface="Arial" panose="020B0604020202020204" pitchFamily="34" charset="0"/>
-              <a:buChar char="•"/>
-            </a:pPr>
-            <a:r>
-              <a:rPr lang="en-US" sz="2300" dirty="0"/>
-              <a:t>List all the movies from year 2000</a:t>
-            </a:r>
-          </a:p>
-          <a:p>
-            <a:pPr marL="285750" indent="-285750">
-              <a:buFont typeface="Arial" panose="020B0604020202020204" pitchFamily="34" charset="0"/>
-              <a:buChar char="•"/>
-            </a:pPr>
-            <a:r>
-              <a:rPr lang="en-US" sz="2300" dirty="0"/>
-              <a:t>List all the movies from year 2000 and their genres</a:t>
-            </a:r>
-          </a:p>
-          <a:p>
-            <a:pPr marL="285750" indent="-285750">
-              <a:buFont typeface="Arial" panose="020B0604020202020204" pitchFamily="34" charset="0"/>
-              <a:buChar char="•"/>
-            </a:pPr>
-            <a:r>
-              <a:rPr lang="en-US" sz="2300" dirty="0"/>
-              <a:t>List all the Drama movies from year 2000</a:t>
-            </a:r>
-          </a:p>
-          <a:p>
-            <a:pPr marL="285750" indent="-285750">
-              <a:buFont typeface="Arial" panose="020B0604020202020204" pitchFamily="34" charset="0"/>
-              <a:buChar char="•"/>
-            </a:pPr>
-            <a:r>
-              <a:rPr lang="en-US" sz="2300" dirty="0"/>
-              <a:t>List all the Drama movies from year 2000 with ratings</a:t>
-            </a:r>
-          </a:p>
-          <a:p>
-            <a:pPr marL="285750" indent="-285750">
-              <a:buFont typeface="Arial" panose="020B0604020202020204" pitchFamily="34" charset="0"/>
-              <a:buChar char="•"/>
-            </a:pPr>
-            <a:r>
-              <a:rPr lang="en-US" sz="2300" dirty="0"/>
-              <a:t>List the top-50 Drama movies from year 2000, based on the ratings </a:t>
-            </a:r>
-          </a:p>
-          <a:p>
-            <a:pPr marL="285750" indent="-285750">
-              <a:buFont typeface="Arial" panose="020B0604020202020204" pitchFamily="34" charset="0"/>
-              <a:buChar char="•"/>
-            </a:pPr>
-            <a:endParaRPr lang="en-US" sz="2300" dirty="0"/>
-          </a:p>
-          <a:p>
-            <a:pPr marL="285750" indent="-285750">
-              <a:buFont typeface="Arial" panose="020B0604020202020204" pitchFamily="34" charset="0"/>
-              <a:buChar char="•"/>
-            </a:pPr>
-            <a:r>
-              <a:rPr lang="en-US" sz="2300" dirty="0"/>
-              <a:t>List all the movies where there is an actor with the role ‘James Bond’</a:t>
-            </a:r>
-          </a:p>
-          <a:p>
-            <a:pPr marL="285750" indent="-285750">
-              <a:buFont typeface="Arial" panose="020B0604020202020204" pitchFamily="34" charset="0"/>
-              <a:buChar char="•"/>
-            </a:pPr>
-            <a:r>
-              <a:rPr lang="en-US" sz="2300" dirty="0"/>
-              <a:t>List the actors who played ‘James Bond’</a:t>
-            </a:r>
-          </a:p>
-          <a:p>
-            <a:pPr marL="285750" indent="-285750">
-              <a:buFont typeface="Arial" panose="020B0604020202020204" pitchFamily="34" charset="0"/>
-              <a:buChar char="•"/>
-            </a:pPr>
-            <a:r>
-              <a:rPr lang="en-US" sz="2300" dirty="0"/>
-              <a:t>List the actors who played ‘James Bond’ and the name of the movie</a:t>
-            </a:r>
-          </a:p>
-          <a:p>
-            <a:pPr marL="742950" lvl="1" indent="-285750">
-              <a:buFont typeface="Arial" panose="020B0604020202020204" pitchFamily="34" charset="0"/>
-              <a:buChar char="•"/>
-            </a:pPr>
-            <a:r>
-              <a:rPr lang="en-US" sz="2300" dirty="0"/>
-              <a:t>Rank the result by (a) rating, and (b) year</a:t>
-            </a:r>
-          </a:p>
-          <a:p>
-            <a:pPr marL="285750" indent="-285750">
-              <a:buFont typeface="Arial" panose="020B0604020202020204" pitchFamily="34" charset="0"/>
-              <a:buChar char="•"/>
-            </a:pPr>
-            <a:endParaRPr lang="en-US" sz="2300" dirty="0"/>
-          </a:p>
-          <a:p>
-            <a:pPr marL="285750" indent="-285750">
-              <a:buFont typeface="Arial" panose="020B0604020202020204" pitchFamily="34" charset="0"/>
-              <a:buChar char="•"/>
-            </a:pPr>
-            <a:r>
-              <a:rPr lang="en-US" sz="2300" dirty="0"/>
-              <a:t>List all the movies where Brad Pitt is playing</a:t>
-            </a:r>
-          </a:p>
-          <a:p>
-            <a:pPr marL="742950" lvl="1" indent="-285750">
-              <a:buFont typeface="Arial" panose="020B0604020202020204" pitchFamily="34" charset="0"/>
-              <a:buChar char="•"/>
-            </a:pPr>
-            <a:r>
-              <a:rPr lang="en-US" sz="2300" dirty="0"/>
-              <a:t>Exclude the movies where he plays “himself”</a:t>
-            </a:r>
-          </a:p>
-          <a:p>
-            <a:pPr marL="742950" lvl="1" indent="-285750">
-              <a:buFont typeface="Arial" panose="020B0604020202020204" pitchFamily="34" charset="0"/>
-              <a:buChar char="•"/>
-            </a:pPr>
-            <a:r>
-              <a:rPr lang="en-US" sz="2300" dirty="0"/>
-              <a:t>Rank the result by (a) movie rating, and (b) year</a:t>
-            </a:r>
-          </a:p>
-          <a:p>
-            <a:pPr marL="285750" indent="-285750">
-              <a:buFont typeface="Arial" panose="020B0604020202020204" pitchFamily="34" charset="0"/>
-              <a:buChar char="•"/>
-            </a:pPr>
-            <a:endParaRPr lang="en-US" sz="2300" i="1" dirty="0"/>
-          </a:p>
-        </p:txBody>
-      </p:sp>
-      <p:sp>
-        <p:nvSpPr>
-          <p:cNvPr id="5" name="Shape 189"/>
-          <p:cNvSpPr/>
-          <p:nvPr/>
-        </p:nvSpPr>
-        <p:spPr>
-          <a:xfrm>
-            <a:off x="386308" y="147496"/>
-            <a:ext cx="7757379" cy="553998"/>
-          </a:xfrm>
-          <a:prstGeom prst="rect">
-            <a:avLst/>
-          </a:prstGeom>
-          <a:ln w="12700">
-            <a:miter lim="400000"/>
-          </a:ln>
-          <a:extLst>
-            <a:ext uri="{C572A759-6A51-4108-AA02-DFA0A04FC94B}">
-              <ma14:wrappingTextBoxFlag xmlns:ma14="http://schemas.microsoft.com/office/mac/drawingml/2011/main" xmlns="" val="1"/>
-            </a:ext>
-          </a:extLst>
-        </p:spPr>
-        <p:txBody>
-          <a:bodyPr lIns="45719" rIns="45719">
-            <a:spAutoFit/>
-          </a:bodyPr>
-          <a:lstStyle>
-            <a:lvl1pPr>
-              <a:defRPr sz="3000" b="1">
-                <a:uFill>
-                  <a:solidFill>
-                    <a:srgbClr val="FFFFFF"/>
-                  </a:solidFill>
-                </a:uFill>
-              </a:defRPr>
-            </a:lvl1pPr>
-          </a:lstStyle>
-          <a:p>
-            <a:pPr lvl="0">
-              <a:defRPr sz="1800" b="0">
-                <a:solidFill>
-                  <a:srgbClr val="000000"/>
-                </a:solidFill>
-                <a:uFillTx/>
-              </a:defRPr>
-            </a:pPr>
-            <a:r>
-              <a:rPr sz="3000" b="1" dirty="0">
-                <a:uFill>
-                  <a:solidFill>
-                    <a:srgbClr val="FFFFFF"/>
-                  </a:solidFill>
-                </a:uFill>
-                <a:latin typeface="Arial Unicode MS" panose="020B0604020202020204" pitchFamily="34" charset="-128"/>
-              </a:rPr>
-              <a:t>Joins Practice Queries</a:t>
-            </a:r>
-            <a:r>
-              <a:rPr lang="en-US" sz="3000" b="1" dirty="0">
-                <a:uFill>
-                  <a:solidFill>
-                    <a:srgbClr val="FFFFFF"/>
-                  </a:solidFill>
-                </a:uFill>
-                <a:latin typeface="Arial Unicode MS" panose="020B0604020202020204" pitchFamily="34" charset="-128"/>
-              </a:rPr>
-              <a:t>: IMDB</a:t>
-            </a:r>
-            <a:endParaRPr sz="3000" b="1" dirty="0">
-              <a:uFill>
-                <a:solidFill>
-                  <a:srgbClr val="FFFFFF"/>
-                </a:solidFill>
-              </a:uFill>
-              <a:latin typeface="Arial Unicode MS" panose="020B0604020202020204" pitchFamily="34" charset="-128"/>
-            </a:endParaRPr>
-          </a:p>
-        </p:txBody>
-      </p:sp>
-    </p:spTree>
-    <p:extLst>
-      <p:ext uri="{BB962C8B-B14F-4D97-AF65-F5344CB8AC3E}">
-        <p14:creationId xmlns:p14="http://schemas.microsoft.com/office/powerpoint/2010/main" val="2931089861"/>
       </p:ext>
     </p:extLst>
   </p:cSld>
@@ -14684,8 +18819,8 @@
         </p:nvSpPr>
         <p:spPr>
           <a:xfrm>
-            <a:off x="171450" y="1888597"/>
-            <a:ext cx="8458200" cy="5401479"/>
+            <a:off x="145473" y="1265142"/>
+            <a:ext cx="8671214" cy="4339650"/>
           </a:xfrm>
           <a:prstGeom prst="rect">
             <a:avLst/>
@@ -14703,7 +18838,7 @@
             </a:pPr>
             <a:r>
               <a:rPr lang="en-US" sz="2300" dirty="0"/>
-              <a:t>List all the Single students</a:t>
+              <a:t>List all the movies and their genres</a:t>
             </a:r>
           </a:p>
           <a:p>
@@ -14720,53 +18855,15 @@
             </a:pPr>
             <a:r>
               <a:rPr lang="en-US" sz="2300" dirty="0"/>
-              <a:t>List all the Single students who live in Palladium (as declared in the “Residence” attribute). </a:t>
-            </a:r>
-          </a:p>
-          <a:p>
-            <a:pPr marL="742950" lvl="1" indent="-285750">
-              <a:buFont typeface="Arial" panose="020B0604020202020204" pitchFamily="34" charset="0"/>
-              <a:buChar char="•"/>
-            </a:pPr>
+              <a:t>List the movie genres for the movies directed by Steven Spielberg and sort them in decreasing order of their probability (use the </a:t>
+            </a:r>
+            <a:r>
+              <a:rPr lang="en-US" sz="2300" dirty="0" err="1"/>
+              <a:t>director_genres</a:t>
+            </a:r>
             <a:r>
               <a:rPr lang="en-US" sz="2300" dirty="0"/>
-              <a:t>Allow for flexible matching of the “Residence” as people list Palladium in different manner (</a:t>
-            </a:r>
-            <a:r>
-              <a:rPr lang="en-US" sz="2300" dirty="0" err="1"/>
-              <a:t>e.g</a:t>
-            </a:r>
-            <a:r>
-              <a:rPr lang="en-US" sz="2300" dirty="0"/>
-              <a:t> “Palladium 101” vs “Palladium”)</a:t>
-            </a:r>
-          </a:p>
-          <a:p>
-            <a:pPr marL="285750" indent="-285750">
-              <a:buFont typeface="Arial" panose="020B0604020202020204" pitchFamily="34" charset="0"/>
-              <a:buChar char="•"/>
-            </a:pPr>
-            <a:r>
-              <a:rPr lang="en-US" sz="2300" dirty="0"/>
-              <a:t>List all the Single students </a:t>
-            </a:r>
-            <a:r>
-              <a:rPr lang="en-US" sz="2300" dirty="0" err="1"/>
-              <a:t>LookingFor</a:t>
-            </a:r>
-            <a:r>
-              <a:rPr lang="en-US" sz="2300" dirty="0"/>
-              <a:t> “random play”. </a:t>
-            </a:r>
-          </a:p>
-          <a:p>
-            <a:pPr marL="742950" lvl="1" indent="-285750">
-              <a:buFont typeface="Arial" panose="020B0604020202020204" pitchFamily="34" charset="0"/>
-              <a:buChar char="•"/>
-            </a:pPr>
-            <a:r>
-              <a:rPr lang="en-US" sz="2300" dirty="0"/>
-              <a:t>List their AIM and their gender in the results.</a:t>
+              <a:t> table)</a:t>
             </a:r>
           </a:p>
           <a:p>
@@ -14783,7 +18880,7 @@
             </a:pPr>
             <a:r>
               <a:rPr lang="en-US" sz="2300" dirty="0"/>
-              <a:t>List all the students who have “The Killers” as favorite Music</a:t>
+              <a:t>List all the movies and their directors</a:t>
             </a:r>
           </a:p>
           <a:p>
@@ -14791,9 +18888,16 @@
               <a:buFont typeface="Arial" panose="020B0604020202020204" pitchFamily="34" charset="0"/>
               <a:buChar char="•"/>
             </a:pPr>
+            <a:endParaRPr lang="en-US" sz="2300" dirty="0"/>
+          </a:p>
+          <a:p>
+            <a:pPr marL="285750" indent="-285750">
+              <a:buFont typeface="Arial" panose="020B0604020202020204" pitchFamily="34" charset="0"/>
+              <a:buChar char="•"/>
+            </a:pPr>
             <a:r>
               <a:rPr lang="en-US" sz="2300" dirty="0"/>
-              <a:t>List all the Finance students who like the book “1984”</a:t>
+              <a:t>List all the movies directed by Steven Spielberg</a:t>
             </a:r>
           </a:p>
           <a:p>
@@ -14838,7 +18942,7 @@
           </a:ln>
           <a:extLst>
             <a:ext uri="{C572A759-6A51-4108-AA02-DFA0A04FC94B}">
-              <ma14:wrappingTextBoxFlag xmlns:ma14="http://schemas.microsoft.com/office/mac/drawingml/2011/main" xmlns="" val="1"/>
+              <ma14:wrappingTextBoxFlag xmlns="" xmlns:ma14="http://schemas.microsoft.com/office/mac/drawingml/2011/main" val="1"/>
             </a:ext>
           </a:extLst>
         </p:spPr>
@@ -14867,6 +18971,17 @@
               </a:defRPr>
             </a:pPr>
             <a:r>
+              <a:rPr lang="en-US" sz="3000" b="1" dirty="0">
+                <a:uFill>
+                  <a:solidFill>
+                    <a:srgbClr val="FFFFFF"/>
+                  </a:solidFill>
+                </a:uFill>
+                <a:latin typeface="Arial Unicode MS" panose="020B0604020202020204" pitchFamily="34" charset="-128"/>
+              </a:rPr>
+              <a:t>Simple </a:t>
+            </a:r>
+            <a:r>
               <a:rPr sz="3000" b="1" dirty="0">
                 <a:uFill>
                   <a:solidFill>
@@ -14886,7 +19001,7 @@
                 </a:uFill>
                 <a:latin typeface="Arial Unicode MS" panose="020B0604020202020204" pitchFamily="34" charset="-128"/>
               </a:rPr>
-              <a:t>: Facebook</a:t>
+              <a:t>: IMDB</a:t>
             </a:r>
             <a:endParaRPr sz="3000" b="1" dirty="0">
               <a:uFill>
@@ -14902,7 +19017,7 @@
     </p:spTree>
     <p:extLst>
       <p:ext uri="{BB962C8B-B14F-4D97-AF65-F5344CB8AC3E}">
-        <p14:creationId xmlns:p14="http://schemas.microsoft.com/office/powerpoint/2010/main" val="1707111362"/>
+        <p14:creationId xmlns:p14="http://schemas.microsoft.com/office/powerpoint/2010/main" val="377649155"/>
       </p:ext>
     </p:extLst>
   </p:cSld>
@@ -14963,8 +19078,8 @@
         </p:nvSpPr>
         <p:spPr>
           <a:xfrm>
-            <a:off x="171450" y="1888597"/>
-            <a:ext cx="7242464" cy="2923877"/>
+            <a:off x="145473" y="1265142"/>
+            <a:ext cx="8671214" cy="5401479"/>
           </a:xfrm>
           <a:prstGeom prst="rect">
             <a:avLst/>
@@ -14982,7 +19097,47 @@
             </a:pPr>
             <a:r>
               <a:rPr lang="en-US" sz="2300" dirty="0"/>
-              <a:t>List the movies in the database that have both drama and comedy listed among their genres</a:t>
+              <a:t>List all the movies from year 2000</a:t>
+            </a:r>
+          </a:p>
+          <a:p>
+            <a:pPr marL="285750" indent="-285750">
+              <a:buFont typeface="Arial" panose="020B0604020202020204" pitchFamily="34" charset="0"/>
+              <a:buChar char="•"/>
+            </a:pPr>
+            <a:r>
+              <a:rPr lang="en-US" sz="2300" dirty="0"/>
+              <a:t>List all the movies from year 2000 and their genres</a:t>
+            </a:r>
+          </a:p>
+          <a:p>
+            <a:pPr marL="285750" indent="-285750">
+              <a:buFont typeface="Arial" panose="020B0604020202020204" pitchFamily="34" charset="0"/>
+              <a:buChar char="•"/>
+            </a:pPr>
+            <a:r>
+              <a:rPr lang="en-US" sz="2300" dirty="0"/>
+              <a:t>List all the Drama movies from year 2000</a:t>
+            </a:r>
+          </a:p>
+          <a:p>
+            <a:pPr marL="285750" indent="-285750">
+              <a:buFont typeface="Arial" panose="020B0604020202020204" pitchFamily="34" charset="0"/>
+              <a:buChar char="•"/>
+            </a:pPr>
+            <a:r>
+              <a:rPr lang="en-US" sz="2300" dirty="0"/>
+              <a:t>List all the Drama movies from year 2000 with ratings</a:t>
+            </a:r>
+          </a:p>
+          <a:p>
+            <a:pPr marL="285750" indent="-285750">
+              <a:buFont typeface="Arial" panose="020B0604020202020204" pitchFamily="34" charset="0"/>
+              <a:buChar char="•"/>
+            </a:pPr>
+            <a:r>
+              <a:rPr lang="en-US" sz="2300" dirty="0"/>
+              <a:t>List the top-50 Drama movies from year 2000, based on the ratings </a:t>
             </a:r>
           </a:p>
           <a:p>
@@ -14999,7 +19154,74 @@
             </a:pPr>
             <a:r>
               <a:rPr lang="en-US" sz="2300" dirty="0"/>
-              <a:t>List the Profile IDs and for students majoring in computer science and another concentration (Concentration table); show the second concentration as well</a:t>
+              <a:t>List all the movies where there is an actor with the role ‘James Bond’</a:t>
+            </a:r>
+          </a:p>
+          <a:p>
+            <a:pPr marL="285750" indent="-285750">
+              <a:buFont typeface="Arial" panose="020B0604020202020204" pitchFamily="34" charset="0"/>
+              <a:buChar char="•"/>
+            </a:pPr>
+            <a:r>
+              <a:rPr lang="en-US" sz="2300" dirty="0"/>
+              <a:t>List the actors who played ‘James Bond’</a:t>
+            </a:r>
+          </a:p>
+          <a:p>
+            <a:pPr marL="285750" indent="-285750">
+              <a:buFont typeface="Arial" panose="020B0604020202020204" pitchFamily="34" charset="0"/>
+              <a:buChar char="•"/>
+            </a:pPr>
+            <a:r>
+              <a:rPr lang="en-US" sz="2300" dirty="0"/>
+              <a:t>List the actors who played ‘James Bond’ and the name of the movie</a:t>
+            </a:r>
+          </a:p>
+          <a:p>
+            <a:pPr marL="742950" lvl="1" indent="-285750">
+              <a:buFont typeface="Arial" panose="020B0604020202020204" pitchFamily="34" charset="0"/>
+              <a:buChar char="•"/>
+            </a:pPr>
+            <a:r>
+              <a:rPr lang="en-US" sz="2300" dirty="0"/>
+              <a:t>Rank the result by (a) rating, and (b) year</a:t>
+            </a:r>
+          </a:p>
+          <a:p>
+            <a:pPr marL="285750" indent="-285750">
+              <a:buFont typeface="Arial" panose="020B0604020202020204" pitchFamily="34" charset="0"/>
+              <a:buChar char="•"/>
+            </a:pPr>
+            <a:endParaRPr lang="en-US" sz="2300" dirty="0"/>
+          </a:p>
+          <a:p>
+            <a:pPr marL="285750" indent="-285750">
+              <a:buFont typeface="Arial" panose="020B0604020202020204" pitchFamily="34" charset="0"/>
+              <a:buChar char="•"/>
+            </a:pPr>
+            <a:r>
+              <a:rPr lang="en-US" sz="2300" dirty="0"/>
+              <a:t>List all the movies where Brad Pitt is playing</a:t>
+            </a:r>
+          </a:p>
+          <a:p>
+            <a:pPr marL="742950" lvl="1" indent="-285750">
+              <a:buFont typeface="Arial" panose="020B0604020202020204" pitchFamily="34" charset="0"/>
+              <a:buChar char="•"/>
+            </a:pPr>
+            <a:r>
+              <a:rPr lang="en-US" sz="2300" dirty="0"/>
+              <a:t>Exclude the movies where he plays “himself”</a:t>
+            </a:r>
+          </a:p>
+          <a:p>
+            <a:pPr marL="742950" lvl="1" indent="-285750">
+              <a:buFont typeface="Arial" panose="020B0604020202020204" pitchFamily="34" charset="0"/>
+              <a:buChar char="•"/>
+            </a:pPr>
+            <a:r>
+              <a:rPr lang="en-US" sz="2300" dirty="0"/>
+              <a:t>Rank the result by (a) movie rating, and (b) year</a:t>
             </a:r>
           </a:p>
           <a:p>
@@ -15030,7 +19252,7 @@
           </a:ln>
           <a:extLst>
             <a:ext uri="{C572A759-6A51-4108-AA02-DFA0A04FC94B}">
-              <ma14:wrappingTextBoxFlag xmlns:ma14="http://schemas.microsoft.com/office/mac/drawingml/2011/main" xmlns="" val="1"/>
+              <ma14:wrappingTextBoxFlag xmlns="" xmlns:ma14="http://schemas.microsoft.com/office/mac/drawingml/2011/main" val="1"/>
             </a:ext>
           </a:extLst>
         </p:spPr>
@@ -15059,6 +19281,17 @@
               </a:defRPr>
             </a:pPr>
             <a:r>
+              <a:rPr sz="3000" b="1" dirty="0">
+                <a:uFill>
+                  <a:solidFill>
+                    <a:srgbClr val="FFFFFF"/>
+                  </a:solidFill>
+                </a:uFill>
+                <a:latin typeface="Arial Unicode MS" panose="020B0604020202020204" pitchFamily="34" charset="-128"/>
+              </a:rPr>
+              <a:t>Joins Practice Queries</a:t>
+            </a:r>
+            <a:r>
               <a:rPr lang="en-US" sz="3000" b="1" dirty="0">
                 <a:uFill>
                   <a:solidFill>
@@ -15067,26 +19300,23 @@
                 </a:uFill>
                 <a:latin typeface="Arial Unicode MS" panose="020B0604020202020204" pitchFamily="34" charset="-128"/>
               </a:rPr>
-              <a:t>Self </a:t>
-            </a:r>
-            <a:r>
-              <a:rPr sz="3000" b="1" dirty="0">
-                <a:uFill>
-                  <a:solidFill>
-                    <a:srgbClr val="FFFFFF"/>
-                  </a:solidFill>
-                </a:uFill>
-                <a:latin typeface="Arial Unicode MS" panose="020B0604020202020204" pitchFamily="34" charset="-128"/>
-              </a:rPr>
-              <a:t>Joins</a:t>
-            </a:r>
+              <a:t>: IMDB</a:t>
+            </a:r>
+            <a:endParaRPr sz="3000" b="1" dirty="0">
+              <a:uFill>
+                <a:solidFill>
+                  <a:srgbClr val="FFFFFF"/>
+                </a:solidFill>
+              </a:uFill>
+              <a:latin typeface="Arial Unicode MS" panose="020B0604020202020204" pitchFamily="34" charset="-128"/>
+            </a:endParaRPr>
           </a:p>
         </p:txBody>
       </p:sp>
     </p:spTree>
     <p:extLst>
       <p:ext uri="{BB962C8B-B14F-4D97-AF65-F5344CB8AC3E}">
-        <p14:creationId xmlns:p14="http://schemas.microsoft.com/office/powerpoint/2010/main" val="1704399800"/>
+        <p14:creationId xmlns:p14="http://schemas.microsoft.com/office/powerpoint/2010/main" val="2931089861"/>
       </p:ext>
     </p:extLst>
   </p:cSld>

--- a/session4/C-SQL_Joins.pptx
+++ b/session4/C-SQL_Joins.pptx
@@ -5,10 +5,10 @@
     <p:sldMasterId id="2147483660" r:id="rId1"/>
   </p:sldMasterIdLst>
   <p:notesMasterIdLst>
-    <p:notesMasterId r:id="rId19"/>
+    <p:notesMasterId r:id="rId20"/>
   </p:notesMasterIdLst>
   <p:handoutMasterIdLst>
-    <p:handoutMasterId r:id="rId20"/>
+    <p:handoutMasterId r:id="rId21"/>
   </p:handoutMasterIdLst>
   <p:sldIdLst>
     <p:sldId id="256" r:id="rId2"/>
@@ -21,13 +21,14 @@
     <p:sldId id="370" r:id="rId9"/>
     <p:sldId id="323" r:id="rId10"/>
     <p:sldId id="330" r:id="rId11"/>
-    <p:sldId id="372" r:id="rId12"/>
+    <p:sldId id="380" r:id="rId12"/>
     <p:sldId id="325" r:id="rId13"/>
     <p:sldId id="326" r:id="rId14"/>
     <p:sldId id="327" r:id="rId15"/>
-    <p:sldId id="374" r:id="rId16"/>
-    <p:sldId id="376" r:id="rId17"/>
-    <p:sldId id="375" r:id="rId18"/>
+    <p:sldId id="372" r:id="rId16"/>
+    <p:sldId id="374" r:id="rId17"/>
+    <p:sldId id="376" r:id="rId18"/>
+    <p:sldId id="375" r:id="rId19"/>
   </p:sldIdLst>
   <p:sldSz cx="9144000" cy="6858000" type="screen4x3"/>
   <p:notesSz cx="7315200" cy="9601200"/>
@@ -3851,8 +3852,8 @@
         </p:nvSpPr>
         <p:spPr>
           <a:xfrm>
-            <a:off x="171450" y="1888597"/>
-            <a:ext cx="7242464" cy="2923877"/>
+            <a:off x="321763" y="1024301"/>
+            <a:ext cx="8383826" cy="2569934"/>
           </a:xfrm>
           <a:prstGeom prst="rect">
             <a:avLst/>
@@ -3870,7 +3871,7 @@
             </a:pPr>
             <a:r>
               <a:rPr lang="en-US" sz="2300" dirty="0"/>
-              <a:t>List the movies in the database that have both drama and comedy listed among their genres</a:t>
+              <a:t>When an entity has a composite key, then the join condition should include all attributes of the composite primary key</a:t>
             </a:r>
           </a:p>
           <a:p>
@@ -3887,15 +3888,75 @@
             </a:pPr>
             <a:r>
               <a:rPr lang="en-US" sz="2300" dirty="0"/>
-              <a:t>List the Profile IDs and for students majoring in computer science and another concentration (Concentration table); show the second concentration as well</a:t>
-            </a:r>
-          </a:p>
-          <a:p>
-            <a:pPr marL="285750" indent="-285750">
+              <a:t>For example, show the album for each track in the music database</a:t>
+            </a:r>
+          </a:p>
+          <a:p>
+            <a:pPr marL="742950" lvl="1" indent="-285750">
               <a:buFont typeface="Arial" panose="020B0604020202020204" pitchFamily="34" charset="0"/>
               <a:buChar char="•"/>
             </a:pPr>
-            <a:endParaRPr lang="en-US" sz="2300" i="1" dirty="0"/>
+            <a:r>
+              <a:rPr lang="en-US" sz="2300" dirty="0"/>
+              <a:t>The album has a composite key (</a:t>
+            </a:r>
+            <a:r>
+              <a:rPr lang="en-US" sz="2300" dirty="0" err="1"/>
+              <a:t>artist_id</a:t>
+            </a:r>
+            <a:r>
+              <a:rPr lang="en-US" sz="2300" dirty="0"/>
+              <a:t>, </a:t>
+            </a:r>
+            <a:r>
+              <a:rPr lang="en-US" sz="2300" dirty="0" err="1"/>
+              <a:t>album_id</a:t>
+            </a:r>
+            <a:r>
+              <a:rPr lang="en-US" sz="2300" dirty="0"/>
+              <a:t>)</a:t>
+            </a:r>
+          </a:p>
+          <a:p>
+            <a:pPr marL="742950" lvl="1" indent="-285750">
+              <a:buFont typeface="Arial" panose="020B0604020202020204" pitchFamily="34" charset="0"/>
+              <a:buChar char="•"/>
+            </a:pPr>
+            <a:r>
+              <a:rPr lang="en-US" sz="2300" dirty="0"/>
+              <a:t>The attribute </a:t>
+            </a:r>
+            <a:r>
+              <a:rPr lang="en-US" sz="2300" dirty="0" err="1"/>
+              <a:t>album_id</a:t>
+            </a:r>
+            <a:r>
+              <a:rPr lang="en-US" sz="2300" dirty="0"/>
+              <a:t> alone is not a primary key</a:t>
+            </a:r>
+          </a:p>
+          <a:p>
+            <a:pPr marL="742950" lvl="1" indent="-285750">
+              <a:buFont typeface="Arial" panose="020B0604020202020204" pitchFamily="34" charset="0"/>
+              <a:buChar char="•"/>
+            </a:pPr>
+            <a:r>
+              <a:rPr lang="en-US" sz="2300" dirty="0"/>
+              <a:t>If you join just on </a:t>
+            </a:r>
+            <a:r>
+              <a:rPr lang="en-US" sz="2300" dirty="0" err="1"/>
+              <a:t>album_id</a:t>
+            </a:r>
+            <a:r>
+              <a:rPr lang="en-US" sz="2300" dirty="0"/>
+              <a:t>, the result is incorrect </a:t>
+            </a:r>
+            <a:r>
+              <a:rPr lang="en-US" sz="2300"/>
+              <a:t>(why?)</a:t>
+            </a:r>
+            <a:endParaRPr lang="en-US" sz="2300" dirty="0"/>
           </a:p>
         </p:txBody>
       </p:sp>
@@ -3955,10 +4016,10 @@
                 </a:uFill>
                 <a:latin typeface="Arial Unicode MS" panose="020B0604020202020204" pitchFamily="34" charset="-128"/>
               </a:rPr>
-              <a:t>Self </a:t>
-            </a:r>
-            <a:r>
-              <a:rPr sz="3000" b="1" dirty="0">
+              <a:t>Joins with Composite Keys</a:t>
+            </a:r>
+            <a:r>
+              <a:rPr lang="el-GR" sz="3000" b="1" dirty="0">
                 <a:uFill>
                   <a:solidFill>
                     <a:srgbClr val="FFFFFF"/>
@@ -3966,15 +4027,23 @@
                 </a:uFill>
                 <a:latin typeface="Arial Unicode MS" panose="020B0604020202020204" pitchFamily="34" charset="-128"/>
               </a:rPr>
-              <a:t>Joins</a:t>
-            </a:r>
+              <a:t> </a:t>
+            </a:r>
+            <a:endParaRPr sz="3000" b="1" dirty="0">
+              <a:uFill>
+                <a:solidFill>
+                  <a:srgbClr val="FFFFFF"/>
+                </a:solidFill>
+              </a:uFill>
+              <a:latin typeface="Arial Unicode MS" panose="020B0604020202020204" pitchFamily="34" charset="-128"/>
+            </a:endParaRPr>
           </a:p>
         </p:txBody>
       </p:sp>
     </p:spTree>
     <p:extLst>
       <p:ext uri="{BB962C8B-B14F-4D97-AF65-F5344CB8AC3E}">
-        <p14:creationId xmlns:p14="http://schemas.microsoft.com/office/powerpoint/2010/main" val="1704399800"/>
+        <p14:creationId xmlns:p14="http://schemas.microsoft.com/office/powerpoint/2010/main" val="812382334"/>
       </p:ext>
     </p:extLst>
   </p:cSld>
@@ -9164,7 +9233,7 @@
         <p:spPr>
           <a:xfrm>
             <a:off x="529119" y="1376737"/>
-            <a:ext cx="7870005" cy="3785652"/>
+            <a:ext cx="7870005" cy="3046988"/>
           </a:xfrm>
           <a:prstGeom prst="rect">
             <a:avLst/>
@@ -9243,23 +9312,6 @@
             <a:r>
               <a:rPr lang="en-US" sz="2400" dirty="0"/>
               <a:t>and their Concentration; show null if they have not listed a concentration</a:t>
-            </a:r>
-          </a:p>
-          <a:p>
-            <a:pPr marL="285750" indent="-285750">
-              <a:buFont typeface="Arial" panose="020B0604020202020204" pitchFamily="34" charset="0"/>
-              <a:buChar char="•"/>
-            </a:pPr>
-            <a:endParaRPr lang="en-US" sz="2400" dirty="0"/>
-          </a:p>
-          <a:p>
-            <a:pPr marL="285750" indent="-285750">
-              <a:buFont typeface="Arial" panose="020B0604020202020204" pitchFamily="34" charset="0"/>
-              <a:buChar char="•"/>
-            </a:pPr>
-            <a:r>
-              <a:rPr lang="en-US" sz="2400" dirty="0"/>
-              <a:t>List all the movies without actors</a:t>
             </a:r>
           </a:p>
           <a:p>
@@ -9304,7 +9356,135 @@
       </p:grpSpPr>
       <p:sp>
         <p:nvSpPr>
-          <p:cNvPr id="189" name="Shape 189"/>
+          <p:cNvPr id="2" name="Rectangle 1"/>
+          <p:cNvSpPr/>
+          <p:nvPr/>
+        </p:nvSpPr>
+        <p:spPr>
+          <a:xfrm>
+            <a:off x="2286000" y="-1049149"/>
+            <a:ext cx="4572000" cy="369332"/>
+          </a:xfrm>
+          <a:prstGeom prst="rect">
+            <a:avLst/>
+          </a:prstGeom>
+        </p:spPr>
+        <p:txBody>
+          <a:bodyPr>
+            <a:spAutoFit/>
+          </a:bodyPr>
+          <a:lstStyle/>
+          <a:p>
+            <a:endParaRPr lang="en-US" dirty="0"/>
+          </a:p>
+        </p:txBody>
+      </p:sp>
+      <p:sp>
+        <p:nvSpPr>
+          <p:cNvPr id="4" name="Rectangle 3"/>
+          <p:cNvSpPr/>
+          <p:nvPr/>
+        </p:nvSpPr>
+        <p:spPr>
+          <a:xfrm>
+            <a:off x="321763" y="1024301"/>
+            <a:ext cx="8383826" cy="5047536"/>
+          </a:xfrm>
+          <a:prstGeom prst="rect">
+            <a:avLst/>
+          </a:prstGeom>
+        </p:spPr>
+        <p:txBody>
+          <a:bodyPr wrap="square">
+            <a:spAutoFit/>
+          </a:bodyPr>
+          <a:lstStyle/>
+          <a:p>
+            <a:pPr marL="285750" indent="-285750">
+              <a:buFont typeface="Arial" panose="020B0604020202020204" pitchFamily="34" charset="0"/>
+              <a:buChar char="•"/>
+            </a:pPr>
+            <a:r>
+              <a:rPr lang="en-US" sz="2300" dirty="0"/>
+              <a:t>List the movies in the database that have both drama and comedy listed among their genres</a:t>
+            </a:r>
+          </a:p>
+          <a:p>
+            <a:pPr marL="285750" indent="-285750">
+              <a:buFont typeface="Arial" panose="020B0604020202020204" pitchFamily="34" charset="0"/>
+              <a:buChar char="•"/>
+            </a:pPr>
+            <a:endParaRPr lang="en-US" sz="2300" dirty="0"/>
+          </a:p>
+          <a:p>
+            <a:pPr marL="285750" indent="-285750">
+              <a:buFont typeface="Arial" panose="020B0604020202020204" pitchFamily="34" charset="0"/>
+              <a:buChar char="•"/>
+            </a:pPr>
+            <a:r>
+              <a:rPr lang="en-US" sz="2300" dirty="0"/>
+              <a:t>List the Profile IDs and for students majoring in computer science and another concentration (Concentration table); show the second concentration as well</a:t>
+            </a:r>
+          </a:p>
+          <a:p>
+            <a:pPr marL="285750" indent="-285750">
+              <a:buFont typeface="Arial" panose="020B0604020202020204" pitchFamily="34" charset="0"/>
+              <a:buChar char="•"/>
+            </a:pPr>
+            <a:endParaRPr lang="en-US" sz="2300" dirty="0"/>
+          </a:p>
+          <a:p>
+            <a:pPr marL="285750" indent="-285750">
+              <a:buFont typeface="Arial" panose="020B0604020202020204" pitchFamily="34" charset="0"/>
+              <a:buChar char="•"/>
+            </a:pPr>
+            <a:r>
+              <a:rPr lang="en-US" sz="2300" dirty="0"/>
+              <a:t>In the Flights database, use the </a:t>
+            </a:r>
+            <a:r>
+              <a:rPr lang="en-US" sz="2300" dirty="0" err="1"/>
+              <a:t>m_ticket_prices</a:t>
+            </a:r>
+            <a:r>
+              <a:rPr lang="en-US" sz="2300" dirty="0"/>
+              <a:t> table:</a:t>
+            </a:r>
+          </a:p>
+          <a:p>
+            <a:pPr marL="742950" lvl="1" indent="-285750">
+              <a:buFont typeface="Arial" panose="020B0604020202020204" pitchFamily="34" charset="0"/>
+              <a:buChar char="•"/>
+            </a:pPr>
+            <a:r>
+              <a:rPr lang="en-US" sz="2300" dirty="0"/>
+              <a:t>Create a list of all the possible flights with one stop, with a start in JFK and end in LAX. For each such origin-stop-</a:t>
+            </a:r>
+            <a:r>
+              <a:rPr lang="en-US" sz="2300" dirty="0" err="1"/>
+              <a:t>dest</a:t>
+            </a:r>
+            <a:r>
+              <a:rPr lang="en-US" sz="2300" dirty="0"/>
+              <a:t> triplet, calculate the total price of the ticket and the total mileage by summing the fare and mileage of each component. </a:t>
+            </a:r>
+          </a:p>
+          <a:p>
+            <a:pPr marL="742950" lvl="1" indent="-285750">
+              <a:buFont typeface="Arial" panose="020B0604020202020204" pitchFamily="34" charset="0"/>
+              <a:buChar char="•"/>
+            </a:pPr>
+            <a:r>
+              <a:rPr lang="en-US" sz="2300" dirty="0"/>
+              <a:t>Ensure that the origin and destination are different and that the same carrier operates the two flights.</a:t>
+            </a:r>
+            <a:endParaRPr lang="en-US" sz="2300" i="1" dirty="0"/>
+          </a:p>
+        </p:txBody>
+      </p:sp>
+      <p:sp>
+        <p:nvSpPr>
+          <p:cNvPr id="5" name="Shape 189"/>
           <p:cNvSpPr/>
           <p:nvPr/>
         </p:nvSpPr>
@@ -9350,17 +9530,6 @@
               </a:defRPr>
             </a:pPr>
             <a:r>
-              <a:rPr lang="en-US" sz="3000" b="1" dirty="0" err="1">
-                <a:uFill>
-                  <a:solidFill>
-                    <a:srgbClr val="FFFFFF"/>
-                  </a:solidFill>
-                </a:uFill>
-                <a:latin typeface="Arial Unicode MS" panose="020B0604020202020204" pitchFamily="34" charset="-128"/>
-              </a:rPr>
-              <a:t>SemiJoins</a:t>
-            </a:r>
-            <a:r>
               <a:rPr lang="en-US" sz="3000" b="1" dirty="0">
                 <a:uFill>
                   <a:solidFill>
@@ -9369,10 +9538,10 @@
                 </a:uFill>
                 <a:latin typeface="Arial Unicode MS" panose="020B0604020202020204" pitchFamily="34" charset="-128"/>
               </a:rPr>
-              <a:t> and </a:t>
-            </a:r>
-            <a:r>
-              <a:rPr lang="en-US" sz="3000" b="1" dirty="0" err="1">
+              <a:t>Self </a:t>
+            </a:r>
+            <a:r>
+              <a:rPr sz="3000" b="1" dirty="0">
                 <a:uFill>
                   <a:solidFill>
                     <a:srgbClr val="FFFFFF"/>
@@ -9380,178 +9549,15 @@
                 </a:uFill>
                 <a:latin typeface="Arial Unicode MS" panose="020B0604020202020204" pitchFamily="34" charset="-128"/>
               </a:rPr>
-              <a:t>AntiJoins</a:t>
-            </a:r>
-            <a:endParaRPr sz="3000" b="1" dirty="0">
-              <a:uFill>
-                <a:solidFill>
-                  <a:srgbClr val="FFFFFF"/>
-                </a:solidFill>
-              </a:uFill>
-              <a:latin typeface="Arial Unicode MS" panose="020B0604020202020204" pitchFamily="34" charset="-128"/>
-            </a:endParaRPr>
-          </a:p>
-        </p:txBody>
-      </p:sp>
-      <p:sp>
-        <p:nvSpPr>
-          <p:cNvPr id="190" name="Shape 190"/>
-          <p:cNvSpPr/>
-          <p:nvPr/>
-        </p:nvSpPr>
-        <p:spPr>
-          <a:xfrm>
-            <a:off x="469900" y="1324179"/>
-            <a:ext cx="8204200" cy="307777"/>
-          </a:xfrm>
-          <a:prstGeom prst="rect">
-            <a:avLst/>
-          </a:prstGeom>
-          <a:ln w="12700">
-            <a:miter lim="400000"/>
-          </a:ln>
-          <a:extLst>
-            <a:ext uri="{C572A759-6A51-4108-AA02-DFA0A04FC94B}">
-              <ma14:wrappingTextBoxFlag xmlns="" xmlns:ma14="http://schemas.microsoft.com/office/mac/drawingml/2011/main" val="1"/>
-            </a:ext>
-          </a:extLst>
-        </p:spPr>
-        <p:txBody>
-          <a:bodyPr lIns="0" tIns="0" rIns="0" bIns="0">
-            <a:spAutoFit/>
-          </a:bodyPr>
-          <a:lstStyle/>
-          <a:p>
-            <a:pPr lvl="0">
-              <a:spcBef>
-                <a:spcPts val="700"/>
-              </a:spcBef>
-              <a:buSzPct val="100000"/>
-              <a:defRPr sz="1800">
-                <a:solidFill>
-                  <a:srgbClr val="000000"/>
-                </a:solidFill>
-                <a:uFillTx/>
-              </a:defRPr>
-            </a:pPr>
-            <a:endParaRPr sz="2000" dirty="0">
-              <a:uFill>
-                <a:solidFill/>
-              </a:uFill>
-              <a:latin typeface="Arial Unicode MS" panose="020B0604020202020204" pitchFamily="34" charset="-128"/>
-              <a:ea typeface="Arial Unicode MS" panose="020B0604020202020204" pitchFamily="34" charset="-128"/>
-              <a:cs typeface="Arial Unicode MS" panose="020B0604020202020204" pitchFamily="34" charset="-128"/>
-              <a:sym typeface="Iowan Old Style Roman"/>
-            </a:endParaRPr>
-          </a:p>
-        </p:txBody>
-      </p:sp>
-      <p:sp>
-        <p:nvSpPr>
-          <p:cNvPr id="2" name="TextBox 1"/>
-          <p:cNvSpPr txBox="1"/>
-          <p:nvPr/>
-        </p:nvSpPr>
-        <p:spPr>
-          <a:xfrm>
-            <a:off x="194925" y="1376737"/>
-            <a:ext cx="8204200" cy="4154984"/>
-          </a:xfrm>
-          <a:prstGeom prst="rect">
-            <a:avLst/>
-          </a:prstGeom>
-          <a:noFill/>
-        </p:spPr>
-        <p:txBody>
-          <a:bodyPr wrap="square" rtlCol="0">
-            <a:spAutoFit/>
-          </a:bodyPr>
-          <a:lstStyle/>
-          <a:p>
-            <a:r>
-              <a:rPr lang="en-US" sz="2400" dirty="0"/>
-              <a:t>Often, we use joins to compare entries across two tables with no intention of showing information from both tables.</a:t>
-            </a:r>
-          </a:p>
-          <a:p>
-            <a:endParaRPr lang="en-US" sz="2400" dirty="0"/>
-          </a:p>
-          <a:p>
-            <a:r>
-              <a:rPr lang="en-US" sz="2400" b="1" dirty="0" err="1"/>
-              <a:t>Semijoin</a:t>
-            </a:r>
-            <a:r>
-              <a:rPr lang="en-US" sz="2400" dirty="0"/>
-              <a:t>: </a:t>
-            </a:r>
-          </a:p>
-          <a:p>
-            <a:pPr marL="342900" indent="-342900">
-              <a:buFont typeface="Arial" panose="020B0604020202020204" pitchFamily="34" charset="0"/>
-              <a:buChar char="•"/>
-            </a:pPr>
-            <a:r>
-              <a:rPr lang="en-US" sz="2400" dirty="0"/>
-              <a:t>(Inner) Join tables A and B</a:t>
-            </a:r>
-          </a:p>
-          <a:p>
-            <a:pPr marL="342900" indent="-342900">
-              <a:buFont typeface="Arial" panose="020B0604020202020204" pitchFamily="34" charset="0"/>
-              <a:buChar char="•"/>
-            </a:pPr>
-            <a:r>
-              <a:rPr lang="en-US" sz="2400" dirty="0"/>
-              <a:t>Show only matching rows from A</a:t>
-            </a:r>
-          </a:p>
-          <a:p>
-            <a:endParaRPr lang="en-US" sz="2400" dirty="0"/>
-          </a:p>
-          <a:p>
-            <a:r>
-              <a:rPr lang="en-US" sz="2400" b="1" dirty="0"/>
-              <a:t>Antijoin</a:t>
-            </a:r>
-            <a:r>
-              <a:rPr lang="en-US" sz="2400" dirty="0"/>
-              <a:t>: </a:t>
-            </a:r>
-          </a:p>
-          <a:p>
-            <a:pPr marL="342900" indent="-342900">
-              <a:buFont typeface="Arial" panose="020B0604020202020204" pitchFamily="34" charset="0"/>
-              <a:buChar char="•"/>
-            </a:pPr>
-            <a:r>
-              <a:rPr lang="en-US" sz="2400" dirty="0"/>
-              <a:t>(Outer) Join tables A and B</a:t>
-            </a:r>
-          </a:p>
-          <a:p>
-            <a:pPr marL="342900" indent="-342900">
-              <a:buFont typeface="Arial" panose="020B0604020202020204" pitchFamily="34" charset="0"/>
-              <a:buChar char="•"/>
-            </a:pPr>
-            <a:r>
-              <a:rPr lang="en-US" sz="2400" dirty="0"/>
-              <a:t>Show non-matching rows from A</a:t>
-            </a:r>
-          </a:p>
-          <a:p>
-            <a:pPr marL="285750" indent="-285750">
-              <a:buFont typeface="Arial" panose="020B0604020202020204" pitchFamily="34" charset="0"/>
-              <a:buChar char="•"/>
-            </a:pPr>
-            <a:endParaRPr lang="en-US" sz="2400" dirty="0"/>
+              <a:t>Joins</a:t>
+            </a:r>
           </a:p>
         </p:txBody>
       </p:sp>
     </p:spTree>
     <p:extLst>
       <p:ext uri="{BB962C8B-B14F-4D97-AF65-F5344CB8AC3E}">
-        <p14:creationId xmlns:p14="http://schemas.microsoft.com/office/powerpoint/2010/main" val="251839436"/>
+        <p14:creationId xmlns:p14="http://schemas.microsoft.com/office/powerpoint/2010/main" val="1704399800"/>
       </p:ext>
     </p:extLst>
   </p:cSld>
@@ -9627,17 +9633,6 @@
               </a:defRPr>
             </a:pPr>
             <a:r>
-              <a:rPr lang="en-US" sz="3000" b="1" dirty="0">
-                <a:uFill>
-                  <a:solidFill>
-                    <a:srgbClr val="FFFFFF"/>
-                  </a:solidFill>
-                </a:uFill>
-                <a:latin typeface="Arial Unicode MS" panose="020B0604020202020204" pitchFamily="34" charset="-128"/>
-              </a:rPr>
-              <a:t>Practice </a:t>
-            </a:r>
-            <a:r>
               <a:rPr lang="en-US" sz="3000" b="1" dirty="0" err="1">
                 <a:uFill>
                   <a:solidFill>
@@ -9743,6 +9738,294 @@
         <p:spPr>
           <a:xfrm>
             <a:off x="194925" y="1376737"/>
+            <a:ext cx="8204200" cy="4154984"/>
+          </a:xfrm>
+          <a:prstGeom prst="rect">
+            <a:avLst/>
+          </a:prstGeom>
+          <a:noFill/>
+        </p:spPr>
+        <p:txBody>
+          <a:bodyPr wrap="square" rtlCol="0">
+            <a:spAutoFit/>
+          </a:bodyPr>
+          <a:lstStyle/>
+          <a:p>
+            <a:r>
+              <a:rPr lang="en-US" sz="2400" dirty="0"/>
+              <a:t>Often, we use joins to compare entries across two tables with no intention of showing information from both tables.</a:t>
+            </a:r>
+          </a:p>
+          <a:p>
+            <a:endParaRPr lang="en-US" sz="2400" dirty="0"/>
+          </a:p>
+          <a:p>
+            <a:r>
+              <a:rPr lang="en-US" sz="2400" b="1" dirty="0" err="1"/>
+              <a:t>Semijoin</a:t>
+            </a:r>
+            <a:r>
+              <a:rPr lang="en-US" sz="2400" dirty="0"/>
+              <a:t>: </a:t>
+            </a:r>
+          </a:p>
+          <a:p>
+            <a:pPr marL="342900" indent="-342900">
+              <a:buFont typeface="Arial" panose="020B0604020202020204" pitchFamily="34" charset="0"/>
+              <a:buChar char="•"/>
+            </a:pPr>
+            <a:r>
+              <a:rPr lang="en-US" sz="2400" dirty="0"/>
+              <a:t>(Inner) Join tables A and B</a:t>
+            </a:r>
+          </a:p>
+          <a:p>
+            <a:pPr marL="342900" indent="-342900">
+              <a:buFont typeface="Arial" panose="020B0604020202020204" pitchFamily="34" charset="0"/>
+              <a:buChar char="•"/>
+            </a:pPr>
+            <a:r>
+              <a:rPr lang="en-US" sz="2400" dirty="0"/>
+              <a:t>Show only matching rows from A</a:t>
+            </a:r>
+          </a:p>
+          <a:p>
+            <a:endParaRPr lang="en-US" sz="2400" dirty="0"/>
+          </a:p>
+          <a:p>
+            <a:r>
+              <a:rPr lang="en-US" sz="2400" b="1" dirty="0"/>
+              <a:t>Antijoin</a:t>
+            </a:r>
+            <a:r>
+              <a:rPr lang="en-US" sz="2400" dirty="0"/>
+              <a:t>: </a:t>
+            </a:r>
+          </a:p>
+          <a:p>
+            <a:pPr marL="342900" indent="-342900">
+              <a:buFont typeface="Arial" panose="020B0604020202020204" pitchFamily="34" charset="0"/>
+              <a:buChar char="•"/>
+            </a:pPr>
+            <a:r>
+              <a:rPr lang="en-US" sz="2400" dirty="0"/>
+              <a:t>(Outer) Join tables A and B</a:t>
+            </a:r>
+          </a:p>
+          <a:p>
+            <a:pPr marL="342900" indent="-342900">
+              <a:buFont typeface="Arial" panose="020B0604020202020204" pitchFamily="34" charset="0"/>
+              <a:buChar char="•"/>
+            </a:pPr>
+            <a:r>
+              <a:rPr lang="en-US" sz="2400" dirty="0"/>
+              <a:t>Show non-matching rows from A</a:t>
+            </a:r>
+          </a:p>
+          <a:p>
+            <a:pPr marL="285750" indent="-285750">
+              <a:buFont typeface="Arial" panose="020B0604020202020204" pitchFamily="34" charset="0"/>
+              <a:buChar char="•"/>
+            </a:pPr>
+            <a:endParaRPr lang="en-US" sz="2400" dirty="0"/>
+          </a:p>
+        </p:txBody>
+      </p:sp>
+    </p:spTree>
+    <p:extLst>
+      <p:ext uri="{BB962C8B-B14F-4D97-AF65-F5344CB8AC3E}">
+        <p14:creationId xmlns:p14="http://schemas.microsoft.com/office/powerpoint/2010/main" val="251839436"/>
+      </p:ext>
+    </p:extLst>
+  </p:cSld>
+  <p:clrMapOvr>
+    <a:masterClrMapping/>
+  </p:clrMapOvr>
+  <p:transition spd="med"/>
+</p:sld>
+</file>
+
+<file path=ppt/slides/slide17.xml><?xml version="1.0" encoding="utf-8"?>
+<p:sld xmlns:a="http://schemas.openxmlformats.org/drawingml/2006/main" xmlns:r="http://schemas.openxmlformats.org/officeDocument/2006/relationships" xmlns:p="http://schemas.openxmlformats.org/presentationml/2006/main">
+  <p:cSld>
+    <p:spTree>
+      <p:nvGrpSpPr>
+        <p:cNvPr id="1" name=""/>
+        <p:cNvGrpSpPr/>
+        <p:nvPr/>
+      </p:nvGrpSpPr>
+      <p:grpSpPr>
+        <a:xfrm>
+          <a:off x="0" y="0"/>
+          <a:ext cx="0" cy="0"/>
+          <a:chOff x="0" y="0"/>
+          <a:chExt cx="0" cy="0"/>
+        </a:xfrm>
+      </p:grpSpPr>
+      <p:sp>
+        <p:nvSpPr>
+          <p:cNvPr id="189" name="Shape 189"/>
+          <p:cNvSpPr/>
+          <p:nvPr/>
+        </p:nvSpPr>
+        <p:spPr>
+          <a:xfrm>
+            <a:off x="386308" y="147496"/>
+            <a:ext cx="7757379" cy="553998"/>
+          </a:xfrm>
+          <a:prstGeom prst="rect">
+            <a:avLst/>
+          </a:prstGeom>
+          <a:ln w="12700">
+            <a:miter lim="400000"/>
+          </a:ln>
+          <a:extLst>
+            <a:ext uri="{C572A759-6A51-4108-AA02-DFA0A04FC94B}">
+              <ma14:wrappingTextBoxFlag xmlns="" xmlns:ma14="http://schemas.microsoft.com/office/mac/drawingml/2011/main" val="1"/>
+            </a:ext>
+          </a:extLst>
+        </p:spPr>
+        <p:txBody>
+          <a:bodyPr lIns="45719" rIns="45719">
+            <a:spAutoFit/>
+          </a:bodyPr>
+          <a:lstStyle>
+            <a:lvl1pPr>
+              <a:defRPr sz="3000" b="1">
+                <a:uFill>
+                  <a:solidFill>
+                    <a:srgbClr val="FFFFFF"/>
+                  </a:solidFill>
+                </a:uFill>
+              </a:defRPr>
+            </a:lvl1pPr>
+          </a:lstStyle>
+          <a:p>
+            <a:pPr lvl="0">
+              <a:defRPr sz="1800" b="0">
+                <a:solidFill>
+                  <a:srgbClr val="000000"/>
+                </a:solidFill>
+                <a:uFillTx/>
+              </a:defRPr>
+            </a:pPr>
+            <a:r>
+              <a:rPr lang="en-US" sz="3000" b="1" dirty="0">
+                <a:uFill>
+                  <a:solidFill>
+                    <a:srgbClr val="FFFFFF"/>
+                  </a:solidFill>
+                </a:uFill>
+                <a:latin typeface="Arial Unicode MS" panose="020B0604020202020204" pitchFamily="34" charset="-128"/>
+              </a:rPr>
+              <a:t>Practice </a:t>
+            </a:r>
+            <a:r>
+              <a:rPr lang="en-US" sz="3000" b="1" dirty="0" err="1">
+                <a:uFill>
+                  <a:solidFill>
+                    <a:srgbClr val="FFFFFF"/>
+                  </a:solidFill>
+                </a:uFill>
+                <a:latin typeface="Arial Unicode MS" panose="020B0604020202020204" pitchFamily="34" charset="-128"/>
+              </a:rPr>
+              <a:t>SemiJoins</a:t>
+            </a:r>
+            <a:r>
+              <a:rPr lang="en-US" sz="3000" b="1" dirty="0">
+                <a:uFill>
+                  <a:solidFill>
+                    <a:srgbClr val="FFFFFF"/>
+                  </a:solidFill>
+                </a:uFill>
+                <a:latin typeface="Arial Unicode MS" panose="020B0604020202020204" pitchFamily="34" charset="-128"/>
+              </a:rPr>
+              <a:t> and </a:t>
+            </a:r>
+            <a:r>
+              <a:rPr lang="en-US" sz="3000" b="1" dirty="0" err="1">
+                <a:uFill>
+                  <a:solidFill>
+                    <a:srgbClr val="FFFFFF"/>
+                  </a:solidFill>
+                </a:uFill>
+                <a:latin typeface="Arial Unicode MS" panose="020B0604020202020204" pitchFamily="34" charset="-128"/>
+              </a:rPr>
+              <a:t>AntiJoins</a:t>
+            </a:r>
+            <a:endParaRPr sz="3000" b="1" dirty="0">
+              <a:uFill>
+                <a:solidFill>
+                  <a:srgbClr val="FFFFFF"/>
+                </a:solidFill>
+              </a:uFill>
+              <a:latin typeface="Arial Unicode MS" panose="020B0604020202020204" pitchFamily="34" charset="-128"/>
+            </a:endParaRPr>
+          </a:p>
+        </p:txBody>
+      </p:sp>
+      <p:sp>
+        <p:nvSpPr>
+          <p:cNvPr id="190" name="Shape 190"/>
+          <p:cNvSpPr/>
+          <p:nvPr/>
+        </p:nvSpPr>
+        <p:spPr>
+          <a:xfrm>
+            <a:off x="469900" y="1324179"/>
+            <a:ext cx="8204200" cy="307777"/>
+          </a:xfrm>
+          <a:prstGeom prst="rect">
+            <a:avLst/>
+          </a:prstGeom>
+          <a:ln w="12700">
+            <a:miter lim="400000"/>
+          </a:ln>
+          <a:extLst>
+            <a:ext uri="{C572A759-6A51-4108-AA02-DFA0A04FC94B}">
+              <ma14:wrappingTextBoxFlag xmlns="" xmlns:ma14="http://schemas.microsoft.com/office/mac/drawingml/2011/main" val="1"/>
+            </a:ext>
+          </a:extLst>
+        </p:spPr>
+        <p:txBody>
+          <a:bodyPr lIns="0" tIns="0" rIns="0" bIns="0">
+            <a:spAutoFit/>
+          </a:bodyPr>
+          <a:lstStyle/>
+          <a:p>
+            <a:pPr lvl="0">
+              <a:spcBef>
+                <a:spcPts val="700"/>
+              </a:spcBef>
+              <a:buSzPct val="100000"/>
+              <a:defRPr sz="1800">
+                <a:solidFill>
+                  <a:srgbClr val="000000"/>
+                </a:solidFill>
+                <a:uFillTx/>
+              </a:defRPr>
+            </a:pPr>
+            <a:endParaRPr sz="2000" dirty="0">
+              <a:uFill>
+                <a:solidFill/>
+              </a:uFill>
+              <a:latin typeface="Arial Unicode MS" panose="020B0604020202020204" pitchFamily="34" charset="-128"/>
+              <a:ea typeface="Arial Unicode MS" panose="020B0604020202020204" pitchFamily="34" charset="-128"/>
+              <a:cs typeface="Arial Unicode MS" panose="020B0604020202020204" pitchFamily="34" charset="-128"/>
+              <a:sym typeface="Iowan Old Style Roman"/>
+            </a:endParaRPr>
+          </a:p>
+        </p:txBody>
+      </p:sp>
+      <p:sp>
+        <p:nvSpPr>
+          <p:cNvPr id="2" name="TextBox 1"/>
+          <p:cNvSpPr txBox="1"/>
+          <p:nvPr/>
+        </p:nvSpPr>
+        <p:spPr>
+          <a:xfrm>
+            <a:off x="194925" y="1376737"/>
             <a:ext cx="8204200" cy="4524315"/>
           </a:xfrm>
           <a:prstGeom prst="rect">
@@ -9891,7 +10174,7 @@
 </p:sld>
 </file>
 
-<file path=ppt/slides/slide17.xml><?xml version="1.0" encoding="utf-8"?>
+<file path=ppt/slides/slide18.xml><?xml version="1.0" encoding="utf-8"?>
 <p:sld xmlns:a="http://schemas.openxmlformats.org/drawingml/2006/main" xmlns:r="http://schemas.openxmlformats.org/officeDocument/2006/relationships" xmlns:p="http://schemas.openxmlformats.org/presentationml/2006/main">
   <p:cSld>
     <p:spTree>
